--- a/lectures/4. Psychoacoustic principles.pptx
+++ b/lectures/4. Psychoacoustic principles.pptx
@@ -1,35 +1,38 @@
 
 <file path=ppt/presentation.xml><?xml version="1.0" encoding="utf-8"?>
-<p:presentation xmlns:a="http://schemas.openxmlformats.org/drawingml/2006/main" xmlns:r="http://schemas.openxmlformats.org/officeDocument/2006/relationships" xmlns:mc="http://schemas.openxmlformats.org/markup-compatibility/2006" xmlns:mv="urn:schemas-microsoft-com:mac:vml" xmlns:p="http://schemas.openxmlformats.org/presentationml/2006/main" xmlns:c="http://schemas.openxmlformats.org/drawingml/2006/chart" xmlns:dgm="http://schemas.openxmlformats.org/drawingml/2006/diagram" xmlns:o="urn:schemas-microsoft-com:office:office" xmlns:v="urn:schemas-microsoft-com:vml" xmlns:pvml="urn:schemas-microsoft-com:office:powerpoint" xmlns:com="http://schemas.openxmlformats.org/drawingml/2006/compatibility" xmlns:p14="http://schemas.microsoft.com/office/powerpoint/2010/main" xmlns:p15="http://schemas.microsoft.com/office/powerpoint/2012/main" xmlns:ahyp="http://schemas.microsoft.com/office/drawing/2018/hyperlinkcolor" autoCompressPictures="0" strictFirstAndLastChars="0" saveSubsetFonts="1">
+<p:presentation xmlns:a="http://schemas.openxmlformats.org/drawingml/2006/main" xmlns:r="http://schemas.openxmlformats.org/officeDocument/2006/relationships" xmlns:p="http://schemas.openxmlformats.org/presentationml/2006/main" strictFirstAndLastChars="0" saveSubsetFonts="1" autoCompressPictures="0">
   <p:sldMasterIdLst>
-    <p:sldMasterId id="2147483659" r:id="rId4"/>
+    <p:sldMasterId id="2147483659" r:id="rId1"/>
   </p:sldMasterIdLst>
   <p:notesMasterIdLst>
-    <p:notesMasterId r:id="rId5"/>
+    <p:notesMasterId r:id="rId22"/>
   </p:notesMasterIdLst>
   <p:sldIdLst>
-    <p:sldId id="256" r:id="rId6"/>
-    <p:sldId id="257" r:id="rId7"/>
-    <p:sldId id="258" r:id="rId8"/>
-    <p:sldId id="259" r:id="rId9"/>
-    <p:sldId id="260" r:id="rId10"/>
-    <p:sldId id="261" r:id="rId11"/>
-    <p:sldId id="262" r:id="rId12"/>
-    <p:sldId id="263" r:id="rId13"/>
-    <p:sldId id="264" r:id="rId14"/>
-    <p:sldId id="265" r:id="rId15"/>
-    <p:sldId id="266" r:id="rId16"/>
-    <p:sldId id="267" r:id="rId17"/>
-    <p:sldId id="268" r:id="rId18"/>
-    <p:sldId id="269" r:id="rId19"/>
-    <p:sldId id="270" r:id="rId20"/>
-    <p:sldId id="271" r:id="rId21"/>
-    <p:sldId id="272" r:id="rId22"/>
+    <p:sldId id="256" r:id="rId2"/>
+    <p:sldId id="257" r:id="rId3"/>
+    <p:sldId id="258" r:id="rId4"/>
+    <p:sldId id="259" r:id="rId5"/>
+    <p:sldId id="260" r:id="rId6"/>
+    <p:sldId id="261" r:id="rId7"/>
+    <p:sldId id="262" r:id="rId8"/>
+    <p:sldId id="263" r:id="rId9"/>
+    <p:sldId id="264" r:id="rId10"/>
+    <p:sldId id="265" r:id="rId11"/>
+    <p:sldId id="266" r:id="rId12"/>
+    <p:sldId id="285" r:id="rId13"/>
+    <p:sldId id="267" r:id="rId14"/>
+    <p:sldId id="268" r:id="rId15"/>
+    <p:sldId id="286" r:id="rId16"/>
+    <p:sldId id="269" r:id="rId17"/>
+    <p:sldId id="270" r:id="rId18"/>
+    <p:sldId id="271" r:id="rId19"/>
+    <p:sldId id="272" r:id="rId20"/>
+    <p:sldId id="284" r:id="rId21"/>
   </p:sldIdLst>
-  <p:sldSz cy="5143500" cx="9144000"/>
+  <p:sldSz cx="9144000" cy="5143500" type="screen16x9"/>
   <p:notesSz cx="6858000" cy="9144000"/>
   <p:defaultTextStyle>
-    <a:defPPr lvl="0" marR="0" rtl="0" algn="l">
+    <a:defPPr marR="0" lvl="0" algn="l" rtl="0">
       <a:lnSpc>
         <a:spcPct val="100000"/>
       </a:lnSpc>
@@ -40,7 +43,7 @@
         <a:spcPts val="0"/>
       </a:spcAft>
     </a:defPPr>
-    <a:lvl1pPr lvl="0" marR="0" rtl="0" algn="l">
+    <a:lvl1pPr marR="0" lvl="0" algn="l" rtl="0">
       <a:lnSpc>
         <a:spcPct val="100000"/>
       </a:lnSpc>
@@ -54,7 +57,7 @@
         <a:srgbClr val="000000"/>
       </a:buClr>
       <a:buFont typeface="Arial"/>
-      <a:defRPr b="0" i="0" sz="1400" u="none" cap="none" strike="noStrike">
+      <a:defRPr sz="1400" b="0" i="0" u="none" strike="noStrike" cap="none">
         <a:solidFill>
           <a:srgbClr val="000000"/>
         </a:solidFill>
@@ -64,7 +67,7 @@
         <a:sym typeface="Arial"/>
       </a:defRPr>
     </a:lvl1pPr>
-    <a:lvl2pPr lvl="1" marR="0" rtl="0" algn="l">
+    <a:lvl2pPr marR="0" lvl="1" algn="l" rtl="0">
       <a:lnSpc>
         <a:spcPct val="100000"/>
       </a:lnSpc>
@@ -78,7 +81,7 @@
         <a:srgbClr val="000000"/>
       </a:buClr>
       <a:buFont typeface="Arial"/>
-      <a:defRPr b="0" i="0" sz="1400" u="none" cap="none" strike="noStrike">
+      <a:defRPr sz="1400" b="0" i="0" u="none" strike="noStrike" cap="none">
         <a:solidFill>
           <a:srgbClr val="000000"/>
         </a:solidFill>
@@ -88,7 +91,7 @@
         <a:sym typeface="Arial"/>
       </a:defRPr>
     </a:lvl2pPr>
-    <a:lvl3pPr lvl="2" marR="0" rtl="0" algn="l">
+    <a:lvl3pPr marR="0" lvl="2" algn="l" rtl="0">
       <a:lnSpc>
         <a:spcPct val="100000"/>
       </a:lnSpc>
@@ -102,7 +105,7 @@
         <a:srgbClr val="000000"/>
       </a:buClr>
       <a:buFont typeface="Arial"/>
-      <a:defRPr b="0" i="0" sz="1400" u="none" cap="none" strike="noStrike">
+      <a:defRPr sz="1400" b="0" i="0" u="none" strike="noStrike" cap="none">
         <a:solidFill>
           <a:srgbClr val="000000"/>
         </a:solidFill>
@@ -112,7 +115,7 @@
         <a:sym typeface="Arial"/>
       </a:defRPr>
     </a:lvl3pPr>
-    <a:lvl4pPr lvl="3" marR="0" rtl="0" algn="l">
+    <a:lvl4pPr marR="0" lvl="3" algn="l" rtl="0">
       <a:lnSpc>
         <a:spcPct val="100000"/>
       </a:lnSpc>
@@ -126,7 +129,7 @@
         <a:srgbClr val="000000"/>
       </a:buClr>
       <a:buFont typeface="Arial"/>
-      <a:defRPr b="0" i="0" sz="1400" u="none" cap="none" strike="noStrike">
+      <a:defRPr sz="1400" b="0" i="0" u="none" strike="noStrike" cap="none">
         <a:solidFill>
           <a:srgbClr val="000000"/>
         </a:solidFill>
@@ -136,7 +139,7 @@
         <a:sym typeface="Arial"/>
       </a:defRPr>
     </a:lvl4pPr>
-    <a:lvl5pPr lvl="4" marR="0" rtl="0" algn="l">
+    <a:lvl5pPr marR="0" lvl="4" algn="l" rtl="0">
       <a:lnSpc>
         <a:spcPct val="100000"/>
       </a:lnSpc>
@@ -150,7 +153,7 @@
         <a:srgbClr val="000000"/>
       </a:buClr>
       <a:buFont typeface="Arial"/>
-      <a:defRPr b="0" i="0" sz="1400" u="none" cap="none" strike="noStrike">
+      <a:defRPr sz="1400" b="0" i="0" u="none" strike="noStrike" cap="none">
         <a:solidFill>
           <a:srgbClr val="000000"/>
         </a:solidFill>
@@ -160,7 +163,7 @@
         <a:sym typeface="Arial"/>
       </a:defRPr>
     </a:lvl5pPr>
-    <a:lvl6pPr lvl="5" marR="0" rtl="0" algn="l">
+    <a:lvl6pPr marR="0" lvl="5" algn="l" rtl="0">
       <a:lnSpc>
         <a:spcPct val="100000"/>
       </a:lnSpc>
@@ -174,7 +177,7 @@
         <a:srgbClr val="000000"/>
       </a:buClr>
       <a:buFont typeface="Arial"/>
-      <a:defRPr b="0" i="0" sz="1400" u="none" cap="none" strike="noStrike">
+      <a:defRPr sz="1400" b="0" i="0" u="none" strike="noStrike" cap="none">
         <a:solidFill>
           <a:srgbClr val="000000"/>
         </a:solidFill>
@@ -184,7 +187,7 @@
         <a:sym typeface="Arial"/>
       </a:defRPr>
     </a:lvl6pPr>
-    <a:lvl7pPr lvl="6" marR="0" rtl="0" algn="l">
+    <a:lvl7pPr marR="0" lvl="6" algn="l" rtl="0">
       <a:lnSpc>
         <a:spcPct val="100000"/>
       </a:lnSpc>
@@ -198,7 +201,7 @@
         <a:srgbClr val="000000"/>
       </a:buClr>
       <a:buFont typeface="Arial"/>
-      <a:defRPr b="0" i="0" sz="1400" u="none" cap="none" strike="noStrike">
+      <a:defRPr sz="1400" b="0" i="0" u="none" strike="noStrike" cap="none">
         <a:solidFill>
           <a:srgbClr val="000000"/>
         </a:solidFill>
@@ -208,7 +211,7 @@
         <a:sym typeface="Arial"/>
       </a:defRPr>
     </a:lvl7pPr>
-    <a:lvl8pPr lvl="7" marR="0" rtl="0" algn="l">
+    <a:lvl8pPr marR="0" lvl="7" algn="l" rtl="0">
       <a:lnSpc>
         <a:spcPct val="100000"/>
       </a:lnSpc>
@@ -222,7 +225,7 @@
         <a:srgbClr val="000000"/>
       </a:buClr>
       <a:buFont typeface="Arial"/>
-      <a:defRPr b="0" i="0" sz="1400" u="none" cap="none" strike="noStrike">
+      <a:defRPr sz="1400" b="0" i="0" u="none" strike="noStrike" cap="none">
         <a:solidFill>
           <a:srgbClr val="000000"/>
         </a:solidFill>
@@ -232,7 +235,7 @@
         <a:sym typeface="Arial"/>
       </a:defRPr>
     </a:lvl8pPr>
-    <a:lvl9pPr lvl="8" marR="0" rtl="0" algn="l">
+    <a:lvl9pPr marR="0" lvl="8" algn="l" rtl="0">
       <a:lnSpc>
         <a:spcPct val="100000"/>
       </a:lnSpc>
@@ -246,7 +249,7 @@
         <a:srgbClr val="000000"/>
       </a:buClr>
       <a:buFont typeface="Arial"/>
-      <a:defRPr b="0" i="0" sz="1400" u="none" cap="none" strike="noStrike">
+      <a:defRPr sz="1400" b="0" i="0" u="none" strike="noStrike" cap="none">
         <a:solidFill>
           <a:srgbClr val="000000"/>
         </a:solidFill>
@@ -259,7 +262,7 @@
   </p:defaultTextStyle>
   <p:extLst>
     <p:ext uri="{EFAFB233-063F-42B5-8137-9DF3F51BA10A}">
-      <p15:sldGuideLst>
+      <p15:sldGuideLst xmlns:p15="http://schemas.microsoft.com/office/powerpoint/2012/main">
         <p15:guide id="1" orient="horz" pos="1620">
           <p15:clr>
             <a:srgbClr val="747775"/>
@@ -277,11 +280,16 @@
 </file>
 
 <file path=ppt/notesMasters/notesMaster1.xml><?xml version="1.0" encoding="utf-8"?>
-<p:notesMaster xmlns:a="http://schemas.openxmlformats.org/drawingml/2006/main" xmlns:r="http://schemas.openxmlformats.org/officeDocument/2006/relationships" xmlns:mc="http://schemas.openxmlformats.org/markup-compatibility/2006" xmlns:mv="urn:schemas-microsoft-com:mac:vml" xmlns:p="http://schemas.openxmlformats.org/presentationml/2006/main" xmlns:c="http://schemas.openxmlformats.org/drawingml/2006/chart" xmlns:dgm="http://schemas.openxmlformats.org/drawingml/2006/diagram" xmlns:o="urn:schemas-microsoft-com:office:office" xmlns:v="urn:schemas-microsoft-com:vml" xmlns:pvml="urn:schemas-microsoft-com:office:powerpoint" xmlns:com="http://schemas.openxmlformats.org/drawingml/2006/compatibility" xmlns:p14="http://schemas.microsoft.com/office/powerpoint/2010/main" xmlns:p15="http://schemas.microsoft.com/office/powerpoint/2012/main" xmlns:ahyp="http://schemas.microsoft.com/office/drawing/2018/hyperlinkcolor">
+<p:notesMaster xmlns:a="http://schemas.openxmlformats.org/drawingml/2006/main" xmlns:r="http://schemas.openxmlformats.org/officeDocument/2006/relationships" xmlns:p="http://schemas.openxmlformats.org/presentationml/2006/main">
   <p:cSld>
+    <p:bg>
+      <p:bgRef idx="1001">
+        <a:schemeClr val="bg1"/>
+      </p:bgRef>
+    </p:bg>
     <p:spTree>
       <p:nvGrpSpPr>
-        <p:cNvPr id="2" name="Shape 2"/>
+        <p:cNvPr id="1" name="Shape 2"/>
         <p:cNvGrpSpPr/>
         <p:nvPr/>
       </p:nvGrpSpPr>
@@ -296,9 +304,11 @@
       <p:sp>
         <p:nvSpPr>
           <p:cNvPr id="3" name="Google Shape;3;n"/>
-          <p:cNvSpPr/>
+          <p:cNvSpPr>
+            <a:spLocks noGrp="1" noRot="1" noChangeAspect="1"/>
+          </p:cNvSpPr>
           <p:nvPr>
-            <p:ph idx="2" type="sldImg"/>
+            <p:ph type="sldImg" idx="2"/>
           </p:nvPr>
         </p:nvSpPr>
         <p:spPr>
@@ -307,9 +317,13 @@
             <a:ext cx="6096075" cy="3429000"/>
           </a:xfrm>
           <a:custGeom>
-            <a:rect b="b" l="l" r="r" t="t"/>
+            <a:avLst/>
+            <a:gdLst/>
+            <a:ahLst/>
+            <a:cxnLst/>
+            <a:rect l="l" t="t" r="r" b="b"/>
             <a:pathLst>
-              <a:path extrusionOk="0" h="120000" w="120000">
+              <a:path w="120000" h="120000" extrusionOk="0">
                 <a:moveTo>
                   <a:pt x="0" y="0"/>
                 </a:moveTo>
@@ -327,23 +341,25 @@
             </a:pathLst>
           </a:custGeom>
           <a:noFill/>
-          <a:ln cap="flat" cmpd="sng" w="9525">
+          <a:ln w="9525" cap="flat" cmpd="sng">
             <a:solidFill>
               <a:srgbClr val="000000"/>
             </a:solidFill>
             <a:prstDash val="solid"/>
             <a:round/>
-            <a:headEnd len="sm" w="sm" type="none"/>
-            <a:tailEnd len="sm" w="sm" type="none"/>
+            <a:headEnd type="none" w="sm" len="sm"/>
+            <a:tailEnd type="none" w="sm" len="sm"/>
           </a:ln>
         </p:spPr>
       </p:sp>
       <p:sp>
         <p:nvSpPr>
           <p:cNvPr id="4" name="Google Shape;4;n"/>
-          <p:cNvSpPr txBox="1"/>
+          <p:cNvSpPr txBox="1">
+            <a:spLocks noGrp="1"/>
+          </p:cNvSpPr>
           <p:nvPr>
-            <p:ph idx="1" type="body"/>
+            <p:ph type="body" idx="1"/>
           </p:nvPr>
         </p:nvSpPr>
         <p:spPr>
@@ -360,11 +376,11 @@
           </a:ln>
         </p:spPr>
         <p:txBody>
-          <a:bodyPr anchorCtr="0" anchor="t" bIns="91425" lIns="91425" spcFirstLastPara="1" rIns="91425" wrap="square" tIns="91425">
+          <a:bodyPr spcFirstLastPara="1" wrap="square" lIns="91425" tIns="91425" rIns="91425" bIns="91425" anchor="t" anchorCtr="0">
             <a:noAutofit/>
           </a:bodyPr>
           <a:lstStyle>
-            <a:lvl1pPr indent="-298450" lvl="0" marL="457200">
+            <a:lvl1pPr marL="457200" lvl="0" indent="-298450">
               <a:spcBef>
                 <a:spcPts val="0"/>
               </a:spcBef>
@@ -375,7 +391,7 @@
               <a:buChar char="●"/>
               <a:defRPr sz="1100"/>
             </a:lvl1pPr>
-            <a:lvl2pPr indent="-298450" lvl="1" marL="914400">
+            <a:lvl2pPr marL="914400" lvl="1" indent="-298450">
               <a:spcBef>
                 <a:spcPts val="0"/>
               </a:spcBef>
@@ -386,7 +402,7 @@
               <a:buChar char="○"/>
               <a:defRPr sz="1100"/>
             </a:lvl2pPr>
-            <a:lvl3pPr indent="-298450" lvl="2" marL="1371600">
+            <a:lvl3pPr marL="1371600" lvl="2" indent="-298450">
               <a:spcBef>
                 <a:spcPts val="0"/>
               </a:spcBef>
@@ -397,7 +413,7 @@
               <a:buChar char="■"/>
               <a:defRPr sz="1100"/>
             </a:lvl3pPr>
-            <a:lvl4pPr indent="-298450" lvl="3" marL="1828800">
+            <a:lvl4pPr marL="1828800" lvl="3" indent="-298450">
               <a:spcBef>
                 <a:spcPts val="0"/>
               </a:spcBef>
@@ -408,7 +424,7 @@
               <a:buChar char="●"/>
               <a:defRPr sz="1100"/>
             </a:lvl4pPr>
-            <a:lvl5pPr indent="-298450" lvl="4" marL="2286000">
+            <a:lvl5pPr marL="2286000" lvl="4" indent="-298450">
               <a:spcBef>
                 <a:spcPts val="0"/>
               </a:spcBef>
@@ -419,7 +435,7 @@
               <a:buChar char="○"/>
               <a:defRPr sz="1100"/>
             </a:lvl5pPr>
-            <a:lvl6pPr indent="-298450" lvl="5" marL="2743200">
+            <a:lvl6pPr marL="2743200" lvl="5" indent="-298450">
               <a:spcBef>
                 <a:spcPts val="0"/>
               </a:spcBef>
@@ -430,7 +446,7 @@
               <a:buChar char="■"/>
               <a:defRPr sz="1100"/>
             </a:lvl6pPr>
-            <a:lvl7pPr indent="-298450" lvl="6" marL="3200400">
+            <a:lvl7pPr marL="3200400" lvl="6" indent="-298450">
               <a:spcBef>
                 <a:spcPts val="0"/>
               </a:spcBef>
@@ -441,7 +457,7 @@
               <a:buChar char="●"/>
               <a:defRPr sz="1100"/>
             </a:lvl7pPr>
-            <a:lvl8pPr indent="-298450" lvl="7" marL="3657600">
+            <a:lvl8pPr marL="3657600" lvl="7" indent="-298450">
               <a:spcBef>
                 <a:spcPts val="0"/>
               </a:spcBef>
@@ -452,7 +468,7 @@
               <a:buChar char="○"/>
               <a:defRPr sz="1100"/>
             </a:lvl8pPr>
-            <a:lvl9pPr indent="-298450" lvl="8" marL="4114800">
+            <a:lvl9pPr marL="4114800" lvl="8" indent="-298450">
               <a:spcBef>
                 <a:spcPts val="0"/>
               </a:spcBef>
@@ -464,14 +480,16 @@
               <a:defRPr sz="1100"/>
             </a:lvl9pPr>
           </a:lstStyle>
-          <a:p/>
+          <a:p>
+            <a:endParaRPr/>
+          </a:p>
         </p:txBody>
       </p:sp>
     </p:spTree>
   </p:cSld>
-  <p:clrMap accent1="accent1" accent2="accent2" accent3="accent3" accent4="accent4" accent5="accent5" accent6="accent6" bg1="lt1" bg2="dk2" tx1="dk1" tx2="lt2" folHlink="folHlink" hlink="hlink"/>
+  <p:clrMap bg1="lt1" tx1="dk1" bg2="dk2" tx2="lt2" accent1="accent1" accent2="accent2" accent3="accent3" accent4="accent4" accent5="accent5" accent6="accent6" hlink="hlink" folHlink="folHlink"/>
   <p:notesStyle>
-    <a:defPPr lvl="0" marR="0" rtl="0" algn="l">
+    <a:defPPr marR="0" lvl="0" algn="l" rtl="0">
       <a:lnSpc>
         <a:spcPct val="100000"/>
       </a:lnSpc>
@@ -482,7 +500,7 @@
         <a:spcPts val="0"/>
       </a:spcAft>
     </a:defPPr>
-    <a:lvl1pPr lvl="0" marR="0" rtl="0" algn="l">
+    <a:lvl1pPr marR="0" lvl="0" algn="l" rtl="0">
       <a:lnSpc>
         <a:spcPct val="100000"/>
       </a:lnSpc>
@@ -496,7 +514,7 @@
         <a:srgbClr val="000000"/>
       </a:buClr>
       <a:buFont typeface="Arial"/>
-      <a:defRPr b="0" i="0" sz="1400" u="none" cap="none" strike="noStrike">
+      <a:defRPr sz="1400" b="0" i="0" u="none" strike="noStrike" cap="none">
         <a:solidFill>
           <a:srgbClr val="000000"/>
         </a:solidFill>
@@ -506,7 +524,7 @@
         <a:sym typeface="Arial"/>
       </a:defRPr>
     </a:lvl1pPr>
-    <a:lvl2pPr lvl="1" marR="0" rtl="0" algn="l">
+    <a:lvl2pPr marR="0" lvl="1" algn="l" rtl="0">
       <a:lnSpc>
         <a:spcPct val="100000"/>
       </a:lnSpc>
@@ -520,7 +538,7 @@
         <a:srgbClr val="000000"/>
       </a:buClr>
       <a:buFont typeface="Arial"/>
-      <a:defRPr b="0" i="0" sz="1400" u="none" cap="none" strike="noStrike">
+      <a:defRPr sz="1400" b="0" i="0" u="none" strike="noStrike" cap="none">
         <a:solidFill>
           <a:srgbClr val="000000"/>
         </a:solidFill>
@@ -530,7 +548,7 @@
         <a:sym typeface="Arial"/>
       </a:defRPr>
     </a:lvl2pPr>
-    <a:lvl3pPr lvl="2" marR="0" rtl="0" algn="l">
+    <a:lvl3pPr marR="0" lvl="2" algn="l" rtl="0">
       <a:lnSpc>
         <a:spcPct val="100000"/>
       </a:lnSpc>
@@ -544,7 +562,7 @@
         <a:srgbClr val="000000"/>
       </a:buClr>
       <a:buFont typeface="Arial"/>
-      <a:defRPr b="0" i="0" sz="1400" u="none" cap="none" strike="noStrike">
+      <a:defRPr sz="1400" b="0" i="0" u="none" strike="noStrike" cap="none">
         <a:solidFill>
           <a:srgbClr val="000000"/>
         </a:solidFill>
@@ -554,7 +572,7 @@
         <a:sym typeface="Arial"/>
       </a:defRPr>
     </a:lvl3pPr>
-    <a:lvl4pPr lvl="3" marR="0" rtl="0" algn="l">
+    <a:lvl4pPr marR="0" lvl="3" algn="l" rtl="0">
       <a:lnSpc>
         <a:spcPct val="100000"/>
       </a:lnSpc>
@@ -568,7 +586,7 @@
         <a:srgbClr val="000000"/>
       </a:buClr>
       <a:buFont typeface="Arial"/>
-      <a:defRPr b="0" i="0" sz="1400" u="none" cap="none" strike="noStrike">
+      <a:defRPr sz="1400" b="0" i="0" u="none" strike="noStrike" cap="none">
         <a:solidFill>
           <a:srgbClr val="000000"/>
         </a:solidFill>
@@ -578,7 +596,7 @@
         <a:sym typeface="Arial"/>
       </a:defRPr>
     </a:lvl4pPr>
-    <a:lvl5pPr lvl="4" marR="0" rtl="0" algn="l">
+    <a:lvl5pPr marR="0" lvl="4" algn="l" rtl="0">
       <a:lnSpc>
         <a:spcPct val="100000"/>
       </a:lnSpc>
@@ -592,7 +610,7 @@
         <a:srgbClr val="000000"/>
       </a:buClr>
       <a:buFont typeface="Arial"/>
-      <a:defRPr b="0" i="0" sz="1400" u="none" cap="none" strike="noStrike">
+      <a:defRPr sz="1400" b="0" i="0" u="none" strike="noStrike" cap="none">
         <a:solidFill>
           <a:srgbClr val="000000"/>
         </a:solidFill>
@@ -602,7 +620,7 @@
         <a:sym typeface="Arial"/>
       </a:defRPr>
     </a:lvl5pPr>
-    <a:lvl6pPr lvl="5" marR="0" rtl="0" algn="l">
+    <a:lvl6pPr marR="0" lvl="5" algn="l" rtl="0">
       <a:lnSpc>
         <a:spcPct val="100000"/>
       </a:lnSpc>
@@ -616,7 +634,7 @@
         <a:srgbClr val="000000"/>
       </a:buClr>
       <a:buFont typeface="Arial"/>
-      <a:defRPr b="0" i="0" sz="1400" u="none" cap="none" strike="noStrike">
+      <a:defRPr sz="1400" b="0" i="0" u="none" strike="noStrike" cap="none">
         <a:solidFill>
           <a:srgbClr val="000000"/>
         </a:solidFill>
@@ -626,7 +644,7 @@
         <a:sym typeface="Arial"/>
       </a:defRPr>
     </a:lvl6pPr>
-    <a:lvl7pPr lvl="6" marR="0" rtl="0" algn="l">
+    <a:lvl7pPr marR="0" lvl="6" algn="l" rtl="0">
       <a:lnSpc>
         <a:spcPct val="100000"/>
       </a:lnSpc>
@@ -640,7 +658,7 @@
         <a:srgbClr val="000000"/>
       </a:buClr>
       <a:buFont typeface="Arial"/>
-      <a:defRPr b="0" i="0" sz="1400" u="none" cap="none" strike="noStrike">
+      <a:defRPr sz="1400" b="0" i="0" u="none" strike="noStrike" cap="none">
         <a:solidFill>
           <a:srgbClr val="000000"/>
         </a:solidFill>
@@ -650,7 +668,7 @@
         <a:sym typeface="Arial"/>
       </a:defRPr>
     </a:lvl7pPr>
-    <a:lvl8pPr lvl="7" marR="0" rtl="0" algn="l">
+    <a:lvl8pPr marR="0" lvl="7" algn="l" rtl="0">
       <a:lnSpc>
         <a:spcPct val="100000"/>
       </a:lnSpc>
@@ -664,7 +682,7 @@
         <a:srgbClr val="000000"/>
       </a:buClr>
       <a:buFont typeface="Arial"/>
-      <a:defRPr b="0" i="0" sz="1400" u="none" cap="none" strike="noStrike">
+      <a:defRPr sz="1400" b="0" i="0" u="none" strike="noStrike" cap="none">
         <a:solidFill>
           <a:srgbClr val="000000"/>
         </a:solidFill>
@@ -674,7 +692,7 @@
         <a:sym typeface="Arial"/>
       </a:defRPr>
     </a:lvl8pPr>
-    <a:lvl9pPr lvl="8" marR="0" rtl="0" algn="l">
+    <a:lvl9pPr marR="0" lvl="8" algn="l" rtl="0">
       <a:lnSpc>
         <a:spcPct val="100000"/>
       </a:lnSpc>
@@ -688,7 +706,7 @@
         <a:srgbClr val="000000"/>
       </a:buClr>
       <a:buFont typeface="Arial"/>
-      <a:defRPr b="0" i="0" sz="1400" u="none" cap="none" strike="noStrike">
+      <a:defRPr sz="1400" b="0" i="0" u="none" strike="noStrike" cap="none">
         <a:solidFill>
           <a:srgbClr val="000000"/>
         </a:solidFill>
@@ -703,11 +721,11 @@
 </file>
 
 <file path=ppt/notesSlides/notesSlide1.xml><?xml version="1.0" encoding="utf-8"?>
-<p:notes xmlns:a="http://schemas.openxmlformats.org/drawingml/2006/main" xmlns:r="http://schemas.openxmlformats.org/officeDocument/2006/relationships" xmlns:mc="http://schemas.openxmlformats.org/markup-compatibility/2006" xmlns:mv="urn:schemas-microsoft-com:mac:vml" xmlns:p="http://schemas.openxmlformats.org/presentationml/2006/main" xmlns:c="http://schemas.openxmlformats.org/drawingml/2006/chart" xmlns:dgm="http://schemas.openxmlformats.org/drawingml/2006/diagram" xmlns:o="urn:schemas-microsoft-com:office:office" xmlns:v="urn:schemas-microsoft-com:vml" xmlns:pvml="urn:schemas-microsoft-com:office:powerpoint" xmlns:com="http://schemas.openxmlformats.org/drawingml/2006/compatibility" xmlns:p14="http://schemas.microsoft.com/office/powerpoint/2010/main" xmlns:p15="http://schemas.microsoft.com/office/powerpoint/2012/main" xmlns:ahyp="http://schemas.microsoft.com/office/drawing/2018/hyperlinkcolor" showMasterPhAnim="0" showMasterSp="0">
+<p:notes xmlns:a="http://schemas.openxmlformats.org/drawingml/2006/main" xmlns:r="http://schemas.openxmlformats.org/officeDocument/2006/relationships" xmlns:p="http://schemas.openxmlformats.org/presentationml/2006/main" showMasterSp="0" showMasterPhAnim="0">
   <p:cSld>
     <p:spTree>
       <p:nvGrpSpPr>
-        <p:cNvPr id="50" name="Shape 50"/>
+        <p:cNvPr id="1" name="Shape 50"/>
         <p:cNvGrpSpPr/>
         <p:nvPr/>
       </p:nvGrpSpPr>
@@ -722,9 +740,11 @@
       <p:sp>
         <p:nvSpPr>
           <p:cNvPr id="51" name="Google Shape;51;p:notes"/>
-          <p:cNvSpPr/>
+          <p:cNvSpPr>
+            <a:spLocks noGrp="1" noRot="1" noChangeAspect="1"/>
+          </p:cNvSpPr>
           <p:nvPr>
-            <p:ph idx="2" type="sldImg"/>
+            <p:ph type="sldImg" idx="2"/>
           </p:nvPr>
         </p:nvSpPr>
         <p:spPr>
@@ -733,9 +753,13 @@
             <a:ext cx="6096075" cy="3429000"/>
           </a:xfrm>
           <a:custGeom>
-            <a:rect b="b" l="l" r="r" t="t"/>
+            <a:avLst/>
+            <a:gdLst/>
+            <a:ahLst/>
+            <a:cxnLst/>
+            <a:rect l="l" t="t" r="r" b="b"/>
             <a:pathLst>
-              <a:path extrusionOk="0" h="120000" w="120000">
+              <a:path w="120000" h="120000" extrusionOk="0">
                 <a:moveTo>
                   <a:pt x="0" y="0"/>
                 </a:moveTo>
@@ -757,9 +781,11 @@
       <p:sp>
         <p:nvSpPr>
           <p:cNvPr id="52" name="Google Shape;52;p:notes"/>
-          <p:cNvSpPr txBox="1"/>
+          <p:cNvSpPr txBox="1">
+            <a:spLocks noGrp="1"/>
+          </p:cNvSpPr>
           <p:nvPr>
-            <p:ph idx="1" type="body"/>
+            <p:ph type="body" idx="1"/>
           </p:nvPr>
         </p:nvSpPr>
         <p:spPr>
@@ -772,12 +798,12 @@
           </a:prstGeom>
         </p:spPr>
         <p:txBody>
-          <a:bodyPr anchorCtr="0" anchor="t" bIns="91425" lIns="91425" spcFirstLastPara="1" rIns="91425" wrap="square" tIns="91425">
+          <a:bodyPr spcFirstLastPara="1" wrap="square" lIns="91425" tIns="91425" rIns="91425" bIns="91425" anchor="t" anchorCtr="0">
             <a:noAutofit/>
           </a:bodyPr>
           <a:lstStyle/>
           <a:p>
-            <a:pPr indent="0" lvl="0" marL="0" rtl="0" algn="l">
+            <a:pPr marL="0" lvl="0" indent="0" algn="l" rtl="0">
               <a:spcBef>
                 <a:spcPts val="0"/>
               </a:spcBef>
@@ -786,9 +812,6 @@
               </a:spcAft>
               <a:buNone/>
             </a:pPr>
-            <a:r>
-              <a:t/>
-            </a:r>
             <a:endParaRPr/>
           </a:p>
         </p:txBody>
@@ -802,11 +825,11 @@
 </file>
 
 <file path=ppt/notesSlides/notesSlide10.xml><?xml version="1.0" encoding="utf-8"?>
-<p:notes xmlns:a="http://schemas.openxmlformats.org/drawingml/2006/main" xmlns:r="http://schemas.openxmlformats.org/officeDocument/2006/relationships" xmlns:mc="http://schemas.openxmlformats.org/markup-compatibility/2006" xmlns:mv="urn:schemas-microsoft-com:mac:vml" xmlns:p="http://schemas.openxmlformats.org/presentationml/2006/main" xmlns:c="http://schemas.openxmlformats.org/drawingml/2006/chart" xmlns:dgm="http://schemas.openxmlformats.org/drawingml/2006/diagram" xmlns:o="urn:schemas-microsoft-com:office:office" xmlns:v="urn:schemas-microsoft-com:vml" xmlns:pvml="urn:schemas-microsoft-com:office:powerpoint" xmlns:com="http://schemas.openxmlformats.org/drawingml/2006/compatibility" xmlns:p14="http://schemas.microsoft.com/office/powerpoint/2010/main" xmlns:p15="http://schemas.microsoft.com/office/powerpoint/2012/main" xmlns:ahyp="http://schemas.microsoft.com/office/drawing/2018/hyperlinkcolor" showMasterPhAnim="0" showMasterSp="0">
+<p:notes xmlns:a="http://schemas.openxmlformats.org/drawingml/2006/main" xmlns:r="http://schemas.openxmlformats.org/officeDocument/2006/relationships" xmlns:p="http://schemas.openxmlformats.org/presentationml/2006/main" showMasterSp="0" showMasterPhAnim="0">
   <p:cSld>
     <p:spTree>
       <p:nvGrpSpPr>
-        <p:cNvPr id="107" name="Shape 107"/>
+        <p:cNvPr id="1" name="Shape 107"/>
         <p:cNvGrpSpPr/>
         <p:nvPr/>
       </p:nvGrpSpPr>
@@ -821,9 +844,11 @@
       <p:sp>
         <p:nvSpPr>
           <p:cNvPr id="108" name="Google Shape;108;g2f33106c262_0_34:notes"/>
-          <p:cNvSpPr/>
+          <p:cNvSpPr>
+            <a:spLocks noGrp="1" noRot="1" noChangeAspect="1"/>
+          </p:cNvSpPr>
           <p:nvPr>
-            <p:ph idx="2" type="sldImg"/>
+            <p:ph type="sldImg" idx="2"/>
           </p:nvPr>
         </p:nvSpPr>
         <p:spPr>
@@ -832,9 +857,13 @@
             <a:ext cx="6096000" cy="3429000"/>
           </a:xfrm>
           <a:custGeom>
-            <a:rect b="b" l="l" r="r" t="t"/>
+            <a:avLst/>
+            <a:gdLst/>
+            <a:ahLst/>
+            <a:cxnLst/>
+            <a:rect l="l" t="t" r="r" b="b"/>
             <a:pathLst>
-              <a:path extrusionOk="0" h="120000" w="120000">
+              <a:path w="120000" h="120000" extrusionOk="0">
                 <a:moveTo>
                   <a:pt x="0" y="0"/>
                 </a:moveTo>
@@ -856,9 +885,11 @@
       <p:sp>
         <p:nvSpPr>
           <p:cNvPr id="109" name="Google Shape;109;g2f33106c262_0_34:notes"/>
-          <p:cNvSpPr txBox="1"/>
+          <p:cNvSpPr txBox="1">
+            <a:spLocks noGrp="1"/>
+          </p:cNvSpPr>
           <p:nvPr>
-            <p:ph idx="1" type="body"/>
+            <p:ph type="body" idx="1"/>
           </p:nvPr>
         </p:nvSpPr>
         <p:spPr>
@@ -871,12 +902,12 @@
           </a:prstGeom>
         </p:spPr>
         <p:txBody>
-          <a:bodyPr anchorCtr="0" anchor="t" bIns="91425" lIns="91425" spcFirstLastPara="1" rIns="91425" wrap="square" tIns="91425">
+          <a:bodyPr spcFirstLastPara="1" wrap="square" lIns="91425" tIns="91425" rIns="91425" bIns="91425" anchor="t" anchorCtr="0">
             <a:noAutofit/>
           </a:bodyPr>
           <a:lstStyle/>
           <a:p>
-            <a:pPr indent="0" lvl="0" marL="0" rtl="0" algn="l">
+            <a:pPr marL="0" lvl="0" indent="0" algn="l" rtl="0">
               <a:spcBef>
                 <a:spcPts val="0"/>
               </a:spcBef>
@@ -885,9 +916,6 @@
               </a:spcAft>
               <a:buNone/>
             </a:pPr>
-            <a:r>
-              <a:t/>
-            </a:r>
             <a:endParaRPr/>
           </a:p>
         </p:txBody>
@@ -901,11 +929,11 @@
 </file>
 
 <file path=ppt/notesSlides/notesSlide11.xml><?xml version="1.0" encoding="utf-8"?>
-<p:notes xmlns:a="http://schemas.openxmlformats.org/drawingml/2006/main" xmlns:r="http://schemas.openxmlformats.org/officeDocument/2006/relationships" xmlns:mc="http://schemas.openxmlformats.org/markup-compatibility/2006" xmlns:mv="urn:schemas-microsoft-com:mac:vml" xmlns:p="http://schemas.openxmlformats.org/presentationml/2006/main" xmlns:c="http://schemas.openxmlformats.org/drawingml/2006/chart" xmlns:dgm="http://schemas.openxmlformats.org/drawingml/2006/diagram" xmlns:o="urn:schemas-microsoft-com:office:office" xmlns:v="urn:schemas-microsoft-com:vml" xmlns:pvml="urn:schemas-microsoft-com:office:powerpoint" xmlns:com="http://schemas.openxmlformats.org/drawingml/2006/compatibility" xmlns:p14="http://schemas.microsoft.com/office/powerpoint/2010/main" xmlns:p15="http://schemas.microsoft.com/office/powerpoint/2012/main" xmlns:ahyp="http://schemas.microsoft.com/office/drawing/2018/hyperlinkcolor" showMasterPhAnim="0" showMasterSp="0">
+<p:notes xmlns:a="http://schemas.openxmlformats.org/drawingml/2006/main" xmlns:r="http://schemas.openxmlformats.org/officeDocument/2006/relationships" xmlns:p="http://schemas.openxmlformats.org/presentationml/2006/main" showMasterSp="0" showMasterPhAnim="0">
   <p:cSld>
     <p:spTree>
       <p:nvGrpSpPr>
-        <p:cNvPr id="113" name="Shape 113"/>
+        <p:cNvPr id="1" name="Shape 113"/>
         <p:cNvGrpSpPr/>
         <p:nvPr/>
       </p:nvGrpSpPr>
@@ -920,20 +948,26 @@
       <p:sp>
         <p:nvSpPr>
           <p:cNvPr id="114" name="Google Shape;114;g2f18d520e3b_0_18:notes"/>
-          <p:cNvSpPr/>
+          <p:cNvSpPr>
+            <a:spLocks noGrp="1" noRot="1" noChangeAspect="1"/>
+          </p:cNvSpPr>
           <p:nvPr>
-            <p:ph idx="2" type="sldImg"/>
+            <p:ph type="sldImg" idx="2"/>
           </p:nvPr>
         </p:nvSpPr>
         <p:spPr>
           <a:xfrm>
-            <a:off x="381300" y="685800"/>
+            <a:off x="381000" y="685800"/>
             <a:ext cx="6096000" cy="3429000"/>
           </a:xfrm>
           <a:custGeom>
-            <a:rect b="b" l="l" r="r" t="t"/>
+            <a:avLst/>
+            <a:gdLst/>
+            <a:ahLst/>
+            <a:cxnLst/>
+            <a:rect l="l" t="t" r="r" b="b"/>
             <a:pathLst>
-              <a:path extrusionOk="0" h="120000" w="120000">
+              <a:path w="120000" h="120000" extrusionOk="0">
                 <a:moveTo>
                   <a:pt x="0" y="0"/>
                 </a:moveTo>
@@ -955,9 +989,11 @@
       <p:sp>
         <p:nvSpPr>
           <p:cNvPr id="115" name="Google Shape;115;g2f18d520e3b_0_18:notes"/>
-          <p:cNvSpPr txBox="1"/>
+          <p:cNvSpPr txBox="1">
+            <a:spLocks noGrp="1"/>
+          </p:cNvSpPr>
           <p:nvPr>
-            <p:ph idx="1" type="body"/>
+            <p:ph type="body" idx="1"/>
           </p:nvPr>
         </p:nvSpPr>
         <p:spPr>
@@ -970,12 +1006,12 @@
           </a:prstGeom>
         </p:spPr>
         <p:txBody>
-          <a:bodyPr anchorCtr="0" anchor="t" bIns="91425" lIns="91425" spcFirstLastPara="1" rIns="91425" wrap="square" tIns="91425">
+          <a:bodyPr spcFirstLastPara="1" wrap="square" lIns="91425" tIns="91425" rIns="91425" bIns="91425" anchor="t" anchorCtr="0">
             <a:noAutofit/>
           </a:bodyPr>
           <a:lstStyle/>
           <a:p>
-            <a:pPr indent="0" lvl="0" marL="0" rtl="0" algn="l">
+            <a:pPr marL="0" lvl="0" indent="0" algn="l" rtl="0">
               <a:spcBef>
                 <a:spcPts val="0"/>
               </a:spcBef>
@@ -984,9 +1020,6 @@
               </a:spcAft>
               <a:buNone/>
             </a:pPr>
-            <a:r>
-              <a:t/>
-            </a:r>
             <a:endParaRPr/>
           </a:p>
         </p:txBody>
@@ -1000,11 +1033,11 @@
 </file>
 
 <file path=ppt/notesSlides/notesSlide12.xml><?xml version="1.0" encoding="utf-8"?>
-<p:notes xmlns:a="http://schemas.openxmlformats.org/drawingml/2006/main" xmlns:r="http://schemas.openxmlformats.org/officeDocument/2006/relationships" xmlns:mc="http://schemas.openxmlformats.org/markup-compatibility/2006" xmlns:mv="urn:schemas-microsoft-com:mac:vml" xmlns:p="http://schemas.openxmlformats.org/presentationml/2006/main" xmlns:c="http://schemas.openxmlformats.org/drawingml/2006/chart" xmlns:dgm="http://schemas.openxmlformats.org/drawingml/2006/diagram" xmlns:o="urn:schemas-microsoft-com:office:office" xmlns:v="urn:schemas-microsoft-com:vml" xmlns:pvml="urn:schemas-microsoft-com:office:powerpoint" xmlns:com="http://schemas.openxmlformats.org/drawingml/2006/compatibility" xmlns:p14="http://schemas.microsoft.com/office/powerpoint/2010/main" xmlns:p15="http://schemas.microsoft.com/office/powerpoint/2012/main" xmlns:ahyp="http://schemas.microsoft.com/office/drawing/2018/hyperlinkcolor" showMasterPhAnim="0" showMasterSp="0">
+<p:notes xmlns:a="http://schemas.openxmlformats.org/drawingml/2006/main" xmlns:r="http://schemas.openxmlformats.org/officeDocument/2006/relationships" xmlns:p="http://schemas.openxmlformats.org/presentationml/2006/main" showMasterSp="0" showMasterPhAnim="0">
   <p:cSld>
     <p:spTree>
       <p:nvGrpSpPr>
-        <p:cNvPr id="120" name="Shape 120"/>
+        <p:cNvPr id="1" name="Shape 120"/>
         <p:cNvGrpSpPr/>
         <p:nvPr/>
       </p:nvGrpSpPr>
@@ -1019,9 +1052,11 @@
       <p:sp>
         <p:nvSpPr>
           <p:cNvPr id="121" name="Google Shape;121;g22471f988cb_0_0:notes"/>
-          <p:cNvSpPr/>
+          <p:cNvSpPr>
+            <a:spLocks noGrp="1" noRot="1" noChangeAspect="1"/>
+          </p:cNvSpPr>
           <p:nvPr>
-            <p:ph idx="2" type="sldImg"/>
+            <p:ph type="sldImg" idx="2"/>
           </p:nvPr>
         </p:nvSpPr>
         <p:spPr>
@@ -1030,9 +1065,13 @@
             <a:ext cx="6096000" cy="3429000"/>
           </a:xfrm>
           <a:custGeom>
-            <a:rect b="b" l="l" r="r" t="t"/>
+            <a:avLst/>
+            <a:gdLst/>
+            <a:ahLst/>
+            <a:cxnLst/>
+            <a:rect l="l" t="t" r="r" b="b"/>
             <a:pathLst>
-              <a:path extrusionOk="0" h="120000" w="120000">
+              <a:path w="120000" h="120000" extrusionOk="0">
                 <a:moveTo>
                   <a:pt x="0" y="0"/>
                 </a:moveTo>
@@ -1054,9 +1093,11 @@
       <p:sp>
         <p:nvSpPr>
           <p:cNvPr id="122" name="Google Shape;122;g22471f988cb_0_0:notes"/>
-          <p:cNvSpPr txBox="1"/>
+          <p:cNvSpPr txBox="1">
+            <a:spLocks noGrp="1"/>
+          </p:cNvSpPr>
           <p:nvPr>
-            <p:ph idx="1" type="body"/>
+            <p:ph type="body" idx="1"/>
           </p:nvPr>
         </p:nvSpPr>
         <p:spPr>
@@ -1069,12 +1110,12 @@
           </a:prstGeom>
         </p:spPr>
         <p:txBody>
-          <a:bodyPr anchorCtr="0" anchor="t" bIns="91425" lIns="91425" spcFirstLastPara="1" rIns="91425" wrap="square" tIns="91425">
+          <a:bodyPr spcFirstLastPara="1" wrap="square" lIns="91425" tIns="91425" rIns="91425" bIns="91425" anchor="t" anchorCtr="0">
             <a:noAutofit/>
           </a:bodyPr>
           <a:lstStyle/>
           <a:p>
-            <a:pPr indent="0" lvl="0" marL="0" rtl="0" algn="l">
+            <a:pPr marL="0" lvl="0" indent="0" algn="l" rtl="0">
               <a:spcBef>
                 <a:spcPts val="0"/>
               </a:spcBef>
@@ -1083,9 +1124,6 @@
               </a:spcAft>
               <a:buNone/>
             </a:pPr>
-            <a:r>
-              <a:t/>
-            </a:r>
             <a:endParaRPr/>
           </a:p>
         </p:txBody>
@@ -1099,11 +1137,11 @@
 </file>
 
 <file path=ppt/notesSlides/notesSlide13.xml><?xml version="1.0" encoding="utf-8"?>
-<p:notes xmlns:a="http://schemas.openxmlformats.org/drawingml/2006/main" xmlns:r="http://schemas.openxmlformats.org/officeDocument/2006/relationships" xmlns:mc="http://schemas.openxmlformats.org/markup-compatibility/2006" xmlns:mv="urn:schemas-microsoft-com:mac:vml" xmlns:p="http://schemas.openxmlformats.org/presentationml/2006/main" xmlns:c="http://schemas.openxmlformats.org/drawingml/2006/chart" xmlns:dgm="http://schemas.openxmlformats.org/drawingml/2006/diagram" xmlns:o="urn:schemas-microsoft-com:office:office" xmlns:v="urn:schemas-microsoft-com:vml" xmlns:pvml="urn:schemas-microsoft-com:office:powerpoint" xmlns:com="http://schemas.openxmlformats.org/drawingml/2006/compatibility" xmlns:p14="http://schemas.microsoft.com/office/powerpoint/2010/main" xmlns:p15="http://schemas.microsoft.com/office/powerpoint/2012/main" xmlns:ahyp="http://schemas.microsoft.com/office/drawing/2018/hyperlinkcolor" showMasterPhAnim="0" showMasterSp="0">
+<p:notes xmlns:a="http://schemas.openxmlformats.org/drawingml/2006/main" xmlns:r="http://schemas.openxmlformats.org/officeDocument/2006/relationships" xmlns:p="http://schemas.openxmlformats.org/presentationml/2006/main" showMasterSp="0" showMasterPhAnim="0">
   <p:cSld>
     <p:spTree>
       <p:nvGrpSpPr>
-        <p:cNvPr id="125" name="Shape 125"/>
+        <p:cNvPr id="1" name="Shape 125"/>
         <p:cNvGrpSpPr/>
         <p:nvPr/>
       </p:nvGrpSpPr>
@@ -1118,9 +1156,11 @@
       <p:sp>
         <p:nvSpPr>
           <p:cNvPr id="126" name="Google Shape;126;g22471f988cb_0_6:notes"/>
-          <p:cNvSpPr/>
+          <p:cNvSpPr>
+            <a:spLocks noGrp="1" noRot="1" noChangeAspect="1"/>
+          </p:cNvSpPr>
           <p:nvPr>
-            <p:ph idx="2" type="sldImg"/>
+            <p:ph type="sldImg" idx="2"/>
           </p:nvPr>
         </p:nvSpPr>
         <p:spPr>
@@ -1129,9 +1169,13 @@
             <a:ext cx="6096000" cy="3429000"/>
           </a:xfrm>
           <a:custGeom>
-            <a:rect b="b" l="l" r="r" t="t"/>
+            <a:avLst/>
+            <a:gdLst/>
+            <a:ahLst/>
+            <a:cxnLst/>
+            <a:rect l="l" t="t" r="r" b="b"/>
             <a:pathLst>
-              <a:path extrusionOk="0" h="120000" w="120000">
+              <a:path w="120000" h="120000" extrusionOk="0">
                 <a:moveTo>
                   <a:pt x="0" y="0"/>
                 </a:moveTo>
@@ -1153,9 +1197,11 @@
       <p:sp>
         <p:nvSpPr>
           <p:cNvPr id="127" name="Google Shape;127;g22471f988cb_0_6:notes"/>
-          <p:cNvSpPr txBox="1"/>
+          <p:cNvSpPr txBox="1">
+            <a:spLocks noGrp="1"/>
+          </p:cNvSpPr>
           <p:nvPr>
-            <p:ph idx="1" type="body"/>
+            <p:ph type="body" idx="1"/>
           </p:nvPr>
         </p:nvSpPr>
         <p:spPr>
@@ -1168,12 +1214,12 @@
           </a:prstGeom>
         </p:spPr>
         <p:txBody>
-          <a:bodyPr anchorCtr="0" anchor="t" bIns="91425" lIns="91425" spcFirstLastPara="1" rIns="91425" wrap="square" tIns="91425">
+          <a:bodyPr spcFirstLastPara="1" wrap="square" lIns="91425" tIns="91425" rIns="91425" bIns="91425" anchor="t" anchorCtr="0">
             <a:noAutofit/>
           </a:bodyPr>
           <a:lstStyle/>
           <a:p>
-            <a:pPr indent="0" lvl="0" marL="0" rtl="0" algn="l">
+            <a:pPr marL="0" lvl="0" indent="0" algn="l" rtl="0">
               <a:spcBef>
                 <a:spcPts val="0"/>
               </a:spcBef>
@@ -1182,9 +1228,6 @@
               </a:spcAft>
               <a:buNone/>
             </a:pPr>
-            <a:r>
-              <a:t/>
-            </a:r>
             <a:endParaRPr/>
           </a:p>
         </p:txBody>
@@ -1198,11 +1241,11 @@
 </file>
 
 <file path=ppt/notesSlides/notesSlide14.xml><?xml version="1.0" encoding="utf-8"?>
-<p:notes xmlns:a="http://schemas.openxmlformats.org/drawingml/2006/main" xmlns:r="http://schemas.openxmlformats.org/officeDocument/2006/relationships" xmlns:mc="http://schemas.openxmlformats.org/markup-compatibility/2006" xmlns:mv="urn:schemas-microsoft-com:mac:vml" xmlns:p="http://schemas.openxmlformats.org/presentationml/2006/main" xmlns:c="http://schemas.openxmlformats.org/drawingml/2006/chart" xmlns:dgm="http://schemas.openxmlformats.org/drawingml/2006/diagram" xmlns:o="urn:schemas-microsoft-com:office:office" xmlns:v="urn:schemas-microsoft-com:vml" xmlns:pvml="urn:schemas-microsoft-com:office:powerpoint" xmlns:com="http://schemas.openxmlformats.org/drawingml/2006/compatibility" xmlns:p14="http://schemas.microsoft.com/office/powerpoint/2010/main" xmlns:p15="http://schemas.microsoft.com/office/powerpoint/2012/main" xmlns:ahyp="http://schemas.microsoft.com/office/drawing/2018/hyperlinkcolor" showMasterPhAnim="0" showMasterSp="0">
+<p:notes xmlns:a="http://schemas.openxmlformats.org/drawingml/2006/main" xmlns:r="http://schemas.openxmlformats.org/officeDocument/2006/relationships" xmlns:p="http://schemas.openxmlformats.org/presentationml/2006/main" showMasterSp="0" showMasterPhAnim="0">
   <p:cSld>
     <p:spTree>
       <p:nvGrpSpPr>
-        <p:cNvPr id="130" name="Shape 130"/>
+        <p:cNvPr id="1" name="Shape 130"/>
         <p:cNvGrpSpPr/>
         <p:nvPr/>
       </p:nvGrpSpPr>
@@ -1217,20 +1260,26 @@
       <p:sp>
         <p:nvSpPr>
           <p:cNvPr id="131" name="Google Shape;131;g22075be7db3_0_1:notes"/>
-          <p:cNvSpPr/>
+          <p:cNvSpPr>
+            <a:spLocks noGrp="1" noRot="1" noChangeAspect="1"/>
+          </p:cNvSpPr>
           <p:nvPr>
-            <p:ph idx="2" type="sldImg"/>
+            <p:ph type="sldImg" idx="2"/>
           </p:nvPr>
         </p:nvSpPr>
         <p:spPr>
           <a:xfrm>
-            <a:off x="381300" y="685800"/>
+            <a:off x="381000" y="685800"/>
             <a:ext cx="6096000" cy="3429000"/>
           </a:xfrm>
           <a:custGeom>
-            <a:rect b="b" l="l" r="r" t="t"/>
+            <a:avLst/>
+            <a:gdLst/>
+            <a:ahLst/>
+            <a:cxnLst/>
+            <a:rect l="l" t="t" r="r" b="b"/>
             <a:pathLst>
-              <a:path extrusionOk="0" h="120000" w="120000">
+              <a:path w="120000" h="120000" extrusionOk="0">
                 <a:moveTo>
                   <a:pt x="0" y="0"/>
                 </a:moveTo>
@@ -1252,9 +1301,11 @@
       <p:sp>
         <p:nvSpPr>
           <p:cNvPr id="132" name="Google Shape;132;g22075be7db3_0_1:notes"/>
-          <p:cNvSpPr txBox="1"/>
+          <p:cNvSpPr txBox="1">
+            <a:spLocks noGrp="1"/>
+          </p:cNvSpPr>
           <p:nvPr>
-            <p:ph idx="1" type="body"/>
+            <p:ph type="body" idx="1"/>
           </p:nvPr>
         </p:nvSpPr>
         <p:spPr>
@@ -1267,12 +1318,12 @@
           </a:prstGeom>
         </p:spPr>
         <p:txBody>
-          <a:bodyPr anchorCtr="0" anchor="t" bIns="91425" lIns="91425" spcFirstLastPara="1" rIns="91425" wrap="square" tIns="91425">
+          <a:bodyPr spcFirstLastPara="1" wrap="square" lIns="91425" tIns="91425" rIns="91425" bIns="91425" anchor="t" anchorCtr="0">
             <a:noAutofit/>
           </a:bodyPr>
           <a:lstStyle/>
           <a:p>
-            <a:pPr indent="0" lvl="0" marL="0" rtl="0" algn="l">
+            <a:pPr marL="0" lvl="0" indent="0" algn="l" rtl="0">
               <a:spcBef>
                 <a:spcPts val="0"/>
               </a:spcBef>
@@ -1281,9 +1332,6 @@
               </a:spcAft>
               <a:buNone/>
             </a:pPr>
-            <a:r>
-              <a:t/>
-            </a:r>
             <a:endParaRPr/>
           </a:p>
         </p:txBody>
@@ -1297,11 +1345,11 @@
 </file>
 
 <file path=ppt/notesSlides/notesSlide15.xml><?xml version="1.0" encoding="utf-8"?>
-<p:notes xmlns:a="http://schemas.openxmlformats.org/drawingml/2006/main" xmlns:r="http://schemas.openxmlformats.org/officeDocument/2006/relationships" xmlns:mc="http://schemas.openxmlformats.org/markup-compatibility/2006" xmlns:mv="urn:schemas-microsoft-com:mac:vml" xmlns:p="http://schemas.openxmlformats.org/presentationml/2006/main" xmlns:c="http://schemas.openxmlformats.org/drawingml/2006/chart" xmlns:dgm="http://schemas.openxmlformats.org/drawingml/2006/diagram" xmlns:o="urn:schemas-microsoft-com:office:office" xmlns:v="urn:schemas-microsoft-com:vml" xmlns:pvml="urn:schemas-microsoft-com:office:powerpoint" xmlns:com="http://schemas.openxmlformats.org/drawingml/2006/compatibility" xmlns:p14="http://schemas.microsoft.com/office/powerpoint/2010/main" xmlns:p15="http://schemas.microsoft.com/office/powerpoint/2012/main" xmlns:ahyp="http://schemas.microsoft.com/office/drawing/2018/hyperlinkcolor" showMasterPhAnim="0" showMasterSp="0">
+<p:notes xmlns:a="http://schemas.openxmlformats.org/drawingml/2006/main" xmlns:r="http://schemas.openxmlformats.org/officeDocument/2006/relationships" xmlns:p="http://schemas.openxmlformats.org/presentationml/2006/main" showMasterSp="0" showMasterPhAnim="0">
   <p:cSld>
     <p:spTree>
       <p:nvGrpSpPr>
-        <p:cNvPr id="137" name="Shape 137"/>
+        <p:cNvPr id="1" name="Shape 137"/>
         <p:cNvGrpSpPr/>
         <p:nvPr/>
       </p:nvGrpSpPr>
@@ -1316,20 +1364,26 @@
       <p:sp>
         <p:nvSpPr>
           <p:cNvPr id="138" name="Google Shape;138;g22075be7db3_0_7:notes"/>
-          <p:cNvSpPr/>
+          <p:cNvSpPr>
+            <a:spLocks noGrp="1" noRot="1" noChangeAspect="1"/>
+          </p:cNvSpPr>
           <p:nvPr>
-            <p:ph idx="2" type="sldImg"/>
+            <p:ph type="sldImg" idx="2"/>
           </p:nvPr>
         </p:nvSpPr>
         <p:spPr>
           <a:xfrm>
-            <a:off x="381300" y="685800"/>
+            <a:off x="381000" y="685800"/>
             <a:ext cx="6096000" cy="3429000"/>
           </a:xfrm>
           <a:custGeom>
-            <a:rect b="b" l="l" r="r" t="t"/>
+            <a:avLst/>
+            <a:gdLst/>
+            <a:ahLst/>
+            <a:cxnLst/>
+            <a:rect l="l" t="t" r="r" b="b"/>
             <a:pathLst>
-              <a:path extrusionOk="0" h="120000" w="120000">
+              <a:path w="120000" h="120000" extrusionOk="0">
                 <a:moveTo>
                   <a:pt x="0" y="0"/>
                 </a:moveTo>
@@ -1351,9 +1405,11 @@
       <p:sp>
         <p:nvSpPr>
           <p:cNvPr id="139" name="Google Shape;139;g22075be7db3_0_7:notes"/>
-          <p:cNvSpPr txBox="1"/>
+          <p:cNvSpPr txBox="1">
+            <a:spLocks noGrp="1"/>
+          </p:cNvSpPr>
           <p:nvPr>
-            <p:ph idx="1" type="body"/>
+            <p:ph type="body" idx="1"/>
           </p:nvPr>
         </p:nvSpPr>
         <p:spPr>
@@ -1366,12 +1422,12 @@
           </a:prstGeom>
         </p:spPr>
         <p:txBody>
-          <a:bodyPr anchorCtr="0" anchor="t" bIns="91425" lIns="91425" spcFirstLastPara="1" rIns="91425" wrap="square" tIns="91425">
+          <a:bodyPr spcFirstLastPara="1" wrap="square" lIns="91425" tIns="91425" rIns="91425" bIns="91425" anchor="t" anchorCtr="0">
             <a:noAutofit/>
           </a:bodyPr>
           <a:lstStyle/>
           <a:p>
-            <a:pPr indent="0" lvl="0" marL="0" rtl="0" algn="l">
+            <a:pPr marL="0" lvl="0" indent="0" algn="l" rtl="0">
               <a:spcBef>
                 <a:spcPts val="0"/>
               </a:spcBef>
@@ -1380,9 +1436,6 @@
               </a:spcAft>
               <a:buNone/>
             </a:pPr>
-            <a:r>
-              <a:t/>
-            </a:r>
             <a:endParaRPr/>
           </a:p>
         </p:txBody>
@@ -1396,11 +1449,11 @@
 </file>
 
 <file path=ppt/notesSlides/notesSlide16.xml><?xml version="1.0" encoding="utf-8"?>
-<p:notes xmlns:a="http://schemas.openxmlformats.org/drawingml/2006/main" xmlns:r="http://schemas.openxmlformats.org/officeDocument/2006/relationships" xmlns:mc="http://schemas.openxmlformats.org/markup-compatibility/2006" xmlns:mv="urn:schemas-microsoft-com:mac:vml" xmlns:p="http://schemas.openxmlformats.org/presentationml/2006/main" xmlns:c="http://schemas.openxmlformats.org/drawingml/2006/chart" xmlns:dgm="http://schemas.openxmlformats.org/drawingml/2006/diagram" xmlns:o="urn:schemas-microsoft-com:office:office" xmlns:v="urn:schemas-microsoft-com:vml" xmlns:pvml="urn:schemas-microsoft-com:office:powerpoint" xmlns:com="http://schemas.openxmlformats.org/drawingml/2006/compatibility" xmlns:p14="http://schemas.microsoft.com/office/powerpoint/2010/main" xmlns:p15="http://schemas.microsoft.com/office/powerpoint/2012/main" xmlns:ahyp="http://schemas.microsoft.com/office/drawing/2018/hyperlinkcolor" showMasterPhAnim="0" showMasterSp="0">
+<p:notes xmlns:a="http://schemas.openxmlformats.org/drawingml/2006/main" xmlns:r="http://schemas.openxmlformats.org/officeDocument/2006/relationships" xmlns:p="http://schemas.openxmlformats.org/presentationml/2006/main" showMasterSp="0" showMasterPhAnim="0">
   <p:cSld>
     <p:spTree>
       <p:nvGrpSpPr>
-        <p:cNvPr id="143" name="Shape 143"/>
+        <p:cNvPr id="1" name="Shape 143"/>
         <p:cNvGrpSpPr/>
         <p:nvPr/>
       </p:nvGrpSpPr>
@@ -1415,20 +1468,26 @@
       <p:sp>
         <p:nvSpPr>
           <p:cNvPr id="144" name="Google Shape;144;g2f18d520e3b_0_26:notes"/>
-          <p:cNvSpPr/>
+          <p:cNvSpPr>
+            <a:spLocks noGrp="1" noRot="1" noChangeAspect="1"/>
+          </p:cNvSpPr>
           <p:nvPr>
-            <p:ph idx="2" type="sldImg"/>
+            <p:ph type="sldImg" idx="2"/>
           </p:nvPr>
         </p:nvSpPr>
         <p:spPr>
           <a:xfrm>
-            <a:off x="381300" y="685800"/>
+            <a:off x="381000" y="685800"/>
             <a:ext cx="6096000" cy="3429000"/>
           </a:xfrm>
           <a:custGeom>
-            <a:rect b="b" l="l" r="r" t="t"/>
+            <a:avLst/>
+            <a:gdLst/>
+            <a:ahLst/>
+            <a:cxnLst/>
+            <a:rect l="l" t="t" r="r" b="b"/>
             <a:pathLst>
-              <a:path extrusionOk="0" h="120000" w="120000">
+              <a:path w="120000" h="120000" extrusionOk="0">
                 <a:moveTo>
                   <a:pt x="0" y="0"/>
                 </a:moveTo>
@@ -1450,9 +1509,11 @@
       <p:sp>
         <p:nvSpPr>
           <p:cNvPr id="145" name="Google Shape;145;g2f18d520e3b_0_26:notes"/>
-          <p:cNvSpPr txBox="1"/>
+          <p:cNvSpPr txBox="1">
+            <a:spLocks noGrp="1"/>
+          </p:cNvSpPr>
           <p:nvPr>
-            <p:ph idx="1" type="body"/>
+            <p:ph type="body" idx="1"/>
           </p:nvPr>
         </p:nvSpPr>
         <p:spPr>
@@ -1465,12 +1526,12 @@
           </a:prstGeom>
         </p:spPr>
         <p:txBody>
-          <a:bodyPr anchorCtr="0" anchor="t" bIns="91425" lIns="91425" spcFirstLastPara="1" rIns="91425" wrap="square" tIns="91425">
+          <a:bodyPr spcFirstLastPara="1" wrap="square" lIns="91425" tIns="91425" rIns="91425" bIns="91425" anchor="t" anchorCtr="0">
             <a:noAutofit/>
           </a:bodyPr>
           <a:lstStyle/>
           <a:p>
-            <a:pPr indent="0" lvl="0" marL="0" rtl="0" algn="l">
+            <a:pPr marL="0" lvl="0" indent="0" algn="l" rtl="0">
               <a:spcBef>
                 <a:spcPts val="0"/>
               </a:spcBef>
@@ -1479,9 +1540,6 @@
               </a:spcAft>
               <a:buNone/>
             </a:pPr>
-            <a:r>
-              <a:t/>
-            </a:r>
             <a:endParaRPr/>
           </a:p>
         </p:txBody>
@@ -1495,11 +1553,11 @@
 </file>
 
 <file path=ppt/notesSlides/notesSlide17.xml><?xml version="1.0" encoding="utf-8"?>
-<p:notes xmlns:a="http://schemas.openxmlformats.org/drawingml/2006/main" xmlns:r="http://schemas.openxmlformats.org/officeDocument/2006/relationships" xmlns:mc="http://schemas.openxmlformats.org/markup-compatibility/2006" xmlns:mv="urn:schemas-microsoft-com:mac:vml" xmlns:p="http://schemas.openxmlformats.org/presentationml/2006/main" xmlns:c="http://schemas.openxmlformats.org/drawingml/2006/chart" xmlns:dgm="http://schemas.openxmlformats.org/drawingml/2006/diagram" xmlns:o="urn:schemas-microsoft-com:office:office" xmlns:v="urn:schemas-microsoft-com:vml" xmlns:pvml="urn:schemas-microsoft-com:office:powerpoint" xmlns:com="http://schemas.openxmlformats.org/drawingml/2006/compatibility" xmlns:p14="http://schemas.microsoft.com/office/powerpoint/2010/main" xmlns:p15="http://schemas.microsoft.com/office/powerpoint/2012/main" xmlns:ahyp="http://schemas.microsoft.com/office/drawing/2018/hyperlinkcolor" showMasterPhAnim="0" showMasterSp="0">
+<p:notes xmlns:a="http://schemas.openxmlformats.org/drawingml/2006/main" xmlns:r="http://schemas.openxmlformats.org/officeDocument/2006/relationships" xmlns:p="http://schemas.openxmlformats.org/presentationml/2006/main" showMasterSp="0" showMasterPhAnim="0">
   <p:cSld>
     <p:spTree>
       <p:nvGrpSpPr>
-        <p:cNvPr id="149" name="Shape 149"/>
+        <p:cNvPr id="1" name="Shape 149"/>
         <p:cNvGrpSpPr/>
         <p:nvPr/>
       </p:nvGrpSpPr>
@@ -1514,20 +1572,26 @@
       <p:sp>
         <p:nvSpPr>
           <p:cNvPr id="150" name="Google Shape;150;g2f18d520e3b_0_31:notes"/>
-          <p:cNvSpPr/>
+          <p:cNvSpPr>
+            <a:spLocks noGrp="1" noRot="1" noChangeAspect="1"/>
+          </p:cNvSpPr>
           <p:nvPr>
-            <p:ph idx="2" type="sldImg"/>
+            <p:ph type="sldImg" idx="2"/>
           </p:nvPr>
         </p:nvSpPr>
         <p:spPr>
           <a:xfrm>
-            <a:off x="381300" y="685800"/>
+            <a:off x="381000" y="685800"/>
             <a:ext cx="6096000" cy="3429000"/>
           </a:xfrm>
           <a:custGeom>
-            <a:rect b="b" l="l" r="r" t="t"/>
+            <a:avLst/>
+            <a:gdLst/>
+            <a:ahLst/>
+            <a:cxnLst/>
+            <a:rect l="l" t="t" r="r" b="b"/>
             <a:pathLst>
-              <a:path extrusionOk="0" h="120000" w="120000">
+              <a:path w="120000" h="120000" extrusionOk="0">
                 <a:moveTo>
                   <a:pt x="0" y="0"/>
                 </a:moveTo>
@@ -1549,9 +1613,11 @@
       <p:sp>
         <p:nvSpPr>
           <p:cNvPr id="151" name="Google Shape;151;g2f18d520e3b_0_31:notes"/>
-          <p:cNvSpPr txBox="1"/>
+          <p:cNvSpPr txBox="1">
+            <a:spLocks noGrp="1"/>
+          </p:cNvSpPr>
           <p:nvPr>
-            <p:ph idx="1" type="body"/>
+            <p:ph type="body" idx="1"/>
           </p:nvPr>
         </p:nvSpPr>
         <p:spPr>
@@ -1564,12 +1630,12 @@
           </a:prstGeom>
         </p:spPr>
         <p:txBody>
-          <a:bodyPr anchorCtr="0" anchor="t" bIns="91425" lIns="91425" spcFirstLastPara="1" rIns="91425" wrap="square" tIns="91425">
+          <a:bodyPr spcFirstLastPara="1" wrap="square" lIns="91425" tIns="91425" rIns="91425" bIns="91425" anchor="t" anchorCtr="0">
             <a:noAutofit/>
           </a:bodyPr>
           <a:lstStyle/>
           <a:p>
-            <a:pPr indent="0" lvl="0" marL="0" rtl="0" algn="l">
+            <a:pPr marL="0" lvl="0" indent="0" algn="l" rtl="0">
               <a:spcBef>
                 <a:spcPts val="0"/>
               </a:spcBef>
@@ -1578,9 +1644,6 @@
               </a:spcAft>
               <a:buNone/>
             </a:pPr>
-            <a:r>
-              <a:t/>
-            </a:r>
             <a:endParaRPr/>
           </a:p>
         </p:txBody>
@@ -1594,11 +1657,11 @@
 </file>
 
 <file path=ppt/notesSlides/notesSlide2.xml><?xml version="1.0" encoding="utf-8"?>
-<p:notes xmlns:a="http://schemas.openxmlformats.org/drawingml/2006/main" xmlns:r="http://schemas.openxmlformats.org/officeDocument/2006/relationships" xmlns:mc="http://schemas.openxmlformats.org/markup-compatibility/2006" xmlns:mv="urn:schemas-microsoft-com:mac:vml" xmlns:p="http://schemas.openxmlformats.org/presentationml/2006/main" xmlns:c="http://schemas.openxmlformats.org/drawingml/2006/chart" xmlns:dgm="http://schemas.openxmlformats.org/drawingml/2006/diagram" xmlns:o="urn:schemas-microsoft-com:office:office" xmlns:v="urn:schemas-microsoft-com:vml" xmlns:pvml="urn:schemas-microsoft-com:office:powerpoint" xmlns:com="http://schemas.openxmlformats.org/drawingml/2006/compatibility" xmlns:p14="http://schemas.microsoft.com/office/powerpoint/2010/main" xmlns:p15="http://schemas.microsoft.com/office/powerpoint/2012/main" xmlns:ahyp="http://schemas.microsoft.com/office/drawing/2018/hyperlinkcolor" showMasterPhAnim="0" showMasterSp="0">
+<p:notes xmlns:a="http://schemas.openxmlformats.org/drawingml/2006/main" xmlns:r="http://schemas.openxmlformats.org/officeDocument/2006/relationships" xmlns:p="http://schemas.openxmlformats.org/presentationml/2006/main" showMasterSp="0" showMasterPhAnim="0">
   <p:cSld>
     <p:spTree>
       <p:nvGrpSpPr>
-        <p:cNvPr id="56" name="Shape 56"/>
+        <p:cNvPr id="1" name="Shape 56"/>
         <p:cNvGrpSpPr/>
         <p:nvPr/>
       </p:nvGrpSpPr>
@@ -1613,9 +1676,11 @@
       <p:sp>
         <p:nvSpPr>
           <p:cNvPr id="57" name="Google Shape;57;g2ff6c8ff20e_0_0:notes"/>
-          <p:cNvSpPr/>
+          <p:cNvSpPr>
+            <a:spLocks noGrp="1" noRot="1" noChangeAspect="1"/>
+          </p:cNvSpPr>
           <p:nvPr>
-            <p:ph idx="2" type="sldImg"/>
+            <p:ph type="sldImg" idx="2"/>
           </p:nvPr>
         </p:nvSpPr>
         <p:spPr>
@@ -1624,9 +1689,13 @@
             <a:ext cx="6096000" cy="3429000"/>
           </a:xfrm>
           <a:custGeom>
-            <a:rect b="b" l="l" r="r" t="t"/>
+            <a:avLst/>
+            <a:gdLst/>
+            <a:ahLst/>
+            <a:cxnLst/>
+            <a:rect l="l" t="t" r="r" b="b"/>
             <a:pathLst>
-              <a:path extrusionOk="0" h="120000" w="120000">
+              <a:path w="120000" h="120000" extrusionOk="0">
                 <a:moveTo>
                   <a:pt x="0" y="0"/>
                 </a:moveTo>
@@ -1648,9 +1717,11 @@
       <p:sp>
         <p:nvSpPr>
           <p:cNvPr id="58" name="Google Shape;58;g2ff6c8ff20e_0_0:notes"/>
-          <p:cNvSpPr txBox="1"/>
+          <p:cNvSpPr txBox="1">
+            <a:spLocks noGrp="1"/>
+          </p:cNvSpPr>
           <p:nvPr>
-            <p:ph idx="1" type="body"/>
+            <p:ph type="body" idx="1"/>
           </p:nvPr>
         </p:nvSpPr>
         <p:spPr>
@@ -1663,12 +1734,12 @@
           </a:prstGeom>
         </p:spPr>
         <p:txBody>
-          <a:bodyPr anchorCtr="0" anchor="t" bIns="91425" lIns="91425" spcFirstLastPara="1" rIns="91425" wrap="square" tIns="91425">
+          <a:bodyPr spcFirstLastPara="1" wrap="square" lIns="91425" tIns="91425" rIns="91425" bIns="91425" anchor="t" anchorCtr="0">
             <a:noAutofit/>
           </a:bodyPr>
           <a:lstStyle/>
           <a:p>
-            <a:pPr indent="0" lvl="0" marL="0" rtl="0" algn="l">
+            <a:pPr marL="0" lvl="0" indent="0" algn="l" rtl="0">
               <a:spcBef>
                 <a:spcPts val="0"/>
               </a:spcBef>
@@ -1677,9 +1748,6 @@
               </a:spcAft>
               <a:buNone/>
             </a:pPr>
-            <a:r>
-              <a:t/>
-            </a:r>
             <a:endParaRPr/>
           </a:p>
         </p:txBody>
@@ -1693,11 +1761,11 @@
 </file>
 
 <file path=ppt/notesSlides/notesSlide3.xml><?xml version="1.0" encoding="utf-8"?>
-<p:notes xmlns:a="http://schemas.openxmlformats.org/drawingml/2006/main" xmlns:r="http://schemas.openxmlformats.org/officeDocument/2006/relationships" xmlns:mc="http://schemas.openxmlformats.org/markup-compatibility/2006" xmlns:mv="urn:schemas-microsoft-com:mac:vml" xmlns:p="http://schemas.openxmlformats.org/presentationml/2006/main" xmlns:c="http://schemas.openxmlformats.org/drawingml/2006/chart" xmlns:dgm="http://schemas.openxmlformats.org/drawingml/2006/diagram" xmlns:o="urn:schemas-microsoft-com:office:office" xmlns:v="urn:schemas-microsoft-com:vml" xmlns:pvml="urn:schemas-microsoft-com:office:powerpoint" xmlns:com="http://schemas.openxmlformats.org/drawingml/2006/compatibility" xmlns:p14="http://schemas.microsoft.com/office/powerpoint/2010/main" xmlns:p15="http://schemas.microsoft.com/office/powerpoint/2012/main" xmlns:ahyp="http://schemas.microsoft.com/office/drawing/2018/hyperlinkcolor" showMasterPhAnim="0" showMasterSp="0">
+<p:notes xmlns:a="http://schemas.openxmlformats.org/drawingml/2006/main" xmlns:r="http://schemas.openxmlformats.org/officeDocument/2006/relationships" xmlns:p="http://schemas.openxmlformats.org/presentationml/2006/main" showMasterSp="0" showMasterPhAnim="0">
   <p:cSld>
     <p:spTree>
       <p:nvGrpSpPr>
-        <p:cNvPr id="62" name="Shape 62"/>
+        <p:cNvPr id="1" name="Shape 62"/>
         <p:cNvGrpSpPr/>
         <p:nvPr/>
       </p:nvGrpSpPr>
@@ -1712,9 +1780,11 @@
       <p:sp>
         <p:nvSpPr>
           <p:cNvPr id="63" name="Google Shape;63;g2f33106c262_0_5:notes"/>
-          <p:cNvSpPr/>
+          <p:cNvSpPr>
+            <a:spLocks noGrp="1" noRot="1" noChangeAspect="1"/>
+          </p:cNvSpPr>
           <p:nvPr>
-            <p:ph idx="2" type="sldImg"/>
+            <p:ph type="sldImg" idx="2"/>
           </p:nvPr>
         </p:nvSpPr>
         <p:spPr>
@@ -1723,9 +1793,13 @@
             <a:ext cx="6096000" cy="3429000"/>
           </a:xfrm>
           <a:custGeom>
-            <a:rect b="b" l="l" r="r" t="t"/>
+            <a:avLst/>
+            <a:gdLst/>
+            <a:ahLst/>
+            <a:cxnLst/>
+            <a:rect l="l" t="t" r="r" b="b"/>
             <a:pathLst>
-              <a:path extrusionOk="0" h="120000" w="120000">
+              <a:path w="120000" h="120000" extrusionOk="0">
                 <a:moveTo>
                   <a:pt x="0" y="0"/>
                 </a:moveTo>
@@ -1747,9 +1821,11 @@
       <p:sp>
         <p:nvSpPr>
           <p:cNvPr id="64" name="Google Shape;64;g2f33106c262_0_5:notes"/>
-          <p:cNvSpPr txBox="1"/>
+          <p:cNvSpPr txBox="1">
+            <a:spLocks noGrp="1"/>
+          </p:cNvSpPr>
           <p:nvPr>
-            <p:ph idx="1" type="body"/>
+            <p:ph type="body" idx="1"/>
           </p:nvPr>
         </p:nvSpPr>
         <p:spPr>
@@ -1762,12 +1838,12 @@
           </a:prstGeom>
         </p:spPr>
         <p:txBody>
-          <a:bodyPr anchorCtr="0" anchor="t" bIns="91425" lIns="91425" spcFirstLastPara="1" rIns="91425" wrap="square" tIns="91425">
+          <a:bodyPr spcFirstLastPara="1" wrap="square" lIns="91425" tIns="91425" rIns="91425" bIns="91425" anchor="t" anchorCtr="0">
             <a:noAutofit/>
           </a:bodyPr>
           <a:lstStyle/>
           <a:p>
-            <a:pPr indent="0" lvl="0" marL="0" rtl="0" algn="l">
+            <a:pPr marL="0" lvl="0" indent="0" algn="l" rtl="0">
               <a:spcBef>
                 <a:spcPts val="0"/>
               </a:spcBef>
@@ -1776,9 +1852,6 @@
               </a:spcAft>
               <a:buNone/>
             </a:pPr>
-            <a:r>
-              <a:t/>
-            </a:r>
             <a:endParaRPr/>
           </a:p>
         </p:txBody>
@@ -1792,11 +1865,11 @@
 </file>
 
 <file path=ppt/notesSlides/notesSlide4.xml><?xml version="1.0" encoding="utf-8"?>
-<p:notes xmlns:a="http://schemas.openxmlformats.org/drawingml/2006/main" xmlns:r="http://schemas.openxmlformats.org/officeDocument/2006/relationships" xmlns:mc="http://schemas.openxmlformats.org/markup-compatibility/2006" xmlns:mv="urn:schemas-microsoft-com:mac:vml" xmlns:p="http://schemas.openxmlformats.org/presentationml/2006/main" xmlns:c="http://schemas.openxmlformats.org/drawingml/2006/chart" xmlns:dgm="http://schemas.openxmlformats.org/drawingml/2006/diagram" xmlns:o="urn:schemas-microsoft-com:office:office" xmlns:v="urn:schemas-microsoft-com:vml" xmlns:pvml="urn:schemas-microsoft-com:office:powerpoint" xmlns:com="http://schemas.openxmlformats.org/drawingml/2006/compatibility" xmlns:p14="http://schemas.microsoft.com/office/powerpoint/2010/main" xmlns:p15="http://schemas.microsoft.com/office/powerpoint/2012/main" xmlns:ahyp="http://schemas.microsoft.com/office/drawing/2018/hyperlinkcolor" showMasterPhAnim="0" showMasterSp="0">
+<p:notes xmlns:a="http://schemas.openxmlformats.org/drawingml/2006/main" xmlns:r="http://schemas.openxmlformats.org/officeDocument/2006/relationships" xmlns:p="http://schemas.openxmlformats.org/presentationml/2006/main" showMasterSp="0" showMasterPhAnim="0">
   <p:cSld>
     <p:spTree>
       <p:nvGrpSpPr>
-        <p:cNvPr id="70" name="Shape 70"/>
+        <p:cNvPr id="1" name="Shape 70"/>
         <p:cNvGrpSpPr/>
         <p:nvPr/>
       </p:nvGrpSpPr>
@@ -1811,9 +1884,11 @@
       <p:sp>
         <p:nvSpPr>
           <p:cNvPr id="71" name="Google Shape;71;g2f33106c262_0_12:notes"/>
-          <p:cNvSpPr/>
+          <p:cNvSpPr>
+            <a:spLocks noGrp="1" noRot="1" noChangeAspect="1"/>
+          </p:cNvSpPr>
           <p:nvPr>
-            <p:ph idx="2" type="sldImg"/>
+            <p:ph type="sldImg" idx="2"/>
           </p:nvPr>
         </p:nvSpPr>
         <p:spPr>
@@ -1822,9 +1897,13 @@
             <a:ext cx="6096000" cy="3429000"/>
           </a:xfrm>
           <a:custGeom>
-            <a:rect b="b" l="l" r="r" t="t"/>
+            <a:avLst/>
+            <a:gdLst/>
+            <a:ahLst/>
+            <a:cxnLst/>
+            <a:rect l="l" t="t" r="r" b="b"/>
             <a:pathLst>
-              <a:path extrusionOk="0" h="120000" w="120000">
+              <a:path w="120000" h="120000" extrusionOk="0">
                 <a:moveTo>
                   <a:pt x="0" y="0"/>
                 </a:moveTo>
@@ -1846,9 +1925,11 @@
       <p:sp>
         <p:nvSpPr>
           <p:cNvPr id="72" name="Google Shape;72;g2f33106c262_0_12:notes"/>
-          <p:cNvSpPr txBox="1"/>
+          <p:cNvSpPr txBox="1">
+            <a:spLocks noGrp="1"/>
+          </p:cNvSpPr>
           <p:nvPr>
-            <p:ph idx="1" type="body"/>
+            <p:ph type="body" idx="1"/>
           </p:nvPr>
         </p:nvSpPr>
         <p:spPr>
@@ -1861,12 +1942,12 @@
           </a:prstGeom>
         </p:spPr>
         <p:txBody>
-          <a:bodyPr anchorCtr="0" anchor="t" bIns="91425" lIns="91425" spcFirstLastPara="1" rIns="91425" wrap="square" tIns="91425">
+          <a:bodyPr spcFirstLastPara="1" wrap="square" lIns="91425" tIns="91425" rIns="91425" bIns="91425" anchor="t" anchorCtr="0">
             <a:noAutofit/>
           </a:bodyPr>
           <a:lstStyle/>
           <a:p>
-            <a:pPr indent="0" lvl="0" marL="0" rtl="0" algn="l">
+            <a:pPr marL="0" lvl="0" indent="0" algn="l" rtl="0">
               <a:spcBef>
                 <a:spcPts val="0"/>
               </a:spcBef>
@@ -1875,9 +1956,6 @@
               </a:spcAft>
               <a:buNone/>
             </a:pPr>
-            <a:r>
-              <a:t/>
-            </a:r>
             <a:endParaRPr/>
           </a:p>
         </p:txBody>
@@ -1891,11 +1969,11 @@
 </file>
 
 <file path=ppt/notesSlides/notesSlide5.xml><?xml version="1.0" encoding="utf-8"?>
-<p:notes xmlns:a="http://schemas.openxmlformats.org/drawingml/2006/main" xmlns:r="http://schemas.openxmlformats.org/officeDocument/2006/relationships" xmlns:mc="http://schemas.openxmlformats.org/markup-compatibility/2006" xmlns:mv="urn:schemas-microsoft-com:mac:vml" xmlns:p="http://schemas.openxmlformats.org/presentationml/2006/main" xmlns:c="http://schemas.openxmlformats.org/drawingml/2006/chart" xmlns:dgm="http://schemas.openxmlformats.org/drawingml/2006/diagram" xmlns:o="urn:schemas-microsoft-com:office:office" xmlns:v="urn:schemas-microsoft-com:vml" xmlns:pvml="urn:schemas-microsoft-com:office:powerpoint" xmlns:com="http://schemas.openxmlformats.org/drawingml/2006/compatibility" xmlns:p14="http://schemas.microsoft.com/office/powerpoint/2010/main" xmlns:p15="http://schemas.microsoft.com/office/powerpoint/2012/main" xmlns:ahyp="http://schemas.microsoft.com/office/drawing/2018/hyperlinkcolor" showMasterPhAnim="0" showMasterSp="0">
+<p:notes xmlns:a="http://schemas.openxmlformats.org/drawingml/2006/main" xmlns:r="http://schemas.openxmlformats.org/officeDocument/2006/relationships" xmlns:p="http://schemas.openxmlformats.org/presentationml/2006/main" showMasterSp="0" showMasterPhAnim="0">
   <p:cSld>
     <p:spTree>
       <p:nvGrpSpPr>
-        <p:cNvPr id="76" name="Shape 76"/>
+        <p:cNvPr id="1" name="Shape 76"/>
         <p:cNvGrpSpPr/>
         <p:nvPr/>
       </p:nvGrpSpPr>
@@ -1910,20 +1988,26 @@
       <p:sp>
         <p:nvSpPr>
           <p:cNvPr id="77" name="Google Shape;77;g2f33106c262_0_18:notes"/>
-          <p:cNvSpPr/>
+          <p:cNvSpPr>
+            <a:spLocks noGrp="1" noRot="1" noChangeAspect="1"/>
+          </p:cNvSpPr>
           <p:nvPr>
-            <p:ph idx="2" type="sldImg"/>
+            <p:ph type="sldImg" idx="2"/>
           </p:nvPr>
         </p:nvSpPr>
         <p:spPr>
           <a:xfrm>
-            <a:off x="381300" y="685800"/>
+            <a:off x="381000" y="685800"/>
             <a:ext cx="6096000" cy="3429000"/>
           </a:xfrm>
           <a:custGeom>
-            <a:rect b="b" l="l" r="r" t="t"/>
+            <a:avLst/>
+            <a:gdLst/>
+            <a:ahLst/>
+            <a:cxnLst/>
+            <a:rect l="l" t="t" r="r" b="b"/>
             <a:pathLst>
-              <a:path extrusionOk="0" h="120000" w="120000">
+              <a:path w="120000" h="120000" extrusionOk="0">
                 <a:moveTo>
                   <a:pt x="0" y="0"/>
                 </a:moveTo>
@@ -1945,9 +2029,11 @@
       <p:sp>
         <p:nvSpPr>
           <p:cNvPr id="78" name="Google Shape;78;g2f33106c262_0_18:notes"/>
-          <p:cNvSpPr txBox="1"/>
+          <p:cNvSpPr txBox="1">
+            <a:spLocks noGrp="1"/>
+          </p:cNvSpPr>
           <p:nvPr>
-            <p:ph idx="1" type="body"/>
+            <p:ph type="body" idx="1"/>
           </p:nvPr>
         </p:nvSpPr>
         <p:spPr>
@@ -1960,12 +2046,12 @@
           </a:prstGeom>
         </p:spPr>
         <p:txBody>
-          <a:bodyPr anchorCtr="0" anchor="t" bIns="91425" lIns="91425" spcFirstLastPara="1" rIns="91425" wrap="square" tIns="91425">
+          <a:bodyPr spcFirstLastPara="1" wrap="square" lIns="91425" tIns="91425" rIns="91425" bIns="91425" anchor="t" anchorCtr="0">
             <a:noAutofit/>
           </a:bodyPr>
           <a:lstStyle/>
           <a:p>
-            <a:pPr indent="0" lvl="0" marL="0" rtl="0" algn="l">
+            <a:pPr marL="0" lvl="0" indent="0" algn="l" rtl="0">
               <a:spcBef>
                 <a:spcPts val="0"/>
               </a:spcBef>
@@ -1974,9 +2060,6 @@
               </a:spcAft>
               <a:buNone/>
             </a:pPr>
-            <a:r>
-              <a:t/>
-            </a:r>
             <a:endParaRPr/>
           </a:p>
         </p:txBody>
@@ -1990,11 +2073,11 @@
 </file>
 
 <file path=ppt/notesSlides/notesSlide6.xml><?xml version="1.0" encoding="utf-8"?>
-<p:notes xmlns:a="http://schemas.openxmlformats.org/drawingml/2006/main" xmlns:r="http://schemas.openxmlformats.org/officeDocument/2006/relationships" xmlns:mc="http://schemas.openxmlformats.org/markup-compatibility/2006" xmlns:mv="urn:schemas-microsoft-com:mac:vml" xmlns:p="http://schemas.openxmlformats.org/presentationml/2006/main" xmlns:c="http://schemas.openxmlformats.org/drawingml/2006/chart" xmlns:dgm="http://schemas.openxmlformats.org/drawingml/2006/diagram" xmlns:o="urn:schemas-microsoft-com:office:office" xmlns:v="urn:schemas-microsoft-com:vml" xmlns:pvml="urn:schemas-microsoft-com:office:powerpoint" xmlns:com="http://schemas.openxmlformats.org/drawingml/2006/compatibility" xmlns:p14="http://schemas.microsoft.com/office/powerpoint/2010/main" xmlns:p15="http://schemas.microsoft.com/office/powerpoint/2012/main" xmlns:ahyp="http://schemas.microsoft.com/office/drawing/2018/hyperlinkcolor" showMasterPhAnim="0" showMasterSp="0">
+<p:notes xmlns:a="http://schemas.openxmlformats.org/drawingml/2006/main" xmlns:r="http://schemas.openxmlformats.org/officeDocument/2006/relationships" xmlns:p="http://schemas.openxmlformats.org/presentationml/2006/main" showMasterSp="0" showMasterPhAnim="0">
   <p:cSld>
     <p:spTree>
       <p:nvGrpSpPr>
-        <p:cNvPr id="82" name="Shape 82"/>
+        <p:cNvPr id="1" name="Shape 82"/>
         <p:cNvGrpSpPr/>
         <p:nvPr/>
       </p:nvGrpSpPr>
@@ -2009,9 +2092,11 @@
       <p:sp>
         <p:nvSpPr>
           <p:cNvPr id="83" name="Google Shape;83;g2f33106c262_0_23:notes"/>
-          <p:cNvSpPr/>
+          <p:cNvSpPr>
+            <a:spLocks noGrp="1" noRot="1" noChangeAspect="1"/>
+          </p:cNvSpPr>
           <p:nvPr>
-            <p:ph idx="2" type="sldImg"/>
+            <p:ph type="sldImg" idx="2"/>
           </p:nvPr>
         </p:nvSpPr>
         <p:spPr>
@@ -2020,9 +2105,13 @@
             <a:ext cx="6096000" cy="3429000"/>
           </a:xfrm>
           <a:custGeom>
-            <a:rect b="b" l="l" r="r" t="t"/>
+            <a:avLst/>
+            <a:gdLst/>
+            <a:ahLst/>
+            <a:cxnLst/>
+            <a:rect l="l" t="t" r="r" b="b"/>
             <a:pathLst>
-              <a:path extrusionOk="0" h="120000" w="120000">
+              <a:path w="120000" h="120000" extrusionOk="0">
                 <a:moveTo>
                   <a:pt x="0" y="0"/>
                 </a:moveTo>
@@ -2044,9 +2133,11 @@
       <p:sp>
         <p:nvSpPr>
           <p:cNvPr id="84" name="Google Shape;84;g2f33106c262_0_23:notes"/>
-          <p:cNvSpPr txBox="1"/>
+          <p:cNvSpPr txBox="1">
+            <a:spLocks noGrp="1"/>
+          </p:cNvSpPr>
           <p:nvPr>
-            <p:ph idx="1" type="body"/>
+            <p:ph type="body" idx="1"/>
           </p:nvPr>
         </p:nvSpPr>
         <p:spPr>
@@ -2059,12 +2150,12 @@
           </a:prstGeom>
         </p:spPr>
         <p:txBody>
-          <a:bodyPr anchorCtr="0" anchor="t" bIns="91425" lIns="91425" spcFirstLastPara="1" rIns="91425" wrap="square" tIns="91425">
+          <a:bodyPr spcFirstLastPara="1" wrap="square" lIns="91425" tIns="91425" rIns="91425" bIns="91425" anchor="t" anchorCtr="0">
             <a:noAutofit/>
           </a:bodyPr>
           <a:lstStyle/>
           <a:p>
-            <a:pPr indent="0" lvl="0" marL="0" rtl="0" algn="l">
+            <a:pPr marL="0" lvl="0" indent="0" algn="l" rtl="0">
               <a:spcBef>
                 <a:spcPts val="0"/>
               </a:spcBef>
@@ -2073,9 +2164,6 @@
               </a:spcAft>
               <a:buNone/>
             </a:pPr>
-            <a:r>
-              <a:t/>
-            </a:r>
             <a:endParaRPr/>
           </a:p>
         </p:txBody>
@@ -2089,11 +2177,11 @@
 </file>
 
 <file path=ppt/notesSlides/notesSlide7.xml><?xml version="1.0" encoding="utf-8"?>
-<p:notes xmlns:a="http://schemas.openxmlformats.org/drawingml/2006/main" xmlns:r="http://schemas.openxmlformats.org/officeDocument/2006/relationships" xmlns:mc="http://schemas.openxmlformats.org/markup-compatibility/2006" xmlns:mv="urn:schemas-microsoft-com:mac:vml" xmlns:p="http://schemas.openxmlformats.org/presentationml/2006/main" xmlns:c="http://schemas.openxmlformats.org/drawingml/2006/chart" xmlns:dgm="http://schemas.openxmlformats.org/drawingml/2006/diagram" xmlns:o="urn:schemas-microsoft-com:office:office" xmlns:v="urn:schemas-microsoft-com:vml" xmlns:pvml="urn:schemas-microsoft-com:office:powerpoint" xmlns:com="http://schemas.openxmlformats.org/drawingml/2006/compatibility" xmlns:p14="http://schemas.microsoft.com/office/powerpoint/2010/main" xmlns:p15="http://schemas.microsoft.com/office/powerpoint/2012/main" xmlns:ahyp="http://schemas.microsoft.com/office/drawing/2018/hyperlinkcolor" showMasterPhAnim="0" showMasterSp="0">
+<p:notes xmlns:a="http://schemas.openxmlformats.org/drawingml/2006/main" xmlns:r="http://schemas.openxmlformats.org/officeDocument/2006/relationships" xmlns:p="http://schemas.openxmlformats.org/presentationml/2006/main" showMasterSp="0" showMasterPhAnim="0">
   <p:cSld>
     <p:spTree>
       <p:nvGrpSpPr>
-        <p:cNvPr id="88" name="Shape 88"/>
+        <p:cNvPr id="1" name="Shape 88"/>
         <p:cNvGrpSpPr/>
         <p:nvPr/>
       </p:nvGrpSpPr>
@@ -2108,9 +2196,11 @@
       <p:sp>
         <p:nvSpPr>
           <p:cNvPr id="89" name="Google Shape;89;g2f18d520e3b_0_0:notes"/>
-          <p:cNvSpPr/>
+          <p:cNvSpPr>
+            <a:spLocks noGrp="1" noRot="1" noChangeAspect="1"/>
+          </p:cNvSpPr>
           <p:nvPr>
-            <p:ph idx="2" type="sldImg"/>
+            <p:ph type="sldImg" idx="2"/>
           </p:nvPr>
         </p:nvSpPr>
         <p:spPr>
@@ -2119,9 +2209,13 @@
             <a:ext cx="6096000" cy="3429000"/>
           </a:xfrm>
           <a:custGeom>
-            <a:rect b="b" l="l" r="r" t="t"/>
+            <a:avLst/>
+            <a:gdLst/>
+            <a:ahLst/>
+            <a:cxnLst/>
+            <a:rect l="l" t="t" r="r" b="b"/>
             <a:pathLst>
-              <a:path extrusionOk="0" h="120000" w="120000">
+              <a:path w="120000" h="120000" extrusionOk="0">
                 <a:moveTo>
                   <a:pt x="0" y="0"/>
                 </a:moveTo>
@@ -2143,9 +2237,11 @@
       <p:sp>
         <p:nvSpPr>
           <p:cNvPr id="90" name="Google Shape;90;g2f18d520e3b_0_0:notes"/>
-          <p:cNvSpPr txBox="1"/>
+          <p:cNvSpPr txBox="1">
+            <a:spLocks noGrp="1"/>
+          </p:cNvSpPr>
           <p:nvPr>
-            <p:ph idx="1" type="body"/>
+            <p:ph type="body" idx="1"/>
           </p:nvPr>
         </p:nvSpPr>
         <p:spPr>
@@ -2158,12 +2254,12 @@
           </a:prstGeom>
         </p:spPr>
         <p:txBody>
-          <a:bodyPr anchorCtr="0" anchor="t" bIns="91425" lIns="91425" spcFirstLastPara="1" rIns="91425" wrap="square" tIns="91425">
+          <a:bodyPr spcFirstLastPara="1" wrap="square" lIns="91425" tIns="91425" rIns="91425" bIns="91425" anchor="t" anchorCtr="0">
             <a:noAutofit/>
           </a:bodyPr>
           <a:lstStyle/>
           <a:p>
-            <a:pPr indent="0" lvl="0" marL="0" rtl="0" algn="l">
+            <a:pPr marL="0" lvl="0" indent="0" algn="l" rtl="0">
               <a:spcBef>
                 <a:spcPts val="0"/>
               </a:spcBef>
@@ -2172,9 +2268,6 @@
               </a:spcAft>
               <a:buNone/>
             </a:pPr>
-            <a:r>
-              <a:t/>
-            </a:r>
             <a:endParaRPr/>
           </a:p>
         </p:txBody>
@@ -2188,11 +2281,11 @@
 </file>
 
 <file path=ppt/notesSlides/notesSlide8.xml><?xml version="1.0" encoding="utf-8"?>
-<p:notes xmlns:a="http://schemas.openxmlformats.org/drawingml/2006/main" xmlns:r="http://schemas.openxmlformats.org/officeDocument/2006/relationships" xmlns:mc="http://schemas.openxmlformats.org/markup-compatibility/2006" xmlns:mv="urn:schemas-microsoft-com:mac:vml" xmlns:p="http://schemas.openxmlformats.org/presentationml/2006/main" xmlns:c="http://schemas.openxmlformats.org/drawingml/2006/chart" xmlns:dgm="http://schemas.openxmlformats.org/drawingml/2006/diagram" xmlns:o="urn:schemas-microsoft-com:office:office" xmlns:v="urn:schemas-microsoft-com:vml" xmlns:pvml="urn:schemas-microsoft-com:office:powerpoint" xmlns:com="http://schemas.openxmlformats.org/drawingml/2006/compatibility" xmlns:p14="http://schemas.microsoft.com/office/powerpoint/2010/main" xmlns:p15="http://schemas.microsoft.com/office/powerpoint/2012/main" xmlns:ahyp="http://schemas.microsoft.com/office/drawing/2018/hyperlinkcolor" showMasterPhAnim="0" showMasterSp="0">
+<p:notes xmlns:a="http://schemas.openxmlformats.org/drawingml/2006/main" xmlns:r="http://schemas.openxmlformats.org/officeDocument/2006/relationships" xmlns:p="http://schemas.openxmlformats.org/presentationml/2006/main" showMasterSp="0" showMasterPhAnim="0">
   <p:cSld>
     <p:spTree>
       <p:nvGrpSpPr>
-        <p:cNvPr id="94" name="Shape 94"/>
+        <p:cNvPr id="1" name="Shape 94"/>
         <p:cNvGrpSpPr/>
         <p:nvPr/>
       </p:nvGrpSpPr>
@@ -2207,9 +2300,11 @@
       <p:sp>
         <p:nvSpPr>
           <p:cNvPr id="95" name="Google Shape;95;g2f18d520e3b_0_6:notes"/>
-          <p:cNvSpPr/>
+          <p:cNvSpPr>
+            <a:spLocks noGrp="1" noRot="1" noChangeAspect="1"/>
+          </p:cNvSpPr>
           <p:nvPr>
-            <p:ph idx="2" type="sldImg"/>
+            <p:ph type="sldImg" idx="2"/>
           </p:nvPr>
         </p:nvSpPr>
         <p:spPr>
@@ -2218,9 +2313,13 @@
             <a:ext cx="6096000" cy="3429000"/>
           </a:xfrm>
           <a:custGeom>
-            <a:rect b="b" l="l" r="r" t="t"/>
+            <a:avLst/>
+            <a:gdLst/>
+            <a:ahLst/>
+            <a:cxnLst/>
+            <a:rect l="l" t="t" r="r" b="b"/>
             <a:pathLst>
-              <a:path extrusionOk="0" h="120000" w="120000">
+              <a:path w="120000" h="120000" extrusionOk="0">
                 <a:moveTo>
                   <a:pt x="0" y="0"/>
                 </a:moveTo>
@@ -2242,9 +2341,11 @@
       <p:sp>
         <p:nvSpPr>
           <p:cNvPr id="96" name="Google Shape;96;g2f18d520e3b_0_6:notes"/>
-          <p:cNvSpPr txBox="1"/>
+          <p:cNvSpPr txBox="1">
+            <a:spLocks noGrp="1"/>
+          </p:cNvSpPr>
           <p:nvPr>
-            <p:ph idx="1" type="body"/>
+            <p:ph type="body" idx="1"/>
           </p:nvPr>
         </p:nvSpPr>
         <p:spPr>
@@ -2257,12 +2358,12 @@
           </a:prstGeom>
         </p:spPr>
         <p:txBody>
-          <a:bodyPr anchorCtr="0" anchor="t" bIns="91425" lIns="91425" spcFirstLastPara="1" rIns="91425" wrap="square" tIns="91425">
+          <a:bodyPr spcFirstLastPara="1" wrap="square" lIns="91425" tIns="91425" rIns="91425" bIns="91425" anchor="t" anchorCtr="0">
             <a:noAutofit/>
           </a:bodyPr>
           <a:lstStyle/>
           <a:p>
-            <a:pPr indent="0" lvl="0" marL="0" rtl="0" algn="l">
+            <a:pPr marL="0" lvl="0" indent="0" algn="l" rtl="0">
               <a:spcBef>
                 <a:spcPts val="0"/>
               </a:spcBef>
@@ -2271,9 +2372,6 @@
               </a:spcAft>
               <a:buNone/>
             </a:pPr>
-            <a:r>
-              <a:t/>
-            </a:r>
             <a:endParaRPr/>
           </a:p>
         </p:txBody>
@@ -2287,11 +2385,11 @@
 </file>
 
 <file path=ppt/notesSlides/notesSlide9.xml><?xml version="1.0" encoding="utf-8"?>
-<p:notes xmlns:a="http://schemas.openxmlformats.org/drawingml/2006/main" xmlns:r="http://schemas.openxmlformats.org/officeDocument/2006/relationships" xmlns:mc="http://schemas.openxmlformats.org/markup-compatibility/2006" xmlns:mv="urn:schemas-microsoft-com:mac:vml" xmlns:p="http://schemas.openxmlformats.org/presentationml/2006/main" xmlns:c="http://schemas.openxmlformats.org/drawingml/2006/chart" xmlns:dgm="http://schemas.openxmlformats.org/drawingml/2006/diagram" xmlns:o="urn:schemas-microsoft-com:office:office" xmlns:v="urn:schemas-microsoft-com:vml" xmlns:pvml="urn:schemas-microsoft-com:office:powerpoint" xmlns:com="http://schemas.openxmlformats.org/drawingml/2006/compatibility" xmlns:p14="http://schemas.microsoft.com/office/powerpoint/2010/main" xmlns:p15="http://schemas.microsoft.com/office/powerpoint/2012/main" xmlns:ahyp="http://schemas.microsoft.com/office/drawing/2018/hyperlinkcolor" showMasterPhAnim="0" showMasterSp="0">
+<p:notes xmlns:a="http://schemas.openxmlformats.org/drawingml/2006/main" xmlns:r="http://schemas.openxmlformats.org/officeDocument/2006/relationships" xmlns:p="http://schemas.openxmlformats.org/presentationml/2006/main" showMasterSp="0" showMasterPhAnim="0">
   <p:cSld>
     <p:spTree>
       <p:nvGrpSpPr>
-        <p:cNvPr id="101" name="Shape 101"/>
+        <p:cNvPr id="1" name="Shape 101"/>
         <p:cNvGrpSpPr/>
         <p:nvPr/>
       </p:nvGrpSpPr>
@@ -2306,9 +2404,11 @@
       <p:sp>
         <p:nvSpPr>
           <p:cNvPr id="102" name="Google Shape;102;g2f33106c262_0_29:notes"/>
-          <p:cNvSpPr/>
+          <p:cNvSpPr>
+            <a:spLocks noGrp="1" noRot="1" noChangeAspect="1"/>
+          </p:cNvSpPr>
           <p:nvPr>
-            <p:ph idx="2" type="sldImg"/>
+            <p:ph type="sldImg" idx="2"/>
           </p:nvPr>
         </p:nvSpPr>
         <p:spPr>
@@ -2317,9 +2417,13 @@
             <a:ext cx="6096000" cy="3429000"/>
           </a:xfrm>
           <a:custGeom>
-            <a:rect b="b" l="l" r="r" t="t"/>
+            <a:avLst/>
+            <a:gdLst/>
+            <a:ahLst/>
+            <a:cxnLst/>
+            <a:rect l="l" t="t" r="r" b="b"/>
             <a:pathLst>
-              <a:path extrusionOk="0" h="120000" w="120000">
+              <a:path w="120000" h="120000" extrusionOk="0">
                 <a:moveTo>
                   <a:pt x="0" y="0"/>
                 </a:moveTo>
@@ -2341,9 +2445,11 @@
       <p:sp>
         <p:nvSpPr>
           <p:cNvPr id="103" name="Google Shape;103;g2f33106c262_0_29:notes"/>
-          <p:cNvSpPr txBox="1"/>
+          <p:cNvSpPr txBox="1">
+            <a:spLocks noGrp="1"/>
+          </p:cNvSpPr>
           <p:nvPr>
-            <p:ph idx="1" type="body"/>
+            <p:ph type="body" idx="1"/>
           </p:nvPr>
         </p:nvSpPr>
         <p:spPr>
@@ -2356,12 +2462,12 @@
           </a:prstGeom>
         </p:spPr>
         <p:txBody>
-          <a:bodyPr anchorCtr="0" anchor="t" bIns="91425" lIns="91425" spcFirstLastPara="1" rIns="91425" wrap="square" tIns="91425">
+          <a:bodyPr spcFirstLastPara="1" wrap="square" lIns="91425" tIns="91425" rIns="91425" bIns="91425" anchor="t" anchorCtr="0">
             <a:noAutofit/>
           </a:bodyPr>
           <a:lstStyle/>
           <a:p>
-            <a:pPr indent="0" lvl="0" marL="0" rtl="0" algn="l">
+            <a:pPr marL="0" lvl="0" indent="0" algn="l" rtl="0">
               <a:spcBef>
                 <a:spcPts val="0"/>
               </a:spcBef>
@@ -2370,9 +2476,6 @@
               </a:spcAft>
               <a:buNone/>
             </a:pPr>
-            <a:r>
-              <a:t/>
-            </a:r>
             <a:endParaRPr/>
           </a:p>
         </p:txBody>
@@ -2386,11 +2489,11 @@
 </file>
 
 <file path=ppt/slideLayouts/slideLayout1.xml><?xml version="1.0" encoding="utf-8"?>
-<p:sldLayout xmlns:a="http://schemas.openxmlformats.org/drawingml/2006/main" xmlns:r="http://schemas.openxmlformats.org/officeDocument/2006/relationships" xmlns:mc="http://schemas.openxmlformats.org/markup-compatibility/2006" xmlns:mv="urn:schemas-microsoft-com:mac:vml" xmlns:p="http://schemas.openxmlformats.org/presentationml/2006/main" xmlns:c="http://schemas.openxmlformats.org/drawingml/2006/chart" xmlns:dgm="http://schemas.openxmlformats.org/drawingml/2006/diagram" xmlns:o="urn:schemas-microsoft-com:office:office" xmlns:v="urn:schemas-microsoft-com:vml" xmlns:pvml="urn:schemas-microsoft-com:office:powerpoint" xmlns:com="http://schemas.openxmlformats.org/drawingml/2006/compatibility" xmlns:p14="http://schemas.microsoft.com/office/powerpoint/2010/main" xmlns:p15="http://schemas.microsoft.com/office/powerpoint/2012/main" xmlns:ahyp="http://schemas.microsoft.com/office/drawing/2018/hyperlinkcolor" matchingName="Title slide" type="title">
+<p:sldLayout xmlns:a="http://schemas.openxmlformats.org/drawingml/2006/main" xmlns:r="http://schemas.openxmlformats.org/officeDocument/2006/relationships" xmlns:p="http://schemas.openxmlformats.org/presentationml/2006/main" matchingName="Title slide" type="title">
   <p:cSld name="TITLE">
     <p:spTree>
       <p:nvGrpSpPr>
-        <p:cNvPr id="9" name="Shape 9"/>
+        <p:cNvPr id="1" name="Shape 9"/>
         <p:cNvGrpSpPr/>
         <p:nvPr/>
       </p:nvGrpSpPr>
@@ -2405,7 +2508,9 @@
       <p:sp>
         <p:nvSpPr>
           <p:cNvPr id="10" name="Google Shape;10;p2"/>
-          <p:cNvSpPr txBox="1"/>
+          <p:cNvSpPr txBox="1">
+            <a:spLocks noGrp="1"/>
+          </p:cNvSpPr>
           <p:nvPr>
             <p:ph type="ctrTitle"/>
           </p:nvPr>
@@ -2420,7 +2525,7 @@
           </a:prstGeom>
         </p:spPr>
         <p:txBody>
-          <a:bodyPr anchorCtr="0" anchor="b" bIns="91425" lIns="91425" spcFirstLastPara="1" rIns="91425" wrap="square" tIns="91425">
+          <a:bodyPr spcFirstLastPara="1" wrap="square" lIns="91425" tIns="91425" rIns="91425" bIns="91425" anchor="b" anchorCtr="0">
             <a:normAutofit/>
           </a:bodyPr>
           <a:lstStyle>
@@ -2524,15 +2629,19 @@
               <a:defRPr sz="5200"/>
             </a:lvl9pPr>
           </a:lstStyle>
-          <a:p/>
+          <a:p>
+            <a:endParaRPr/>
+          </a:p>
         </p:txBody>
       </p:sp>
       <p:sp>
         <p:nvSpPr>
           <p:cNvPr id="11" name="Google Shape;11;p2"/>
-          <p:cNvSpPr txBox="1"/>
+          <p:cNvSpPr txBox="1">
+            <a:spLocks noGrp="1"/>
+          </p:cNvSpPr>
           <p:nvPr>
-            <p:ph idx="1" type="subTitle"/>
+            <p:ph type="subTitle" idx="1"/>
           </p:nvPr>
         </p:nvSpPr>
         <p:spPr>
@@ -2545,7 +2654,7 @@
           </a:prstGeom>
         </p:spPr>
         <p:txBody>
-          <a:bodyPr anchorCtr="0" anchor="t" bIns="91425" lIns="91425" spcFirstLastPara="1" rIns="91425" wrap="square" tIns="91425">
+          <a:bodyPr spcFirstLastPara="1" wrap="square" lIns="91425" tIns="91425" rIns="91425" bIns="91425" anchor="t" anchorCtr="0">
             <a:normAutofit/>
           </a:bodyPr>
           <a:lstStyle>
@@ -2676,15 +2785,19 @@
               <a:defRPr sz="2800"/>
             </a:lvl9pPr>
           </a:lstStyle>
-          <a:p/>
+          <a:p>
+            <a:endParaRPr/>
+          </a:p>
         </p:txBody>
       </p:sp>
       <p:sp>
         <p:nvSpPr>
           <p:cNvPr id="12" name="Google Shape;12;p2"/>
-          <p:cNvSpPr txBox="1"/>
+          <p:cNvSpPr txBox="1">
+            <a:spLocks noGrp="1"/>
+          </p:cNvSpPr>
           <p:nvPr>
-            <p:ph idx="12" type="sldNum"/>
+            <p:ph type="sldNum" idx="12"/>
           </p:nvPr>
         </p:nvSpPr>
         <p:spPr>
@@ -2697,7 +2810,7 @@
           </a:prstGeom>
         </p:spPr>
         <p:txBody>
-          <a:bodyPr anchorCtr="0" anchor="ctr" bIns="91425" lIns="91425" spcFirstLastPara="1" rIns="91425" wrap="square" tIns="91425">
+          <a:bodyPr spcFirstLastPara="1" wrap="square" lIns="91425" tIns="91425" rIns="91425" bIns="91425" anchor="ctr" anchorCtr="0">
             <a:normAutofit/>
           </a:bodyPr>
           <a:lstStyle>
@@ -2739,7 +2852,7 @@
             </a:lvl9pPr>
           </a:lstStyle>
           <a:p>
-            <a:pPr indent="0" lvl="0" marL="0" rtl="0" algn="r">
+            <a:pPr marL="0" lvl="0" indent="0" algn="r" rtl="0">
               <a:spcBef>
                 <a:spcPts val="0"/>
               </a:spcBef>
@@ -2765,11 +2878,11 @@
 </file>
 
 <file path=ppt/slideLayouts/slideLayout10.xml><?xml version="1.0" encoding="utf-8"?>
-<p:sldLayout xmlns:a="http://schemas.openxmlformats.org/drawingml/2006/main" xmlns:r="http://schemas.openxmlformats.org/officeDocument/2006/relationships" xmlns:mc="http://schemas.openxmlformats.org/markup-compatibility/2006" xmlns:mv="urn:schemas-microsoft-com:mac:vml" xmlns:p="http://schemas.openxmlformats.org/presentationml/2006/main" xmlns:c="http://schemas.openxmlformats.org/drawingml/2006/chart" xmlns:dgm="http://schemas.openxmlformats.org/drawingml/2006/diagram" xmlns:o="urn:schemas-microsoft-com:office:office" xmlns:v="urn:schemas-microsoft-com:vml" xmlns:pvml="urn:schemas-microsoft-com:office:powerpoint" xmlns:com="http://schemas.openxmlformats.org/drawingml/2006/compatibility" xmlns:p14="http://schemas.microsoft.com/office/powerpoint/2010/main" xmlns:p15="http://schemas.microsoft.com/office/powerpoint/2012/main" xmlns:ahyp="http://schemas.microsoft.com/office/drawing/2018/hyperlinkcolor" matchingName="Big number">
+<p:sldLayout xmlns:a="http://schemas.openxmlformats.org/drawingml/2006/main" xmlns:r="http://schemas.openxmlformats.org/officeDocument/2006/relationships" xmlns:p="http://schemas.openxmlformats.org/presentationml/2006/main" matchingName="Big number">
   <p:cSld name="BIG_NUMBER">
     <p:spTree>
       <p:nvGrpSpPr>
-        <p:cNvPr id="44" name="Shape 44"/>
+        <p:cNvPr id="1" name="Shape 44"/>
         <p:cNvGrpSpPr/>
         <p:nvPr/>
       </p:nvGrpSpPr>
@@ -2784,9 +2897,11 @@
       <p:sp>
         <p:nvSpPr>
           <p:cNvPr id="45" name="Google Shape;45;p11"/>
-          <p:cNvSpPr txBox="1"/>
+          <p:cNvSpPr txBox="1">
+            <a:spLocks noGrp="1"/>
+          </p:cNvSpPr>
           <p:nvPr>
-            <p:ph hasCustomPrompt="1" type="title"/>
+            <p:ph type="title" hasCustomPrompt="1"/>
           </p:nvPr>
         </p:nvSpPr>
         <p:spPr>
@@ -2799,7 +2914,7 @@
           </a:prstGeom>
         </p:spPr>
         <p:txBody>
-          <a:bodyPr anchorCtr="0" anchor="b" bIns="91425" lIns="91425" spcFirstLastPara="1" rIns="91425" wrap="square" tIns="91425">
+          <a:bodyPr spcFirstLastPara="1" wrap="square" lIns="91425" tIns="91425" rIns="91425" bIns="91425" anchor="b" anchorCtr="0">
             <a:normAutofit/>
           </a:bodyPr>
           <a:lstStyle>
@@ -2913,9 +3028,11 @@
       <p:sp>
         <p:nvSpPr>
           <p:cNvPr id="46" name="Google Shape;46;p11"/>
-          <p:cNvSpPr txBox="1"/>
+          <p:cNvSpPr txBox="1">
+            <a:spLocks noGrp="1"/>
+          </p:cNvSpPr>
           <p:nvPr>
-            <p:ph idx="1" type="body"/>
+            <p:ph type="body" idx="1"/>
           </p:nvPr>
         </p:nvSpPr>
         <p:spPr>
@@ -2928,11 +3045,11 @@
           </a:prstGeom>
         </p:spPr>
         <p:txBody>
-          <a:bodyPr anchorCtr="0" anchor="t" bIns="91425" lIns="91425" spcFirstLastPara="1" rIns="91425" wrap="square" tIns="91425">
+          <a:bodyPr spcFirstLastPara="1" wrap="square" lIns="91425" tIns="91425" rIns="91425" bIns="91425" anchor="t" anchorCtr="0">
             <a:normAutofit/>
           </a:bodyPr>
           <a:lstStyle>
-            <a:lvl1pPr indent="-342900" lvl="0" marL="457200" algn="ctr">
+            <a:lvl1pPr marL="457200" lvl="0" indent="-342900" algn="ctr">
               <a:spcBef>
                 <a:spcPts val="0"/>
               </a:spcBef>
@@ -2943,7 +3060,7 @@
               <a:buChar char="●"/>
               <a:defRPr/>
             </a:lvl1pPr>
-            <a:lvl2pPr indent="-317500" lvl="1" marL="914400" algn="ctr">
+            <a:lvl2pPr marL="914400" lvl="1" indent="-317500" algn="ctr">
               <a:spcBef>
                 <a:spcPts val="0"/>
               </a:spcBef>
@@ -2954,7 +3071,7 @@
               <a:buChar char="○"/>
               <a:defRPr/>
             </a:lvl2pPr>
-            <a:lvl3pPr indent="-317500" lvl="2" marL="1371600" algn="ctr">
+            <a:lvl3pPr marL="1371600" lvl="2" indent="-317500" algn="ctr">
               <a:spcBef>
                 <a:spcPts val="0"/>
               </a:spcBef>
@@ -2965,7 +3082,7 @@
               <a:buChar char="■"/>
               <a:defRPr/>
             </a:lvl3pPr>
-            <a:lvl4pPr indent="-317500" lvl="3" marL="1828800" algn="ctr">
+            <a:lvl4pPr marL="1828800" lvl="3" indent="-317500" algn="ctr">
               <a:spcBef>
                 <a:spcPts val="0"/>
               </a:spcBef>
@@ -2976,7 +3093,7 @@
               <a:buChar char="●"/>
               <a:defRPr/>
             </a:lvl4pPr>
-            <a:lvl5pPr indent="-317500" lvl="4" marL="2286000" algn="ctr">
+            <a:lvl5pPr marL="2286000" lvl="4" indent="-317500" algn="ctr">
               <a:spcBef>
                 <a:spcPts val="0"/>
               </a:spcBef>
@@ -2987,7 +3104,7 @@
               <a:buChar char="○"/>
               <a:defRPr/>
             </a:lvl5pPr>
-            <a:lvl6pPr indent="-317500" lvl="5" marL="2743200" algn="ctr">
+            <a:lvl6pPr marL="2743200" lvl="5" indent="-317500" algn="ctr">
               <a:spcBef>
                 <a:spcPts val="0"/>
               </a:spcBef>
@@ -2998,7 +3115,7 @@
               <a:buChar char="■"/>
               <a:defRPr/>
             </a:lvl6pPr>
-            <a:lvl7pPr indent="-317500" lvl="6" marL="3200400" algn="ctr">
+            <a:lvl7pPr marL="3200400" lvl="6" indent="-317500" algn="ctr">
               <a:spcBef>
                 <a:spcPts val="0"/>
               </a:spcBef>
@@ -3009,7 +3126,7 @@
               <a:buChar char="●"/>
               <a:defRPr/>
             </a:lvl7pPr>
-            <a:lvl8pPr indent="-317500" lvl="7" marL="3657600" algn="ctr">
+            <a:lvl8pPr marL="3657600" lvl="7" indent="-317500" algn="ctr">
               <a:spcBef>
                 <a:spcPts val="0"/>
               </a:spcBef>
@@ -3020,7 +3137,7 @@
               <a:buChar char="○"/>
               <a:defRPr/>
             </a:lvl8pPr>
-            <a:lvl9pPr indent="-317500" lvl="8" marL="4114800" algn="ctr">
+            <a:lvl9pPr marL="4114800" lvl="8" indent="-317500" algn="ctr">
               <a:spcBef>
                 <a:spcPts val="0"/>
               </a:spcBef>
@@ -3032,15 +3149,19 @@
               <a:defRPr/>
             </a:lvl9pPr>
           </a:lstStyle>
-          <a:p/>
+          <a:p>
+            <a:endParaRPr/>
+          </a:p>
         </p:txBody>
       </p:sp>
       <p:sp>
         <p:nvSpPr>
           <p:cNvPr id="47" name="Google Shape;47;p11"/>
-          <p:cNvSpPr txBox="1"/>
+          <p:cNvSpPr txBox="1">
+            <a:spLocks noGrp="1"/>
+          </p:cNvSpPr>
           <p:nvPr>
-            <p:ph idx="12" type="sldNum"/>
+            <p:ph type="sldNum" idx="12"/>
           </p:nvPr>
         </p:nvSpPr>
         <p:spPr>
@@ -3053,7 +3174,7 @@
           </a:prstGeom>
         </p:spPr>
         <p:txBody>
-          <a:bodyPr anchorCtr="0" anchor="ctr" bIns="91425" lIns="91425" spcFirstLastPara="1" rIns="91425" wrap="square" tIns="91425">
+          <a:bodyPr spcFirstLastPara="1" wrap="square" lIns="91425" tIns="91425" rIns="91425" bIns="91425" anchor="ctr" anchorCtr="0">
             <a:normAutofit/>
           </a:bodyPr>
           <a:lstStyle>
@@ -3095,7 +3216,7 @@
             </a:lvl9pPr>
           </a:lstStyle>
           <a:p>
-            <a:pPr indent="0" lvl="0" marL="0" rtl="0" algn="r">
+            <a:pPr marL="0" lvl="0" indent="0" algn="r" rtl="0">
               <a:spcBef>
                 <a:spcPts val="0"/>
               </a:spcBef>
@@ -3121,11 +3242,11 @@
 </file>
 
 <file path=ppt/slideLayouts/slideLayout11.xml><?xml version="1.0" encoding="utf-8"?>
-<p:sldLayout xmlns:a="http://schemas.openxmlformats.org/drawingml/2006/main" xmlns:r="http://schemas.openxmlformats.org/officeDocument/2006/relationships" xmlns:mc="http://schemas.openxmlformats.org/markup-compatibility/2006" xmlns:mv="urn:schemas-microsoft-com:mac:vml" xmlns:p="http://schemas.openxmlformats.org/presentationml/2006/main" xmlns:c="http://schemas.openxmlformats.org/drawingml/2006/chart" xmlns:dgm="http://schemas.openxmlformats.org/drawingml/2006/diagram" xmlns:o="urn:schemas-microsoft-com:office:office" xmlns:v="urn:schemas-microsoft-com:vml" xmlns:pvml="urn:schemas-microsoft-com:office:powerpoint" xmlns:com="http://schemas.openxmlformats.org/drawingml/2006/compatibility" xmlns:p14="http://schemas.microsoft.com/office/powerpoint/2010/main" xmlns:p15="http://schemas.microsoft.com/office/powerpoint/2012/main" xmlns:ahyp="http://schemas.microsoft.com/office/drawing/2018/hyperlinkcolor" matchingName="Blank" type="blank">
+<p:sldLayout xmlns:a="http://schemas.openxmlformats.org/drawingml/2006/main" xmlns:r="http://schemas.openxmlformats.org/officeDocument/2006/relationships" xmlns:p="http://schemas.openxmlformats.org/presentationml/2006/main" matchingName="Blank" type="blank">
   <p:cSld name="BLANK">
     <p:spTree>
       <p:nvGrpSpPr>
-        <p:cNvPr id="48" name="Shape 48"/>
+        <p:cNvPr id="1" name="Shape 48"/>
         <p:cNvGrpSpPr/>
         <p:nvPr/>
       </p:nvGrpSpPr>
@@ -3140,9 +3261,11 @@
       <p:sp>
         <p:nvSpPr>
           <p:cNvPr id="49" name="Google Shape;49;p12"/>
-          <p:cNvSpPr txBox="1"/>
+          <p:cNvSpPr txBox="1">
+            <a:spLocks noGrp="1"/>
+          </p:cNvSpPr>
           <p:nvPr>
-            <p:ph idx="12" type="sldNum"/>
+            <p:ph type="sldNum" idx="12"/>
           </p:nvPr>
         </p:nvSpPr>
         <p:spPr>
@@ -3155,7 +3278,7 @@
           </a:prstGeom>
         </p:spPr>
         <p:txBody>
-          <a:bodyPr anchorCtr="0" anchor="ctr" bIns="91425" lIns="91425" spcFirstLastPara="1" rIns="91425" wrap="square" tIns="91425">
+          <a:bodyPr spcFirstLastPara="1" wrap="square" lIns="91425" tIns="91425" rIns="91425" bIns="91425" anchor="ctr" anchorCtr="0">
             <a:normAutofit/>
           </a:bodyPr>
           <a:lstStyle>
@@ -3197,7 +3320,7 @@
             </a:lvl9pPr>
           </a:lstStyle>
           <a:p>
-            <a:pPr indent="0" lvl="0" marL="0" rtl="0" algn="r">
+            <a:pPr marL="0" lvl="0" indent="0" algn="r" rtl="0">
               <a:spcBef>
                 <a:spcPts val="0"/>
               </a:spcBef>
@@ -3223,11 +3346,11 @@
 </file>
 
 <file path=ppt/slideLayouts/slideLayout2.xml><?xml version="1.0" encoding="utf-8"?>
-<p:sldLayout xmlns:a="http://schemas.openxmlformats.org/drawingml/2006/main" xmlns:r="http://schemas.openxmlformats.org/officeDocument/2006/relationships" xmlns:mc="http://schemas.openxmlformats.org/markup-compatibility/2006" xmlns:mv="urn:schemas-microsoft-com:mac:vml" xmlns:p="http://schemas.openxmlformats.org/presentationml/2006/main" xmlns:c="http://schemas.openxmlformats.org/drawingml/2006/chart" xmlns:dgm="http://schemas.openxmlformats.org/drawingml/2006/diagram" xmlns:o="urn:schemas-microsoft-com:office:office" xmlns:v="urn:schemas-microsoft-com:vml" xmlns:pvml="urn:schemas-microsoft-com:office:powerpoint" xmlns:com="http://schemas.openxmlformats.org/drawingml/2006/compatibility" xmlns:p14="http://schemas.microsoft.com/office/powerpoint/2010/main" xmlns:p15="http://schemas.microsoft.com/office/powerpoint/2012/main" xmlns:ahyp="http://schemas.microsoft.com/office/drawing/2018/hyperlinkcolor" matchingName="Section header" type="secHead">
+<p:sldLayout xmlns:a="http://schemas.openxmlformats.org/drawingml/2006/main" xmlns:r="http://schemas.openxmlformats.org/officeDocument/2006/relationships" xmlns:p="http://schemas.openxmlformats.org/presentationml/2006/main" matchingName="Section header" type="secHead">
   <p:cSld name="SECTION_HEADER">
     <p:spTree>
       <p:nvGrpSpPr>
-        <p:cNvPr id="13" name="Shape 13"/>
+        <p:cNvPr id="1" name="Shape 13"/>
         <p:cNvGrpSpPr/>
         <p:nvPr/>
       </p:nvGrpSpPr>
@@ -3242,7 +3365,9 @@
       <p:sp>
         <p:nvSpPr>
           <p:cNvPr id="14" name="Google Shape;14;p3"/>
-          <p:cNvSpPr txBox="1"/>
+          <p:cNvSpPr txBox="1">
+            <a:spLocks noGrp="1"/>
+          </p:cNvSpPr>
           <p:nvPr>
             <p:ph type="title"/>
           </p:nvPr>
@@ -3257,7 +3382,7 @@
           </a:prstGeom>
         </p:spPr>
         <p:txBody>
-          <a:bodyPr anchorCtr="0" anchor="ctr" bIns="91425" lIns="91425" spcFirstLastPara="1" rIns="91425" wrap="square" tIns="91425">
+          <a:bodyPr spcFirstLastPara="1" wrap="square" lIns="91425" tIns="91425" rIns="91425" bIns="91425" anchor="ctr" anchorCtr="0">
             <a:normAutofit/>
           </a:bodyPr>
           <a:lstStyle>
@@ -3361,15 +3486,19 @@
               <a:defRPr sz="3600"/>
             </a:lvl9pPr>
           </a:lstStyle>
-          <a:p/>
+          <a:p>
+            <a:endParaRPr/>
+          </a:p>
         </p:txBody>
       </p:sp>
       <p:sp>
         <p:nvSpPr>
           <p:cNvPr id="15" name="Google Shape;15;p3"/>
-          <p:cNvSpPr txBox="1"/>
+          <p:cNvSpPr txBox="1">
+            <a:spLocks noGrp="1"/>
+          </p:cNvSpPr>
           <p:nvPr>
-            <p:ph idx="12" type="sldNum"/>
+            <p:ph type="sldNum" idx="12"/>
           </p:nvPr>
         </p:nvSpPr>
         <p:spPr>
@@ -3382,7 +3511,7 @@
           </a:prstGeom>
         </p:spPr>
         <p:txBody>
-          <a:bodyPr anchorCtr="0" anchor="ctr" bIns="91425" lIns="91425" spcFirstLastPara="1" rIns="91425" wrap="square" tIns="91425">
+          <a:bodyPr spcFirstLastPara="1" wrap="square" lIns="91425" tIns="91425" rIns="91425" bIns="91425" anchor="ctr" anchorCtr="0">
             <a:normAutofit/>
           </a:bodyPr>
           <a:lstStyle>
@@ -3424,7 +3553,7 @@
             </a:lvl9pPr>
           </a:lstStyle>
           <a:p>
-            <a:pPr indent="0" lvl="0" marL="0" rtl="0" algn="r">
+            <a:pPr marL="0" lvl="0" indent="0" algn="r" rtl="0">
               <a:spcBef>
                 <a:spcPts val="0"/>
               </a:spcBef>
@@ -3450,11 +3579,11 @@
 </file>
 
 <file path=ppt/slideLayouts/slideLayout3.xml><?xml version="1.0" encoding="utf-8"?>
-<p:sldLayout xmlns:a="http://schemas.openxmlformats.org/drawingml/2006/main" xmlns:r="http://schemas.openxmlformats.org/officeDocument/2006/relationships" xmlns:mc="http://schemas.openxmlformats.org/markup-compatibility/2006" xmlns:mv="urn:schemas-microsoft-com:mac:vml" xmlns:p="http://schemas.openxmlformats.org/presentationml/2006/main" xmlns:c="http://schemas.openxmlformats.org/drawingml/2006/chart" xmlns:dgm="http://schemas.openxmlformats.org/drawingml/2006/diagram" xmlns:o="urn:schemas-microsoft-com:office:office" xmlns:v="urn:schemas-microsoft-com:vml" xmlns:pvml="urn:schemas-microsoft-com:office:powerpoint" xmlns:com="http://schemas.openxmlformats.org/drawingml/2006/compatibility" xmlns:p14="http://schemas.microsoft.com/office/powerpoint/2010/main" xmlns:p15="http://schemas.microsoft.com/office/powerpoint/2012/main" xmlns:ahyp="http://schemas.microsoft.com/office/drawing/2018/hyperlinkcolor" matchingName="Title and body" type="tx">
+<p:sldLayout xmlns:a="http://schemas.openxmlformats.org/drawingml/2006/main" xmlns:r="http://schemas.openxmlformats.org/officeDocument/2006/relationships" xmlns:p="http://schemas.openxmlformats.org/presentationml/2006/main" matchingName="Title and body" type="tx">
   <p:cSld name="TITLE_AND_BODY">
     <p:spTree>
       <p:nvGrpSpPr>
-        <p:cNvPr id="16" name="Shape 16"/>
+        <p:cNvPr id="1" name="Shape 16"/>
         <p:cNvGrpSpPr/>
         <p:nvPr/>
       </p:nvGrpSpPr>
@@ -3469,7 +3598,9 @@
       <p:sp>
         <p:nvSpPr>
           <p:cNvPr id="17" name="Google Shape;17;p4"/>
-          <p:cNvSpPr txBox="1"/>
+          <p:cNvSpPr txBox="1">
+            <a:spLocks noGrp="1"/>
+          </p:cNvSpPr>
           <p:nvPr>
             <p:ph type="title"/>
           </p:nvPr>
@@ -3484,7 +3615,7 @@
           </a:prstGeom>
         </p:spPr>
         <p:txBody>
-          <a:bodyPr anchorCtr="0" anchor="t" bIns="91425" lIns="91425" spcFirstLastPara="1" rIns="91425" wrap="square" tIns="91425">
+          <a:bodyPr spcFirstLastPara="1" wrap="square" lIns="91425" tIns="91425" rIns="91425" bIns="91425" anchor="t" anchorCtr="0">
             <a:normAutofit/>
           </a:bodyPr>
           <a:lstStyle>
@@ -3588,15 +3719,19 @@
               <a:defRPr/>
             </a:lvl9pPr>
           </a:lstStyle>
-          <a:p/>
+          <a:p>
+            <a:endParaRPr/>
+          </a:p>
         </p:txBody>
       </p:sp>
       <p:sp>
         <p:nvSpPr>
           <p:cNvPr id="18" name="Google Shape;18;p4"/>
-          <p:cNvSpPr txBox="1"/>
+          <p:cNvSpPr txBox="1">
+            <a:spLocks noGrp="1"/>
+          </p:cNvSpPr>
           <p:nvPr>
-            <p:ph idx="1" type="body"/>
+            <p:ph type="body" idx="1"/>
           </p:nvPr>
         </p:nvSpPr>
         <p:spPr>
@@ -3609,11 +3744,11 @@
           </a:prstGeom>
         </p:spPr>
         <p:txBody>
-          <a:bodyPr anchorCtr="0" anchor="t" bIns="91425" lIns="91425" spcFirstLastPara="1" rIns="91425" wrap="square" tIns="91425">
+          <a:bodyPr spcFirstLastPara="1" wrap="square" lIns="91425" tIns="91425" rIns="91425" bIns="91425" anchor="t" anchorCtr="0">
             <a:normAutofit/>
           </a:bodyPr>
           <a:lstStyle>
-            <a:lvl1pPr indent="-342900" lvl="0" marL="457200">
+            <a:lvl1pPr marL="457200" lvl="0" indent="-342900">
               <a:spcBef>
                 <a:spcPts val="0"/>
               </a:spcBef>
@@ -3624,7 +3759,7 @@
               <a:buChar char="●"/>
               <a:defRPr/>
             </a:lvl1pPr>
-            <a:lvl2pPr indent="-317500" lvl="1" marL="914400">
+            <a:lvl2pPr marL="914400" lvl="1" indent="-317500">
               <a:spcBef>
                 <a:spcPts val="0"/>
               </a:spcBef>
@@ -3635,7 +3770,7 @@
               <a:buChar char="○"/>
               <a:defRPr/>
             </a:lvl2pPr>
-            <a:lvl3pPr indent="-317500" lvl="2" marL="1371600">
+            <a:lvl3pPr marL="1371600" lvl="2" indent="-317500">
               <a:spcBef>
                 <a:spcPts val="0"/>
               </a:spcBef>
@@ -3646,7 +3781,7 @@
               <a:buChar char="■"/>
               <a:defRPr/>
             </a:lvl3pPr>
-            <a:lvl4pPr indent="-317500" lvl="3" marL="1828800">
+            <a:lvl4pPr marL="1828800" lvl="3" indent="-317500">
               <a:spcBef>
                 <a:spcPts val="0"/>
               </a:spcBef>
@@ -3657,7 +3792,7 @@
               <a:buChar char="●"/>
               <a:defRPr/>
             </a:lvl4pPr>
-            <a:lvl5pPr indent="-317500" lvl="4" marL="2286000">
+            <a:lvl5pPr marL="2286000" lvl="4" indent="-317500">
               <a:spcBef>
                 <a:spcPts val="0"/>
               </a:spcBef>
@@ -3668,7 +3803,7 @@
               <a:buChar char="○"/>
               <a:defRPr/>
             </a:lvl5pPr>
-            <a:lvl6pPr indent="-317500" lvl="5" marL="2743200">
+            <a:lvl6pPr marL="2743200" lvl="5" indent="-317500">
               <a:spcBef>
                 <a:spcPts val="0"/>
               </a:spcBef>
@@ -3679,7 +3814,7 @@
               <a:buChar char="■"/>
               <a:defRPr/>
             </a:lvl6pPr>
-            <a:lvl7pPr indent="-317500" lvl="6" marL="3200400">
+            <a:lvl7pPr marL="3200400" lvl="6" indent="-317500">
               <a:spcBef>
                 <a:spcPts val="0"/>
               </a:spcBef>
@@ -3690,7 +3825,7 @@
               <a:buChar char="●"/>
               <a:defRPr/>
             </a:lvl7pPr>
-            <a:lvl8pPr indent="-317500" lvl="7" marL="3657600">
+            <a:lvl8pPr marL="3657600" lvl="7" indent="-317500">
               <a:spcBef>
                 <a:spcPts val="0"/>
               </a:spcBef>
@@ -3701,7 +3836,7 @@
               <a:buChar char="○"/>
               <a:defRPr/>
             </a:lvl8pPr>
-            <a:lvl9pPr indent="-317500" lvl="8" marL="4114800">
+            <a:lvl9pPr marL="4114800" lvl="8" indent="-317500">
               <a:spcBef>
                 <a:spcPts val="0"/>
               </a:spcBef>
@@ -3713,15 +3848,19 @@
               <a:defRPr/>
             </a:lvl9pPr>
           </a:lstStyle>
-          <a:p/>
+          <a:p>
+            <a:endParaRPr/>
+          </a:p>
         </p:txBody>
       </p:sp>
       <p:sp>
         <p:nvSpPr>
           <p:cNvPr id="19" name="Google Shape;19;p4"/>
-          <p:cNvSpPr txBox="1"/>
+          <p:cNvSpPr txBox="1">
+            <a:spLocks noGrp="1"/>
+          </p:cNvSpPr>
           <p:nvPr>
-            <p:ph idx="12" type="sldNum"/>
+            <p:ph type="sldNum" idx="12"/>
           </p:nvPr>
         </p:nvSpPr>
         <p:spPr>
@@ -3734,7 +3873,7 @@
           </a:prstGeom>
         </p:spPr>
         <p:txBody>
-          <a:bodyPr anchorCtr="0" anchor="ctr" bIns="91425" lIns="91425" spcFirstLastPara="1" rIns="91425" wrap="square" tIns="91425">
+          <a:bodyPr spcFirstLastPara="1" wrap="square" lIns="91425" tIns="91425" rIns="91425" bIns="91425" anchor="ctr" anchorCtr="0">
             <a:normAutofit/>
           </a:bodyPr>
           <a:lstStyle>
@@ -3776,7 +3915,7 @@
             </a:lvl9pPr>
           </a:lstStyle>
           <a:p>
-            <a:pPr indent="0" lvl="0" marL="0" rtl="0" algn="r">
+            <a:pPr marL="0" lvl="0" indent="0" algn="r" rtl="0">
               <a:spcBef>
                 <a:spcPts val="0"/>
               </a:spcBef>
@@ -3802,11 +3941,11 @@
 </file>
 
 <file path=ppt/slideLayouts/slideLayout4.xml><?xml version="1.0" encoding="utf-8"?>
-<p:sldLayout xmlns:a="http://schemas.openxmlformats.org/drawingml/2006/main" xmlns:r="http://schemas.openxmlformats.org/officeDocument/2006/relationships" xmlns:mc="http://schemas.openxmlformats.org/markup-compatibility/2006" xmlns:mv="urn:schemas-microsoft-com:mac:vml" xmlns:p="http://schemas.openxmlformats.org/presentationml/2006/main" xmlns:c="http://schemas.openxmlformats.org/drawingml/2006/chart" xmlns:dgm="http://schemas.openxmlformats.org/drawingml/2006/diagram" xmlns:o="urn:schemas-microsoft-com:office:office" xmlns:v="urn:schemas-microsoft-com:vml" xmlns:pvml="urn:schemas-microsoft-com:office:powerpoint" xmlns:com="http://schemas.openxmlformats.org/drawingml/2006/compatibility" xmlns:p14="http://schemas.microsoft.com/office/powerpoint/2010/main" xmlns:p15="http://schemas.microsoft.com/office/powerpoint/2012/main" xmlns:ahyp="http://schemas.microsoft.com/office/drawing/2018/hyperlinkcolor" matchingName="Title and two columns" type="twoColTx">
+<p:sldLayout xmlns:a="http://schemas.openxmlformats.org/drawingml/2006/main" xmlns:r="http://schemas.openxmlformats.org/officeDocument/2006/relationships" xmlns:p="http://schemas.openxmlformats.org/presentationml/2006/main" matchingName="Title and two columns" type="twoColTx">
   <p:cSld name="TITLE_AND_TWO_COLUMNS">
     <p:spTree>
       <p:nvGrpSpPr>
-        <p:cNvPr id="20" name="Shape 20"/>
+        <p:cNvPr id="1" name="Shape 20"/>
         <p:cNvGrpSpPr/>
         <p:nvPr/>
       </p:nvGrpSpPr>
@@ -3821,7 +3960,9 @@
       <p:sp>
         <p:nvSpPr>
           <p:cNvPr id="21" name="Google Shape;21;p5"/>
-          <p:cNvSpPr txBox="1"/>
+          <p:cNvSpPr txBox="1">
+            <a:spLocks noGrp="1"/>
+          </p:cNvSpPr>
           <p:nvPr>
             <p:ph type="title"/>
           </p:nvPr>
@@ -3836,7 +3977,7 @@
           </a:prstGeom>
         </p:spPr>
         <p:txBody>
-          <a:bodyPr anchorCtr="0" anchor="t" bIns="91425" lIns="91425" spcFirstLastPara="1" rIns="91425" wrap="square" tIns="91425">
+          <a:bodyPr spcFirstLastPara="1" wrap="square" lIns="91425" tIns="91425" rIns="91425" bIns="91425" anchor="t" anchorCtr="0">
             <a:normAutofit/>
           </a:bodyPr>
           <a:lstStyle>
@@ -3940,15 +4081,19 @@
               <a:defRPr/>
             </a:lvl9pPr>
           </a:lstStyle>
-          <a:p/>
+          <a:p>
+            <a:endParaRPr/>
+          </a:p>
         </p:txBody>
       </p:sp>
       <p:sp>
         <p:nvSpPr>
           <p:cNvPr id="22" name="Google Shape;22;p5"/>
-          <p:cNvSpPr txBox="1"/>
+          <p:cNvSpPr txBox="1">
+            <a:spLocks noGrp="1"/>
+          </p:cNvSpPr>
           <p:nvPr>
-            <p:ph idx="1" type="body"/>
+            <p:ph type="body" idx="1"/>
           </p:nvPr>
         </p:nvSpPr>
         <p:spPr>
@@ -3961,11 +4106,11 @@
           </a:prstGeom>
         </p:spPr>
         <p:txBody>
-          <a:bodyPr anchorCtr="0" anchor="t" bIns="91425" lIns="91425" spcFirstLastPara="1" rIns="91425" wrap="square" tIns="91425">
+          <a:bodyPr spcFirstLastPara="1" wrap="square" lIns="91425" tIns="91425" rIns="91425" bIns="91425" anchor="t" anchorCtr="0">
             <a:normAutofit/>
           </a:bodyPr>
           <a:lstStyle>
-            <a:lvl1pPr indent="-317500" lvl="0" marL="457200">
+            <a:lvl1pPr marL="457200" lvl="0" indent="-317500">
               <a:spcBef>
                 <a:spcPts val="0"/>
               </a:spcBef>
@@ -3976,7 +4121,7 @@
               <a:buChar char="●"/>
               <a:defRPr sz="1400"/>
             </a:lvl1pPr>
-            <a:lvl2pPr indent="-304800" lvl="1" marL="914400">
+            <a:lvl2pPr marL="914400" lvl="1" indent="-304800">
               <a:spcBef>
                 <a:spcPts val="0"/>
               </a:spcBef>
@@ -3987,7 +4132,7 @@
               <a:buChar char="○"/>
               <a:defRPr sz="1200"/>
             </a:lvl2pPr>
-            <a:lvl3pPr indent="-304800" lvl="2" marL="1371600">
+            <a:lvl3pPr marL="1371600" lvl="2" indent="-304800">
               <a:spcBef>
                 <a:spcPts val="0"/>
               </a:spcBef>
@@ -3998,7 +4143,7 @@
               <a:buChar char="■"/>
               <a:defRPr sz="1200"/>
             </a:lvl3pPr>
-            <a:lvl4pPr indent="-304800" lvl="3" marL="1828800">
+            <a:lvl4pPr marL="1828800" lvl="3" indent="-304800">
               <a:spcBef>
                 <a:spcPts val="0"/>
               </a:spcBef>
@@ -4009,7 +4154,7 @@
               <a:buChar char="●"/>
               <a:defRPr sz="1200"/>
             </a:lvl4pPr>
-            <a:lvl5pPr indent="-304800" lvl="4" marL="2286000">
+            <a:lvl5pPr marL="2286000" lvl="4" indent="-304800">
               <a:spcBef>
                 <a:spcPts val="0"/>
               </a:spcBef>
@@ -4020,7 +4165,7 @@
               <a:buChar char="○"/>
               <a:defRPr sz="1200"/>
             </a:lvl5pPr>
-            <a:lvl6pPr indent="-304800" lvl="5" marL="2743200">
+            <a:lvl6pPr marL="2743200" lvl="5" indent="-304800">
               <a:spcBef>
                 <a:spcPts val="0"/>
               </a:spcBef>
@@ -4031,7 +4176,7 @@
               <a:buChar char="■"/>
               <a:defRPr sz="1200"/>
             </a:lvl6pPr>
-            <a:lvl7pPr indent="-304800" lvl="6" marL="3200400">
+            <a:lvl7pPr marL="3200400" lvl="6" indent="-304800">
               <a:spcBef>
                 <a:spcPts val="0"/>
               </a:spcBef>
@@ -4042,7 +4187,7 @@
               <a:buChar char="●"/>
               <a:defRPr sz="1200"/>
             </a:lvl7pPr>
-            <a:lvl8pPr indent="-304800" lvl="7" marL="3657600">
+            <a:lvl8pPr marL="3657600" lvl="7" indent="-304800">
               <a:spcBef>
                 <a:spcPts val="0"/>
               </a:spcBef>
@@ -4053,7 +4198,7 @@
               <a:buChar char="○"/>
               <a:defRPr sz="1200"/>
             </a:lvl8pPr>
-            <a:lvl9pPr indent="-304800" lvl="8" marL="4114800">
+            <a:lvl9pPr marL="4114800" lvl="8" indent="-304800">
               <a:spcBef>
                 <a:spcPts val="0"/>
               </a:spcBef>
@@ -4065,15 +4210,19 @@
               <a:defRPr sz="1200"/>
             </a:lvl9pPr>
           </a:lstStyle>
-          <a:p/>
+          <a:p>
+            <a:endParaRPr/>
+          </a:p>
         </p:txBody>
       </p:sp>
       <p:sp>
         <p:nvSpPr>
           <p:cNvPr id="23" name="Google Shape;23;p5"/>
-          <p:cNvSpPr txBox="1"/>
+          <p:cNvSpPr txBox="1">
+            <a:spLocks noGrp="1"/>
+          </p:cNvSpPr>
           <p:nvPr>
-            <p:ph idx="2" type="body"/>
+            <p:ph type="body" idx="2"/>
           </p:nvPr>
         </p:nvSpPr>
         <p:spPr>
@@ -4086,11 +4235,11 @@
           </a:prstGeom>
         </p:spPr>
         <p:txBody>
-          <a:bodyPr anchorCtr="0" anchor="t" bIns="91425" lIns="91425" spcFirstLastPara="1" rIns="91425" wrap="square" tIns="91425">
+          <a:bodyPr spcFirstLastPara="1" wrap="square" lIns="91425" tIns="91425" rIns="91425" bIns="91425" anchor="t" anchorCtr="0">
             <a:normAutofit/>
           </a:bodyPr>
           <a:lstStyle>
-            <a:lvl1pPr indent="-317500" lvl="0" marL="457200">
+            <a:lvl1pPr marL="457200" lvl="0" indent="-317500">
               <a:spcBef>
                 <a:spcPts val="0"/>
               </a:spcBef>
@@ -4101,7 +4250,7 @@
               <a:buChar char="●"/>
               <a:defRPr sz="1400"/>
             </a:lvl1pPr>
-            <a:lvl2pPr indent="-304800" lvl="1" marL="914400">
+            <a:lvl2pPr marL="914400" lvl="1" indent="-304800">
               <a:spcBef>
                 <a:spcPts val="0"/>
               </a:spcBef>
@@ -4112,7 +4261,7 @@
               <a:buChar char="○"/>
               <a:defRPr sz="1200"/>
             </a:lvl2pPr>
-            <a:lvl3pPr indent="-304800" lvl="2" marL="1371600">
+            <a:lvl3pPr marL="1371600" lvl="2" indent="-304800">
               <a:spcBef>
                 <a:spcPts val="0"/>
               </a:spcBef>
@@ -4123,7 +4272,7 @@
               <a:buChar char="■"/>
               <a:defRPr sz="1200"/>
             </a:lvl3pPr>
-            <a:lvl4pPr indent="-304800" lvl="3" marL="1828800">
+            <a:lvl4pPr marL="1828800" lvl="3" indent="-304800">
               <a:spcBef>
                 <a:spcPts val="0"/>
               </a:spcBef>
@@ -4134,7 +4283,7 @@
               <a:buChar char="●"/>
               <a:defRPr sz="1200"/>
             </a:lvl4pPr>
-            <a:lvl5pPr indent="-304800" lvl="4" marL="2286000">
+            <a:lvl5pPr marL="2286000" lvl="4" indent="-304800">
               <a:spcBef>
                 <a:spcPts val="0"/>
               </a:spcBef>
@@ -4145,7 +4294,7 @@
               <a:buChar char="○"/>
               <a:defRPr sz="1200"/>
             </a:lvl5pPr>
-            <a:lvl6pPr indent="-304800" lvl="5" marL="2743200">
+            <a:lvl6pPr marL="2743200" lvl="5" indent="-304800">
               <a:spcBef>
                 <a:spcPts val="0"/>
               </a:spcBef>
@@ -4156,7 +4305,7 @@
               <a:buChar char="■"/>
               <a:defRPr sz="1200"/>
             </a:lvl6pPr>
-            <a:lvl7pPr indent="-304800" lvl="6" marL="3200400">
+            <a:lvl7pPr marL="3200400" lvl="6" indent="-304800">
               <a:spcBef>
                 <a:spcPts val="0"/>
               </a:spcBef>
@@ -4167,7 +4316,7 @@
               <a:buChar char="●"/>
               <a:defRPr sz="1200"/>
             </a:lvl7pPr>
-            <a:lvl8pPr indent="-304800" lvl="7" marL="3657600">
+            <a:lvl8pPr marL="3657600" lvl="7" indent="-304800">
               <a:spcBef>
                 <a:spcPts val="0"/>
               </a:spcBef>
@@ -4178,7 +4327,7 @@
               <a:buChar char="○"/>
               <a:defRPr sz="1200"/>
             </a:lvl8pPr>
-            <a:lvl9pPr indent="-304800" lvl="8" marL="4114800">
+            <a:lvl9pPr marL="4114800" lvl="8" indent="-304800">
               <a:spcBef>
                 <a:spcPts val="0"/>
               </a:spcBef>
@@ -4190,15 +4339,19 @@
               <a:defRPr sz="1200"/>
             </a:lvl9pPr>
           </a:lstStyle>
-          <a:p/>
+          <a:p>
+            <a:endParaRPr/>
+          </a:p>
         </p:txBody>
       </p:sp>
       <p:sp>
         <p:nvSpPr>
           <p:cNvPr id="24" name="Google Shape;24;p5"/>
-          <p:cNvSpPr txBox="1"/>
+          <p:cNvSpPr txBox="1">
+            <a:spLocks noGrp="1"/>
+          </p:cNvSpPr>
           <p:nvPr>
-            <p:ph idx="12" type="sldNum"/>
+            <p:ph type="sldNum" idx="12"/>
           </p:nvPr>
         </p:nvSpPr>
         <p:spPr>
@@ -4211,7 +4364,7 @@
           </a:prstGeom>
         </p:spPr>
         <p:txBody>
-          <a:bodyPr anchorCtr="0" anchor="ctr" bIns="91425" lIns="91425" spcFirstLastPara="1" rIns="91425" wrap="square" tIns="91425">
+          <a:bodyPr spcFirstLastPara="1" wrap="square" lIns="91425" tIns="91425" rIns="91425" bIns="91425" anchor="ctr" anchorCtr="0">
             <a:normAutofit/>
           </a:bodyPr>
           <a:lstStyle>
@@ -4253,7 +4406,7 @@
             </a:lvl9pPr>
           </a:lstStyle>
           <a:p>
-            <a:pPr indent="0" lvl="0" marL="0" rtl="0" algn="r">
+            <a:pPr marL="0" lvl="0" indent="0" algn="r" rtl="0">
               <a:spcBef>
                 <a:spcPts val="0"/>
               </a:spcBef>
@@ -4279,11 +4432,11 @@
 </file>
 
 <file path=ppt/slideLayouts/slideLayout5.xml><?xml version="1.0" encoding="utf-8"?>
-<p:sldLayout xmlns:a="http://schemas.openxmlformats.org/drawingml/2006/main" xmlns:r="http://schemas.openxmlformats.org/officeDocument/2006/relationships" xmlns:mc="http://schemas.openxmlformats.org/markup-compatibility/2006" xmlns:mv="urn:schemas-microsoft-com:mac:vml" xmlns:p="http://schemas.openxmlformats.org/presentationml/2006/main" xmlns:c="http://schemas.openxmlformats.org/drawingml/2006/chart" xmlns:dgm="http://schemas.openxmlformats.org/drawingml/2006/diagram" xmlns:o="urn:schemas-microsoft-com:office:office" xmlns:v="urn:schemas-microsoft-com:vml" xmlns:pvml="urn:schemas-microsoft-com:office:powerpoint" xmlns:com="http://schemas.openxmlformats.org/drawingml/2006/compatibility" xmlns:p14="http://schemas.microsoft.com/office/powerpoint/2010/main" xmlns:p15="http://schemas.microsoft.com/office/powerpoint/2012/main" xmlns:ahyp="http://schemas.microsoft.com/office/drawing/2018/hyperlinkcolor" matchingName="Title only" type="titleOnly">
+<p:sldLayout xmlns:a="http://schemas.openxmlformats.org/drawingml/2006/main" xmlns:r="http://schemas.openxmlformats.org/officeDocument/2006/relationships" xmlns:p="http://schemas.openxmlformats.org/presentationml/2006/main" matchingName="Title only" type="titleOnly">
   <p:cSld name="TITLE_ONLY">
     <p:spTree>
       <p:nvGrpSpPr>
-        <p:cNvPr id="25" name="Shape 25"/>
+        <p:cNvPr id="1" name="Shape 25"/>
         <p:cNvGrpSpPr/>
         <p:nvPr/>
       </p:nvGrpSpPr>
@@ -4298,7 +4451,9 @@
       <p:sp>
         <p:nvSpPr>
           <p:cNvPr id="26" name="Google Shape;26;p6"/>
-          <p:cNvSpPr txBox="1"/>
+          <p:cNvSpPr txBox="1">
+            <a:spLocks noGrp="1"/>
+          </p:cNvSpPr>
           <p:nvPr>
             <p:ph type="title"/>
           </p:nvPr>
@@ -4313,7 +4468,7 @@
           </a:prstGeom>
         </p:spPr>
         <p:txBody>
-          <a:bodyPr anchorCtr="0" anchor="t" bIns="91425" lIns="91425" spcFirstLastPara="1" rIns="91425" wrap="square" tIns="91425">
+          <a:bodyPr spcFirstLastPara="1" wrap="square" lIns="91425" tIns="91425" rIns="91425" bIns="91425" anchor="t" anchorCtr="0">
             <a:normAutofit/>
           </a:bodyPr>
           <a:lstStyle>
@@ -4417,15 +4572,19 @@
               <a:defRPr/>
             </a:lvl9pPr>
           </a:lstStyle>
-          <a:p/>
+          <a:p>
+            <a:endParaRPr/>
+          </a:p>
         </p:txBody>
       </p:sp>
       <p:sp>
         <p:nvSpPr>
           <p:cNvPr id="27" name="Google Shape;27;p6"/>
-          <p:cNvSpPr txBox="1"/>
+          <p:cNvSpPr txBox="1">
+            <a:spLocks noGrp="1"/>
+          </p:cNvSpPr>
           <p:nvPr>
-            <p:ph idx="12" type="sldNum"/>
+            <p:ph type="sldNum" idx="12"/>
           </p:nvPr>
         </p:nvSpPr>
         <p:spPr>
@@ -4438,7 +4597,7 @@
           </a:prstGeom>
         </p:spPr>
         <p:txBody>
-          <a:bodyPr anchorCtr="0" anchor="ctr" bIns="91425" lIns="91425" spcFirstLastPara="1" rIns="91425" wrap="square" tIns="91425">
+          <a:bodyPr spcFirstLastPara="1" wrap="square" lIns="91425" tIns="91425" rIns="91425" bIns="91425" anchor="ctr" anchorCtr="0">
             <a:normAutofit/>
           </a:bodyPr>
           <a:lstStyle>
@@ -4480,7 +4639,7 @@
             </a:lvl9pPr>
           </a:lstStyle>
           <a:p>
-            <a:pPr indent="0" lvl="0" marL="0" rtl="0" algn="r">
+            <a:pPr marL="0" lvl="0" indent="0" algn="r" rtl="0">
               <a:spcBef>
                 <a:spcPts val="0"/>
               </a:spcBef>
@@ -4506,11 +4665,11 @@
 </file>
 
 <file path=ppt/slideLayouts/slideLayout6.xml><?xml version="1.0" encoding="utf-8"?>
-<p:sldLayout xmlns:a="http://schemas.openxmlformats.org/drawingml/2006/main" xmlns:r="http://schemas.openxmlformats.org/officeDocument/2006/relationships" xmlns:mc="http://schemas.openxmlformats.org/markup-compatibility/2006" xmlns:mv="urn:schemas-microsoft-com:mac:vml" xmlns:p="http://schemas.openxmlformats.org/presentationml/2006/main" xmlns:c="http://schemas.openxmlformats.org/drawingml/2006/chart" xmlns:dgm="http://schemas.openxmlformats.org/drawingml/2006/diagram" xmlns:o="urn:schemas-microsoft-com:office:office" xmlns:v="urn:schemas-microsoft-com:vml" xmlns:pvml="urn:schemas-microsoft-com:office:powerpoint" xmlns:com="http://schemas.openxmlformats.org/drawingml/2006/compatibility" xmlns:p14="http://schemas.microsoft.com/office/powerpoint/2010/main" xmlns:p15="http://schemas.microsoft.com/office/powerpoint/2012/main" xmlns:ahyp="http://schemas.microsoft.com/office/drawing/2018/hyperlinkcolor" matchingName="One column text">
+<p:sldLayout xmlns:a="http://schemas.openxmlformats.org/drawingml/2006/main" xmlns:r="http://schemas.openxmlformats.org/officeDocument/2006/relationships" xmlns:p="http://schemas.openxmlformats.org/presentationml/2006/main" matchingName="One column text">
   <p:cSld name="ONE_COLUMN_TEXT">
     <p:spTree>
       <p:nvGrpSpPr>
-        <p:cNvPr id="28" name="Shape 28"/>
+        <p:cNvPr id="1" name="Shape 28"/>
         <p:cNvGrpSpPr/>
         <p:nvPr/>
       </p:nvGrpSpPr>
@@ -4525,7 +4684,9 @@
       <p:sp>
         <p:nvSpPr>
           <p:cNvPr id="29" name="Google Shape;29;p7"/>
-          <p:cNvSpPr txBox="1"/>
+          <p:cNvSpPr txBox="1">
+            <a:spLocks noGrp="1"/>
+          </p:cNvSpPr>
           <p:nvPr>
             <p:ph type="title"/>
           </p:nvPr>
@@ -4540,7 +4701,7 @@
           </a:prstGeom>
         </p:spPr>
         <p:txBody>
-          <a:bodyPr anchorCtr="0" anchor="b" bIns="91425" lIns="91425" spcFirstLastPara="1" rIns="91425" wrap="square" tIns="91425">
+          <a:bodyPr spcFirstLastPara="1" wrap="square" lIns="91425" tIns="91425" rIns="91425" bIns="91425" anchor="b" anchorCtr="0">
             <a:normAutofit/>
           </a:bodyPr>
           <a:lstStyle>
@@ -4644,15 +4805,19 @@
               <a:defRPr sz="2400"/>
             </a:lvl9pPr>
           </a:lstStyle>
-          <a:p/>
+          <a:p>
+            <a:endParaRPr/>
+          </a:p>
         </p:txBody>
       </p:sp>
       <p:sp>
         <p:nvSpPr>
           <p:cNvPr id="30" name="Google Shape;30;p7"/>
-          <p:cNvSpPr txBox="1"/>
+          <p:cNvSpPr txBox="1">
+            <a:spLocks noGrp="1"/>
+          </p:cNvSpPr>
           <p:nvPr>
-            <p:ph idx="1" type="body"/>
+            <p:ph type="body" idx="1"/>
           </p:nvPr>
         </p:nvSpPr>
         <p:spPr>
@@ -4665,11 +4830,11 @@
           </a:prstGeom>
         </p:spPr>
         <p:txBody>
-          <a:bodyPr anchorCtr="0" anchor="t" bIns="91425" lIns="91425" spcFirstLastPara="1" rIns="91425" wrap="square" tIns="91425">
+          <a:bodyPr spcFirstLastPara="1" wrap="square" lIns="91425" tIns="91425" rIns="91425" bIns="91425" anchor="t" anchorCtr="0">
             <a:normAutofit/>
           </a:bodyPr>
           <a:lstStyle>
-            <a:lvl1pPr indent="-304800" lvl="0" marL="457200">
+            <a:lvl1pPr marL="457200" lvl="0" indent="-304800">
               <a:spcBef>
                 <a:spcPts val="0"/>
               </a:spcBef>
@@ -4680,7 +4845,7 @@
               <a:buChar char="●"/>
               <a:defRPr sz="1200"/>
             </a:lvl1pPr>
-            <a:lvl2pPr indent="-304800" lvl="1" marL="914400">
+            <a:lvl2pPr marL="914400" lvl="1" indent="-304800">
               <a:spcBef>
                 <a:spcPts val="0"/>
               </a:spcBef>
@@ -4691,7 +4856,7 @@
               <a:buChar char="○"/>
               <a:defRPr sz="1200"/>
             </a:lvl2pPr>
-            <a:lvl3pPr indent="-304800" lvl="2" marL="1371600">
+            <a:lvl3pPr marL="1371600" lvl="2" indent="-304800">
               <a:spcBef>
                 <a:spcPts val="0"/>
               </a:spcBef>
@@ -4702,7 +4867,7 @@
               <a:buChar char="■"/>
               <a:defRPr sz="1200"/>
             </a:lvl3pPr>
-            <a:lvl4pPr indent="-304800" lvl="3" marL="1828800">
+            <a:lvl4pPr marL="1828800" lvl="3" indent="-304800">
               <a:spcBef>
                 <a:spcPts val="0"/>
               </a:spcBef>
@@ -4713,7 +4878,7 @@
               <a:buChar char="●"/>
               <a:defRPr sz="1200"/>
             </a:lvl4pPr>
-            <a:lvl5pPr indent="-304800" lvl="4" marL="2286000">
+            <a:lvl5pPr marL="2286000" lvl="4" indent="-304800">
               <a:spcBef>
                 <a:spcPts val="0"/>
               </a:spcBef>
@@ -4724,7 +4889,7 @@
               <a:buChar char="○"/>
               <a:defRPr sz="1200"/>
             </a:lvl5pPr>
-            <a:lvl6pPr indent="-304800" lvl="5" marL="2743200">
+            <a:lvl6pPr marL="2743200" lvl="5" indent="-304800">
               <a:spcBef>
                 <a:spcPts val="0"/>
               </a:spcBef>
@@ -4735,7 +4900,7 @@
               <a:buChar char="■"/>
               <a:defRPr sz="1200"/>
             </a:lvl6pPr>
-            <a:lvl7pPr indent="-304800" lvl="6" marL="3200400">
+            <a:lvl7pPr marL="3200400" lvl="6" indent="-304800">
               <a:spcBef>
                 <a:spcPts val="0"/>
               </a:spcBef>
@@ -4746,7 +4911,7 @@
               <a:buChar char="●"/>
               <a:defRPr sz="1200"/>
             </a:lvl7pPr>
-            <a:lvl8pPr indent="-304800" lvl="7" marL="3657600">
+            <a:lvl8pPr marL="3657600" lvl="7" indent="-304800">
               <a:spcBef>
                 <a:spcPts val="0"/>
               </a:spcBef>
@@ -4757,7 +4922,7 @@
               <a:buChar char="○"/>
               <a:defRPr sz="1200"/>
             </a:lvl8pPr>
-            <a:lvl9pPr indent="-304800" lvl="8" marL="4114800">
+            <a:lvl9pPr marL="4114800" lvl="8" indent="-304800">
               <a:spcBef>
                 <a:spcPts val="0"/>
               </a:spcBef>
@@ -4769,15 +4934,19 @@
               <a:defRPr sz="1200"/>
             </a:lvl9pPr>
           </a:lstStyle>
-          <a:p/>
+          <a:p>
+            <a:endParaRPr/>
+          </a:p>
         </p:txBody>
       </p:sp>
       <p:sp>
         <p:nvSpPr>
           <p:cNvPr id="31" name="Google Shape;31;p7"/>
-          <p:cNvSpPr txBox="1"/>
+          <p:cNvSpPr txBox="1">
+            <a:spLocks noGrp="1"/>
+          </p:cNvSpPr>
           <p:nvPr>
-            <p:ph idx="12" type="sldNum"/>
+            <p:ph type="sldNum" idx="12"/>
           </p:nvPr>
         </p:nvSpPr>
         <p:spPr>
@@ -4790,7 +4959,7 @@
           </a:prstGeom>
         </p:spPr>
         <p:txBody>
-          <a:bodyPr anchorCtr="0" anchor="ctr" bIns="91425" lIns="91425" spcFirstLastPara="1" rIns="91425" wrap="square" tIns="91425">
+          <a:bodyPr spcFirstLastPara="1" wrap="square" lIns="91425" tIns="91425" rIns="91425" bIns="91425" anchor="ctr" anchorCtr="0">
             <a:normAutofit/>
           </a:bodyPr>
           <a:lstStyle>
@@ -4832,7 +5001,7 @@
             </a:lvl9pPr>
           </a:lstStyle>
           <a:p>
-            <a:pPr indent="0" lvl="0" marL="0" rtl="0" algn="r">
+            <a:pPr marL="0" lvl="0" indent="0" algn="r" rtl="0">
               <a:spcBef>
                 <a:spcPts val="0"/>
               </a:spcBef>
@@ -4858,11 +5027,11 @@
 </file>
 
 <file path=ppt/slideLayouts/slideLayout7.xml><?xml version="1.0" encoding="utf-8"?>
-<p:sldLayout xmlns:a="http://schemas.openxmlformats.org/drawingml/2006/main" xmlns:r="http://schemas.openxmlformats.org/officeDocument/2006/relationships" xmlns:mc="http://schemas.openxmlformats.org/markup-compatibility/2006" xmlns:mv="urn:schemas-microsoft-com:mac:vml" xmlns:p="http://schemas.openxmlformats.org/presentationml/2006/main" xmlns:c="http://schemas.openxmlformats.org/drawingml/2006/chart" xmlns:dgm="http://schemas.openxmlformats.org/drawingml/2006/diagram" xmlns:o="urn:schemas-microsoft-com:office:office" xmlns:v="urn:schemas-microsoft-com:vml" xmlns:pvml="urn:schemas-microsoft-com:office:powerpoint" xmlns:com="http://schemas.openxmlformats.org/drawingml/2006/compatibility" xmlns:p14="http://schemas.microsoft.com/office/powerpoint/2010/main" xmlns:p15="http://schemas.microsoft.com/office/powerpoint/2012/main" xmlns:ahyp="http://schemas.microsoft.com/office/drawing/2018/hyperlinkcolor" matchingName="Main point">
+<p:sldLayout xmlns:a="http://schemas.openxmlformats.org/drawingml/2006/main" xmlns:r="http://schemas.openxmlformats.org/officeDocument/2006/relationships" xmlns:p="http://schemas.openxmlformats.org/presentationml/2006/main" matchingName="Main point">
   <p:cSld name="MAIN_POINT">
     <p:spTree>
       <p:nvGrpSpPr>
-        <p:cNvPr id="32" name="Shape 32"/>
+        <p:cNvPr id="1" name="Shape 32"/>
         <p:cNvGrpSpPr/>
         <p:nvPr/>
       </p:nvGrpSpPr>
@@ -4877,7 +5046,9 @@
       <p:sp>
         <p:nvSpPr>
           <p:cNvPr id="33" name="Google Shape;33;p8"/>
-          <p:cNvSpPr txBox="1"/>
+          <p:cNvSpPr txBox="1">
+            <a:spLocks noGrp="1"/>
+          </p:cNvSpPr>
           <p:nvPr>
             <p:ph type="title"/>
           </p:nvPr>
@@ -4892,7 +5063,7 @@
           </a:prstGeom>
         </p:spPr>
         <p:txBody>
-          <a:bodyPr anchorCtr="0" anchor="ctr" bIns="91425" lIns="91425" spcFirstLastPara="1" rIns="91425" wrap="square" tIns="91425">
+          <a:bodyPr spcFirstLastPara="1" wrap="square" lIns="91425" tIns="91425" rIns="91425" bIns="91425" anchor="ctr" anchorCtr="0">
             <a:normAutofit/>
           </a:bodyPr>
           <a:lstStyle>
@@ -4996,15 +5167,19 @@
               <a:defRPr sz="4800"/>
             </a:lvl9pPr>
           </a:lstStyle>
-          <a:p/>
+          <a:p>
+            <a:endParaRPr/>
+          </a:p>
         </p:txBody>
       </p:sp>
       <p:sp>
         <p:nvSpPr>
           <p:cNvPr id="34" name="Google Shape;34;p8"/>
-          <p:cNvSpPr txBox="1"/>
+          <p:cNvSpPr txBox="1">
+            <a:spLocks noGrp="1"/>
+          </p:cNvSpPr>
           <p:nvPr>
-            <p:ph idx="12" type="sldNum"/>
+            <p:ph type="sldNum" idx="12"/>
           </p:nvPr>
         </p:nvSpPr>
         <p:spPr>
@@ -5017,7 +5192,7 @@
           </a:prstGeom>
         </p:spPr>
         <p:txBody>
-          <a:bodyPr anchorCtr="0" anchor="ctr" bIns="91425" lIns="91425" spcFirstLastPara="1" rIns="91425" wrap="square" tIns="91425">
+          <a:bodyPr spcFirstLastPara="1" wrap="square" lIns="91425" tIns="91425" rIns="91425" bIns="91425" anchor="ctr" anchorCtr="0">
             <a:normAutofit/>
           </a:bodyPr>
           <a:lstStyle>
@@ -5059,7 +5234,7 @@
             </a:lvl9pPr>
           </a:lstStyle>
           <a:p>
-            <a:pPr indent="0" lvl="0" marL="0" rtl="0" algn="r">
+            <a:pPr marL="0" lvl="0" indent="0" algn="r" rtl="0">
               <a:spcBef>
                 <a:spcPts val="0"/>
               </a:spcBef>
@@ -5085,11 +5260,11 @@
 </file>
 
 <file path=ppt/slideLayouts/slideLayout8.xml><?xml version="1.0" encoding="utf-8"?>
-<p:sldLayout xmlns:a="http://schemas.openxmlformats.org/drawingml/2006/main" xmlns:r="http://schemas.openxmlformats.org/officeDocument/2006/relationships" xmlns:mc="http://schemas.openxmlformats.org/markup-compatibility/2006" xmlns:mv="urn:schemas-microsoft-com:mac:vml" xmlns:p="http://schemas.openxmlformats.org/presentationml/2006/main" xmlns:c="http://schemas.openxmlformats.org/drawingml/2006/chart" xmlns:dgm="http://schemas.openxmlformats.org/drawingml/2006/diagram" xmlns:o="urn:schemas-microsoft-com:office:office" xmlns:v="urn:schemas-microsoft-com:vml" xmlns:pvml="urn:schemas-microsoft-com:office:powerpoint" xmlns:com="http://schemas.openxmlformats.org/drawingml/2006/compatibility" xmlns:p14="http://schemas.microsoft.com/office/powerpoint/2010/main" xmlns:p15="http://schemas.microsoft.com/office/powerpoint/2012/main" xmlns:ahyp="http://schemas.microsoft.com/office/drawing/2018/hyperlinkcolor" matchingName="Section title and description">
+<p:sldLayout xmlns:a="http://schemas.openxmlformats.org/drawingml/2006/main" xmlns:r="http://schemas.openxmlformats.org/officeDocument/2006/relationships" xmlns:p="http://schemas.openxmlformats.org/presentationml/2006/main" matchingName="Section title and description">
   <p:cSld name="SECTION_TITLE_AND_DESCRIPTION">
     <p:spTree>
       <p:nvGrpSpPr>
-        <p:cNvPr id="35" name="Shape 35"/>
+        <p:cNvPr id="1" name="Shape 35"/>
         <p:cNvGrpSpPr/>
         <p:nvPr/>
       </p:nvGrpSpPr>
@@ -5123,12 +5298,12 @@
           </a:ln>
         </p:spPr>
         <p:txBody>
-          <a:bodyPr anchorCtr="0" anchor="ctr" bIns="91425" lIns="91425" spcFirstLastPara="1" rIns="91425" wrap="square" tIns="91425">
+          <a:bodyPr spcFirstLastPara="1" wrap="square" lIns="91425" tIns="91425" rIns="91425" bIns="91425" anchor="ctr" anchorCtr="0">
             <a:noAutofit/>
           </a:bodyPr>
           <a:lstStyle/>
           <a:p>
-            <a:pPr indent="0" lvl="0" marL="0" rtl="0" algn="l">
+            <a:pPr marL="0" lvl="0" indent="0" algn="l" rtl="0">
               <a:spcBef>
                 <a:spcPts val="0"/>
               </a:spcBef>
@@ -5137,9 +5312,6 @@
               </a:spcAft>
               <a:buNone/>
             </a:pPr>
-            <a:r>
-              <a:t/>
-            </a:r>
             <a:endParaRPr/>
           </a:p>
         </p:txBody>
@@ -5147,7 +5319,9 @@
       <p:sp>
         <p:nvSpPr>
           <p:cNvPr id="37" name="Google Shape;37;p9"/>
-          <p:cNvSpPr txBox="1"/>
+          <p:cNvSpPr txBox="1">
+            <a:spLocks noGrp="1"/>
+          </p:cNvSpPr>
           <p:nvPr>
             <p:ph type="title"/>
           </p:nvPr>
@@ -5162,7 +5336,7 @@
           </a:prstGeom>
         </p:spPr>
         <p:txBody>
-          <a:bodyPr anchorCtr="0" anchor="b" bIns="91425" lIns="91425" spcFirstLastPara="1" rIns="91425" wrap="square" tIns="91425">
+          <a:bodyPr spcFirstLastPara="1" wrap="square" lIns="91425" tIns="91425" rIns="91425" bIns="91425" anchor="b" anchorCtr="0">
             <a:normAutofit/>
           </a:bodyPr>
           <a:lstStyle>
@@ -5266,15 +5440,19 @@
               <a:defRPr sz="4200"/>
             </a:lvl9pPr>
           </a:lstStyle>
-          <a:p/>
+          <a:p>
+            <a:endParaRPr/>
+          </a:p>
         </p:txBody>
       </p:sp>
       <p:sp>
         <p:nvSpPr>
           <p:cNvPr id="38" name="Google Shape;38;p9"/>
-          <p:cNvSpPr txBox="1"/>
+          <p:cNvSpPr txBox="1">
+            <a:spLocks noGrp="1"/>
+          </p:cNvSpPr>
           <p:nvPr>
-            <p:ph idx="1" type="subTitle"/>
+            <p:ph type="subTitle" idx="1"/>
           </p:nvPr>
         </p:nvSpPr>
         <p:spPr>
@@ -5287,7 +5465,7 @@
           </a:prstGeom>
         </p:spPr>
         <p:txBody>
-          <a:bodyPr anchorCtr="0" anchor="t" bIns="91425" lIns="91425" spcFirstLastPara="1" rIns="91425" wrap="square" tIns="91425">
+          <a:bodyPr spcFirstLastPara="1" wrap="square" lIns="91425" tIns="91425" rIns="91425" bIns="91425" anchor="t" anchorCtr="0">
             <a:normAutofit/>
           </a:bodyPr>
           <a:lstStyle>
@@ -5418,15 +5596,19 @@
               <a:defRPr sz="2100"/>
             </a:lvl9pPr>
           </a:lstStyle>
-          <a:p/>
+          <a:p>
+            <a:endParaRPr/>
+          </a:p>
         </p:txBody>
       </p:sp>
       <p:sp>
         <p:nvSpPr>
           <p:cNvPr id="39" name="Google Shape;39;p9"/>
-          <p:cNvSpPr txBox="1"/>
+          <p:cNvSpPr txBox="1">
+            <a:spLocks noGrp="1"/>
+          </p:cNvSpPr>
           <p:nvPr>
-            <p:ph idx="2" type="body"/>
+            <p:ph type="body" idx="2"/>
           </p:nvPr>
         </p:nvSpPr>
         <p:spPr>
@@ -5439,11 +5621,11 @@
           </a:prstGeom>
         </p:spPr>
         <p:txBody>
-          <a:bodyPr anchorCtr="0" anchor="ctr" bIns="91425" lIns="91425" spcFirstLastPara="1" rIns="91425" wrap="square" tIns="91425">
+          <a:bodyPr spcFirstLastPara="1" wrap="square" lIns="91425" tIns="91425" rIns="91425" bIns="91425" anchor="ctr" anchorCtr="0">
             <a:normAutofit/>
           </a:bodyPr>
           <a:lstStyle>
-            <a:lvl1pPr indent="-342900" lvl="0" marL="457200">
+            <a:lvl1pPr marL="457200" lvl="0" indent="-342900">
               <a:spcBef>
                 <a:spcPts val="0"/>
               </a:spcBef>
@@ -5454,7 +5636,7 @@
               <a:buChar char="●"/>
               <a:defRPr/>
             </a:lvl1pPr>
-            <a:lvl2pPr indent="-317500" lvl="1" marL="914400">
+            <a:lvl2pPr marL="914400" lvl="1" indent="-317500">
               <a:spcBef>
                 <a:spcPts val="0"/>
               </a:spcBef>
@@ -5465,7 +5647,7 @@
               <a:buChar char="○"/>
               <a:defRPr/>
             </a:lvl2pPr>
-            <a:lvl3pPr indent="-317500" lvl="2" marL="1371600">
+            <a:lvl3pPr marL="1371600" lvl="2" indent="-317500">
               <a:spcBef>
                 <a:spcPts val="0"/>
               </a:spcBef>
@@ -5476,7 +5658,7 @@
               <a:buChar char="■"/>
               <a:defRPr/>
             </a:lvl3pPr>
-            <a:lvl4pPr indent="-317500" lvl="3" marL="1828800">
+            <a:lvl4pPr marL="1828800" lvl="3" indent="-317500">
               <a:spcBef>
                 <a:spcPts val="0"/>
               </a:spcBef>
@@ -5487,7 +5669,7 @@
               <a:buChar char="●"/>
               <a:defRPr/>
             </a:lvl4pPr>
-            <a:lvl5pPr indent="-317500" lvl="4" marL="2286000">
+            <a:lvl5pPr marL="2286000" lvl="4" indent="-317500">
               <a:spcBef>
                 <a:spcPts val="0"/>
               </a:spcBef>
@@ -5498,7 +5680,7 @@
               <a:buChar char="○"/>
               <a:defRPr/>
             </a:lvl5pPr>
-            <a:lvl6pPr indent="-317500" lvl="5" marL="2743200">
+            <a:lvl6pPr marL="2743200" lvl="5" indent="-317500">
               <a:spcBef>
                 <a:spcPts val="0"/>
               </a:spcBef>
@@ -5509,7 +5691,7 @@
               <a:buChar char="■"/>
               <a:defRPr/>
             </a:lvl6pPr>
-            <a:lvl7pPr indent="-317500" lvl="6" marL="3200400">
+            <a:lvl7pPr marL="3200400" lvl="6" indent="-317500">
               <a:spcBef>
                 <a:spcPts val="0"/>
               </a:spcBef>
@@ -5520,7 +5702,7 @@
               <a:buChar char="●"/>
               <a:defRPr/>
             </a:lvl7pPr>
-            <a:lvl8pPr indent="-317500" lvl="7" marL="3657600">
+            <a:lvl8pPr marL="3657600" lvl="7" indent="-317500">
               <a:spcBef>
                 <a:spcPts val="0"/>
               </a:spcBef>
@@ -5531,7 +5713,7 @@
               <a:buChar char="○"/>
               <a:defRPr/>
             </a:lvl8pPr>
-            <a:lvl9pPr indent="-317500" lvl="8" marL="4114800">
+            <a:lvl9pPr marL="4114800" lvl="8" indent="-317500">
               <a:spcBef>
                 <a:spcPts val="0"/>
               </a:spcBef>
@@ -5543,15 +5725,19 @@
               <a:defRPr/>
             </a:lvl9pPr>
           </a:lstStyle>
-          <a:p/>
+          <a:p>
+            <a:endParaRPr/>
+          </a:p>
         </p:txBody>
       </p:sp>
       <p:sp>
         <p:nvSpPr>
           <p:cNvPr id="40" name="Google Shape;40;p9"/>
-          <p:cNvSpPr txBox="1"/>
+          <p:cNvSpPr txBox="1">
+            <a:spLocks noGrp="1"/>
+          </p:cNvSpPr>
           <p:nvPr>
-            <p:ph idx="12" type="sldNum"/>
+            <p:ph type="sldNum" idx="12"/>
           </p:nvPr>
         </p:nvSpPr>
         <p:spPr>
@@ -5564,7 +5750,7 @@
           </a:prstGeom>
         </p:spPr>
         <p:txBody>
-          <a:bodyPr anchorCtr="0" anchor="ctr" bIns="91425" lIns="91425" spcFirstLastPara="1" rIns="91425" wrap="square" tIns="91425">
+          <a:bodyPr spcFirstLastPara="1" wrap="square" lIns="91425" tIns="91425" rIns="91425" bIns="91425" anchor="ctr" anchorCtr="0">
             <a:normAutofit/>
           </a:bodyPr>
           <a:lstStyle>
@@ -5606,7 +5792,7 @@
             </a:lvl9pPr>
           </a:lstStyle>
           <a:p>
-            <a:pPr indent="0" lvl="0" marL="0" rtl="0" algn="r">
+            <a:pPr marL="0" lvl="0" indent="0" algn="r" rtl="0">
               <a:spcBef>
                 <a:spcPts val="0"/>
               </a:spcBef>
@@ -5632,11 +5818,11 @@
 </file>
 
 <file path=ppt/slideLayouts/slideLayout9.xml><?xml version="1.0" encoding="utf-8"?>
-<p:sldLayout xmlns:a="http://schemas.openxmlformats.org/drawingml/2006/main" xmlns:r="http://schemas.openxmlformats.org/officeDocument/2006/relationships" xmlns:mc="http://schemas.openxmlformats.org/markup-compatibility/2006" xmlns:mv="urn:schemas-microsoft-com:mac:vml" xmlns:p="http://schemas.openxmlformats.org/presentationml/2006/main" xmlns:c="http://schemas.openxmlformats.org/drawingml/2006/chart" xmlns:dgm="http://schemas.openxmlformats.org/drawingml/2006/diagram" xmlns:o="urn:schemas-microsoft-com:office:office" xmlns:v="urn:schemas-microsoft-com:vml" xmlns:pvml="urn:schemas-microsoft-com:office:powerpoint" xmlns:com="http://schemas.openxmlformats.org/drawingml/2006/compatibility" xmlns:p14="http://schemas.microsoft.com/office/powerpoint/2010/main" xmlns:p15="http://schemas.microsoft.com/office/powerpoint/2012/main" xmlns:ahyp="http://schemas.microsoft.com/office/drawing/2018/hyperlinkcolor" matchingName="Caption">
+<p:sldLayout xmlns:a="http://schemas.openxmlformats.org/drawingml/2006/main" xmlns:r="http://schemas.openxmlformats.org/officeDocument/2006/relationships" xmlns:p="http://schemas.openxmlformats.org/presentationml/2006/main" matchingName="Caption">
   <p:cSld name="CAPTION_ONLY">
     <p:spTree>
       <p:nvGrpSpPr>
-        <p:cNvPr id="41" name="Shape 41"/>
+        <p:cNvPr id="1" name="Shape 41"/>
         <p:cNvGrpSpPr/>
         <p:nvPr/>
       </p:nvGrpSpPr>
@@ -5651,9 +5837,11 @@
       <p:sp>
         <p:nvSpPr>
           <p:cNvPr id="42" name="Google Shape;42;p10"/>
-          <p:cNvSpPr txBox="1"/>
+          <p:cNvSpPr txBox="1">
+            <a:spLocks noGrp="1"/>
+          </p:cNvSpPr>
           <p:nvPr>
-            <p:ph idx="1" type="body"/>
+            <p:ph type="body" idx="1"/>
           </p:nvPr>
         </p:nvSpPr>
         <p:spPr>
@@ -5666,11 +5854,11 @@
           </a:prstGeom>
         </p:spPr>
         <p:txBody>
-          <a:bodyPr anchorCtr="0" anchor="ctr" bIns="91425" lIns="91425" spcFirstLastPara="1" rIns="91425" wrap="square" tIns="91425">
+          <a:bodyPr spcFirstLastPara="1" wrap="square" lIns="91425" tIns="91425" rIns="91425" bIns="91425" anchor="ctr" anchorCtr="0">
             <a:normAutofit/>
           </a:bodyPr>
           <a:lstStyle>
-            <a:lvl1pPr indent="-228600" lvl="0" marL="457200">
+            <a:lvl1pPr marL="457200" lvl="0" indent="-228600">
               <a:lnSpc>
                 <a:spcPct val="100000"/>
               </a:lnSpc>
@@ -5685,15 +5873,19 @@
               <a:defRPr/>
             </a:lvl1pPr>
           </a:lstStyle>
-          <a:p/>
+          <a:p>
+            <a:endParaRPr/>
+          </a:p>
         </p:txBody>
       </p:sp>
       <p:sp>
         <p:nvSpPr>
           <p:cNvPr id="43" name="Google Shape;43;p10"/>
-          <p:cNvSpPr txBox="1"/>
+          <p:cNvSpPr txBox="1">
+            <a:spLocks noGrp="1"/>
+          </p:cNvSpPr>
           <p:nvPr>
-            <p:ph idx="12" type="sldNum"/>
+            <p:ph type="sldNum" idx="12"/>
           </p:nvPr>
         </p:nvSpPr>
         <p:spPr>
@@ -5706,7 +5898,7 @@
           </a:prstGeom>
         </p:spPr>
         <p:txBody>
-          <a:bodyPr anchorCtr="0" anchor="ctr" bIns="91425" lIns="91425" spcFirstLastPara="1" rIns="91425" wrap="square" tIns="91425">
+          <a:bodyPr spcFirstLastPara="1" wrap="square" lIns="91425" tIns="91425" rIns="91425" bIns="91425" anchor="ctr" anchorCtr="0">
             <a:normAutofit/>
           </a:bodyPr>
           <a:lstStyle>
@@ -5748,7 +5940,7 @@
             </a:lvl9pPr>
           </a:lstStyle>
           <a:p>
-            <a:pPr indent="0" lvl="0" marL="0" rtl="0" algn="r">
+            <a:pPr marL="0" lvl="0" indent="0" algn="r" rtl="0">
               <a:spcBef>
                 <a:spcPts val="0"/>
               </a:spcBef>
@@ -5774,18 +5966,19 @@
 </file>
 
 <file path=ppt/slideMasters/slideMaster1.xml><?xml version="1.0" encoding="utf-8"?>
-<p:sldMaster xmlns:a="http://schemas.openxmlformats.org/drawingml/2006/main" xmlns:r="http://schemas.openxmlformats.org/officeDocument/2006/relationships" xmlns:mc="http://schemas.openxmlformats.org/markup-compatibility/2006" xmlns:mv="urn:schemas-microsoft-com:mac:vml" xmlns:p="http://schemas.openxmlformats.org/presentationml/2006/main" xmlns:c="http://schemas.openxmlformats.org/drawingml/2006/chart" xmlns:dgm="http://schemas.openxmlformats.org/drawingml/2006/diagram" xmlns:o="urn:schemas-microsoft-com:office:office" xmlns:v="urn:schemas-microsoft-com:vml" xmlns:pvml="urn:schemas-microsoft-com:office:powerpoint" xmlns:com="http://schemas.openxmlformats.org/drawingml/2006/compatibility" xmlns:p14="http://schemas.microsoft.com/office/powerpoint/2010/main" xmlns:p15="http://schemas.microsoft.com/office/powerpoint/2012/main" xmlns:ahyp="http://schemas.microsoft.com/office/drawing/2018/hyperlinkcolor">
+<p:sldMaster xmlns:a="http://schemas.openxmlformats.org/drawingml/2006/main" xmlns:r="http://schemas.openxmlformats.org/officeDocument/2006/relationships" xmlns:p="http://schemas.openxmlformats.org/presentationml/2006/main">
   <p:cSld name="simple-light-2">
     <p:bg>
       <p:bgPr>
         <a:solidFill>
           <a:schemeClr val="lt1"/>
         </a:solidFill>
+        <a:effectLst/>
       </p:bgPr>
     </p:bg>
     <p:spTree>
       <p:nvGrpSpPr>
-        <p:cNvPr id="5" name="Shape 5"/>
+        <p:cNvPr id="1" name="Shape 5"/>
         <p:cNvGrpSpPr/>
         <p:nvPr/>
       </p:nvGrpSpPr>
@@ -5800,7 +5993,9 @@
       <p:sp>
         <p:nvSpPr>
           <p:cNvPr id="6" name="Google Shape;6;p1"/>
-          <p:cNvSpPr txBox="1"/>
+          <p:cNvSpPr txBox="1">
+            <a:spLocks noGrp="1"/>
+          </p:cNvSpPr>
           <p:nvPr>
             <p:ph type="title"/>
           </p:nvPr>
@@ -5819,7 +6014,7 @@
           </a:ln>
         </p:spPr>
         <p:txBody>
-          <a:bodyPr anchorCtr="0" anchor="t" bIns="91425" lIns="91425" spcFirstLastPara="1" rIns="91425" wrap="square" tIns="91425">
+          <a:bodyPr spcFirstLastPara="1" wrap="square" lIns="91425" tIns="91425" rIns="91425" bIns="91425" anchor="t" anchorCtr="0">
             <a:normAutofit/>
           </a:bodyPr>
           <a:lstStyle>
@@ -5986,15 +6181,19 @@
               </a:defRPr>
             </a:lvl9pPr>
           </a:lstStyle>
-          <a:p/>
+          <a:p>
+            <a:endParaRPr/>
+          </a:p>
         </p:txBody>
       </p:sp>
       <p:sp>
         <p:nvSpPr>
           <p:cNvPr id="7" name="Google Shape;7;p1"/>
-          <p:cNvSpPr txBox="1"/>
+          <p:cNvSpPr txBox="1">
+            <a:spLocks noGrp="1"/>
+          </p:cNvSpPr>
           <p:nvPr>
-            <p:ph idx="1" type="body"/>
+            <p:ph type="body" idx="1"/>
           </p:nvPr>
         </p:nvSpPr>
         <p:spPr>
@@ -6011,11 +6210,11 @@
           </a:ln>
         </p:spPr>
         <p:txBody>
-          <a:bodyPr anchorCtr="0" anchor="t" bIns="91425" lIns="91425" spcFirstLastPara="1" rIns="91425" wrap="square" tIns="91425">
+          <a:bodyPr spcFirstLastPara="1" wrap="square" lIns="91425" tIns="91425" rIns="91425" bIns="91425" anchor="t" anchorCtr="0">
             <a:normAutofit/>
           </a:bodyPr>
           <a:lstStyle>
-            <a:lvl1pPr indent="-342900" lvl="0" marL="457200">
+            <a:lvl1pPr marL="457200" lvl="0" indent="-342900">
               <a:lnSpc>
                 <a:spcPct val="115000"/>
               </a:lnSpc>
@@ -6036,7 +6235,7 @@
                 </a:solidFill>
               </a:defRPr>
             </a:lvl1pPr>
-            <a:lvl2pPr indent="-317500" lvl="1" marL="914400">
+            <a:lvl2pPr marL="914400" lvl="1" indent="-317500">
               <a:lnSpc>
                 <a:spcPct val="115000"/>
               </a:lnSpc>
@@ -6057,7 +6256,7 @@
                 </a:solidFill>
               </a:defRPr>
             </a:lvl2pPr>
-            <a:lvl3pPr indent="-317500" lvl="2" marL="1371600">
+            <a:lvl3pPr marL="1371600" lvl="2" indent="-317500">
               <a:lnSpc>
                 <a:spcPct val="115000"/>
               </a:lnSpc>
@@ -6078,7 +6277,7 @@
                 </a:solidFill>
               </a:defRPr>
             </a:lvl3pPr>
-            <a:lvl4pPr indent="-317500" lvl="3" marL="1828800">
+            <a:lvl4pPr marL="1828800" lvl="3" indent="-317500">
               <a:lnSpc>
                 <a:spcPct val="115000"/>
               </a:lnSpc>
@@ -6099,7 +6298,7 @@
                 </a:solidFill>
               </a:defRPr>
             </a:lvl4pPr>
-            <a:lvl5pPr indent="-317500" lvl="4" marL="2286000">
+            <a:lvl5pPr marL="2286000" lvl="4" indent="-317500">
               <a:lnSpc>
                 <a:spcPct val="115000"/>
               </a:lnSpc>
@@ -6120,7 +6319,7 @@
                 </a:solidFill>
               </a:defRPr>
             </a:lvl5pPr>
-            <a:lvl6pPr indent="-317500" lvl="5" marL="2743200">
+            <a:lvl6pPr marL="2743200" lvl="5" indent="-317500">
               <a:lnSpc>
                 <a:spcPct val="115000"/>
               </a:lnSpc>
@@ -6141,7 +6340,7 @@
                 </a:solidFill>
               </a:defRPr>
             </a:lvl6pPr>
-            <a:lvl7pPr indent="-317500" lvl="6" marL="3200400">
+            <a:lvl7pPr marL="3200400" lvl="6" indent="-317500">
               <a:lnSpc>
                 <a:spcPct val="115000"/>
               </a:lnSpc>
@@ -6162,7 +6361,7 @@
                 </a:solidFill>
               </a:defRPr>
             </a:lvl7pPr>
-            <a:lvl8pPr indent="-317500" lvl="7" marL="3657600">
+            <a:lvl8pPr marL="3657600" lvl="7" indent="-317500">
               <a:lnSpc>
                 <a:spcPct val="115000"/>
               </a:lnSpc>
@@ -6183,7 +6382,7 @@
                 </a:solidFill>
               </a:defRPr>
             </a:lvl8pPr>
-            <a:lvl9pPr indent="-317500" lvl="8" marL="4114800">
+            <a:lvl9pPr marL="4114800" lvl="8" indent="-317500">
               <a:lnSpc>
                 <a:spcPct val="115000"/>
               </a:lnSpc>
@@ -6205,15 +6404,19 @@
               </a:defRPr>
             </a:lvl9pPr>
           </a:lstStyle>
-          <a:p/>
+          <a:p>
+            <a:endParaRPr/>
+          </a:p>
         </p:txBody>
       </p:sp>
       <p:sp>
         <p:nvSpPr>
           <p:cNvPr id="8" name="Google Shape;8;p1"/>
-          <p:cNvSpPr txBox="1"/>
+          <p:cNvSpPr txBox="1">
+            <a:spLocks noGrp="1"/>
+          </p:cNvSpPr>
           <p:nvPr>
-            <p:ph idx="12" type="sldNum"/>
+            <p:ph type="sldNum" idx="12"/>
           </p:nvPr>
         </p:nvSpPr>
         <p:spPr>
@@ -6230,7 +6433,7 @@
           </a:ln>
         </p:spPr>
         <p:txBody>
-          <a:bodyPr anchorCtr="0" anchor="ctr" bIns="91425" lIns="91425" spcFirstLastPara="1" rIns="91425" wrap="square" tIns="91425">
+          <a:bodyPr spcFirstLastPara="1" wrap="square" lIns="91425" tIns="91425" rIns="91425" bIns="91425" anchor="ctr" anchorCtr="0">
             <a:normAutofit/>
           </a:bodyPr>
           <a:lstStyle>
@@ -6308,7 +6511,7 @@
             </a:lvl9pPr>
           </a:lstStyle>
           <a:p>
-            <a:pPr indent="0" lvl="0" marL="0" rtl="0" algn="r">
+            <a:pPr marL="0" lvl="0" indent="0" algn="r" rtl="0">
               <a:spcBef>
                 <a:spcPts val="0"/>
               </a:spcBef>
@@ -6327,7 +6530,7 @@
       </p:sp>
     </p:spTree>
   </p:cSld>
-  <p:clrMap accent1="accent1" accent2="accent2" accent3="accent3" accent4="accent4" accent5="accent5" accent6="accent6" bg1="lt1" bg2="dk2" tx1="dk1" tx2="lt2" folHlink="folHlink" hlink="hlink"/>
+  <p:clrMap bg1="lt1" tx1="dk1" bg2="dk2" tx2="lt2" accent1="accent1" accent2="accent2" accent3="accent3" accent4="accent4" accent5="accent5" accent6="accent6" hlink="hlink" folHlink="folHlink"/>
   <p:sldLayoutIdLst>
     <p:sldLayoutId id="2147483648" r:id="rId1"/>
     <p:sldLayoutId id="2147483649" r:id="rId2"/>
@@ -6341,10 +6544,10 @@
     <p:sldLayoutId id="2147483657" r:id="rId10"/>
     <p:sldLayoutId id="2147483658" r:id="rId11"/>
   </p:sldLayoutIdLst>
-  <p:hf dt="0" ftr="0" hdr="0" sldNum="0"/>
+  <p:hf sldNum="0" hdr="0" ftr="0" dt="0"/>
   <p:txStyles>
     <p:titleStyle>
-      <a:defPPr lvl="0" marR="0" rtl="0" algn="l">
+      <a:defPPr marR="0" lvl="0" algn="l" rtl="0">
         <a:lnSpc>
           <a:spcPct val="100000"/>
         </a:lnSpc>
@@ -6355,7 +6558,7 @@
           <a:spcPts val="0"/>
         </a:spcAft>
       </a:defPPr>
-      <a:lvl1pPr lvl="0" marR="0" rtl="0" algn="l">
+      <a:lvl1pPr marR="0" lvl="0" algn="l" rtl="0">
         <a:lnSpc>
           <a:spcPct val="100000"/>
         </a:lnSpc>
@@ -6369,7 +6572,7 @@
           <a:srgbClr val="000000"/>
         </a:buClr>
         <a:buFont typeface="Arial"/>
-        <a:defRPr b="0" i="0" sz="1400" u="none" cap="none" strike="noStrike">
+        <a:defRPr sz="1400" b="0" i="0" u="none" strike="noStrike" cap="none">
           <a:solidFill>
             <a:srgbClr val="000000"/>
           </a:solidFill>
@@ -6379,7 +6582,7 @@
           <a:sym typeface="Arial"/>
         </a:defRPr>
       </a:lvl1pPr>
-      <a:lvl2pPr lvl="1" marR="0" rtl="0" algn="l">
+      <a:lvl2pPr marR="0" lvl="1" algn="l" rtl="0">
         <a:lnSpc>
           <a:spcPct val="100000"/>
         </a:lnSpc>
@@ -6393,7 +6596,7 @@
           <a:srgbClr val="000000"/>
         </a:buClr>
         <a:buFont typeface="Arial"/>
-        <a:defRPr b="0" i="0" sz="1400" u="none" cap="none" strike="noStrike">
+        <a:defRPr sz="1400" b="0" i="0" u="none" strike="noStrike" cap="none">
           <a:solidFill>
             <a:srgbClr val="000000"/>
           </a:solidFill>
@@ -6403,7 +6606,7 @@
           <a:sym typeface="Arial"/>
         </a:defRPr>
       </a:lvl2pPr>
-      <a:lvl3pPr lvl="2" marR="0" rtl="0" algn="l">
+      <a:lvl3pPr marR="0" lvl="2" algn="l" rtl="0">
         <a:lnSpc>
           <a:spcPct val="100000"/>
         </a:lnSpc>
@@ -6417,7 +6620,7 @@
           <a:srgbClr val="000000"/>
         </a:buClr>
         <a:buFont typeface="Arial"/>
-        <a:defRPr b="0" i="0" sz="1400" u="none" cap="none" strike="noStrike">
+        <a:defRPr sz="1400" b="0" i="0" u="none" strike="noStrike" cap="none">
           <a:solidFill>
             <a:srgbClr val="000000"/>
           </a:solidFill>
@@ -6427,7 +6630,7 @@
           <a:sym typeface="Arial"/>
         </a:defRPr>
       </a:lvl3pPr>
-      <a:lvl4pPr lvl="3" marR="0" rtl="0" algn="l">
+      <a:lvl4pPr marR="0" lvl="3" algn="l" rtl="0">
         <a:lnSpc>
           <a:spcPct val="100000"/>
         </a:lnSpc>
@@ -6441,7 +6644,7 @@
           <a:srgbClr val="000000"/>
         </a:buClr>
         <a:buFont typeface="Arial"/>
-        <a:defRPr b="0" i="0" sz="1400" u="none" cap="none" strike="noStrike">
+        <a:defRPr sz="1400" b="0" i="0" u="none" strike="noStrike" cap="none">
           <a:solidFill>
             <a:srgbClr val="000000"/>
           </a:solidFill>
@@ -6451,7 +6654,7 @@
           <a:sym typeface="Arial"/>
         </a:defRPr>
       </a:lvl4pPr>
-      <a:lvl5pPr lvl="4" marR="0" rtl="0" algn="l">
+      <a:lvl5pPr marR="0" lvl="4" algn="l" rtl="0">
         <a:lnSpc>
           <a:spcPct val="100000"/>
         </a:lnSpc>
@@ -6465,7 +6668,7 @@
           <a:srgbClr val="000000"/>
         </a:buClr>
         <a:buFont typeface="Arial"/>
-        <a:defRPr b="0" i="0" sz="1400" u="none" cap="none" strike="noStrike">
+        <a:defRPr sz="1400" b="0" i="0" u="none" strike="noStrike" cap="none">
           <a:solidFill>
             <a:srgbClr val="000000"/>
           </a:solidFill>
@@ -6475,7 +6678,7 @@
           <a:sym typeface="Arial"/>
         </a:defRPr>
       </a:lvl5pPr>
-      <a:lvl6pPr lvl="5" marR="0" rtl="0" algn="l">
+      <a:lvl6pPr marR="0" lvl="5" algn="l" rtl="0">
         <a:lnSpc>
           <a:spcPct val="100000"/>
         </a:lnSpc>
@@ -6489,7 +6692,7 @@
           <a:srgbClr val="000000"/>
         </a:buClr>
         <a:buFont typeface="Arial"/>
-        <a:defRPr b="0" i="0" sz="1400" u="none" cap="none" strike="noStrike">
+        <a:defRPr sz="1400" b="0" i="0" u="none" strike="noStrike" cap="none">
           <a:solidFill>
             <a:srgbClr val="000000"/>
           </a:solidFill>
@@ -6499,7 +6702,7 @@
           <a:sym typeface="Arial"/>
         </a:defRPr>
       </a:lvl6pPr>
-      <a:lvl7pPr lvl="6" marR="0" rtl="0" algn="l">
+      <a:lvl7pPr marR="0" lvl="6" algn="l" rtl="0">
         <a:lnSpc>
           <a:spcPct val="100000"/>
         </a:lnSpc>
@@ -6513,7 +6716,7 @@
           <a:srgbClr val="000000"/>
         </a:buClr>
         <a:buFont typeface="Arial"/>
-        <a:defRPr b="0" i="0" sz="1400" u="none" cap="none" strike="noStrike">
+        <a:defRPr sz="1400" b="0" i="0" u="none" strike="noStrike" cap="none">
           <a:solidFill>
             <a:srgbClr val="000000"/>
           </a:solidFill>
@@ -6523,7 +6726,7 @@
           <a:sym typeface="Arial"/>
         </a:defRPr>
       </a:lvl7pPr>
-      <a:lvl8pPr lvl="7" marR="0" rtl="0" algn="l">
+      <a:lvl8pPr marR="0" lvl="7" algn="l" rtl="0">
         <a:lnSpc>
           <a:spcPct val="100000"/>
         </a:lnSpc>
@@ -6537,7 +6740,7 @@
           <a:srgbClr val="000000"/>
         </a:buClr>
         <a:buFont typeface="Arial"/>
-        <a:defRPr b="0" i="0" sz="1400" u="none" cap="none" strike="noStrike">
+        <a:defRPr sz="1400" b="0" i="0" u="none" strike="noStrike" cap="none">
           <a:solidFill>
             <a:srgbClr val="000000"/>
           </a:solidFill>
@@ -6547,7 +6750,7 @@
           <a:sym typeface="Arial"/>
         </a:defRPr>
       </a:lvl8pPr>
-      <a:lvl9pPr lvl="8" marR="0" rtl="0" algn="l">
+      <a:lvl9pPr marR="0" lvl="8" algn="l" rtl="0">
         <a:lnSpc>
           <a:spcPct val="100000"/>
         </a:lnSpc>
@@ -6561,7 +6764,7 @@
           <a:srgbClr val="000000"/>
         </a:buClr>
         <a:buFont typeface="Arial"/>
-        <a:defRPr b="0" i="0" sz="1400" u="none" cap="none" strike="noStrike">
+        <a:defRPr sz="1400" b="0" i="0" u="none" strike="noStrike" cap="none">
           <a:solidFill>
             <a:srgbClr val="000000"/>
           </a:solidFill>
@@ -6573,7 +6776,7 @@
       </a:lvl9pPr>
     </p:titleStyle>
     <p:bodyStyle>
-      <a:defPPr lvl="0" marR="0" rtl="0" algn="l">
+      <a:defPPr marR="0" lvl="0" algn="l" rtl="0">
         <a:lnSpc>
           <a:spcPct val="100000"/>
         </a:lnSpc>
@@ -6584,7 +6787,7 @@
           <a:spcPts val="0"/>
         </a:spcAft>
       </a:defPPr>
-      <a:lvl1pPr lvl="0" marR="0" rtl="0" algn="l">
+      <a:lvl1pPr marR="0" lvl="0" algn="l" rtl="0">
         <a:lnSpc>
           <a:spcPct val="100000"/>
         </a:lnSpc>
@@ -6598,7 +6801,7 @@
           <a:srgbClr val="000000"/>
         </a:buClr>
         <a:buFont typeface="Arial"/>
-        <a:defRPr b="0" i="0" sz="1400" u="none" cap="none" strike="noStrike">
+        <a:defRPr sz="1400" b="0" i="0" u="none" strike="noStrike" cap="none">
           <a:solidFill>
             <a:srgbClr val="000000"/>
           </a:solidFill>
@@ -6608,7 +6811,7 @@
           <a:sym typeface="Arial"/>
         </a:defRPr>
       </a:lvl1pPr>
-      <a:lvl2pPr lvl="1" marR="0" rtl="0" algn="l">
+      <a:lvl2pPr marR="0" lvl="1" algn="l" rtl="0">
         <a:lnSpc>
           <a:spcPct val="100000"/>
         </a:lnSpc>
@@ -6622,7 +6825,7 @@
           <a:srgbClr val="000000"/>
         </a:buClr>
         <a:buFont typeface="Arial"/>
-        <a:defRPr b="0" i="0" sz="1400" u="none" cap="none" strike="noStrike">
+        <a:defRPr sz="1400" b="0" i="0" u="none" strike="noStrike" cap="none">
           <a:solidFill>
             <a:srgbClr val="000000"/>
           </a:solidFill>
@@ -6632,7 +6835,7 @@
           <a:sym typeface="Arial"/>
         </a:defRPr>
       </a:lvl2pPr>
-      <a:lvl3pPr lvl="2" marR="0" rtl="0" algn="l">
+      <a:lvl3pPr marR="0" lvl="2" algn="l" rtl="0">
         <a:lnSpc>
           <a:spcPct val="100000"/>
         </a:lnSpc>
@@ -6646,7 +6849,7 @@
           <a:srgbClr val="000000"/>
         </a:buClr>
         <a:buFont typeface="Arial"/>
-        <a:defRPr b="0" i="0" sz="1400" u="none" cap="none" strike="noStrike">
+        <a:defRPr sz="1400" b="0" i="0" u="none" strike="noStrike" cap="none">
           <a:solidFill>
             <a:srgbClr val="000000"/>
           </a:solidFill>
@@ -6656,7 +6859,7 @@
           <a:sym typeface="Arial"/>
         </a:defRPr>
       </a:lvl3pPr>
-      <a:lvl4pPr lvl="3" marR="0" rtl="0" algn="l">
+      <a:lvl4pPr marR="0" lvl="3" algn="l" rtl="0">
         <a:lnSpc>
           <a:spcPct val="100000"/>
         </a:lnSpc>
@@ -6670,7 +6873,7 @@
           <a:srgbClr val="000000"/>
         </a:buClr>
         <a:buFont typeface="Arial"/>
-        <a:defRPr b="0" i="0" sz="1400" u="none" cap="none" strike="noStrike">
+        <a:defRPr sz="1400" b="0" i="0" u="none" strike="noStrike" cap="none">
           <a:solidFill>
             <a:srgbClr val="000000"/>
           </a:solidFill>
@@ -6680,7 +6883,7 @@
           <a:sym typeface="Arial"/>
         </a:defRPr>
       </a:lvl4pPr>
-      <a:lvl5pPr lvl="4" marR="0" rtl="0" algn="l">
+      <a:lvl5pPr marR="0" lvl="4" algn="l" rtl="0">
         <a:lnSpc>
           <a:spcPct val="100000"/>
         </a:lnSpc>
@@ -6694,7 +6897,7 @@
           <a:srgbClr val="000000"/>
         </a:buClr>
         <a:buFont typeface="Arial"/>
-        <a:defRPr b="0" i="0" sz="1400" u="none" cap="none" strike="noStrike">
+        <a:defRPr sz="1400" b="0" i="0" u="none" strike="noStrike" cap="none">
           <a:solidFill>
             <a:srgbClr val="000000"/>
           </a:solidFill>
@@ -6704,7 +6907,7 @@
           <a:sym typeface="Arial"/>
         </a:defRPr>
       </a:lvl5pPr>
-      <a:lvl6pPr lvl="5" marR="0" rtl="0" algn="l">
+      <a:lvl6pPr marR="0" lvl="5" algn="l" rtl="0">
         <a:lnSpc>
           <a:spcPct val="100000"/>
         </a:lnSpc>
@@ -6718,7 +6921,7 @@
           <a:srgbClr val="000000"/>
         </a:buClr>
         <a:buFont typeface="Arial"/>
-        <a:defRPr b="0" i="0" sz="1400" u="none" cap="none" strike="noStrike">
+        <a:defRPr sz="1400" b="0" i="0" u="none" strike="noStrike" cap="none">
           <a:solidFill>
             <a:srgbClr val="000000"/>
           </a:solidFill>
@@ -6728,7 +6931,7 @@
           <a:sym typeface="Arial"/>
         </a:defRPr>
       </a:lvl6pPr>
-      <a:lvl7pPr lvl="6" marR="0" rtl="0" algn="l">
+      <a:lvl7pPr marR="0" lvl="6" algn="l" rtl="0">
         <a:lnSpc>
           <a:spcPct val="100000"/>
         </a:lnSpc>
@@ -6742,7 +6945,7 @@
           <a:srgbClr val="000000"/>
         </a:buClr>
         <a:buFont typeface="Arial"/>
-        <a:defRPr b="0" i="0" sz="1400" u="none" cap="none" strike="noStrike">
+        <a:defRPr sz="1400" b="0" i="0" u="none" strike="noStrike" cap="none">
           <a:solidFill>
             <a:srgbClr val="000000"/>
           </a:solidFill>
@@ -6752,7 +6955,7 @@
           <a:sym typeface="Arial"/>
         </a:defRPr>
       </a:lvl7pPr>
-      <a:lvl8pPr lvl="7" marR="0" rtl="0" algn="l">
+      <a:lvl8pPr marR="0" lvl="7" algn="l" rtl="0">
         <a:lnSpc>
           <a:spcPct val="100000"/>
         </a:lnSpc>
@@ -6766,7 +6969,7 @@
           <a:srgbClr val="000000"/>
         </a:buClr>
         <a:buFont typeface="Arial"/>
-        <a:defRPr b="0" i="0" sz="1400" u="none" cap="none" strike="noStrike">
+        <a:defRPr sz="1400" b="0" i="0" u="none" strike="noStrike" cap="none">
           <a:solidFill>
             <a:srgbClr val="000000"/>
           </a:solidFill>
@@ -6776,7 +6979,7 @@
           <a:sym typeface="Arial"/>
         </a:defRPr>
       </a:lvl8pPr>
-      <a:lvl9pPr lvl="8" marR="0" rtl="0" algn="l">
+      <a:lvl9pPr marR="0" lvl="8" algn="l" rtl="0">
         <a:lnSpc>
           <a:spcPct val="100000"/>
         </a:lnSpc>
@@ -6790,7 +6993,7 @@
           <a:srgbClr val="000000"/>
         </a:buClr>
         <a:buFont typeface="Arial"/>
-        <a:defRPr b="0" i="0" sz="1400" u="none" cap="none" strike="noStrike">
+        <a:defRPr sz="1400" b="0" i="0" u="none" strike="noStrike" cap="none">
           <a:solidFill>
             <a:srgbClr val="000000"/>
           </a:solidFill>
@@ -6802,7 +7005,7 @@
       </a:lvl9pPr>
     </p:bodyStyle>
     <p:otherStyle>
-      <a:defPPr lvl="0" marR="0" rtl="0" algn="l">
+      <a:defPPr marR="0" lvl="0" algn="l" rtl="0">
         <a:lnSpc>
           <a:spcPct val="100000"/>
         </a:lnSpc>
@@ -6813,7 +7016,7 @@
           <a:spcPts val="0"/>
         </a:spcAft>
       </a:defPPr>
-      <a:lvl1pPr lvl="0" marR="0" rtl="0" algn="l">
+      <a:lvl1pPr marR="0" lvl="0" algn="l" rtl="0">
         <a:lnSpc>
           <a:spcPct val="100000"/>
         </a:lnSpc>
@@ -6827,7 +7030,7 @@
           <a:srgbClr val="000000"/>
         </a:buClr>
         <a:buFont typeface="Arial"/>
-        <a:defRPr b="0" i="0" sz="1400" u="none" cap="none" strike="noStrike">
+        <a:defRPr sz="1400" b="0" i="0" u="none" strike="noStrike" cap="none">
           <a:solidFill>
             <a:srgbClr val="000000"/>
           </a:solidFill>
@@ -6837,7 +7040,7 @@
           <a:sym typeface="Arial"/>
         </a:defRPr>
       </a:lvl1pPr>
-      <a:lvl2pPr lvl="1" marR="0" rtl="0" algn="l">
+      <a:lvl2pPr marR="0" lvl="1" algn="l" rtl="0">
         <a:lnSpc>
           <a:spcPct val="100000"/>
         </a:lnSpc>
@@ -6851,7 +7054,7 @@
           <a:srgbClr val="000000"/>
         </a:buClr>
         <a:buFont typeface="Arial"/>
-        <a:defRPr b="0" i="0" sz="1400" u="none" cap="none" strike="noStrike">
+        <a:defRPr sz="1400" b="0" i="0" u="none" strike="noStrike" cap="none">
           <a:solidFill>
             <a:srgbClr val="000000"/>
           </a:solidFill>
@@ -6861,7 +7064,7 @@
           <a:sym typeface="Arial"/>
         </a:defRPr>
       </a:lvl2pPr>
-      <a:lvl3pPr lvl="2" marR="0" rtl="0" algn="l">
+      <a:lvl3pPr marR="0" lvl="2" algn="l" rtl="0">
         <a:lnSpc>
           <a:spcPct val="100000"/>
         </a:lnSpc>
@@ -6875,7 +7078,7 @@
           <a:srgbClr val="000000"/>
         </a:buClr>
         <a:buFont typeface="Arial"/>
-        <a:defRPr b="0" i="0" sz="1400" u="none" cap="none" strike="noStrike">
+        <a:defRPr sz="1400" b="0" i="0" u="none" strike="noStrike" cap="none">
           <a:solidFill>
             <a:srgbClr val="000000"/>
           </a:solidFill>
@@ -6885,7 +7088,7 @@
           <a:sym typeface="Arial"/>
         </a:defRPr>
       </a:lvl3pPr>
-      <a:lvl4pPr lvl="3" marR="0" rtl="0" algn="l">
+      <a:lvl4pPr marR="0" lvl="3" algn="l" rtl="0">
         <a:lnSpc>
           <a:spcPct val="100000"/>
         </a:lnSpc>
@@ -6899,7 +7102,7 @@
           <a:srgbClr val="000000"/>
         </a:buClr>
         <a:buFont typeface="Arial"/>
-        <a:defRPr b="0" i="0" sz="1400" u="none" cap="none" strike="noStrike">
+        <a:defRPr sz="1400" b="0" i="0" u="none" strike="noStrike" cap="none">
           <a:solidFill>
             <a:srgbClr val="000000"/>
           </a:solidFill>
@@ -6909,7 +7112,7 @@
           <a:sym typeface="Arial"/>
         </a:defRPr>
       </a:lvl4pPr>
-      <a:lvl5pPr lvl="4" marR="0" rtl="0" algn="l">
+      <a:lvl5pPr marR="0" lvl="4" algn="l" rtl="0">
         <a:lnSpc>
           <a:spcPct val="100000"/>
         </a:lnSpc>
@@ -6923,7 +7126,7 @@
           <a:srgbClr val="000000"/>
         </a:buClr>
         <a:buFont typeface="Arial"/>
-        <a:defRPr b="0" i="0" sz="1400" u="none" cap="none" strike="noStrike">
+        <a:defRPr sz="1400" b="0" i="0" u="none" strike="noStrike" cap="none">
           <a:solidFill>
             <a:srgbClr val="000000"/>
           </a:solidFill>
@@ -6933,7 +7136,7 @@
           <a:sym typeface="Arial"/>
         </a:defRPr>
       </a:lvl5pPr>
-      <a:lvl6pPr lvl="5" marR="0" rtl="0" algn="l">
+      <a:lvl6pPr marR="0" lvl="5" algn="l" rtl="0">
         <a:lnSpc>
           <a:spcPct val="100000"/>
         </a:lnSpc>
@@ -6947,7 +7150,7 @@
           <a:srgbClr val="000000"/>
         </a:buClr>
         <a:buFont typeface="Arial"/>
-        <a:defRPr b="0" i="0" sz="1400" u="none" cap="none" strike="noStrike">
+        <a:defRPr sz="1400" b="0" i="0" u="none" strike="noStrike" cap="none">
           <a:solidFill>
             <a:srgbClr val="000000"/>
           </a:solidFill>
@@ -6957,7 +7160,7 @@
           <a:sym typeface="Arial"/>
         </a:defRPr>
       </a:lvl6pPr>
-      <a:lvl7pPr lvl="6" marR="0" rtl="0" algn="l">
+      <a:lvl7pPr marR="0" lvl="6" algn="l" rtl="0">
         <a:lnSpc>
           <a:spcPct val="100000"/>
         </a:lnSpc>
@@ -6971,7 +7174,7 @@
           <a:srgbClr val="000000"/>
         </a:buClr>
         <a:buFont typeface="Arial"/>
-        <a:defRPr b="0" i="0" sz="1400" u="none" cap="none" strike="noStrike">
+        <a:defRPr sz="1400" b="0" i="0" u="none" strike="noStrike" cap="none">
           <a:solidFill>
             <a:srgbClr val="000000"/>
           </a:solidFill>
@@ -6981,7 +7184,7 @@
           <a:sym typeface="Arial"/>
         </a:defRPr>
       </a:lvl7pPr>
-      <a:lvl8pPr lvl="7" marR="0" rtl="0" algn="l">
+      <a:lvl8pPr marR="0" lvl="7" algn="l" rtl="0">
         <a:lnSpc>
           <a:spcPct val="100000"/>
         </a:lnSpc>
@@ -6995,7 +7198,7 @@
           <a:srgbClr val="000000"/>
         </a:buClr>
         <a:buFont typeface="Arial"/>
-        <a:defRPr b="0" i="0" sz="1400" u="none" cap="none" strike="noStrike">
+        <a:defRPr sz="1400" b="0" i="0" u="none" strike="noStrike" cap="none">
           <a:solidFill>
             <a:srgbClr val="000000"/>
           </a:solidFill>
@@ -7005,7 +7208,7 @@
           <a:sym typeface="Arial"/>
         </a:defRPr>
       </a:lvl8pPr>
-      <a:lvl9pPr lvl="8" marR="0" rtl="0" algn="l">
+      <a:lvl9pPr marR="0" lvl="8" algn="l" rtl="0">
         <a:lnSpc>
           <a:spcPct val="100000"/>
         </a:lnSpc>
@@ -7019,7 +7222,7 @@
           <a:srgbClr val="000000"/>
         </a:buClr>
         <a:buFont typeface="Arial"/>
-        <a:defRPr b="0" i="0" sz="1400" u="none" cap="none" strike="noStrike">
+        <a:defRPr sz="1400" b="0" i="0" u="none" strike="noStrike" cap="none">
           <a:solidFill>
             <a:srgbClr val="000000"/>
           </a:solidFill>
@@ -7035,11 +7238,11 @@
 </file>
 
 <file path=ppt/slides/slide1.xml><?xml version="1.0" encoding="utf-8"?>
-<p:sld xmlns:a="http://schemas.openxmlformats.org/drawingml/2006/main" xmlns:r="http://schemas.openxmlformats.org/officeDocument/2006/relationships" xmlns:mc="http://schemas.openxmlformats.org/markup-compatibility/2006" xmlns:mv="urn:schemas-microsoft-com:mac:vml" xmlns:p="http://schemas.openxmlformats.org/presentationml/2006/main" xmlns:c="http://schemas.openxmlformats.org/drawingml/2006/chart" xmlns:dgm="http://schemas.openxmlformats.org/drawingml/2006/diagram" xmlns:o="urn:schemas-microsoft-com:office:office" xmlns:v="urn:schemas-microsoft-com:vml" xmlns:pvml="urn:schemas-microsoft-com:office:powerpoint" xmlns:com="http://schemas.openxmlformats.org/drawingml/2006/compatibility" xmlns:p14="http://schemas.microsoft.com/office/powerpoint/2010/main" xmlns:p15="http://schemas.microsoft.com/office/powerpoint/2012/main" xmlns:ahyp="http://schemas.microsoft.com/office/drawing/2018/hyperlinkcolor">
+<p:sld xmlns:a="http://schemas.openxmlformats.org/drawingml/2006/main" xmlns:r="http://schemas.openxmlformats.org/officeDocument/2006/relationships" xmlns:p="http://schemas.openxmlformats.org/presentationml/2006/main">
   <p:cSld>
     <p:spTree>
       <p:nvGrpSpPr>
-        <p:cNvPr id="53" name="Shape 53"/>
+        <p:cNvPr id="1" name="Shape 53"/>
         <p:cNvGrpSpPr/>
         <p:nvPr/>
       </p:nvGrpSpPr>
@@ -7054,7 +7257,9 @@
       <p:sp>
         <p:nvSpPr>
           <p:cNvPr id="54" name="Google Shape;54;p13"/>
-          <p:cNvSpPr txBox="1"/>
+          <p:cNvSpPr txBox="1">
+            <a:spLocks noGrp="1"/>
+          </p:cNvSpPr>
           <p:nvPr>
             <p:ph type="ctrTitle"/>
           </p:nvPr>
@@ -7069,12 +7274,12 @@
           </a:prstGeom>
         </p:spPr>
         <p:txBody>
-          <a:bodyPr anchorCtr="0" anchor="b" bIns="91425" lIns="91425" spcFirstLastPara="1" rIns="91425" wrap="square" tIns="91425">
+          <a:bodyPr spcFirstLastPara="1" wrap="square" lIns="91425" tIns="91425" rIns="91425" bIns="91425" anchor="b" anchorCtr="0">
             <a:normAutofit/>
           </a:bodyPr>
           <a:lstStyle/>
           <a:p>
-            <a:pPr indent="0" lvl="0" marL="0" rtl="0" algn="ctr">
+            <a:pPr marL="0" lvl="0" indent="0" algn="ctr" rtl="0">
               <a:spcBef>
                 <a:spcPts val="0"/>
               </a:spcBef>
@@ -7094,9 +7299,11 @@
       <p:sp>
         <p:nvSpPr>
           <p:cNvPr id="55" name="Google Shape;55;p13"/>
-          <p:cNvSpPr txBox="1"/>
+          <p:cNvSpPr txBox="1">
+            <a:spLocks noGrp="1"/>
+          </p:cNvSpPr>
           <p:nvPr>
-            <p:ph idx="1" type="subTitle"/>
+            <p:ph type="subTitle" idx="1"/>
           </p:nvPr>
         </p:nvSpPr>
         <p:spPr>
@@ -7109,12 +7316,12 @@
           </a:prstGeom>
         </p:spPr>
         <p:txBody>
-          <a:bodyPr anchorCtr="0" anchor="t" bIns="91425" lIns="91425" spcFirstLastPara="1" rIns="91425" wrap="square" tIns="91425">
+          <a:bodyPr spcFirstLastPara="1" wrap="square" lIns="91425" tIns="91425" rIns="91425" bIns="91425" anchor="t" anchorCtr="0">
             <a:normAutofit/>
           </a:bodyPr>
           <a:lstStyle/>
           <a:p>
-            <a:pPr indent="0" lvl="0" marL="0" rtl="0" algn="ctr">
+            <a:pPr marL="0" lvl="0" indent="0" algn="ctr" rtl="0">
               <a:spcBef>
                 <a:spcPts val="0"/>
               </a:spcBef>
@@ -7140,11 +7347,11 @@
 </file>
 
 <file path=ppt/slides/slide10.xml><?xml version="1.0" encoding="utf-8"?>
-<p:sld xmlns:a="http://schemas.openxmlformats.org/drawingml/2006/main" xmlns:r="http://schemas.openxmlformats.org/officeDocument/2006/relationships" xmlns:mc="http://schemas.openxmlformats.org/markup-compatibility/2006" xmlns:mv="urn:schemas-microsoft-com:mac:vml" xmlns:p="http://schemas.openxmlformats.org/presentationml/2006/main" xmlns:c="http://schemas.openxmlformats.org/drawingml/2006/chart" xmlns:dgm="http://schemas.openxmlformats.org/drawingml/2006/diagram" xmlns:o="urn:schemas-microsoft-com:office:office" xmlns:v="urn:schemas-microsoft-com:vml" xmlns:pvml="urn:schemas-microsoft-com:office:powerpoint" xmlns:com="http://schemas.openxmlformats.org/drawingml/2006/compatibility" xmlns:p14="http://schemas.microsoft.com/office/powerpoint/2010/main" xmlns:p15="http://schemas.microsoft.com/office/powerpoint/2012/main" xmlns:ahyp="http://schemas.microsoft.com/office/drawing/2018/hyperlinkcolor">
+<p:sld xmlns:a="http://schemas.openxmlformats.org/drawingml/2006/main" xmlns:r="http://schemas.openxmlformats.org/officeDocument/2006/relationships" xmlns:p="http://schemas.openxmlformats.org/presentationml/2006/main">
   <p:cSld>
     <p:spTree>
       <p:nvGrpSpPr>
-        <p:cNvPr id="110" name="Shape 110"/>
+        <p:cNvPr id="1" name="Shape 110"/>
         <p:cNvGrpSpPr/>
         <p:nvPr/>
       </p:nvGrpSpPr>
@@ -7159,7 +7366,9 @@
       <p:sp>
         <p:nvSpPr>
           <p:cNvPr id="111" name="Google Shape;111;p22"/>
-          <p:cNvSpPr txBox="1"/>
+          <p:cNvSpPr txBox="1">
+            <a:spLocks noGrp="1"/>
+          </p:cNvSpPr>
           <p:nvPr>
             <p:ph type="title"/>
           </p:nvPr>
@@ -7174,12 +7383,12 @@
           </a:prstGeom>
         </p:spPr>
         <p:txBody>
-          <a:bodyPr anchorCtr="0" anchor="t" bIns="91425" lIns="91425" spcFirstLastPara="1" rIns="91425" wrap="square" tIns="91425">
+          <a:bodyPr spcFirstLastPara="1" wrap="square" lIns="91425" tIns="91425" rIns="91425" bIns="91425" anchor="t" anchorCtr="0">
             <a:normAutofit fontScale="90000"/>
           </a:bodyPr>
           <a:lstStyle/>
           <a:p>
-            <a:pPr indent="0" lvl="0" marL="0" rtl="0" algn="l">
+            <a:pPr marL="0" lvl="0" indent="0" algn="l" rtl="0">
               <a:spcBef>
                 <a:spcPts val="0"/>
               </a:spcBef>
@@ -7233,11 +7442,11 @@
 </file>
 
 <file path=ppt/slides/slide11.xml><?xml version="1.0" encoding="utf-8"?>
-<p:sld xmlns:a="http://schemas.openxmlformats.org/drawingml/2006/main" xmlns:r="http://schemas.openxmlformats.org/officeDocument/2006/relationships" xmlns:mc="http://schemas.openxmlformats.org/markup-compatibility/2006" xmlns:mv="urn:schemas-microsoft-com:mac:vml" xmlns:p="http://schemas.openxmlformats.org/presentationml/2006/main" xmlns:c="http://schemas.openxmlformats.org/drawingml/2006/chart" xmlns:dgm="http://schemas.openxmlformats.org/drawingml/2006/diagram" xmlns:o="urn:schemas-microsoft-com:office:office" xmlns:v="urn:schemas-microsoft-com:vml" xmlns:pvml="urn:schemas-microsoft-com:office:powerpoint" xmlns:com="http://schemas.openxmlformats.org/drawingml/2006/compatibility" xmlns:p14="http://schemas.microsoft.com/office/powerpoint/2010/main" xmlns:p15="http://schemas.microsoft.com/office/powerpoint/2012/main" xmlns:ahyp="http://schemas.microsoft.com/office/drawing/2018/hyperlinkcolor">
+<p:sld xmlns:a="http://schemas.openxmlformats.org/drawingml/2006/main" xmlns:r="http://schemas.openxmlformats.org/officeDocument/2006/relationships" xmlns:p="http://schemas.openxmlformats.org/presentationml/2006/main">
   <p:cSld>
     <p:spTree>
       <p:nvGrpSpPr>
-        <p:cNvPr id="116" name="Shape 116"/>
+        <p:cNvPr id="1" name="Shape 116"/>
         <p:cNvGrpSpPr/>
         <p:nvPr/>
       </p:nvGrpSpPr>
@@ -7321,8 +7530,8 @@
         </p:blipFill>
         <p:spPr>
           <a:xfrm>
-            <a:off x="727713" y="4303849"/>
-            <a:ext cx="7688576" cy="905825"/>
+            <a:off x="911197" y="4169175"/>
+            <a:ext cx="7321606" cy="850881"/>
           </a:xfrm>
           <a:prstGeom prst="rect">
             <a:avLst/>
@@ -7342,11 +7551,71 @@
 </file>
 
 <file path=ppt/slides/slide12.xml><?xml version="1.0" encoding="utf-8"?>
-<p:sld xmlns:a="http://schemas.openxmlformats.org/drawingml/2006/main" xmlns:r="http://schemas.openxmlformats.org/officeDocument/2006/relationships" xmlns:mc="http://schemas.openxmlformats.org/markup-compatibility/2006" xmlns:mv="urn:schemas-microsoft-com:mac:vml" xmlns:p="http://schemas.openxmlformats.org/presentationml/2006/main" xmlns:c="http://schemas.openxmlformats.org/drawingml/2006/chart" xmlns:dgm="http://schemas.openxmlformats.org/drawingml/2006/diagram" xmlns:o="urn:schemas-microsoft-com:office:office" xmlns:v="urn:schemas-microsoft-com:vml" xmlns:pvml="urn:schemas-microsoft-com:office:powerpoint" xmlns:com="http://schemas.openxmlformats.org/drawingml/2006/compatibility" xmlns:p14="http://schemas.microsoft.com/office/powerpoint/2010/main" xmlns:p15="http://schemas.microsoft.com/office/powerpoint/2012/main" xmlns:ahyp="http://schemas.microsoft.com/office/drawing/2018/hyperlinkcolor">
+<p:sld xmlns:a="http://schemas.openxmlformats.org/drawingml/2006/main" xmlns:r="http://schemas.openxmlformats.org/officeDocument/2006/relationships" xmlns:p="http://schemas.openxmlformats.org/presentationml/2006/main">
   <p:cSld>
     <p:spTree>
       <p:nvGrpSpPr>
-        <p:cNvPr id="123" name="Shape 123"/>
+        <p:cNvPr id="1" name=""/>
+        <p:cNvGrpSpPr/>
+        <p:nvPr/>
+      </p:nvGrpSpPr>
+      <p:grpSpPr>
+        <a:xfrm>
+          <a:off x="0" y="0"/>
+          <a:ext cx="0" cy="0"/>
+          <a:chOff x="0" y="0"/>
+          <a:chExt cx="0" cy="0"/>
+        </a:xfrm>
+      </p:grpSpPr>
+      <p:pic>
+        <p:nvPicPr>
+          <p:cNvPr id="5" name="Picture 4" descr="A diagram of masking band&#10;&#10;Description automatically generated">
+            <a:extLst>
+              <a:ext uri="{FF2B5EF4-FFF2-40B4-BE49-F238E27FC236}">
+                <a16:creationId xmlns:a16="http://schemas.microsoft.com/office/drawing/2014/main" id="{FB811C43-93B1-2245-CF9A-3B296657DBA1}"/>
+              </a:ext>
+            </a:extLst>
+          </p:cNvPr>
+          <p:cNvPicPr>
+            <a:picLocks noChangeAspect="1"/>
+          </p:cNvPicPr>
+          <p:nvPr/>
+        </p:nvPicPr>
+        <p:blipFill>
+          <a:blip r:embed="rId2"/>
+          <a:stretch>
+            <a:fillRect/>
+          </a:stretch>
+        </p:blipFill>
+        <p:spPr>
+          <a:xfrm>
+            <a:off x="1887448" y="822837"/>
+            <a:ext cx="5114661" cy="4082124"/>
+          </a:xfrm>
+          <a:prstGeom prst="rect">
+            <a:avLst/>
+          </a:prstGeom>
+        </p:spPr>
+      </p:pic>
+    </p:spTree>
+    <p:extLst>
+      <p:ext uri="{BB962C8B-B14F-4D97-AF65-F5344CB8AC3E}">
+        <p14:creationId xmlns:p14="http://schemas.microsoft.com/office/powerpoint/2010/main" val="2739072908"/>
+      </p:ext>
+    </p:extLst>
+  </p:cSld>
+  <p:clrMapOvr>
+    <a:masterClrMapping/>
+  </p:clrMapOvr>
+</p:sld>
+</file>
+
+<file path=ppt/slides/slide13.xml><?xml version="1.0" encoding="utf-8"?>
+<p:sld xmlns:a="http://schemas.openxmlformats.org/drawingml/2006/main" xmlns:r="http://schemas.openxmlformats.org/officeDocument/2006/relationships" xmlns:p="http://schemas.openxmlformats.org/presentationml/2006/main">
+  <p:cSld>
+    <p:spTree>
+      <p:nvGrpSpPr>
+        <p:cNvPr id="1" name="Shape 123"/>
         <p:cNvGrpSpPr/>
         <p:nvPr/>
       </p:nvGrpSpPr>
@@ -7394,12 +7663,12 @@
 </p:sld>
 </file>
 
-<file path=ppt/slides/slide13.xml><?xml version="1.0" encoding="utf-8"?>
-<p:sld xmlns:a="http://schemas.openxmlformats.org/drawingml/2006/main" xmlns:r="http://schemas.openxmlformats.org/officeDocument/2006/relationships" xmlns:mc="http://schemas.openxmlformats.org/markup-compatibility/2006" xmlns:mv="urn:schemas-microsoft-com:mac:vml" xmlns:p="http://schemas.openxmlformats.org/presentationml/2006/main" xmlns:c="http://schemas.openxmlformats.org/drawingml/2006/chart" xmlns:dgm="http://schemas.openxmlformats.org/drawingml/2006/diagram" xmlns:o="urn:schemas-microsoft-com:office:office" xmlns:v="urn:schemas-microsoft-com:vml" xmlns:pvml="urn:schemas-microsoft-com:office:powerpoint" xmlns:com="http://schemas.openxmlformats.org/drawingml/2006/compatibility" xmlns:p14="http://schemas.microsoft.com/office/powerpoint/2010/main" xmlns:p15="http://schemas.microsoft.com/office/powerpoint/2012/main" xmlns:ahyp="http://schemas.microsoft.com/office/drawing/2018/hyperlinkcolor">
+<file path=ppt/slides/slide14.xml><?xml version="1.0" encoding="utf-8"?>
+<p:sld xmlns:a="http://schemas.openxmlformats.org/drawingml/2006/main" xmlns:r="http://schemas.openxmlformats.org/officeDocument/2006/relationships" xmlns:p="http://schemas.openxmlformats.org/presentationml/2006/main">
   <p:cSld>
     <p:spTree>
       <p:nvGrpSpPr>
-        <p:cNvPr id="128" name="Shape 128"/>
+        <p:cNvPr id="1" name="Shape 128"/>
         <p:cNvGrpSpPr/>
         <p:nvPr/>
       </p:nvGrpSpPr>
@@ -7447,12 +7716,102 @@
 </p:sld>
 </file>
 
-<file path=ppt/slides/slide14.xml><?xml version="1.0" encoding="utf-8"?>
-<p:sld xmlns:a="http://schemas.openxmlformats.org/drawingml/2006/main" xmlns:r="http://schemas.openxmlformats.org/officeDocument/2006/relationships" xmlns:mc="http://schemas.openxmlformats.org/markup-compatibility/2006" xmlns:mv="urn:schemas-microsoft-com:mac:vml" xmlns:p="http://schemas.openxmlformats.org/presentationml/2006/main" xmlns:c="http://schemas.openxmlformats.org/drawingml/2006/chart" xmlns:dgm="http://schemas.openxmlformats.org/drawingml/2006/diagram" xmlns:o="urn:schemas-microsoft-com:office:office" xmlns:v="urn:schemas-microsoft-com:vml" xmlns:pvml="urn:schemas-microsoft-com:office:powerpoint" xmlns:com="http://schemas.openxmlformats.org/drawingml/2006/compatibility" xmlns:p14="http://schemas.microsoft.com/office/powerpoint/2010/main" xmlns:p15="http://schemas.microsoft.com/office/powerpoint/2012/main" xmlns:ahyp="http://schemas.microsoft.com/office/drawing/2018/hyperlinkcolor">
+<file path=ppt/slides/slide15.xml><?xml version="1.0" encoding="utf-8"?>
+<p:sld xmlns:a="http://schemas.openxmlformats.org/drawingml/2006/main" xmlns:r="http://schemas.openxmlformats.org/officeDocument/2006/relationships" xmlns:p="http://schemas.openxmlformats.org/presentationml/2006/main">
   <p:cSld>
     <p:spTree>
       <p:nvGrpSpPr>
-        <p:cNvPr id="133" name="Shape 133"/>
+        <p:cNvPr id="1" name=""/>
+        <p:cNvGrpSpPr/>
+        <p:nvPr/>
+      </p:nvGrpSpPr>
+      <p:grpSpPr>
+        <a:xfrm>
+          <a:off x="0" y="0"/>
+          <a:ext cx="0" cy="0"/>
+          <a:chOff x="0" y="0"/>
+          <a:chExt cx="0" cy="0"/>
+        </a:xfrm>
+      </p:grpSpPr>
+      <p:sp>
+        <p:nvSpPr>
+          <p:cNvPr id="2" name="Title 1">
+            <a:extLst>
+              <a:ext uri="{FF2B5EF4-FFF2-40B4-BE49-F238E27FC236}">
+                <a16:creationId xmlns:a16="http://schemas.microsoft.com/office/drawing/2014/main" id="{837AEAF2-5B99-E041-C6C7-154FE2BC6B92}"/>
+              </a:ext>
+            </a:extLst>
+          </p:cNvPr>
+          <p:cNvSpPr>
+            <a:spLocks noGrp="1"/>
+          </p:cNvSpPr>
+          <p:nvPr>
+            <p:ph type="title"/>
+          </p:nvPr>
+        </p:nvSpPr>
+        <p:spPr/>
+        <p:txBody>
+          <a:bodyPr>
+            <a:normAutofit fontScale="90000"/>
+          </a:bodyPr>
+          <a:lstStyle/>
+          <a:p>
+            <a:r>
+              <a:rPr lang="en-US" dirty="0"/>
+              <a:t>Temporal masking</a:t>
+            </a:r>
+          </a:p>
+        </p:txBody>
+      </p:sp>
+      <p:pic>
+        <p:nvPicPr>
+          <p:cNvPr id="5" name="Picture 4" descr="A graph of a masker&#10;&#10;Description automatically generated">
+            <a:extLst>
+              <a:ext uri="{FF2B5EF4-FFF2-40B4-BE49-F238E27FC236}">
+                <a16:creationId xmlns:a16="http://schemas.microsoft.com/office/drawing/2014/main" id="{DC5C2626-D2F2-883D-3DDB-962C3B0686B4}"/>
+              </a:ext>
+            </a:extLst>
+          </p:cNvPr>
+          <p:cNvPicPr>
+            <a:picLocks noChangeAspect="1"/>
+          </p:cNvPicPr>
+          <p:nvPr/>
+        </p:nvPicPr>
+        <p:blipFill>
+          <a:blip r:embed="rId2"/>
+          <a:stretch>
+            <a:fillRect/>
+          </a:stretch>
+        </p:blipFill>
+        <p:spPr>
+          <a:xfrm>
+            <a:off x="1129144" y="1630018"/>
+            <a:ext cx="6997884" cy="2608678"/>
+          </a:xfrm>
+          <a:prstGeom prst="rect">
+            <a:avLst/>
+          </a:prstGeom>
+        </p:spPr>
+      </p:pic>
+    </p:spTree>
+    <p:extLst>
+      <p:ext uri="{BB962C8B-B14F-4D97-AF65-F5344CB8AC3E}">
+        <p14:creationId xmlns:p14="http://schemas.microsoft.com/office/powerpoint/2010/main" val="3394579177"/>
+      </p:ext>
+    </p:extLst>
+  </p:cSld>
+  <p:clrMapOvr>
+    <a:masterClrMapping/>
+  </p:clrMapOvr>
+</p:sld>
+</file>
+
+<file path=ppt/slides/slide16.xml><?xml version="1.0" encoding="utf-8"?>
+<p:sld xmlns:a="http://schemas.openxmlformats.org/drawingml/2006/main" xmlns:r="http://schemas.openxmlformats.org/officeDocument/2006/relationships" xmlns:p="http://schemas.openxmlformats.org/presentationml/2006/main">
+  <p:cSld>
+    <p:spTree>
+      <p:nvGrpSpPr>
+        <p:cNvPr id="1" name="Shape 133"/>
         <p:cNvGrpSpPr/>
         <p:nvPr/>
       </p:nvGrpSpPr>
@@ -7467,14 +7826,16 @@
       <p:sp>
         <p:nvSpPr>
           <p:cNvPr id="134" name="Google Shape;134;p26"/>
-          <p:cNvSpPr txBox="1"/>
+          <p:cNvSpPr txBox="1">
+            <a:spLocks noGrp="1"/>
+          </p:cNvSpPr>
           <p:nvPr>
             <p:ph type="title"/>
           </p:nvPr>
         </p:nvSpPr>
         <p:spPr>
           <a:xfrm>
-            <a:off x="311700" y="64025"/>
+            <a:off x="311700" y="278708"/>
             <a:ext cx="8520600" cy="572700"/>
           </a:xfrm>
           <a:prstGeom prst="rect">
@@ -7482,12 +7843,12 @@
           </a:prstGeom>
         </p:spPr>
         <p:txBody>
-          <a:bodyPr anchorCtr="0" anchor="t" bIns="91425" lIns="91425" spcFirstLastPara="1" rIns="91425" wrap="square" tIns="91425">
+          <a:bodyPr spcFirstLastPara="1" wrap="square" lIns="91425" tIns="91425" rIns="91425" bIns="91425" anchor="t" anchorCtr="0">
             <a:normAutofit fontScale="90000"/>
           </a:bodyPr>
           <a:lstStyle/>
           <a:p>
-            <a:pPr indent="0" lvl="0" marL="0" rtl="0" algn="l">
+            <a:pPr marL="0" lvl="0" indent="0" algn="l" rtl="0">
               <a:spcBef>
                 <a:spcPts val="0"/>
               </a:spcBef>
@@ -7497,24 +7858,26 @@
               <a:buNone/>
             </a:pPr>
             <a:r>
-              <a:rPr lang="en"/>
+              <a:rPr lang="en" dirty="0"/>
               <a:t>Spatial Hearing</a:t>
             </a:r>
-            <a:endParaRPr/>
+            <a:endParaRPr dirty="0"/>
           </a:p>
         </p:txBody>
       </p:sp>
       <p:sp>
         <p:nvSpPr>
           <p:cNvPr id="135" name="Google Shape;135;p26"/>
-          <p:cNvSpPr txBox="1"/>
+          <p:cNvSpPr txBox="1">
+            <a:spLocks noGrp="1"/>
+          </p:cNvSpPr>
           <p:nvPr>
-            <p:ph idx="1" type="body"/>
+            <p:ph type="body" idx="1"/>
           </p:nvPr>
         </p:nvSpPr>
         <p:spPr>
           <a:xfrm>
-            <a:off x="311700" y="732050"/>
+            <a:off x="311700" y="875173"/>
             <a:ext cx="8520600" cy="1545300"/>
           </a:xfrm>
           <a:prstGeom prst="rect">
@@ -7522,12 +7885,12 @@
           </a:prstGeom>
         </p:spPr>
         <p:txBody>
-          <a:bodyPr anchorCtr="0" anchor="t" bIns="91425" lIns="91425" spcFirstLastPara="1" rIns="91425" wrap="square" tIns="91425">
+          <a:bodyPr spcFirstLastPara="1" wrap="square" lIns="91425" tIns="91425" rIns="91425" bIns="91425" anchor="t" anchorCtr="0">
             <a:normAutofit/>
           </a:bodyPr>
           <a:lstStyle/>
           <a:p>
-            <a:pPr indent="-342900" lvl="0" marL="457200" rtl="0" algn="l">
+            <a:pPr marL="457200" lvl="0" indent="-342900" algn="l" rtl="0">
               <a:spcBef>
                 <a:spcPts val="0"/>
               </a:spcBef>
@@ -7538,13 +7901,13 @@
               <a:buChar char="●"/>
             </a:pPr>
             <a:r>
-              <a:rPr lang="en"/>
-              <a:t>Interaural Time Difference (ITD): Different ear arritime due to different propagation paths.</a:t>
+              <a:rPr lang="en" dirty="0"/>
+              <a:t>Interaural Time Difference (ITD): Different ear arrival time due to different propagation paths.</a:t>
             </a:r>
-            <a:endParaRPr/>
-          </a:p>
-          <a:p>
-            <a:pPr indent="-342900" lvl="0" marL="457200" rtl="0" algn="l">
+            <a:endParaRPr dirty="0"/>
+          </a:p>
+          <a:p>
+            <a:pPr marL="457200" lvl="0" indent="-342900" algn="l" rtl="0">
               <a:spcBef>
                 <a:spcPts val="0"/>
               </a:spcBef>
@@ -7555,10 +7918,10 @@
               <a:buChar char="●"/>
             </a:pPr>
             <a:r>
-              <a:rPr lang="en"/>
+              <a:rPr lang="en" dirty="0"/>
               <a:t>Interaural Level Difference (ILD): Different sound pressure levels due to shadowing of the head (for high frequencies)</a:t>
             </a:r>
-            <a:endParaRPr/>
+            <a:endParaRPr dirty="0"/>
           </a:p>
         </p:txBody>
       </p:sp>
@@ -7598,12 +7961,12 @@
 </p:sld>
 </file>
 
-<file path=ppt/slides/slide15.xml><?xml version="1.0" encoding="utf-8"?>
-<p:sld xmlns:a="http://schemas.openxmlformats.org/drawingml/2006/main" xmlns:r="http://schemas.openxmlformats.org/officeDocument/2006/relationships" xmlns:mc="http://schemas.openxmlformats.org/markup-compatibility/2006" xmlns:mv="urn:schemas-microsoft-com:mac:vml" xmlns:p="http://schemas.openxmlformats.org/presentationml/2006/main" xmlns:c="http://schemas.openxmlformats.org/drawingml/2006/chart" xmlns:dgm="http://schemas.openxmlformats.org/drawingml/2006/diagram" xmlns:o="urn:schemas-microsoft-com:office:office" xmlns:v="urn:schemas-microsoft-com:vml" xmlns:pvml="urn:schemas-microsoft-com:office:powerpoint" xmlns:com="http://schemas.openxmlformats.org/drawingml/2006/compatibility" xmlns:p14="http://schemas.microsoft.com/office/powerpoint/2010/main" xmlns:p15="http://schemas.microsoft.com/office/powerpoint/2012/main" xmlns:ahyp="http://schemas.microsoft.com/office/drawing/2018/hyperlinkcolor">
+<file path=ppt/slides/slide17.xml><?xml version="1.0" encoding="utf-8"?>
+<p:sld xmlns:a="http://schemas.openxmlformats.org/drawingml/2006/main" xmlns:r="http://schemas.openxmlformats.org/officeDocument/2006/relationships" xmlns:p="http://schemas.openxmlformats.org/presentationml/2006/main">
   <p:cSld>
     <p:spTree>
       <p:nvGrpSpPr>
-        <p:cNvPr id="140" name="Shape 140"/>
+        <p:cNvPr id="1" name="Shape 140"/>
         <p:cNvGrpSpPr/>
         <p:nvPr/>
       </p:nvGrpSpPr>
@@ -7617,67 +7980,30 @@
       </p:grpSpPr>
       <p:sp>
         <p:nvSpPr>
-          <p:cNvPr id="141" name="Google Shape;141;p27"/>
-          <p:cNvSpPr txBox="1"/>
+          <p:cNvPr id="142" name="Google Shape;142;p27"/>
+          <p:cNvSpPr txBox="1">
+            <a:spLocks noGrp="1"/>
+          </p:cNvSpPr>
           <p:nvPr>
-            <p:ph type="title"/>
+            <p:ph type="body" idx="1"/>
           </p:nvPr>
         </p:nvSpPr>
         <p:spPr>
           <a:xfrm>
-            <a:off x="311700" y="445025"/>
-            <a:ext cx="8520600" cy="572700"/>
+            <a:off x="311700" y="552859"/>
+            <a:ext cx="8520600" cy="1503261"/>
           </a:xfrm>
           <a:prstGeom prst="rect">
             <a:avLst/>
           </a:prstGeom>
         </p:spPr>
         <p:txBody>
-          <a:bodyPr anchorCtr="0" anchor="t" bIns="91425" lIns="91425" spcFirstLastPara="1" rIns="91425" wrap="square" tIns="91425">
-            <a:normAutofit fontScale="90000"/>
-          </a:bodyPr>
-          <a:lstStyle/>
-          <a:p>
-            <a:pPr indent="0" lvl="0" marL="0" rtl="0" algn="l">
-              <a:spcBef>
-                <a:spcPts val="0"/>
-              </a:spcBef>
-              <a:spcAft>
-                <a:spcPts val="0"/>
-              </a:spcAft>
-              <a:buNone/>
-            </a:pPr>
-            <a:r>
-              <a:t/>
-            </a:r>
-            <a:endParaRPr/>
-          </a:p>
-        </p:txBody>
-      </p:sp>
-      <p:sp>
-        <p:nvSpPr>
-          <p:cNvPr id="142" name="Google Shape;142;p27"/>
-          <p:cNvSpPr txBox="1"/>
-          <p:nvPr>
-            <p:ph idx="1" type="body"/>
-          </p:nvPr>
-        </p:nvSpPr>
-        <p:spPr>
-          <a:xfrm>
-            <a:off x="311700" y="1152475"/>
-            <a:ext cx="8520600" cy="3416400"/>
-          </a:xfrm>
-          <a:prstGeom prst="rect">
-            <a:avLst/>
-          </a:prstGeom>
-        </p:spPr>
-        <p:txBody>
-          <a:bodyPr anchorCtr="0" anchor="t" bIns="91425" lIns="91425" spcFirstLastPara="1" rIns="91425" wrap="square" tIns="91425">
+          <a:bodyPr spcFirstLastPara="1" wrap="square" lIns="91425" tIns="91425" rIns="91425" bIns="91425" anchor="t" anchorCtr="0">
             <a:normAutofit/>
           </a:bodyPr>
           <a:lstStyle/>
           <a:p>
-            <a:pPr indent="-342900" lvl="0" marL="457200" rtl="0" algn="l">
+            <a:pPr marL="457200" lvl="0" indent="-342900" algn="l" rtl="0">
               <a:spcBef>
                 <a:spcPts val="0"/>
               </a:spcBef>
@@ -7688,21 +8014,13 @@
               <a:buChar char="●"/>
             </a:pPr>
             <a:r>
-              <a:rPr lang="en"/>
-              <a:t>Interaural Coherence (IC): degree of “similarity” between </a:t>
+              <a:rPr lang="en" dirty="0"/>
+              <a:t>Interaural Coherence (IC): degree of “similarity” between left and right signals at the ears.</a:t>
             </a:r>
-            <a:r>
-              <a:rPr lang="en"/>
-              <a:t>left</a:t>
-            </a:r>
-            <a:r>
-              <a:rPr lang="en"/>
-              <a:t> and right signals at the ears.</a:t>
-            </a:r>
-            <a:endParaRPr/>
-          </a:p>
-          <a:p>
-            <a:pPr indent="-342900" lvl="0" marL="457200" rtl="0" algn="l">
+            <a:endParaRPr dirty="0"/>
+          </a:p>
+          <a:p>
+            <a:pPr marL="457200" lvl="0" indent="-342900" algn="l" rtl="0">
               <a:spcBef>
                 <a:spcPts val="0"/>
               </a:spcBef>
@@ -7713,10 +8031,329 @@
               <a:buChar char="●"/>
             </a:pPr>
             <a:r>
-              <a:rPr lang="en"/>
+              <a:rPr lang="en" dirty="0"/>
               <a:t>Inter-Channel Coherence (ICC): degree of “similarity” between left and right channels.</a:t>
             </a:r>
-            <a:endParaRPr/>
+            <a:endParaRPr dirty="0"/>
+          </a:p>
+        </p:txBody>
+      </p:sp>
+      <p:pic>
+        <p:nvPicPr>
+          <p:cNvPr id="3" name="Picture 2" descr="A black line graph with white text&#10;&#10;Description automatically generated">
+            <a:extLst>
+              <a:ext uri="{FF2B5EF4-FFF2-40B4-BE49-F238E27FC236}">
+                <a16:creationId xmlns:a16="http://schemas.microsoft.com/office/drawing/2014/main" id="{26FD24E5-B4D4-0F15-6CD7-D0F8A2E66407}"/>
+              </a:ext>
+            </a:extLst>
+          </p:cNvPr>
+          <p:cNvPicPr>
+            <a:picLocks noChangeAspect="1"/>
+          </p:cNvPicPr>
+          <p:nvPr/>
+        </p:nvPicPr>
+        <p:blipFill>
+          <a:blip r:embed="rId3"/>
+          <a:stretch>
+            <a:fillRect/>
+          </a:stretch>
+        </p:blipFill>
+        <p:spPr>
+          <a:xfrm>
+            <a:off x="2226365" y="1971409"/>
+            <a:ext cx="4490112" cy="2619232"/>
+          </a:xfrm>
+          <a:prstGeom prst="rect">
+            <a:avLst/>
+          </a:prstGeom>
+        </p:spPr>
+      </p:pic>
+      <p:sp>
+        <p:nvSpPr>
+          <p:cNvPr id="4" name="Google Shape;142;p27">
+            <a:extLst>
+              <a:ext uri="{FF2B5EF4-FFF2-40B4-BE49-F238E27FC236}">
+                <a16:creationId xmlns:a16="http://schemas.microsoft.com/office/drawing/2014/main" id="{5DC9B73C-A373-54F0-5393-304465D30702}"/>
+              </a:ext>
+            </a:extLst>
+          </p:cNvPr>
+          <p:cNvSpPr txBox="1">
+            <a:spLocks/>
+          </p:cNvSpPr>
+          <p:nvPr/>
+        </p:nvSpPr>
+        <p:spPr>
+          <a:xfrm>
+            <a:off x="1416795" y="4568875"/>
+            <a:ext cx="6310410" cy="376836"/>
+          </a:xfrm>
+          <a:prstGeom prst="rect">
+            <a:avLst/>
+          </a:prstGeom>
+          <a:noFill/>
+          <a:ln>
+            <a:noFill/>
+          </a:ln>
+        </p:spPr>
+        <p:txBody>
+          <a:bodyPr spcFirstLastPara="1" wrap="square" lIns="91425" tIns="91425" rIns="91425" bIns="91425" anchor="t" anchorCtr="0">
+            <a:normAutofit fontScale="70000" lnSpcReduction="20000"/>
+          </a:bodyPr>
+          <a:lstStyle>
+            <a:defPPr marR="0" lvl="0" algn="l" rtl="0">
+              <a:lnSpc>
+                <a:spcPct val="100000"/>
+              </a:lnSpc>
+              <a:spcBef>
+                <a:spcPts val="0"/>
+              </a:spcBef>
+              <a:spcAft>
+                <a:spcPts val="0"/>
+              </a:spcAft>
+            </a:defPPr>
+            <a:lvl1pPr marL="457200" marR="0" lvl="0" indent="-342900" algn="l" rtl="0">
+              <a:lnSpc>
+                <a:spcPct val="115000"/>
+              </a:lnSpc>
+              <a:spcBef>
+                <a:spcPts val="0"/>
+              </a:spcBef>
+              <a:spcAft>
+                <a:spcPts val="0"/>
+              </a:spcAft>
+              <a:buClr>
+                <a:schemeClr val="dk2"/>
+              </a:buClr>
+              <a:buSzPts val="1800"/>
+              <a:buFont typeface="Arial"/>
+              <a:buChar char="●"/>
+              <a:defRPr sz="1800" b="0" i="0" u="none" strike="noStrike" cap="none">
+                <a:solidFill>
+                  <a:schemeClr val="dk2"/>
+                </a:solidFill>
+                <a:latin typeface="Arial"/>
+                <a:ea typeface="Arial"/>
+                <a:cs typeface="Arial"/>
+                <a:sym typeface="Arial"/>
+              </a:defRPr>
+            </a:lvl1pPr>
+            <a:lvl2pPr marL="914400" marR="0" lvl="1" indent="-317500" algn="l" rtl="0">
+              <a:lnSpc>
+                <a:spcPct val="115000"/>
+              </a:lnSpc>
+              <a:spcBef>
+                <a:spcPts val="0"/>
+              </a:spcBef>
+              <a:spcAft>
+                <a:spcPts val="0"/>
+              </a:spcAft>
+              <a:buClr>
+                <a:schemeClr val="dk2"/>
+              </a:buClr>
+              <a:buSzPts val="1400"/>
+              <a:buFont typeface="Arial"/>
+              <a:buChar char="○"/>
+              <a:defRPr sz="1400" b="0" i="0" u="none" strike="noStrike" cap="none">
+                <a:solidFill>
+                  <a:schemeClr val="dk2"/>
+                </a:solidFill>
+                <a:latin typeface="Arial"/>
+                <a:ea typeface="Arial"/>
+                <a:cs typeface="Arial"/>
+                <a:sym typeface="Arial"/>
+              </a:defRPr>
+            </a:lvl2pPr>
+            <a:lvl3pPr marL="1371600" marR="0" lvl="2" indent="-317500" algn="l" rtl="0">
+              <a:lnSpc>
+                <a:spcPct val="115000"/>
+              </a:lnSpc>
+              <a:spcBef>
+                <a:spcPts val="0"/>
+              </a:spcBef>
+              <a:spcAft>
+                <a:spcPts val="0"/>
+              </a:spcAft>
+              <a:buClr>
+                <a:schemeClr val="dk2"/>
+              </a:buClr>
+              <a:buSzPts val="1400"/>
+              <a:buFont typeface="Arial"/>
+              <a:buChar char="■"/>
+              <a:defRPr sz="1400" b="0" i="0" u="none" strike="noStrike" cap="none">
+                <a:solidFill>
+                  <a:schemeClr val="dk2"/>
+                </a:solidFill>
+                <a:latin typeface="Arial"/>
+                <a:ea typeface="Arial"/>
+                <a:cs typeface="Arial"/>
+                <a:sym typeface="Arial"/>
+              </a:defRPr>
+            </a:lvl3pPr>
+            <a:lvl4pPr marL="1828800" marR="0" lvl="3" indent="-317500" algn="l" rtl="0">
+              <a:lnSpc>
+                <a:spcPct val="115000"/>
+              </a:lnSpc>
+              <a:spcBef>
+                <a:spcPts val="0"/>
+              </a:spcBef>
+              <a:spcAft>
+                <a:spcPts val="0"/>
+              </a:spcAft>
+              <a:buClr>
+                <a:schemeClr val="dk2"/>
+              </a:buClr>
+              <a:buSzPts val="1400"/>
+              <a:buFont typeface="Arial"/>
+              <a:buChar char="●"/>
+              <a:defRPr sz="1400" b="0" i="0" u="none" strike="noStrike" cap="none">
+                <a:solidFill>
+                  <a:schemeClr val="dk2"/>
+                </a:solidFill>
+                <a:latin typeface="Arial"/>
+                <a:ea typeface="Arial"/>
+                <a:cs typeface="Arial"/>
+                <a:sym typeface="Arial"/>
+              </a:defRPr>
+            </a:lvl4pPr>
+            <a:lvl5pPr marL="2286000" marR="0" lvl="4" indent="-317500" algn="l" rtl="0">
+              <a:lnSpc>
+                <a:spcPct val="115000"/>
+              </a:lnSpc>
+              <a:spcBef>
+                <a:spcPts val="0"/>
+              </a:spcBef>
+              <a:spcAft>
+                <a:spcPts val="0"/>
+              </a:spcAft>
+              <a:buClr>
+                <a:schemeClr val="dk2"/>
+              </a:buClr>
+              <a:buSzPts val="1400"/>
+              <a:buFont typeface="Arial"/>
+              <a:buChar char="○"/>
+              <a:defRPr sz="1400" b="0" i="0" u="none" strike="noStrike" cap="none">
+                <a:solidFill>
+                  <a:schemeClr val="dk2"/>
+                </a:solidFill>
+                <a:latin typeface="Arial"/>
+                <a:ea typeface="Arial"/>
+                <a:cs typeface="Arial"/>
+                <a:sym typeface="Arial"/>
+              </a:defRPr>
+            </a:lvl5pPr>
+            <a:lvl6pPr marL="2743200" marR="0" lvl="5" indent="-317500" algn="l" rtl="0">
+              <a:lnSpc>
+                <a:spcPct val="115000"/>
+              </a:lnSpc>
+              <a:spcBef>
+                <a:spcPts val="0"/>
+              </a:spcBef>
+              <a:spcAft>
+                <a:spcPts val="0"/>
+              </a:spcAft>
+              <a:buClr>
+                <a:schemeClr val="dk2"/>
+              </a:buClr>
+              <a:buSzPts val="1400"/>
+              <a:buFont typeface="Arial"/>
+              <a:buChar char="■"/>
+              <a:defRPr sz="1400" b="0" i="0" u="none" strike="noStrike" cap="none">
+                <a:solidFill>
+                  <a:schemeClr val="dk2"/>
+                </a:solidFill>
+                <a:latin typeface="Arial"/>
+                <a:ea typeface="Arial"/>
+                <a:cs typeface="Arial"/>
+                <a:sym typeface="Arial"/>
+              </a:defRPr>
+            </a:lvl6pPr>
+            <a:lvl7pPr marL="3200400" marR="0" lvl="6" indent="-317500" algn="l" rtl="0">
+              <a:lnSpc>
+                <a:spcPct val="115000"/>
+              </a:lnSpc>
+              <a:spcBef>
+                <a:spcPts val="0"/>
+              </a:spcBef>
+              <a:spcAft>
+                <a:spcPts val="0"/>
+              </a:spcAft>
+              <a:buClr>
+                <a:schemeClr val="dk2"/>
+              </a:buClr>
+              <a:buSzPts val="1400"/>
+              <a:buFont typeface="Arial"/>
+              <a:buChar char="●"/>
+              <a:defRPr sz="1400" b="0" i="0" u="none" strike="noStrike" cap="none">
+                <a:solidFill>
+                  <a:schemeClr val="dk2"/>
+                </a:solidFill>
+                <a:latin typeface="Arial"/>
+                <a:ea typeface="Arial"/>
+                <a:cs typeface="Arial"/>
+                <a:sym typeface="Arial"/>
+              </a:defRPr>
+            </a:lvl7pPr>
+            <a:lvl8pPr marL="3657600" marR="0" lvl="7" indent="-317500" algn="l" rtl="0">
+              <a:lnSpc>
+                <a:spcPct val="115000"/>
+              </a:lnSpc>
+              <a:spcBef>
+                <a:spcPts val="0"/>
+              </a:spcBef>
+              <a:spcAft>
+                <a:spcPts val="0"/>
+              </a:spcAft>
+              <a:buClr>
+                <a:schemeClr val="dk2"/>
+              </a:buClr>
+              <a:buSzPts val="1400"/>
+              <a:buFont typeface="Arial"/>
+              <a:buChar char="○"/>
+              <a:defRPr sz="1400" b="0" i="0" u="none" strike="noStrike" cap="none">
+                <a:solidFill>
+                  <a:schemeClr val="dk2"/>
+                </a:solidFill>
+                <a:latin typeface="Arial"/>
+                <a:ea typeface="Arial"/>
+                <a:cs typeface="Arial"/>
+                <a:sym typeface="Arial"/>
+              </a:defRPr>
+            </a:lvl8pPr>
+            <a:lvl9pPr marL="4114800" marR="0" lvl="8" indent="-317500" algn="l" rtl="0">
+              <a:lnSpc>
+                <a:spcPct val="115000"/>
+              </a:lnSpc>
+              <a:spcBef>
+                <a:spcPts val="0"/>
+              </a:spcBef>
+              <a:spcAft>
+                <a:spcPts val="0"/>
+              </a:spcAft>
+              <a:buClr>
+                <a:schemeClr val="dk2"/>
+              </a:buClr>
+              <a:buSzPts val="1400"/>
+              <a:buFont typeface="Arial"/>
+              <a:buChar char="■"/>
+              <a:defRPr sz="1400" b="0" i="0" u="none" strike="noStrike" cap="none">
+                <a:solidFill>
+                  <a:schemeClr val="dk2"/>
+                </a:solidFill>
+                <a:latin typeface="Arial"/>
+                <a:ea typeface="Arial"/>
+                <a:cs typeface="Arial"/>
+                <a:sym typeface="Arial"/>
+              </a:defRPr>
+            </a:lvl9pPr>
+          </a:lstStyle>
+          <a:p>
+            <a:pPr marL="114300" indent="0">
+              <a:buNone/>
+            </a:pPr>
+            <a:r>
+              <a:rPr lang="en-US" dirty="0"/>
+              <a:t>Measured frequency-dependent interaural coherence in diffuse reverberation </a:t>
+            </a:r>
           </a:p>
         </p:txBody>
       </p:sp>
@@ -7728,12 +8365,12 @@
 </p:sld>
 </file>
 
-<file path=ppt/slides/slide16.xml><?xml version="1.0" encoding="utf-8"?>
-<p:sld xmlns:a="http://schemas.openxmlformats.org/drawingml/2006/main" xmlns:r="http://schemas.openxmlformats.org/officeDocument/2006/relationships" xmlns:mc="http://schemas.openxmlformats.org/markup-compatibility/2006" xmlns:mv="urn:schemas-microsoft-com:mac:vml" xmlns:p="http://schemas.openxmlformats.org/presentationml/2006/main" xmlns:c="http://schemas.openxmlformats.org/drawingml/2006/chart" xmlns:dgm="http://schemas.openxmlformats.org/drawingml/2006/diagram" xmlns:o="urn:schemas-microsoft-com:office:office" xmlns:v="urn:schemas-microsoft-com:vml" xmlns:pvml="urn:schemas-microsoft-com:office:powerpoint" xmlns:com="http://schemas.openxmlformats.org/drawingml/2006/compatibility" xmlns:p14="http://schemas.microsoft.com/office/powerpoint/2010/main" xmlns:p15="http://schemas.microsoft.com/office/powerpoint/2012/main" xmlns:ahyp="http://schemas.microsoft.com/office/drawing/2018/hyperlinkcolor">
+<file path=ppt/slides/slide18.xml><?xml version="1.0" encoding="utf-8"?>
+<p:sld xmlns:a="http://schemas.openxmlformats.org/drawingml/2006/main" xmlns:r="http://schemas.openxmlformats.org/officeDocument/2006/relationships" xmlns:p="http://schemas.openxmlformats.org/presentationml/2006/main">
   <p:cSld>
     <p:spTree>
       <p:nvGrpSpPr>
-        <p:cNvPr id="146" name="Shape 146"/>
+        <p:cNvPr id="1" name="Shape 146"/>
         <p:cNvGrpSpPr/>
         <p:nvPr/>
       </p:nvGrpSpPr>
@@ -7748,14 +8385,16 @@
       <p:sp>
         <p:nvSpPr>
           <p:cNvPr id="147" name="Google Shape;147;p28"/>
-          <p:cNvSpPr txBox="1"/>
+          <p:cNvSpPr txBox="1">
+            <a:spLocks noGrp="1"/>
+          </p:cNvSpPr>
           <p:nvPr>
             <p:ph type="title"/>
           </p:nvPr>
         </p:nvSpPr>
         <p:spPr>
           <a:xfrm>
-            <a:off x="311700" y="140225"/>
+            <a:off x="311700" y="386715"/>
             <a:ext cx="8520600" cy="572700"/>
           </a:xfrm>
           <a:prstGeom prst="rect">
@@ -7763,12 +8402,12 @@
           </a:prstGeom>
         </p:spPr>
         <p:txBody>
-          <a:bodyPr anchorCtr="0" anchor="t" bIns="91425" lIns="91425" spcFirstLastPara="1" rIns="91425" wrap="square" tIns="91425">
+          <a:bodyPr spcFirstLastPara="1" wrap="square" lIns="91425" tIns="91425" rIns="91425" bIns="91425" anchor="t" anchorCtr="0">
             <a:normAutofit fontScale="90000"/>
           </a:bodyPr>
           <a:lstStyle/>
           <a:p>
-            <a:pPr indent="0" lvl="0" marL="0" rtl="0" algn="l">
+            <a:pPr marL="0" lvl="0" indent="0" algn="l" rtl="0">
               <a:spcBef>
                 <a:spcPts val="0"/>
               </a:spcBef>
@@ -7778,19 +8417,21 @@
               <a:buNone/>
             </a:pPr>
             <a:r>
-              <a:rPr lang="en"/>
+              <a:rPr lang="en" dirty="0"/>
               <a:t>MPEG Audio Bit Allocation</a:t>
             </a:r>
-            <a:endParaRPr/>
+            <a:endParaRPr dirty="0"/>
           </a:p>
         </p:txBody>
       </p:sp>
       <p:sp>
         <p:nvSpPr>
           <p:cNvPr id="148" name="Google Shape;148;p28"/>
-          <p:cNvSpPr txBox="1"/>
+          <p:cNvSpPr txBox="1">
+            <a:spLocks noGrp="1"/>
+          </p:cNvSpPr>
           <p:nvPr>
-            <p:ph idx="1" type="body"/>
+            <p:ph type="body" idx="1"/>
           </p:nvPr>
         </p:nvSpPr>
         <p:spPr>
@@ -7803,12 +8444,12 @@
           </a:prstGeom>
         </p:spPr>
         <p:txBody>
-          <a:bodyPr anchorCtr="0" anchor="t" bIns="91425" lIns="91425" spcFirstLastPara="1" rIns="91425" wrap="square" tIns="91425">
-            <a:normAutofit fontScale="92500" lnSpcReduction="20000"/>
+          <a:bodyPr spcFirstLastPara="1" wrap="square" lIns="91425" tIns="91425" rIns="91425" bIns="91425" anchor="t" anchorCtr="0">
+            <a:normAutofit fontScale="92500" lnSpcReduction="10000"/>
           </a:bodyPr>
           <a:lstStyle/>
           <a:p>
-            <a:pPr indent="0" lvl="0" marL="0" rtl="0" algn="l">
+            <a:pPr marL="0" lvl="0" indent="0" algn="l" rtl="0">
               <a:spcBef>
                 <a:spcPts val="0"/>
               </a:spcBef>
@@ -7818,21 +8459,13 @@
               <a:buNone/>
             </a:pPr>
             <a:r>
-              <a:rPr lang="en"/>
-              <a:t>This process determines number of code bits allocated to each sub-band based on information from the </a:t>
+              <a:rPr lang="en" dirty="0"/>
+              <a:t>This process determines number of code bits allocated to each sub-band based on information from the psychoacoustic model.</a:t>
             </a:r>
-            <a:r>
-              <a:rPr lang="en"/>
-              <a:t>psychoacoustic</a:t>
-            </a:r>
-            <a:r>
-              <a:rPr lang="en"/>
-              <a:t> model</a:t>
-            </a:r>
-            <a:endParaRPr/>
-          </a:p>
-          <a:p>
-            <a:pPr indent="0" lvl="0" marL="0" rtl="0" algn="l">
+            <a:endParaRPr dirty="0"/>
+          </a:p>
+          <a:p>
+            <a:pPr marL="0" lvl="0" indent="0" algn="l" rtl="0">
               <a:spcBef>
                 <a:spcPts val="1200"/>
               </a:spcBef>
@@ -7842,13 +8475,13 @@
               <a:buNone/>
             </a:pPr>
             <a:r>
-              <a:rPr lang="en"/>
+              <a:rPr lang="en" dirty="0"/>
               <a:t>Algorithm: </a:t>
             </a:r>
-            <a:endParaRPr/>
-          </a:p>
-          <a:p>
-            <a:pPr indent="-334327" lvl="0" marL="457200" rtl="0" algn="l">
+            <a:endParaRPr dirty="0"/>
+          </a:p>
+          <a:p>
+            <a:pPr marL="457200" lvl="0" indent="-334327" algn="l" rtl="0">
               <a:spcBef>
                 <a:spcPts val="1200"/>
               </a:spcBef>
@@ -7859,13 +8492,13 @@
               <a:buAutoNum type="arabicPeriod"/>
             </a:pPr>
             <a:r>
-              <a:rPr lang="en"/>
-              <a:t>Compute mask-to-noise ratio: MNR=SNR-SMR</a:t>
+              <a:rPr lang="en" dirty="0"/>
+              <a:t>Compute noise-to-mask ratio: NMR=SNR-SMR (dB).</a:t>
             </a:r>
-            <a:endParaRPr/>
-          </a:p>
-          <a:p>
-            <a:pPr indent="-310832" lvl="1" marL="914400" rtl="0" algn="l">
+            <a:endParaRPr dirty="0"/>
+          </a:p>
+          <a:p>
+            <a:pPr marL="914400" lvl="1" indent="-310832" algn="l" rtl="0">
               <a:spcBef>
                 <a:spcPts val="0"/>
               </a:spcBef>
@@ -7876,13 +8509,13 @@
               <a:buAutoNum type="alphaLcPeriod"/>
             </a:pPr>
             <a:r>
-              <a:rPr lang="en"/>
-              <a:t>Standard provides tables that give estimates for SNR resulting from quantizing to a given number of quantizer levels </a:t>
+              <a:rPr lang="en" dirty="0"/>
+              <a:t>Standard provides tables that give estimates for SNR resulting from quantizing to a given number of quantizer levels.</a:t>
             </a:r>
-            <a:endParaRPr/>
-          </a:p>
-          <a:p>
-            <a:pPr indent="-334327" lvl="0" marL="457200" rtl="0" algn="l">
+            <a:endParaRPr dirty="0"/>
+          </a:p>
+          <a:p>
+            <a:pPr marL="457200" lvl="0" indent="-334327" algn="l" rtl="0">
               <a:spcBef>
                 <a:spcPts val="0"/>
               </a:spcBef>
@@ -7893,13 +8526,13 @@
               <a:buAutoNum type="arabicPeriod"/>
             </a:pPr>
             <a:r>
-              <a:rPr lang="en"/>
-              <a:t>Get MNR for each sub-band</a:t>
+              <a:rPr lang="en" dirty="0"/>
+              <a:t>Get NMR for each sub-band.</a:t>
             </a:r>
-            <a:endParaRPr/>
-          </a:p>
-          <a:p>
-            <a:pPr indent="-334327" lvl="0" marL="457200" rtl="0" algn="l">
+            <a:endParaRPr dirty="0"/>
+          </a:p>
+          <a:p>
+            <a:pPr marL="457200" lvl="0" indent="-334327" algn="l" rtl="0">
               <a:spcBef>
                 <a:spcPts val="0"/>
               </a:spcBef>
@@ -7910,13 +8543,13 @@
               <a:buAutoNum type="arabicPeriod"/>
             </a:pPr>
             <a:r>
-              <a:rPr lang="en"/>
-              <a:t>Search for sub-band with the lowest MNR</a:t>
+              <a:rPr lang="en" dirty="0"/>
+              <a:t>Search for sub-band with the lowest NMR.</a:t>
             </a:r>
-            <a:endParaRPr/>
-          </a:p>
-          <a:p>
-            <a:pPr indent="-334327" lvl="0" marL="457200" rtl="0" algn="l">
+            <a:endParaRPr dirty="0"/>
+          </a:p>
+          <a:p>
+            <a:pPr marL="457200" lvl="0" indent="-334327" algn="l" rtl="0">
               <a:spcBef>
                 <a:spcPts val="0"/>
               </a:spcBef>
@@ -7927,13 +8560,13 @@
               <a:buAutoNum type="arabicPeriod"/>
             </a:pPr>
             <a:r>
-              <a:rPr lang="en"/>
+              <a:rPr lang="en" dirty="0"/>
               <a:t>Allocate code bits to this sub-band. </a:t>
             </a:r>
-            <a:endParaRPr/>
-          </a:p>
-          <a:p>
-            <a:pPr indent="-310832" lvl="1" marL="914400" rtl="0" algn="l">
+            <a:endParaRPr dirty="0"/>
+          </a:p>
+          <a:p>
+            <a:pPr marL="914400" lvl="1" indent="-310832" algn="l" rtl="0">
               <a:spcBef>
                 <a:spcPts val="0"/>
               </a:spcBef>
@@ -7944,13 +8577,13 @@
               <a:buAutoNum type="alphaLcPeriod"/>
             </a:pPr>
             <a:r>
-              <a:rPr lang="en"/>
-              <a:t>If sub-band gets allocated more code bits than  appropriate, look up new estimate of SNR and repeat step 1</a:t>
+              <a:rPr lang="en" dirty="0"/>
+              <a:t>If sub-band gets allocated more code bits than  appropriate, look up new estimate of SNR and repeat step 1.</a:t>
             </a:r>
-            <a:endParaRPr/>
-          </a:p>
-          <a:p>
-            <a:pPr indent="0" lvl="0" marL="0" rtl="0" algn="l">
+            <a:endParaRPr dirty="0"/>
+          </a:p>
+          <a:p>
+            <a:pPr marL="0" lvl="0" indent="0" algn="l" rtl="0">
               <a:spcBef>
                 <a:spcPts val="1200"/>
               </a:spcBef>
@@ -7959,10 +8592,7 @@
               </a:spcAft>
               <a:buNone/>
             </a:pPr>
-            <a:r>
-              <a:t/>
-            </a:r>
-            <a:endParaRPr/>
+            <a:endParaRPr dirty="0"/>
           </a:p>
         </p:txBody>
       </p:sp>
@@ -7974,12 +8604,12 @@
 </p:sld>
 </file>
 
-<file path=ppt/slides/slide17.xml><?xml version="1.0" encoding="utf-8"?>
-<p:sld xmlns:a="http://schemas.openxmlformats.org/drawingml/2006/main" xmlns:r="http://schemas.openxmlformats.org/officeDocument/2006/relationships" xmlns:mc="http://schemas.openxmlformats.org/markup-compatibility/2006" xmlns:mv="urn:schemas-microsoft-com:mac:vml" xmlns:p="http://schemas.openxmlformats.org/presentationml/2006/main" xmlns:c="http://schemas.openxmlformats.org/drawingml/2006/chart" xmlns:dgm="http://schemas.openxmlformats.org/drawingml/2006/diagram" xmlns:o="urn:schemas-microsoft-com:office:office" xmlns:v="urn:schemas-microsoft-com:vml" xmlns:pvml="urn:schemas-microsoft-com:office:powerpoint" xmlns:com="http://schemas.openxmlformats.org/drawingml/2006/compatibility" xmlns:p14="http://schemas.microsoft.com/office/powerpoint/2010/main" xmlns:p15="http://schemas.microsoft.com/office/powerpoint/2012/main" xmlns:ahyp="http://schemas.microsoft.com/office/drawing/2018/hyperlinkcolor">
+<file path=ppt/slides/slide19.xml><?xml version="1.0" encoding="utf-8"?>
+<p:sld xmlns:a="http://schemas.openxmlformats.org/drawingml/2006/main" xmlns:r="http://schemas.openxmlformats.org/officeDocument/2006/relationships" xmlns:p="http://schemas.openxmlformats.org/presentationml/2006/main">
   <p:cSld>
     <p:spTree>
       <p:nvGrpSpPr>
-        <p:cNvPr id="152" name="Shape 152"/>
+        <p:cNvPr id="1" name="Shape 152"/>
         <p:cNvGrpSpPr/>
         <p:nvPr/>
       </p:nvGrpSpPr>
@@ -7994,14 +8624,16 @@
       <p:sp>
         <p:nvSpPr>
           <p:cNvPr id="153" name="Google Shape;153;p29"/>
-          <p:cNvSpPr txBox="1"/>
+          <p:cNvSpPr txBox="1">
+            <a:spLocks noGrp="1"/>
+          </p:cNvSpPr>
           <p:nvPr>
             <p:ph type="title"/>
           </p:nvPr>
         </p:nvSpPr>
         <p:spPr>
           <a:xfrm>
-            <a:off x="311700" y="216425"/>
+            <a:off x="311700" y="399305"/>
             <a:ext cx="8520600" cy="572700"/>
           </a:xfrm>
           <a:prstGeom prst="rect">
@@ -8009,12 +8641,12 @@
           </a:prstGeom>
         </p:spPr>
         <p:txBody>
-          <a:bodyPr anchorCtr="0" anchor="t" bIns="91425" lIns="91425" spcFirstLastPara="1" rIns="91425" wrap="square" tIns="91425">
+          <a:bodyPr spcFirstLastPara="1" wrap="square" lIns="91425" tIns="91425" rIns="91425" bIns="91425" anchor="t" anchorCtr="0">
             <a:normAutofit fontScale="90000"/>
           </a:bodyPr>
           <a:lstStyle/>
           <a:p>
-            <a:pPr indent="0" lvl="0" marL="0" rtl="0" algn="l">
+            <a:pPr marL="0" lvl="0" indent="0" algn="l" rtl="0">
               <a:spcBef>
                 <a:spcPts val="0"/>
               </a:spcBef>
@@ -8024,19 +8656,21 @@
               <a:buNone/>
             </a:pPr>
             <a:r>
-              <a:rPr lang="en"/>
+              <a:rPr lang="en" dirty="0"/>
               <a:t>Audio Quality</a:t>
             </a:r>
-            <a:endParaRPr/>
+            <a:endParaRPr dirty="0"/>
           </a:p>
         </p:txBody>
       </p:sp>
       <p:sp>
         <p:nvSpPr>
           <p:cNvPr id="154" name="Google Shape;154;p29"/>
-          <p:cNvSpPr txBox="1"/>
+          <p:cNvSpPr txBox="1">
+            <a:spLocks noGrp="1"/>
+          </p:cNvSpPr>
           <p:nvPr>
-            <p:ph idx="1" type="body"/>
+            <p:ph type="body" idx="1"/>
           </p:nvPr>
         </p:nvSpPr>
         <p:spPr>
@@ -8049,12 +8683,12 @@
           </a:prstGeom>
         </p:spPr>
         <p:txBody>
-          <a:bodyPr anchorCtr="0" anchor="t" bIns="91425" lIns="91425" spcFirstLastPara="1" rIns="91425" wrap="square" tIns="91425">
-            <a:normAutofit lnSpcReduction="10000"/>
+          <a:bodyPr spcFirstLastPara="1" wrap="square" lIns="91425" tIns="91425" rIns="91425" bIns="91425" anchor="t" anchorCtr="0">
+            <a:normAutofit/>
           </a:bodyPr>
           <a:lstStyle/>
           <a:p>
-            <a:pPr indent="0" lvl="0" marL="0" rtl="0" algn="l">
+            <a:pPr marL="0" lvl="0" indent="0" algn="l" rtl="0">
               <a:spcBef>
                 <a:spcPts val="0"/>
               </a:spcBef>
@@ -8064,13 +8698,13 @@
               <a:buNone/>
             </a:pPr>
             <a:r>
-              <a:rPr lang="en"/>
+              <a:rPr lang="en" dirty="0"/>
               <a:t>Bitrate </a:t>
             </a:r>
-            <a:endParaRPr/>
-          </a:p>
-          <a:p>
-            <a:pPr indent="-342900" lvl="0" marL="457200" rtl="0" algn="l">
+            <a:endParaRPr dirty="0"/>
+          </a:p>
+          <a:p>
+            <a:pPr marL="457200" lvl="0" indent="-342900" algn="l" rtl="0">
               <a:spcBef>
                 <a:spcPts val="1200"/>
               </a:spcBef>
@@ -8081,13 +8715,13 @@
               <a:buChar char="●"/>
             </a:pPr>
             <a:r>
-              <a:rPr lang="en"/>
+              <a:rPr lang="en" dirty="0"/>
               <a:t>With too low bit rate, we get compression artifacts </a:t>
             </a:r>
-            <a:endParaRPr/>
-          </a:p>
-          <a:p>
-            <a:pPr indent="-317500" lvl="1" marL="914400" rtl="0" algn="l">
+            <a:endParaRPr dirty="0"/>
+          </a:p>
+          <a:p>
+            <a:pPr marL="914400" lvl="1" indent="-317500" algn="l" rtl="0">
               <a:spcBef>
                 <a:spcPts val="0"/>
               </a:spcBef>
@@ -8098,13 +8732,13 @@
               <a:buChar char="○"/>
             </a:pPr>
             <a:r>
-              <a:rPr lang="en"/>
-              <a:t>Ringing</a:t>
+              <a:rPr lang="en" dirty="0"/>
+              <a:t>Ringing.</a:t>
             </a:r>
-            <a:endParaRPr/>
-          </a:p>
-          <a:p>
-            <a:pPr indent="-317500" lvl="1" marL="914400" rtl="0" algn="l">
+            <a:endParaRPr dirty="0"/>
+          </a:p>
+          <a:p>
+            <a:pPr marL="914400" lvl="1" indent="-317500" algn="l" rtl="0">
               <a:spcBef>
                 <a:spcPts val="0"/>
               </a:spcBef>
@@ -8115,13 +8749,13 @@
               <a:buChar char="○"/>
             </a:pPr>
             <a:r>
-              <a:rPr lang="en"/>
-              <a:t>Pre-echo – sound is heard before it occurs. It is most noticeable in impulsive sounds from percussion instruments such as cymbals</a:t>
+              <a:rPr lang="en" dirty="0"/>
+              <a:t>Pre-echo – sound is heard before it occurs. It is most noticeable in impulsive sounds from percussion instruments such as cymbals.</a:t>
             </a:r>
-            <a:endParaRPr/>
-          </a:p>
-          <a:p>
-            <a:pPr indent="-317500" lvl="2" marL="1371600" rtl="0" algn="l">
+            <a:endParaRPr dirty="0"/>
+          </a:p>
+          <a:p>
+            <a:pPr marL="1371600" lvl="2" indent="-317500" algn="l" rtl="0">
               <a:spcBef>
                 <a:spcPts val="0"/>
               </a:spcBef>
@@ -8132,13 +8766,13 @@
               <a:buChar char="■"/>
             </a:pPr>
             <a:r>
-              <a:rPr lang="en"/>
-              <a:t>Occurs in transform-based audio compression algorithms</a:t>
+              <a:rPr lang="en" dirty="0"/>
+              <a:t>Occurs in transform-based audio compression algorithms.</a:t>
             </a:r>
-            <a:endParaRPr/>
-          </a:p>
-          <a:p>
-            <a:pPr indent="0" lvl="0" marL="0" rtl="0" algn="l">
+            <a:endParaRPr dirty="0"/>
+          </a:p>
+          <a:p>
+            <a:pPr marL="0" lvl="0" indent="0" algn="l" rtl="0">
               <a:spcBef>
                 <a:spcPts val="1200"/>
               </a:spcBef>
@@ -8148,13 +8782,13 @@
               <a:buNone/>
             </a:pPr>
             <a:r>
-              <a:rPr lang="en"/>
+              <a:rPr lang="en" dirty="0"/>
               <a:t>Quality of encoder and encoding parameters</a:t>
             </a:r>
-            <a:endParaRPr/>
-          </a:p>
-          <a:p>
-            <a:pPr indent="-342900" lvl="0" marL="457200" rtl="0" algn="l">
+            <a:endParaRPr dirty="0"/>
+          </a:p>
+          <a:p>
+            <a:pPr marL="457200" lvl="0" indent="-342900" algn="l" rtl="0">
               <a:spcBef>
                 <a:spcPts val="1200"/>
               </a:spcBef>
@@ -8165,13 +8799,13 @@
               <a:buChar char="●"/>
             </a:pPr>
             <a:r>
-              <a:rPr lang="en"/>
+              <a:rPr lang="en" dirty="0"/>
               <a:t>Constant Bit rate encoding </a:t>
             </a:r>
-            <a:endParaRPr/>
-          </a:p>
-          <a:p>
-            <a:pPr indent="-342900" lvl="0" marL="457200" rtl="0" algn="l">
+            <a:endParaRPr dirty="0"/>
+          </a:p>
+          <a:p>
+            <a:pPr marL="457200" lvl="0" indent="-342900" algn="l" rtl="0">
               <a:spcBef>
                 <a:spcPts val="0"/>
               </a:spcBef>
@@ -8182,13 +8816,13 @@
               <a:buChar char="●"/>
             </a:pPr>
             <a:r>
-              <a:rPr lang="en"/>
+              <a:rPr lang="en" dirty="0"/>
               <a:t>Variable Bit rate encoding </a:t>
             </a:r>
-            <a:endParaRPr/>
-          </a:p>
-          <a:p>
-            <a:pPr indent="0" lvl="0" marL="0" rtl="0" algn="l">
+            <a:endParaRPr dirty="0"/>
+          </a:p>
+          <a:p>
+            <a:pPr marL="0" lvl="0" indent="0" algn="l" rtl="0">
               <a:spcBef>
                 <a:spcPts val="1200"/>
               </a:spcBef>
@@ -8197,10 +8831,7 @@
               </a:spcAft>
               <a:buNone/>
             </a:pPr>
-            <a:r>
-              <a:t/>
-            </a:r>
-            <a:endParaRPr/>
+            <a:endParaRPr dirty="0"/>
           </a:p>
         </p:txBody>
       </p:sp>
@@ -8213,11 +8844,11 @@
 </file>
 
 <file path=ppt/slides/slide2.xml><?xml version="1.0" encoding="utf-8"?>
-<p:sld xmlns:a="http://schemas.openxmlformats.org/drawingml/2006/main" xmlns:r="http://schemas.openxmlformats.org/officeDocument/2006/relationships" xmlns:mc="http://schemas.openxmlformats.org/markup-compatibility/2006" xmlns:mv="urn:schemas-microsoft-com:mac:vml" xmlns:p="http://schemas.openxmlformats.org/presentationml/2006/main" xmlns:c="http://schemas.openxmlformats.org/drawingml/2006/chart" xmlns:dgm="http://schemas.openxmlformats.org/drawingml/2006/diagram" xmlns:o="urn:schemas-microsoft-com:office:office" xmlns:v="urn:schemas-microsoft-com:vml" xmlns:pvml="urn:schemas-microsoft-com:office:powerpoint" xmlns:com="http://schemas.openxmlformats.org/drawingml/2006/compatibility" xmlns:p14="http://schemas.microsoft.com/office/powerpoint/2010/main" xmlns:p15="http://schemas.microsoft.com/office/powerpoint/2012/main" xmlns:ahyp="http://schemas.microsoft.com/office/drawing/2018/hyperlinkcolor">
+<p:sld xmlns:a="http://schemas.openxmlformats.org/drawingml/2006/main" xmlns:r="http://schemas.openxmlformats.org/officeDocument/2006/relationships" xmlns:p="http://schemas.openxmlformats.org/presentationml/2006/main">
   <p:cSld>
     <p:spTree>
       <p:nvGrpSpPr>
-        <p:cNvPr id="59" name="Shape 59"/>
+        <p:cNvPr id="1" name="Shape 59"/>
         <p:cNvGrpSpPr/>
         <p:nvPr/>
       </p:nvGrpSpPr>
@@ -8232,7 +8863,9 @@
       <p:sp>
         <p:nvSpPr>
           <p:cNvPr id="60" name="Google Shape;60;p14"/>
-          <p:cNvSpPr txBox="1"/>
+          <p:cNvSpPr txBox="1">
+            <a:spLocks noGrp="1"/>
+          </p:cNvSpPr>
           <p:nvPr>
             <p:ph type="title"/>
           </p:nvPr>
@@ -8247,12 +8880,12 @@
           </a:prstGeom>
         </p:spPr>
         <p:txBody>
-          <a:bodyPr anchorCtr="0" anchor="t" bIns="91425" lIns="91425" spcFirstLastPara="1" rIns="91425" wrap="square" tIns="91425">
+          <a:bodyPr spcFirstLastPara="1" wrap="square" lIns="91425" tIns="91425" rIns="91425" bIns="91425" anchor="t" anchorCtr="0">
             <a:normAutofit fontScale="90000"/>
           </a:bodyPr>
           <a:lstStyle/>
           <a:p>
-            <a:pPr indent="0" lvl="0" marL="0" rtl="0" algn="l">
+            <a:pPr marL="0" lvl="0" indent="0" algn="l" rtl="0">
               <a:spcBef>
                 <a:spcPts val="0"/>
               </a:spcBef>
@@ -8272,9 +8905,11 @@
       <p:sp>
         <p:nvSpPr>
           <p:cNvPr id="61" name="Google Shape;61;p14"/>
-          <p:cNvSpPr txBox="1"/>
+          <p:cNvSpPr txBox="1">
+            <a:spLocks noGrp="1"/>
+          </p:cNvSpPr>
           <p:nvPr>
-            <p:ph idx="1" type="body"/>
+            <p:ph type="body" idx="1"/>
           </p:nvPr>
         </p:nvSpPr>
         <p:spPr>
@@ -8287,12 +8922,12 @@
           </a:prstGeom>
         </p:spPr>
         <p:txBody>
-          <a:bodyPr anchorCtr="0" anchor="t" bIns="91425" lIns="91425" spcFirstLastPara="1" rIns="91425" wrap="square" tIns="91425">
+          <a:bodyPr spcFirstLastPara="1" wrap="square" lIns="91425" tIns="91425" rIns="91425" bIns="91425" anchor="t" anchorCtr="0">
             <a:normAutofit/>
           </a:bodyPr>
           <a:lstStyle/>
           <a:p>
-            <a:pPr indent="-342900" lvl="0" marL="457200" rtl="0" algn="l">
+            <a:pPr marL="457200" lvl="0" indent="-342900" algn="l" rtl="0">
               <a:spcBef>
                 <a:spcPts val="0"/>
               </a:spcBef>
@@ -8309,7 +8944,7 @@
             <a:endParaRPr/>
           </a:p>
           <a:p>
-            <a:pPr indent="-342900" lvl="0" marL="457200" rtl="0" algn="l">
+            <a:pPr marL="457200" lvl="0" indent="-342900" algn="l" rtl="0">
               <a:spcBef>
                 <a:spcPts val="0"/>
               </a:spcBef>
@@ -8326,7 +8961,7 @@
             <a:endParaRPr/>
           </a:p>
           <a:p>
-            <a:pPr indent="-342900" lvl="0" marL="457200" rtl="0" algn="l">
+            <a:pPr marL="457200" lvl="0" indent="-342900" algn="l" rtl="0">
               <a:spcBef>
                 <a:spcPts val="0"/>
               </a:spcBef>
@@ -8343,7 +8978,7 @@
             <a:endParaRPr/>
           </a:p>
           <a:p>
-            <a:pPr indent="-342900" lvl="0" marL="457200" rtl="0" algn="l">
+            <a:pPr marL="457200" lvl="0" indent="-342900" algn="l" rtl="0">
               <a:spcBef>
                 <a:spcPts val="0"/>
               </a:spcBef>
@@ -8360,7 +8995,7 @@
             <a:endParaRPr/>
           </a:p>
           <a:p>
-            <a:pPr indent="-342900" lvl="0" marL="457200" rtl="0" algn="l">
+            <a:pPr marL="457200" lvl="0" indent="-342900" algn="l" rtl="0">
               <a:spcBef>
                 <a:spcPts val="0"/>
               </a:spcBef>
@@ -8377,7 +9012,7 @@
             <a:endParaRPr/>
           </a:p>
           <a:p>
-            <a:pPr indent="-342900" lvl="0" marL="457200" rtl="0" algn="l">
+            <a:pPr marL="457200" lvl="0" indent="-342900" algn="l" rtl="0">
               <a:spcBef>
                 <a:spcPts val="0"/>
               </a:spcBef>
@@ -8394,7 +9029,7 @@
             <a:endParaRPr/>
           </a:p>
           <a:p>
-            <a:pPr indent="-342900" lvl="0" marL="457200" rtl="0" algn="l">
+            <a:pPr marL="457200" lvl="0" indent="-342900" algn="l" rtl="0">
               <a:spcBef>
                 <a:spcPts val="0"/>
               </a:spcBef>
@@ -8411,7 +9046,7 @@
             <a:endParaRPr/>
           </a:p>
           <a:p>
-            <a:pPr indent="-342900" lvl="0" marL="457200" rtl="0" algn="l">
+            <a:pPr marL="457200" lvl="0" indent="-342900" algn="l" rtl="0">
               <a:spcBef>
                 <a:spcPts val="0"/>
               </a:spcBef>
@@ -8437,12 +9072,122 @@
 </p:sld>
 </file>
 
-<file path=ppt/slides/slide3.xml><?xml version="1.0" encoding="utf-8"?>
-<p:sld xmlns:a="http://schemas.openxmlformats.org/drawingml/2006/main" xmlns:r="http://schemas.openxmlformats.org/officeDocument/2006/relationships" xmlns:mc="http://schemas.openxmlformats.org/markup-compatibility/2006" xmlns:mv="urn:schemas-microsoft-com:mac:vml" xmlns:p="http://schemas.openxmlformats.org/presentationml/2006/main" xmlns:c="http://schemas.openxmlformats.org/drawingml/2006/chart" xmlns:dgm="http://schemas.openxmlformats.org/drawingml/2006/diagram" xmlns:o="urn:schemas-microsoft-com:office:office" xmlns:v="urn:schemas-microsoft-com:vml" xmlns:pvml="urn:schemas-microsoft-com:office:powerpoint" xmlns:com="http://schemas.openxmlformats.org/drawingml/2006/compatibility" xmlns:p14="http://schemas.microsoft.com/office/powerpoint/2010/main" xmlns:p15="http://schemas.microsoft.com/office/powerpoint/2012/main" xmlns:ahyp="http://schemas.microsoft.com/office/drawing/2018/hyperlinkcolor">
+<file path=ppt/slides/slide20.xml><?xml version="1.0" encoding="utf-8"?>
+<p:sld xmlns:a="http://schemas.openxmlformats.org/drawingml/2006/main" xmlns:r="http://schemas.openxmlformats.org/officeDocument/2006/relationships" xmlns:p="http://schemas.openxmlformats.org/presentationml/2006/main">
   <p:cSld>
     <p:spTree>
       <p:nvGrpSpPr>
-        <p:cNvPr id="65" name="Shape 65"/>
+        <p:cNvPr id="1" name=""/>
+        <p:cNvGrpSpPr/>
+        <p:nvPr/>
+      </p:nvGrpSpPr>
+      <p:grpSpPr>
+        <a:xfrm>
+          <a:off x="0" y="0"/>
+          <a:ext cx="0" cy="0"/>
+          <a:chOff x="0" y="0"/>
+          <a:chExt cx="0" cy="0"/>
+        </a:xfrm>
+      </p:grpSpPr>
+      <p:sp>
+        <p:nvSpPr>
+          <p:cNvPr id="2" name="Title 1">
+            <a:extLst>
+              <a:ext uri="{FF2B5EF4-FFF2-40B4-BE49-F238E27FC236}">
+                <a16:creationId xmlns:a16="http://schemas.microsoft.com/office/drawing/2014/main" id="{E6D435AE-5225-CB51-5EE4-9734452C8390}"/>
+              </a:ext>
+            </a:extLst>
+          </p:cNvPr>
+          <p:cNvSpPr>
+            <a:spLocks noGrp="1"/>
+          </p:cNvSpPr>
+          <p:nvPr>
+            <p:ph type="title"/>
+          </p:nvPr>
+        </p:nvSpPr>
+        <p:spPr/>
+        <p:txBody>
+          <a:bodyPr>
+            <a:normAutofit fontScale="90000"/>
+          </a:bodyPr>
+          <a:lstStyle/>
+          <a:p>
+            <a:r>
+              <a:rPr lang="en-US" dirty="0"/>
+              <a:t>References</a:t>
+            </a:r>
+          </a:p>
+        </p:txBody>
+      </p:sp>
+      <p:sp>
+        <p:nvSpPr>
+          <p:cNvPr id="3" name="Text Placeholder 2">
+            <a:extLst>
+              <a:ext uri="{FF2B5EF4-FFF2-40B4-BE49-F238E27FC236}">
+                <a16:creationId xmlns:a16="http://schemas.microsoft.com/office/drawing/2014/main" id="{AF301F5F-C0E3-E44A-F5F8-D1BA5BE1E7C6}"/>
+              </a:ext>
+            </a:extLst>
+          </p:cNvPr>
+          <p:cNvSpPr>
+            <a:spLocks noGrp="1"/>
+          </p:cNvSpPr>
+          <p:nvPr>
+            <p:ph type="body" idx="1"/>
+          </p:nvPr>
+        </p:nvSpPr>
+        <p:spPr/>
+        <p:txBody>
+          <a:bodyPr/>
+          <a:lstStyle/>
+          <a:p>
+            <a:r>
+              <a:rPr lang="en-US" dirty="0"/>
+              <a:t>“Chapter 5: Psychoacoustic principles” in Andreas </a:t>
+            </a:r>
+            <a:r>
+              <a:rPr lang="en-US" dirty="0" err="1"/>
+              <a:t>Spanias</a:t>
+            </a:r>
+            <a:r>
+              <a:rPr lang="en-US" dirty="0"/>
+              <a:t>, Ted Painter, and Venkatraman </a:t>
+            </a:r>
+            <a:r>
+              <a:rPr lang="en-US" dirty="0" err="1"/>
+              <a:t>Atti</a:t>
+            </a:r>
+            <a:r>
+              <a:rPr lang="en-US" dirty="0"/>
+              <a:t> (2007). Audio Signal Processing and Coding. John Wiley &amp; Sons, Inc.</a:t>
+            </a:r>
+          </a:p>
+          <a:p>
+            <a:pPr marL="114300" indent="0">
+              <a:buNone/>
+            </a:pPr>
+            <a:endParaRPr lang="en-US" dirty="0"/>
+          </a:p>
+        </p:txBody>
+      </p:sp>
+    </p:spTree>
+    <p:extLst>
+      <p:ext uri="{BB962C8B-B14F-4D97-AF65-F5344CB8AC3E}">
+        <p14:creationId xmlns:p14="http://schemas.microsoft.com/office/powerpoint/2010/main" val="911984047"/>
+      </p:ext>
+    </p:extLst>
+  </p:cSld>
+  <p:clrMapOvr>
+    <a:masterClrMapping/>
+  </p:clrMapOvr>
+</p:sld>
+</file>
+
+<file path=ppt/slides/slide3.xml><?xml version="1.0" encoding="utf-8"?>
+<p:sld xmlns:a="http://schemas.openxmlformats.org/drawingml/2006/main" xmlns:r="http://schemas.openxmlformats.org/officeDocument/2006/relationships" xmlns:p="http://schemas.openxmlformats.org/presentationml/2006/main">
+  <p:cSld>
+    <p:spTree>
+      <p:nvGrpSpPr>
+        <p:cNvPr id="1" name="Shape 65"/>
         <p:cNvGrpSpPr/>
         <p:nvPr/>
       </p:nvGrpSpPr>
@@ -8457,7 +9202,9 @@
       <p:sp>
         <p:nvSpPr>
           <p:cNvPr id="66" name="Google Shape;66;p15"/>
-          <p:cNvSpPr txBox="1"/>
+          <p:cNvSpPr txBox="1">
+            <a:spLocks noGrp="1"/>
+          </p:cNvSpPr>
           <p:nvPr>
             <p:ph type="title"/>
           </p:nvPr>
@@ -8472,12 +9219,12 @@
           </a:prstGeom>
         </p:spPr>
         <p:txBody>
-          <a:bodyPr anchorCtr="0" anchor="t" bIns="91425" lIns="91425" spcFirstLastPara="1" rIns="91425" wrap="square" tIns="91425">
+          <a:bodyPr spcFirstLastPara="1" wrap="square" lIns="91425" tIns="91425" rIns="91425" bIns="91425" anchor="t" anchorCtr="0">
             <a:normAutofit fontScale="90000"/>
           </a:bodyPr>
           <a:lstStyle/>
           <a:p>
-            <a:pPr indent="0" lvl="0" marL="0" rtl="0" algn="l">
+            <a:pPr marL="0" lvl="0" indent="0" algn="l" rtl="0">
               <a:spcBef>
                 <a:spcPts val="0"/>
               </a:spcBef>
@@ -8497,9 +9244,11 @@
       <p:sp>
         <p:nvSpPr>
           <p:cNvPr id="67" name="Google Shape;67;p15"/>
-          <p:cNvSpPr txBox="1"/>
+          <p:cNvSpPr txBox="1">
+            <a:spLocks noGrp="1"/>
+          </p:cNvSpPr>
           <p:nvPr>
-            <p:ph idx="1" type="body"/>
+            <p:ph type="body" idx="1"/>
           </p:nvPr>
         </p:nvSpPr>
         <p:spPr>
@@ -8512,12 +9261,12 @@
           </a:prstGeom>
         </p:spPr>
         <p:txBody>
-          <a:bodyPr anchorCtr="0" anchor="t" bIns="91425" lIns="91425" spcFirstLastPara="1" rIns="91425" wrap="square" tIns="91425">
+          <a:bodyPr spcFirstLastPara="1" wrap="square" lIns="91425" tIns="91425" rIns="91425" bIns="91425" anchor="t" anchorCtr="0">
             <a:normAutofit/>
           </a:bodyPr>
           <a:lstStyle/>
           <a:p>
-            <a:pPr indent="-342900" lvl="0" marL="457200" rtl="0" algn="l">
+            <a:pPr marL="457200" lvl="0" indent="-342900" algn="l" rtl="0">
               <a:lnSpc>
                 <a:spcPct val="115000"/>
               </a:lnSpc>
@@ -8537,7 +9286,7 @@
             <a:endParaRPr/>
           </a:p>
           <a:p>
-            <a:pPr indent="-342900" lvl="0" marL="457200" rtl="0" algn="l">
+            <a:pPr marL="457200" lvl="0" indent="-342900" algn="l" rtl="0">
               <a:lnSpc>
                 <a:spcPct val="115000"/>
               </a:lnSpc>
@@ -8557,7 +9306,7 @@
             <a:endParaRPr/>
           </a:p>
           <a:p>
-            <a:pPr indent="-342900" lvl="0" marL="457200" rtl="0" algn="l">
+            <a:pPr marL="457200" lvl="0" indent="-342900" algn="l" rtl="0">
               <a:lnSpc>
                 <a:spcPct val="115000"/>
               </a:lnSpc>
@@ -8577,7 +9326,7 @@
             <a:endParaRPr/>
           </a:p>
           <a:p>
-            <a:pPr indent="-317500" lvl="1" marL="914400" rtl="0" algn="l">
+            <a:pPr marL="914400" lvl="1" indent="-317500" algn="l" rtl="0">
               <a:lnSpc>
                 <a:spcPct val="115000"/>
               </a:lnSpc>
@@ -8597,7 +9346,7 @@
             <a:endParaRPr/>
           </a:p>
           <a:p>
-            <a:pPr indent="-317500" lvl="1" marL="914400" rtl="0" algn="l">
+            <a:pPr marL="914400" lvl="1" indent="-317500" algn="l" rtl="0">
               <a:lnSpc>
                 <a:spcPct val="115000"/>
               </a:lnSpc>
@@ -8617,7 +9366,7 @@
             <a:endParaRPr/>
           </a:p>
           <a:p>
-            <a:pPr indent="-342900" lvl="0" marL="457200" rtl="0" algn="l">
+            <a:pPr marL="457200" lvl="0" indent="-342900" algn="l" rtl="0">
               <a:lnSpc>
                 <a:spcPct val="115000"/>
               </a:lnSpc>
@@ -8681,23 +9430,23 @@
             <a:avLst/>
           </a:prstGeom>
           <a:noFill/>
-          <a:ln cap="flat" cmpd="sng" w="19050">
+          <a:ln w="19050" cap="flat" cmpd="sng">
             <a:solidFill>
               <a:srgbClr val="FF0000"/>
             </a:solidFill>
             <a:prstDash val="solid"/>
             <a:round/>
-            <a:headEnd len="sm" w="sm" type="none"/>
-            <a:tailEnd len="sm" w="sm" type="none"/>
+            <a:headEnd type="none" w="sm" len="sm"/>
+            <a:tailEnd type="none" w="sm" len="sm"/>
           </a:ln>
         </p:spPr>
         <p:txBody>
-          <a:bodyPr anchorCtr="0" anchor="ctr" bIns="91425" lIns="91425" spcFirstLastPara="1" rIns="91425" wrap="square" tIns="91425">
+          <a:bodyPr spcFirstLastPara="1" wrap="square" lIns="91425" tIns="91425" rIns="91425" bIns="91425" anchor="ctr" anchorCtr="0">
             <a:noAutofit/>
           </a:bodyPr>
           <a:lstStyle/>
           <a:p>
-            <a:pPr indent="0" lvl="0" marL="0" rtl="0" algn="ctr">
+            <a:pPr marL="0" lvl="0" indent="0" algn="ctr" rtl="0">
               <a:spcBef>
                 <a:spcPts val="0"/>
               </a:spcBef>
@@ -8706,9 +9455,6 @@
               </a:spcAft>
               <a:buNone/>
             </a:pPr>
-            <a:r>
-              <a:t/>
-            </a:r>
             <a:endParaRPr/>
           </a:p>
         </p:txBody>
@@ -8722,11 +9468,11 @@
 </file>
 
 <file path=ppt/slides/slide4.xml><?xml version="1.0" encoding="utf-8"?>
-<p:sld xmlns:a="http://schemas.openxmlformats.org/drawingml/2006/main" xmlns:r="http://schemas.openxmlformats.org/officeDocument/2006/relationships" xmlns:mc="http://schemas.openxmlformats.org/markup-compatibility/2006" xmlns:mv="urn:schemas-microsoft-com:mac:vml" xmlns:p="http://schemas.openxmlformats.org/presentationml/2006/main" xmlns:c="http://schemas.openxmlformats.org/drawingml/2006/chart" xmlns:dgm="http://schemas.openxmlformats.org/drawingml/2006/diagram" xmlns:o="urn:schemas-microsoft-com:office:office" xmlns:v="urn:schemas-microsoft-com:vml" xmlns:pvml="urn:schemas-microsoft-com:office:powerpoint" xmlns:com="http://schemas.openxmlformats.org/drawingml/2006/compatibility" xmlns:p14="http://schemas.microsoft.com/office/powerpoint/2010/main" xmlns:p15="http://schemas.microsoft.com/office/powerpoint/2012/main" xmlns:ahyp="http://schemas.microsoft.com/office/drawing/2018/hyperlinkcolor">
+<p:sld xmlns:a="http://schemas.openxmlformats.org/drawingml/2006/main" xmlns:r="http://schemas.openxmlformats.org/officeDocument/2006/relationships" xmlns:p="http://schemas.openxmlformats.org/presentationml/2006/main">
   <p:cSld>
     <p:spTree>
       <p:nvGrpSpPr>
-        <p:cNvPr id="73" name="Shape 73"/>
+        <p:cNvPr id="1" name="Shape 73"/>
         <p:cNvGrpSpPr/>
         <p:nvPr/>
       </p:nvGrpSpPr>
@@ -8741,7 +9487,9 @@
       <p:sp>
         <p:nvSpPr>
           <p:cNvPr id="74" name="Google Shape;74;p16"/>
-          <p:cNvSpPr txBox="1"/>
+          <p:cNvSpPr txBox="1">
+            <a:spLocks noGrp="1"/>
+          </p:cNvSpPr>
           <p:nvPr>
             <p:ph type="title"/>
           </p:nvPr>
@@ -8756,12 +9504,12 @@
           </a:prstGeom>
         </p:spPr>
         <p:txBody>
-          <a:bodyPr anchorCtr="0" anchor="t" bIns="91425" lIns="91425" spcFirstLastPara="1" rIns="91425" wrap="square" tIns="91425">
+          <a:bodyPr spcFirstLastPara="1" wrap="square" lIns="91425" tIns="91425" rIns="91425" bIns="91425" anchor="t" anchorCtr="0">
             <a:normAutofit fontScale="90000"/>
           </a:bodyPr>
           <a:lstStyle/>
           <a:p>
-            <a:pPr indent="0" lvl="0" marL="0" rtl="0" algn="l">
+            <a:pPr marL="0" lvl="0" indent="0" algn="l" rtl="0">
               <a:spcBef>
                 <a:spcPts val="0"/>
               </a:spcBef>
@@ -8815,11 +9563,11 @@
 </file>
 
 <file path=ppt/slides/slide5.xml><?xml version="1.0" encoding="utf-8"?>
-<p:sld xmlns:a="http://schemas.openxmlformats.org/drawingml/2006/main" xmlns:r="http://schemas.openxmlformats.org/officeDocument/2006/relationships" xmlns:mc="http://schemas.openxmlformats.org/markup-compatibility/2006" xmlns:mv="urn:schemas-microsoft-com:mac:vml" xmlns:p="http://schemas.openxmlformats.org/presentationml/2006/main" xmlns:c="http://schemas.openxmlformats.org/drawingml/2006/chart" xmlns:dgm="http://schemas.openxmlformats.org/drawingml/2006/diagram" xmlns:o="urn:schemas-microsoft-com:office:office" xmlns:v="urn:schemas-microsoft-com:vml" xmlns:pvml="urn:schemas-microsoft-com:office:powerpoint" xmlns:com="http://schemas.openxmlformats.org/drawingml/2006/compatibility" xmlns:p14="http://schemas.microsoft.com/office/powerpoint/2010/main" xmlns:p15="http://schemas.microsoft.com/office/powerpoint/2012/main" xmlns:ahyp="http://schemas.microsoft.com/office/drawing/2018/hyperlinkcolor">
+<p:sld xmlns:a="http://schemas.openxmlformats.org/drawingml/2006/main" xmlns:r="http://schemas.openxmlformats.org/officeDocument/2006/relationships" xmlns:p="http://schemas.openxmlformats.org/presentationml/2006/main">
   <p:cSld>
     <p:spTree>
       <p:nvGrpSpPr>
-        <p:cNvPr id="79" name="Shape 79"/>
+        <p:cNvPr id="1" name="Shape 79"/>
         <p:cNvGrpSpPr/>
         <p:nvPr/>
       </p:nvGrpSpPr>
@@ -8834,7 +9582,9 @@
       <p:sp>
         <p:nvSpPr>
           <p:cNvPr id="80" name="Google Shape;80;p17"/>
-          <p:cNvSpPr txBox="1"/>
+          <p:cNvSpPr txBox="1">
+            <a:spLocks noGrp="1"/>
+          </p:cNvSpPr>
           <p:nvPr>
             <p:ph type="title"/>
           </p:nvPr>
@@ -8849,12 +9599,12 @@
           </a:prstGeom>
         </p:spPr>
         <p:txBody>
-          <a:bodyPr anchorCtr="0" anchor="t" bIns="91425" lIns="91425" spcFirstLastPara="1" rIns="91425" wrap="square" tIns="91425">
+          <a:bodyPr spcFirstLastPara="1" wrap="square" lIns="91425" tIns="91425" rIns="91425" bIns="91425" anchor="t" anchorCtr="0">
             <a:normAutofit fontScale="90000"/>
           </a:bodyPr>
           <a:lstStyle/>
           <a:p>
-            <a:pPr indent="0" lvl="0" marL="0" rtl="0" algn="l">
+            <a:pPr marL="0" lvl="0" indent="0" algn="l" rtl="0">
               <a:spcBef>
                 <a:spcPts val="0"/>
               </a:spcBef>
@@ -8863,9 +9613,6 @@
               </a:spcAft>
               <a:buNone/>
             </a:pPr>
-            <a:r>
-              <a:t/>
-            </a:r>
             <a:endParaRPr/>
           </a:p>
         </p:txBody>
@@ -8873,9 +9620,11 @@
       <p:sp>
         <p:nvSpPr>
           <p:cNvPr id="81" name="Google Shape;81;p17"/>
-          <p:cNvSpPr txBox="1"/>
+          <p:cNvSpPr txBox="1">
+            <a:spLocks noGrp="1"/>
+          </p:cNvSpPr>
           <p:nvPr>
-            <p:ph idx="1" type="body"/>
+            <p:ph type="body" idx="1"/>
           </p:nvPr>
         </p:nvSpPr>
         <p:spPr>
@@ -8888,12 +9637,12 @@
           </a:prstGeom>
         </p:spPr>
         <p:txBody>
-          <a:bodyPr anchorCtr="0" anchor="t" bIns="91425" lIns="91425" spcFirstLastPara="1" rIns="91425" wrap="square" tIns="91425">
+          <a:bodyPr spcFirstLastPara="1" wrap="square" lIns="91425" tIns="91425" rIns="91425" bIns="91425" anchor="t" anchorCtr="0">
             <a:normAutofit/>
           </a:bodyPr>
           <a:lstStyle/>
           <a:p>
-            <a:pPr indent="-342900" lvl="0" marL="457200" rtl="0" algn="l">
+            <a:pPr marL="457200" lvl="0" indent="-342900" algn="l" rtl="0">
               <a:spcBef>
                 <a:spcPts val="0"/>
               </a:spcBef>
@@ -8904,13 +9653,13 @@
               <a:buChar char="●"/>
             </a:pPr>
             <a:r>
-              <a:rPr lang="en"/>
-              <a:t>Basilar membrane as a filter bank</a:t>
+              <a:rPr lang="en" dirty="0"/>
+              <a:t>Basilar membrane as a filter bank.</a:t>
             </a:r>
-            <a:endParaRPr/>
-          </a:p>
-          <a:p>
-            <a:pPr indent="-342900" lvl="0" marL="457200" rtl="0" algn="l">
+            <a:endParaRPr dirty="0"/>
+          </a:p>
+          <a:p>
+            <a:pPr marL="457200" lvl="0" indent="-342900" algn="l" rtl="0">
               <a:spcBef>
                 <a:spcPts val="0"/>
               </a:spcBef>
@@ -8921,21 +9670,13 @@
               <a:buChar char="●"/>
             </a:pPr>
             <a:r>
-              <a:rPr lang="en"/>
-              <a:t>Bank of </a:t>
+              <a:rPr lang="en" dirty="0"/>
+              <a:t>Bank of highly overlapping bandpass filters.</a:t>
             </a:r>
-            <a:r>
-              <a:rPr lang="en"/>
-              <a:t>highly</a:t>
-            </a:r>
-            <a:r>
-              <a:rPr lang="en"/>
-              <a:t> overlapping bandpass filters</a:t>
-            </a:r>
-            <a:endParaRPr/>
-          </a:p>
-          <a:p>
-            <a:pPr indent="-342900" lvl="0" marL="457200" rtl="0" algn="l">
+            <a:endParaRPr dirty="0"/>
+          </a:p>
+          <a:p>
+            <a:pPr marL="457200" lvl="0" indent="-342900" algn="l" rtl="0">
               <a:spcBef>
                 <a:spcPts val="0"/>
               </a:spcBef>
@@ -8946,13 +9687,13 @@
               <a:buChar char="●"/>
             </a:pPr>
             <a:r>
-              <a:rPr lang="en"/>
-              <a:t>The magnitude responses are asymmetric and nonlinear (level dependent)</a:t>
+              <a:rPr lang="en" dirty="0"/>
+              <a:t>The magnitude responses are asymmetric and nonlinear (level dependent).</a:t>
             </a:r>
-            <a:endParaRPr/>
-          </a:p>
-          <a:p>
-            <a:pPr indent="-342900" lvl="0" marL="457200" rtl="0" algn="l">
+            <a:endParaRPr dirty="0"/>
+          </a:p>
+          <a:p>
+            <a:pPr marL="457200" lvl="0" indent="-342900" algn="l" rtl="0">
               <a:spcBef>
                 <a:spcPts val="0"/>
               </a:spcBef>
@@ -8963,14 +9704,10 @@
               <a:buChar char="●"/>
             </a:pPr>
             <a:r>
-              <a:rPr lang="en"/>
-              <a:t>Non-uniform </a:t>
+              <a:rPr lang="en" dirty="0"/>
+              <a:t>Non-uniform bandwidth, and the bandwidths increase with increasing frequency.</a:t>
             </a:r>
-            <a:r>
-              <a:rPr lang="en"/>
-              <a:t>bandwidth, and the bandwidths increase with increasing frequency</a:t>
-            </a:r>
-            <a:endParaRPr/>
+            <a:endParaRPr dirty="0"/>
           </a:p>
         </p:txBody>
       </p:sp>
@@ -8983,11 +9720,11 @@
 </file>
 
 <file path=ppt/slides/slide6.xml><?xml version="1.0" encoding="utf-8"?>
-<p:sld xmlns:a="http://schemas.openxmlformats.org/drawingml/2006/main" xmlns:r="http://schemas.openxmlformats.org/officeDocument/2006/relationships" xmlns:mc="http://schemas.openxmlformats.org/markup-compatibility/2006" xmlns:mv="urn:schemas-microsoft-com:mac:vml" xmlns:p="http://schemas.openxmlformats.org/presentationml/2006/main" xmlns:c="http://schemas.openxmlformats.org/drawingml/2006/chart" xmlns:dgm="http://schemas.openxmlformats.org/drawingml/2006/diagram" xmlns:o="urn:schemas-microsoft-com:office:office" xmlns:v="urn:schemas-microsoft-com:vml" xmlns:pvml="urn:schemas-microsoft-com:office:powerpoint" xmlns:com="http://schemas.openxmlformats.org/drawingml/2006/compatibility" xmlns:p14="http://schemas.microsoft.com/office/powerpoint/2010/main" xmlns:p15="http://schemas.microsoft.com/office/powerpoint/2012/main" xmlns:ahyp="http://schemas.microsoft.com/office/drawing/2018/hyperlinkcolor">
+<p:sld xmlns:a="http://schemas.openxmlformats.org/drawingml/2006/main" xmlns:r="http://schemas.openxmlformats.org/officeDocument/2006/relationships" xmlns:p="http://schemas.openxmlformats.org/presentationml/2006/main">
   <p:cSld>
     <p:spTree>
       <p:nvGrpSpPr>
-        <p:cNvPr id="85" name="Shape 85"/>
+        <p:cNvPr id="1" name="Shape 85"/>
         <p:cNvGrpSpPr/>
         <p:nvPr/>
       </p:nvGrpSpPr>
@@ -9002,7 +9739,9 @@
       <p:sp>
         <p:nvSpPr>
           <p:cNvPr id="86" name="Google Shape;86;p18"/>
-          <p:cNvSpPr txBox="1"/>
+          <p:cNvSpPr txBox="1">
+            <a:spLocks noGrp="1"/>
+          </p:cNvSpPr>
           <p:nvPr>
             <p:ph type="title"/>
           </p:nvPr>
@@ -9017,12 +9756,12 @@
           </a:prstGeom>
         </p:spPr>
         <p:txBody>
-          <a:bodyPr anchorCtr="0" anchor="t" bIns="91425" lIns="91425" spcFirstLastPara="1" rIns="91425" wrap="square" tIns="91425">
+          <a:bodyPr spcFirstLastPara="1" wrap="square" lIns="91425" tIns="91425" rIns="91425" bIns="91425" anchor="t" anchorCtr="0">
             <a:normAutofit fontScale="90000"/>
           </a:bodyPr>
           <a:lstStyle/>
           <a:p>
-            <a:pPr indent="0" lvl="0" marL="0" rtl="0" algn="l">
+            <a:pPr marL="0" lvl="0" indent="0" algn="l" rtl="0">
               <a:spcBef>
                 <a:spcPts val="0"/>
               </a:spcBef>
@@ -9076,11 +9815,11 @@
 </file>
 
 <file path=ppt/slides/slide7.xml><?xml version="1.0" encoding="utf-8"?>
-<p:sld xmlns:a="http://schemas.openxmlformats.org/drawingml/2006/main" xmlns:r="http://schemas.openxmlformats.org/officeDocument/2006/relationships" xmlns:mc="http://schemas.openxmlformats.org/markup-compatibility/2006" xmlns:mv="urn:schemas-microsoft-com:mac:vml" xmlns:p="http://schemas.openxmlformats.org/presentationml/2006/main" xmlns:c="http://schemas.openxmlformats.org/drawingml/2006/chart" xmlns:dgm="http://schemas.openxmlformats.org/drawingml/2006/diagram" xmlns:o="urn:schemas-microsoft-com:office:office" xmlns:v="urn:schemas-microsoft-com:vml" xmlns:pvml="urn:schemas-microsoft-com:office:powerpoint" xmlns:com="http://schemas.openxmlformats.org/drawingml/2006/compatibility" xmlns:p14="http://schemas.microsoft.com/office/powerpoint/2010/main" xmlns:p15="http://schemas.microsoft.com/office/powerpoint/2012/main" xmlns:ahyp="http://schemas.microsoft.com/office/drawing/2018/hyperlinkcolor">
+<p:sld xmlns:a="http://schemas.openxmlformats.org/drawingml/2006/main" xmlns:r="http://schemas.openxmlformats.org/officeDocument/2006/relationships" xmlns:p="http://schemas.openxmlformats.org/presentationml/2006/main">
   <p:cSld>
     <p:spTree>
       <p:nvGrpSpPr>
-        <p:cNvPr id="91" name="Shape 91"/>
+        <p:cNvPr id="1" name="Shape 91"/>
         <p:cNvGrpSpPr/>
         <p:nvPr/>
       </p:nvGrpSpPr>
@@ -9095,7 +9834,9 @@
       <p:sp>
         <p:nvSpPr>
           <p:cNvPr id="92" name="Google Shape;92;p19"/>
-          <p:cNvSpPr txBox="1"/>
+          <p:cNvSpPr txBox="1">
+            <a:spLocks noGrp="1"/>
+          </p:cNvSpPr>
           <p:nvPr>
             <p:ph type="title"/>
           </p:nvPr>
@@ -9110,12 +9851,12 @@
           </a:prstGeom>
         </p:spPr>
         <p:txBody>
-          <a:bodyPr anchorCtr="0" anchor="t" bIns="91425" lIns="91425" spcFirstLastPara="1" rIns="91425" wrap="square" tIns="91425">
+          <a:bodyPr spcFirstLastPara="1" wrap="square" lIns="91425" tIns="91425" rIns="91425" bIns="91425" anchor="t" anchorCtr="0">
             <a:normAutofit fontScale="90000"/>
           </a:bodyPr>
           <a:lstStyle/>
           <a:p>
-            <a:pPr indent="0" lvl="0" marL="0" rtl="0" algn="l">
+            <a:pPr marL="0" lvl="0" indent="0" algn="l" rtl="0">
               <a:spcBef>
                 <a:spcPts val="0"/>
               </a:spcBef>
@@ -9169,11 +9910,11 @@
 </file>
 
 <file path=ppt/slides/slide8.xml><?xml version="1.0" encoding="utf-8"?>
-<p:sld xmlns:a="http://schemas.openxmlformats.org/drawingml/2006/main" xmlns:r="http://schemas.openxmlformats.org/officeDocument/2006/relationships" xmlns:mc="http://schemas.openxmlformats.org/markup-compatibility/2006" xmlns:mv="urn:schemas-microsoft-com:mac:vml" xmlns:p="http://schemas.openxmlformats.org/presentationml/2006/main" xmlns:c="http://schemas.openxmlformats.org/drawingml/2006/chart" xmlns:dgm="http://schemas.openxmlformats.org/drawingml/2006/diagram" xmlns:o="urn:schemas-microsoft-com:office:office" xmlns:v="urn:schemas-microsoft-com:vml" xmlns:pvml="urn:schemas-microsoft-com:office:powerpoint" xmlns:com="http://schemas.openxmlformats.org/drawingml/2006/compatibility" xmlns:p14="http://schemas.microsoft.com/office/powerpoint/2010/main" xmlns:p15="http://schemas.microsoft.com/office/powerpoint/2012/main" xmlns:ahyp="http://schemas.microsoft.com/office/drawing/2018/hyperlinkcolor">
+<p:sld xmlns:a="http://schemas.openxmlformats.org/drawingml/2006/main" xmlns:r="http://schemas.openxmlformats.org/officeDocument/2006/relationships" xmlns:p="http://schemas.openxmlformats.org/presentationml/2006/main">
   <p:cSld>
     <p:spTree>
       <p:nvGrpSpPr>
-        <p:cNvPr id="97" name="Shape 97"/>
+        <p:cNvPr id="1" name="Shape 97"/>
         <p:cNvGrpSpPr/>
         <p:nvPr/>
       </p:nvGrpSpPr>
@@ -9188,7 +9929,9 @@
       <p:sp>
         <p:nvSpPr>
           <p:cNvPr id="98" name="Google Shape;98;p20"/>
-          <p:cNvSpPr txBox="1"/>
+          <p:cNvSpPr txBox="1">
+            <a:spLocks noGrp="1"/>
+          </p:cNvSpPr>
           <p:nvPr>
             <p:ph type="title"/>
           </p:nvPr>
@@ -9203,12 +9946,12 @@
           </a:prstGeom>
         </p:spPr>
         <p:txBody>
-          <a:bodyPr anchorCtr="0" anchor="t" bIns="91425" lIns="91425" spcFirstLastPara="1" rIns="91425" wrap="square" tIns="91425">
+          <a:bodyPr spcFirstLastPara="1" wrap="square" lIns="91425" tIns="91425" rIns="91425" bIns="91425" anchor="t" anchorCtr="0">
             <a:normAutofit fontScale="90000"/>
           </a:bodyPr>
           <a:lstStyle/>
           <a:p>
-            <a:pPr indent="0" lvl="0" marL="0" rtl="0" algn="l">
+            <a:pPr marL="0" lvl="0" indent="0" algn="l" rtl="0">
               <a:spcBef>
                 <a:spcPts val="0"/>
               </a:spcBef>
@@ -9228,9 +9971,11 @@
       <p:sp>
         <p:nvSpPr>
           <p:cNvPr id="99" name="Google Shape;99;p20"/>
-          <p:cNvSpPr txBox="1"/>
+          <p:cNvSpPr txBox="1">
+            <a:spLocks noGrp="1"/>
+          </p:cNvSpPr>
           <p:nvPr>
-            <p:ph idx="1" type="body"/>
+            <p:ph type="body" idx="1"/>
           </p:nvPr>
         </p:nvSpPr>
         <p:spPr>
@@ -9243,12 +9988,12 @@
           </a:prstGeom>
         </p:spPr>
         <p:txBody>
-          <a:bodyPr anchorCtr="0" anchor="t" bIns="91425" lIns="91425" spcFirstLastPara="1" rIns="91425" wrap="square" tIns="91425">
+          <a:bodyPr spcFirstLastPara="1" wrap="square" lIns="91425" tIns="91425" rIns="91425" bIns="91425" anchor="t" anchorCtr="0">
             <a:normAutofit/>
           </a:bodyPr>
           <a:lstStyle/>
           <a:p>
-            <a:pPr indent="0" lvl="0" marL="0" rtl="0" algn="l">
+            <a:pPr marL="0" lvl="0" indent="0" algn="l" rtl="0">
               <a:spcBef>
                 <a:spcPts val="0"/>
               </a:spcBef>
@@ -9302,11 +10047,11 @@
 </file>
 
 <file path=ppt/slides/slide9.xml><?xml version="1.0" encoding="utf-8"?>
-<p:sld xmlns:a="http://schemas.openxmlformats.org/drawingml/2006/main" xmlns:r="http://schemas.openxmlformats.org/officeDocument/2006/relationships" xmlns:mc="http://schemas.openxmlformats.org/markup-compatibility/2006" xmlns:mv="urn:schemas-microsoft-com:mac:vml" xmlns:p="http://schemas.openxmlformats.org/presentationml/2006/main" xmlns:c="http://schemas.openxmlformats.org/drawingml/2006/chart" xmlns:dgm="http://schemas.openxmlformats.org/drawingml/2006/diagram" xmlns:o="urn:schemas-microsoft-com:office:office" xmlns:v="urn:schemas-microsoft-com:vml" xmlns:pvml="urn:schemas-microsoft-com:office:powerpoint" xmlns:com="http://schemas.openxmlformats.org/drawingml/2006/compatibility" xmlns:p14="http://schemas.microsoft.com/office/powerpoint/2010/main" xmlns:p15="http://schemas.microsoft.com/office/powerpoint/2012/main" xmlns:ahyp="http://schemas.microsoft.com/office/drawing/2018/hyperlinkcolor">
+<p:sld xmlns:a="http://schemas.openxmlformats.org/drawingml/2006/main" xmlns:r="http://schemas.openxmlformats.org/officeDocument/2006/relationships" xmlns:p="http://schemas.openxmlformats.org/presentationml/2006/main">
   <p:cSld>
     <p:spTree>
       <p:nvGrpSpPr>
-        <p:cNvPr id="104" name="Shape 104"/>
+        <p:cNvPr id="1" name="Shape 104"/>
         <p:cNvGrpSpPr/>
         <p:nvPr/>
       </p:nvGrpSpPr>
@@ -9321,7 +10066,9 @@
       <p:sp>
         <p:nvSpPr>
           <p:cNvPr id="105" name="Google Shape;105;p21"/>
-          <p:cNvSpPr txBox="1"/>
+          <p:cNvSpPr txBox="1">
+            <a:spLocks noGrp="1"/>
+          </p:cNvSpPr>
           <p:nvPr>
             <p:ph type="title"/>
           </p:nvPr>
@@ -9336,12 +10083,12 @@
           </a:prstGeom>
         </p:spPr>
         <p:txBody>
-          <a:bodyPr anchorCtr="0" anchor="t" bIns="91425" lIns="91425" spcFirstLastPara="1" rIns="91425" wrap="square" tIns="91425">
+          <a:bodyPr spcFirstLastPara="1" wrap="square" lIns="91425" tIns="91425" rIns="91425" bIns="91425" anchor="t" anchorCtr="0">
             <a:normAutofit fontScale="90000"/>
           </a:bodyPr>
           <a:lstStyle/>
           <a:p>
-            <a:pPr indent="0" lvl="0" marL="0" rtl="0" algn="l">
+            <a:pPr marL="0" lvl="0" indent="0" algn="l" rtl="0">
               <a:spcBef>
                 <a:spcPts val="0"/>
               </a:spcBef>
@@ -9361,9 +10108,11 @@
       <p:sp>
         <p:nvSpPr>
           <p:cNvPr id="106" name="Google Shape;106;p21"/>
-          <p:cNvSpPr txBox="1"/>
+          <p:cNvSpPr txBox="1">
+            <a:spLocks noGrp="1"/>
+          </p:cNvSpPr>
           <p:nvPr>
-            <p:ph idx="1" type="body"/>
+            <p:ph type="body" idx="1"/>
           </p:nvPr>
         </p:nvSpPr>
         <p:spPr>
@@ -9376,12 +10125,12 @@
           </a:prstGeom>
         </p:spPr>
         <p:txBody>
-          <a:bodyPr anchorCtr="0" anchor="t" bIns="91425" lIns="91425" spcFirstLastPara="1" rIns="91425" wrap="square" tIns="91425">
+          <a:bodyPr spcFirstLastPara="1" wrap="square" lIns="91425" tIns="91425" rIns="91425" bIns="91425" anchor="t" anchorCtr="0">
             <a:normAutofit/>
           </a:bodyPr>
           <a:lstStyle/>
           <a:p>
-            <a:pPr indent="0" lvl="0" marL="0" rtl="0" algn="l">
+            <a:pPr marL="0" lvl="0" indent="0" algn="l" rtl="0">
               <a:spcBef>
                 <a:spcPts val="0"/>
               </a:spcBef>
@@ -9397,7 +10146,7 @@
             <a:endParaRPr/>
           </a:p>
           <a:p>
-            <a:pPr indent="-342900" lvl="0" marL="457200" rtl="0" algn="l">
+            <a:pPr marL="457200" lvl="0" indent="-342900" algn="l" rtl="0">
               <a:spcBef>
                 <a:spcPts val="1200"/>
               </a:spcBef>
@@ -9409,20 +10158,12 @@
             </a:pPr>
             <a:r>
               <a:rPr lang="en"/>
-              <a:t>Noisy</a:t>
-            </a:r>
-            <a:r>
-              <a:rPr lang="en"/>
-              <a:t> signal: </a:t>
-            </a:r>
-            <a:r>
-              <a:rPr lang="en"/>
-              <a:t>𝞪 = 0</a:t>
+              <a:t>Noisy signal: 𝞪 = 0</a:t>
             </a:r>
             <a:endParaRPr/>
           </a:p>
           <a:p>
-            <a:pPr indent="-342900" lvl="0" marL="457200" rtl="0" algn="l">
+            <a:pPr marL="457200" lvl="0" indent="-342900" algn="l" rtl="0">
               <a:spcBef>
                 <a:spcPts val="0"/>
               </a:spcBef>
@@ -9439,7 +10180,7 @@
             <a:endParaRPr/>
           </a:p>
           <a:p>
-            <a:pPr indent="0" lvl="0" marL="0" rtl="0" algn="l">
+            <a:pPr marL="0" lvl="0" indent="0" algn="l" rtl="0">
               <a:spcBef>
                 <a:spcPts val="1200"/>
               </a:spcBef>
@@ -9455,7 +10196,7 @@
             <a:endParaRPr/>
           </a:p>
           <a:p>
-            <a:pPr indent="0" lvl="0" marL="0" rtl="0" algn="l">
+            <a:pPr marL="0" lvl="0" indent="0" algn="l" rtl="0">
               <a:spcBef>
                 <a:spcPts val="1200"/>
               </a:spcBef>
@@ -9481,7 +10222,288 @@
 </file>
 
 <file path=ppt/theme/theme1.xml><?xml version="1.0" encoding="utf-8"?>
-<a:theme xmlns:a="http://schemas.openxmlformats.org/drawingml/2006/main" xmlns:r="http://schemas.openxmlformats.org/officeDocument/2006/relationships">
+<a:theme xmlns:a="http://schemas.openxmlformats.org/drawingml/2006/main" name="Simple Light">
+  <a:themeElements>
+    <a:clrScheme name="Simple Light">
+      <a:dk1>
+        <a:srgbClr val="000000"/>
+      </a:dk1>
+      <a:lt1>
+        <a:srgbClr val="FFFFFF"/>
+      </a:lt1>
+      <a:dk2>
+        <a:srgbClr val="595959"/>
+      </a:dk2>
+      <a:lt2>
+        <a:srgbClr val="EEEEEE"/>
+      </a:lt2>
+      <a:accent1>
+        <a:srgbClr val="4285F4"/>
+      </a:accent1>
+      <a:accent2>
+        <a:srgbClr val="212121"/>
+      </a:accent2>
+      <a:accent3>
+        <a:srgbClr val="78909C"/>
+      </a:accent3>
+      <a:accent4>
+        <a:srgbClr val="FFAB40"/>
+      </a:accent4>
+      <a:accent5>
+        <a:srgbClr val="0097A7"/>
+      </a:accent5>
+      <a:accent6>
+        <a:srgbClr val="EEFF41"/>
+      </a:accent6>
+      <a:hlink>
+        <a:srgbClr val="0097A7"/>
+      </a:hlink>
+      <a:folHlink>
+        <a:srgbClr val="0097A7"/>
+      </a:folHlink>
+    </a:clrScheme>
+    <a:fontScheme name="Office">
+      <a:majorFont>
+        <a:latin typeface="Arial"/>
+        <a:ea typeface=""/>
+        <a:cs typeface=""/>
+        <a:font script="Jpan" typeface="ＭＳ Ｐゴシック"/>
+        <a:font script="Hang" typeface="맑은 고딕"/>
+        <a:font script="Hans" typeface="宋体"/>
+        <a:font script="Hant" typeface="新細明體"/>
+        <a:font script="Arab" typeface="Times New Roman"/>
+        <a:font script="Hebr" typeface="Times New Roman"/>
+        <a:font script="Thai" typeface="Angsana New"/>
+        <a:font script="Ethi" typeface="Nyala"/>
+        <a:font script="Beng" typeface="Vrinda"/>
+        <a:font script="Gujr" typeface="Shruti"/>
+        <a:font script="Khmr" typeface="MoolBoran"/>
+        <a:font script="Knda" typeface="Tunga"/>
+        <a:font script="Guru" typeface="Raavi"/>
+        <a:font script="Cans" typeface="Euphemia"/>
+        <a:font script="Cher" typeface="Plantagenet Cherokee"/>
+        <a:font script="Yiii" typeface="Microsoft Yi Baiti"/>
+        <a:font script="Tibt" typeface="Microsoft Himalaya"/>
+        <a:font script="Thaa" typeface="MV Boli"/>
+        <a:font script="Deva" typeface="Mangal"/>
+        <a:font script="Telu" typeface="Gautami"/>
+        <a:font script="Taml" typeface="Latha"/>
+        <a:font script="Syrc" typeface="Estrangelo Edessa"/>
+        <a:font script="Orya" typeface="Kalinga"/>
+        <a:font script="Mlym" typeface="Kartika"/>
+        <a:font script="Laoo" typeface="DokChampa"/>
+        <a:font script="Sinh" typeface="Iskoola Pota"/>
+        <a:font script="Mong" typeface="Mongolian Baiti"/>
+        <a:font script="Viet" typeface="Times New Roman"/>
+        <a:font script="Uigh" typeface="Microsoft Uighur"/>
+        <a:font script="Geor" typeface="Sylfaen"/>
+      </a:majorFont>
+      <a:minorFont>
+        <a:latin typeface="Arial"/>
+        <a:ea typeface=""/>
+        <a:cs typeface=""/>
+        <a:font script="Jpan" typeface="ＭＳ Ｐゴシック"/>
+        <a:font script="Hang" typeface="맑은 고딕"/>
+        <a:font script="Hans" typeface="宋体"/>
+        <a:font script="Hant" typeface="新細明體"/>
+        <a:font script="Arab" typeface="Arial"/>
+        <a:font script="Hebr" typeface="Arial"/>
+        <a:font script="Thai" typeface="Cordia New"/>
+        <a:font script="Ethi" typeface="Nyala"/>
+        <a:font script="Beng" typeface="Vrinda"/>
+        <a:font script="Gujr" typeface="Shruti"/>
+        <a:font script="Khmr" typeface="DaunPenh"/>
+        <a:font script="Knda" typeface="Tunga"/>
+        <a:font script="Guru" typeface="Raavi"/>
+        <a:font script="Cans" typeface="Euphemia"/>
+        <a:font script="Cher" typeface="Plantagenet Cherokee"/>
+        <a:font script="Yiii" typeface="Microsoft Yi Baiti"/>
+        <a:font script="Tibt" typeface="Microsoft Himalaya"/>
+        <a:font script="Thaa" typeface="MV Boli"/>
+        <a:font script="Deva" typeface="Mangal"/>
+        <a:font script="Telu" typeface="Gautami"/>
+        <a:font script="Taml" typeface="Latha"/>
+        <a:font script="Syrc" typeface="Estrangelo Edessa"/>
+        <a:font script="Orya" typeface="Kalinga"/>
+        <a:font script="Mlym" typeface="Kartika"/>
+        <a:font script="Laoo" typeface="DokChampa"/>
+        <a:font script="Sinh" typeface="Iskoola Pota"/>
+        <a:font script="Mong" typeface="Mongolian Baiti"/>
+        <a:font script="Viet" typeface="Arial"/>
+        <a:font script="Uigh" typeface="Microsoft Uighur"/>
+        <a:font script="Geor" typeface="Sylfaen"/>
+      </a:minorFont>
+    </a:fontScheme>
+    <a:fmtScheme name="Office">
+      <a:fillStyleLst>
+        <a:solidFill>
+          <a:schemeClr val="phClr"/>
+        </a:solidFill>
+        <a:gradFill rotWithShape="1">
+          <a:gsLst>
+            <a:gs pos="0">
+              <a:schemeClr val="phClr">
+                <a:tint val="50000"/>
+                <a:satMod val="300000"/>
+              </a:schemeClr>
+            </a:gs>
+            <a:gs pos="35000">
+              <a:schemeClr val="phClr">
+                <a:tint val="37000"/>
+                <a:satMod val="300000"/>
+              </a:schemeClr>
+            </a:gs>
+            <a:gs pos="100000">
+              <a:schemeClr val="phClr">
+                <a:tint val="15000"/>
+                <a:satMod val="350000"/>
+              </a:schemeClr>
+            </a:gs>
+          </a:gsLst>
+          <a:lin ang="16200000" scaled="1"/>
+        </a:gradFill>
+        <a:gradFill rotWithShape="1">
+          <a:gsLst>
+            <a:gs pos="0">
+              <a:schemeClr val="phClr">
+                <a:tint val="100000"/>
+                <a:shade val="100000"/>
+                <a:satMod val="130000"/>
+              </a:schemeClr>
+            </a:gs>
+            <a:gs pos="100000">
+              <a:schemeClr val="phClr">
+                <a:tint val="50000"/>
+                <a:shade val="100000"/>
+                <a:satMod val="350000"/>
+              </a:schemeClr>
+            </a:gs>
+          </a:gsLst>
+          <a:lin ang="16200000" scaled="0"/>
+        </a:gradFill>
+      </a:fillStyleLst>
+      <a:lnStyleLst>
+        <a:ln w="9525" cap="flat" cmpd="sng" algn="ctr">
+          <a:solidFill>
+            <a:schemeClr val="phClr">
+              <a:shade val="95000"/>
+              <a:satMod val="105000"/>
+            </a:schemeClr>
+          </a:solidFill>
+          <a:prstDash val="solid"/>
+        </a:ln>
+        <a:ln w="25400" cap="flat" cmpd="sng" algn="ctr">
+          <a:solidFill>
+            <a:schemeClr val="phClr"/>
+          </a:solidFill>
+          <a:prstDash val="solid"/>
+        </a:ln>
+        <a:ln w="38100" cap="flat" cmpd="sng" algn="ctr">
+          <a:solidFill>
+            <a:schemeClr val="phClr"/>
+          </a:solidFill>
+          <a:prstDash val="solid"/>
+        </a:ln>
+      </a:lnStyleLst>
+      <a:effectStyleLst>
+        <a:effectStyle>
+          <a:effectLst>
+            <a:outerShdw blurRad="40000" dist="20000" dir="5400000" rotWithShape="0">
+              <a:srgbClr val="000000">
+                <a:alpha val="38000"/>
+              </a:srgbClr>
+            </a:outerShdw>
+          </a:effectLst>
+        </a:effectStyle>
+        <a:effectStyle>
+          <a:effectLst>
+            <a:outerShdw blurRad="40000" dist="23000" dir="5400000" rotWithShape="0">
+              <a:srgbClr val="000000">
+                <a:alpha val="35000"/>
+              </a:srgbClr>
+            </a:outerShdw>
+          </a:effectLst>
+        </a:effectStyle>
+        <a:effectStyle>
+          <a:effectLst>
+            <a:outerShdw blurRad="40000" dist="23000" dir="5400000" rotWithShape="0">
+              <a:srgbClr val="000000">
+                <a:alpha val="35000"/>
+              </a:srgbClr>
+            </a:outerShdw>
+          </a:effectLst>
+          <a:scene3d>
+            <a:camera prst="orthographicFront">
+              <a:rot lat="0" lon="0" rev="0"/>
+            </a:camera>
+            <a:lightRig rig="threePt" dir="t">
+              <a:rot lat="0" lon="0" rev="1200000"/>
+            </a:lightRig>
+          </a:scene3d>
+          <a:sp3d>
+            <a:bevelT w="63500" h="25400"/>
+          </a:sp3d>
+        </a:effectStyle>
+      </a:effectStyleLst>
+      <a:bgFillStyleLst>
+        <a:solidFill>
+          <a:schemeClr val="phClr"/>
+        </a:solidFill>
+        <a:gradFill rotWithShape="1">
+          <a:gsLst>
+            <a:gs pos="0">
+              <a:schemeClr val="phClr">
+                <a:tint val="40000"/>
+                <a:satMod val="350000"/>
+              </a:schemeClr>
+            </a:gs>
+            <a:gs pos="40000">
+              <a:schemeClr val="phClr">
+                <a:tint val="45000"/>
+                <a:shade val="99000"/>
+                <a:satMod val="350000"/>
+              </a:schemeClr>
+            </a:gs>
+            <a:gs pos="100000">
+              <a:schemeClr val="phClr">
+                <a:shade val="20000"/>
+                <a:satMod val="255000"/>
+              </a:schemeClr>
+            </a:gs>
+          </a:gsLst>
+          <a:path path="circle">
+            <a:fillToRect l="50000" t="-80000" r="50000" b="180000"/>
+          </a:path>
+        </a:gradFill>
+        <a:gradFill rotWithShape="1">
+          <a:gsLst>
+            <a:gs pos="0">
+              <a:schemeClr val="phClr">
+                <a:tint val="80000"/>
+                <a:satMod val="300000"/>
+              </a:schemeClr>
+            </a:gs>
+            <a:gs pos="100000">
+              <a:schemeClr val="phClr">
+                <a:shade val="30000"/>
+                <a:satMod val="200000"/>
+              </a:schemeClr>
+            </a:gs>
+          </a:gsLst>
+          <a:path path="circle">
+            <a:fillToRect l="50000" t="50000" r="50000" b="50000"/>
+          </a:path>
+        </a:gradFill>
+      </a:bgFillStyleLst>
+    </a:fmtScheme>
+  </a:themeElements>
+  <a:objectDefaults/>
+  <a:extraClrSchemeLst/>
+</a:theme>
+</file>
+
+<file path=ppt/theme/theme2.xml><?xml version="1.0" encoding="utf-8"?>
+<a:theme xmlns:a="http://schemas.openxmlformats.org/drawingml/2006/main">
   <a:themeElements>
     <a:clrScheme name="Default">
       <a:dk1>
@@ -9756,284 +10778,7 @@
       </a:bgFillStyleLst>
     </a:fmtScheme>
   </a:themeElements>
-</a:theme>
-</file>
-
-<file path=ppt/theme/theme2.xml><?xml version="1.0" encoding="utf-8"?>
-<a:theme xmlns:a="http://schemas.openxmlformats.org/drawingml/2006/main" xmlns:r="http://schemas.openxmlformats.org/officeDocument/2006/relationships" name="Simple Light">
-  <a:themeElements>
-    <a:clrScheme name="Simple Light">
-      <a:dk1>
-        <a:srgbClr val="000000"/>
-      </a:dk1>
-      <a:lt1>
-        <a:srgbClr val="FFFFFF"/>
-      </a:lt1>
-      <a:dk2>
-        <a:srgbClr val="595959"/>
-      </a:dk2>
-      <a:lt2>
-        <a:srgbClr val="EEEEEE"/>
-      </a:lt2>
-      <a:accent1>
-        <a:srgbClr val="4285F4"/>
-      </a:accent1>
-      <a:accent2>
-        <a:srgbClr val="212121"/>
-      </a:accent2>
-      <a:accent3>
-        <a:srgbClr val="78909C"/>
-      </a:accent3>
-      <a:accent4>
-        <a:srgbClr val="FFAB40"/>
-      </a:accent4>
-      <a:accent5>
-        <a:srgbClr val="0097A7"/>
-      </a:accent5>
-      <a:accent6>
-        <a:srgbClr val="EEFF41"/>
-      </a:accent6>
-      <a:hlink>
-        <a:srgbClr val="0097A7"/>
-      </a:hlink>
-      <a:folHlink>
-        <a:srgbClr val="0097A7"/>
-      </a:folHlink>
-    </a:clrScheme>
-    <a:fontScheme name="Office">
-      <a:majorFont>
-        <a:latin typeface="Arial"/>
-        <a:ea typeface=""/>
-        <a:cs typeface=""/>
-        <a:font script="Jpan" typeface="ＭＳ Ｐゴシック"/>
-        <a:font script="Hang" typeface="맑은 고딕"/>
-        <a:font script="Hans" typeface="宋体"/>
-        <a:font script="Hant" typeface="新細明體"/>
-        <a:font script="Arab" typeface="Times New Roman"/>
-        <a:font script="Hebr" typeface="Times New Roman"/>
-        <a:font script="Thai" typeface="Angsana New"/>
-        <a:font script="Ethi" typeface="Nyala"/>
-        <a:font script="Beng" typeface="Vrinda"/>
-        <a:font script="Gujr" typeface="Shruti"/>
-        <a:font script="Khmr" typeface="MoolBoran"/>
-        <a:font script="Knda" typeface="Tunga"/>
-        <a:font script="Guru" typeface="Raavi"/>
-        <a:font script="Cans" typeface="Euphemia"/>
-        <a:font script="Cher" typeface="Plantagenet Cherokee"/>
-        <a:font script="Yiii" typeface="Microsoft Yi Baiti"/>
-        <a:font script="Tibt" typeface="Microsoft Himalaya"/>
-        <a:font script="Thaa" typeface="MV Boli"/>
-        <a:font script="Deva" typeface="Mangal"/>
-        <a:font script="Telu" typeface="Gautami"/>
-        <a:font script="Taml" typeface="Latha"/>
-        <a:font script="Syrc" typeface="Estrangelo Edessa"/>
-        <a:font script="Orya" typeface="Kalinga"/>
-        <a:font script="Mlym" typeface="Kartika"/>
-        <a:font script="Laoo" typeface="DokChampa"/>
-        <a:font script="Sinh" typeface="Iskoola Pota"/>
-        <a:font script="Mong" typeface="Mongolian Baiti"/>
-        <a:font script="Viet" typeface="Times New Roman"/>
-        <a:font script="Uigh" typeface="Microsoft Uighur"/>
-        <a:font script="Geor" typeface="Sylfaen"/>
-      </a:majorFont>
-      <a:minorFont>
-        <a:latin typeface="Arial"/>
-        <a:ea typeface=""/>
-        <a:cs typeface=""/>
-        <a:font script="Jpan" typeface="ＭＳ Ｐゴシック"/>
-        <a:font script="Hang" typeface="맑은 고딕"/>
-        <a:font script="Hans" typeface="宋体"/>
-        <a:font script="Hant" typeface="新細明體"/>
-        <a:font script="Arab" typeface="Arial"/>
-        <a:font script="Hebr" typeface="Arial"/>
-        <a:font script="Thai" typeface="Cordia New"/>
-        <a:font script="Ethi" typeface="Nyala"/>
-        <a:font script="Beng" typeface="Vrinda"/>
-        <a:font script="Gujr" typeface="Shruti"/>
-        <a:font script="Khmr" typeface="DaunPenh"/>
-        <a:font script="Knda" typeface="Tunga"/>
-        <a:font script="Guru" typeface="Raavi"/>
-        <a:font script="Cans" typeface="Euphemia"/>
-        <a:font script="Cher" typeface="Plantagenet Cherokee"/>
-        <a:font script="Yiii" typeface="Microsoft Yi Baiti"/>
-        <a:font script="Tibt" typeface="Microsoft Himalaya"/>
-        <a:font script="Thaa" typeface="MV Boli"/>
-        <a:font script="Deva" typeface="Mangal"/>
-        <a:font script="Telu" typeface="Gautami"/>
-        <a:font script="Taml" typeface="Latha"/>
-        <a:font script="Syrc" typeface="Estrangelo Edessa"/>
-        <a:font script="Orya" typeface="Kalinga"/>
-        <a:font script="Mlym" typeface="Kartika"/>
-        <a:font script="Laoo" typeface="DokChampa"/>
-        <a:font script="Sinh" typeface="Iskoola Pota"/>
-        <a:font script="Mong" typeface="Mongolian Baiti"/>
-        <a:font script="Viet" typeface="Arial"/>
-        <a:font script="Uigh" typeface="Microsoft Uighur"/>
-        <a:font script="Geor" typeface="Sylfaen"/>
-      </a:minorFont>
-    </a:fontScheme>
-    <a:fmtScheme name="Office">
-      <a:fillStyleLst>
-        <a:solidFill>
-          <a:schemeClr val="phClr"/>
-        </a:solidFill>
-        <a:gradFill rotWithShape="1">
-          <a:gsLst>
-            <a:gs pos="0">
-              <a:schemeClr val="phClr">
-                <a:tint val="50000"/>
-                <a:satMod val="300000"/>
-              </a:schemeClr>
-            </a:gs>
-            <a:gs pos="35000">
-              <a:schemeClr val="phClr">
-                <a:tint val="37000"/>
-                <a:satMod val="300000"/>
-              </a:schemeClr>
-            </a:gs>
-            <a:gs pos="100000">
-              <a:schemeClr val="phClr">
-                <a:tint val="15000"/>
-                <a:satMod val="350000"/>
-              </a:schemeClr>
-            </a:gs>
-          </a:gsLst>
-          <a:lin ang="16200000" scaled="1"/>
-        </a:gradFill>
-        <a:gradFill rotWithShape="1">
-          <a:gsLst>
-            <a:gs pos="0">
-              <a:schemeClr val="phClr">
-                <a:tint val="100000"/>
-                <a:shade val="100000"/>
-                <a:satMod val="130000"/>
-              </a:schemeClr>
-            </a:gs>
-            <a:gs pos="100000">
-              <a:schemeClr val="phClr">
-                <a:tint val="50000"/>
-                <a:shade val="100000"/>
-                <a:satMod val="350000"/>
-              </a:schemeClr>
-            </a:gs>
-          </a:gsLst>
-          <a:lin ang="16200000" scaled="0"/>
-        </a:gradFill>
-      </a:fillStyleLst>
-      <a:lnStyleLst>
-        <a:ln w="9525" cap="flat" cmpd="sng" algn="ctr">
-          <a:solidFill>
-            <a:schemeClr val="phClr">
-              <a:shade val="95000"/>
-              <a:satMod val="105000"/>
-            </a:schemeClr>
-          </a:solidFill>
-          <a:prstDash val="solid"/>
-        </a:ln>
-        <a:ln w="25400" cap="flat" cmpd="sng" algn="ctr">
-          <a:solidFill>
-            <a:schemeClr val="phClr"/>
-          </a:solidFill>
-          <a:prstDash val="solid"/>
-        </a:ln>
-        <a:ln w="38100" cap="flat" cmpd="sng" algn="ctr">
-          <a:solidFill>
-            <a:schemeClr val="phClr"/>
-          </a:solidFill>
-          <a:prstDash val="solid"/>
-        </a:ln>
-      </a:lnStyleLst>
-      <a:effectStyleLst>
-        <a:effectStyle>
-          <a:effectLst>
-            <a:outerShdw blurRad="40000" dist="20000" dir="5400000" rotWithShape="0">
-              <a:srgbClr val="000000">
-                <a:alpha val="38000"/>
-              </a:srgbClr>
-            </a:outerShdw>
-          </a:effectLst>
-        </a:effectStyle>
-        <a:effectStyle>
-          <a:effectLst>
-            <a:outerShdw blurRad="40000" dist="23000" dir="5400000" rotWithShape="0">
-              <a:srgbClr val="000000">
-                <a:alpha val="35000"/>
-              </a:srgbClr>
-            </a:outerShdw>
-          </a:effectLst>
-        </a:effectStyle>
-        <a:effectStyle>
-          <a:effectLst>
-            <a:outerShdw blurRad="40000" dist="23000" dir="5400000" rotWithShape="0">
-              <a:srgbClr val="000000">
-                <a:alpha val="35000"/>
-              </a:srgbClr>
-            </a:outerShdw>
-          </a:effectLst>
-          <a:scene3d>
-            <a:camera prst="orthographicFront">
-              <a:rot lat="0" lon="0" rev="0"/>
-            </a:camera>
-            <a:lightRig rig="threePt" dir="t">
-              <a:rot lat="0" lon="0" rev="1200000"/>
-            </a:lightRig>
-          </a:scene3d>
-          <a:sp3d>
-            <a:bevelT w="63500" h="25400"/>
-          </a:sp3d>
-        </a:effectStyle>
-      </a:effectStyleLst>
-      <a:bgFillStyleLst>
-        <a:solidFill>
-          <a:schemeClr val="phClr"/>
-        </a:solidFill>
-        <a:gradFill rotWithShape="1">
-          <a:gsLst>
-            <a:gs pos="0">
-              <a:schemeClr val="phClr">
-                <a:tint val="40000"/>
-                <a:satMod val="350000"/>
-              </a:schemeClr>
-            </a:gs>
-            <a:gs pos="40000">
-              <a:schemeClr val="phClr">
-                <a:tint val="45000"/>
-                <a:shade val="99000"/>
-                <a:satMod val="350000"/>
-              </a:schemeClr>
-            </a:gs>
-            <a:gs pos="100000">
-              <a:schemeClr val="phClr">
-                <a:shade val="20000"/>
-                <a:satMod val="255000"/>
-              </a:schemeClr>
-            </a:gs>
-          </a:gsLst>
-          <a:path path="circle">
-            <a:fillToRect l="50000" t="-80000" r="50000" b="180000"/>
-          </a:path>
-        </a:gradFill>
-        <a:gradFill rotWithShape="1">
-          <a:gsLst>
-            <a:gs pos="0">
-              <a:schemeClr val="phClr">
-                <a:tint val="80000"/>
-                <a:satMod val="300000"/>
-              </a:schemeClr>
-            </a:gs>
-            <a:gs pos="100000">
-              <a:schemeClr val="phClr">
-                <a:shade val="30000"/>
-                <a:satMod val="200000"/>
-              </a:schemeClr>
-            </a:gs>
-          </a:gsLst>
-          <a:path path="circle">
-            <a:fillToRect l="50000" t="50000" r="50000" b="50000"/>
-          </a:path>
-        </a:gradFill>
-      </a:bgFillStyleLst>
-    </a:fmtScheme>
-  </a:themeElements>
+  <a:objectDefaults/>
+  <a:extraClrSchemeLst/>
 </a:theme>
 </file>
--- a/lectures/4. Psychoacoustic principles.pptx
+++ b/lectures/4. Psychoacoustic principles.pptx
@@ -5,7 +5,7 @@
     <p:sldMasterId id="2147483659" r:id="rId1"/>
   </p:sldMasterIdLst>
   <p:notesMasterIdLst>
-    <p:notesMasterId r:id="rId22"/>
+    <p:notesMasterId r:id="rId23"/>
   </p:notesMasterIdLst>
   <p:sldIdLst>
     <p:sldId id="256" r:id="rId2"/>
@@ -13,21 +13,22 @@
     <p:sldId id="258" r:id="rId4"/>
     <p:sldId id="259" r:id="rId5"/>
     <p:sldId id="260" r:id="rId6"/>
-    <p:sldId id="261" r:id="rId7"/>
-    <p:sldId id="262" r:id="rId8"/>
-    <p:sldId id="263" r:id="rId9"/>
-    <p:sldId id="264" r:id="rId10"/>
+    <p:sldId id="287" r:id="rId7"/>
+    <p:sldId id="288" r:id="rId8"/>
+    <p:sldId id="262" r:id="rId9"/>
+    <p:sldId id="263" r:id="rId10"/>
     <p:sldId id="265" r:id="rId11"/>
     <p:sldId id="266" r:id="rId12"/>
-    <p:sldId id="285" r:id="rId13"/>
-    <p:sldId id="267" r:id="rId14"/>
-    <p:sldId id="268" r:id="rId15"/>
-    <p:sldId id="286" r:id="rId16"/>
-    <p:sldId id="269" r:id="rId17"/>
-    <p:sldId id="270" r:id="rId18"/>
-    <p:sldId id="271" r:id="rId19"/>
-    <p:sldId id="272" r:id="rId20"/>
-    <p:sldId id="284" r:id="rId21"/>
+    <p:sldId id="264" r:id="rId13"/>
+    <p:sldId id="285" r:id="rId14"/>
+    <p:sldId id="267" r:id="rId15"/>
+    <p:sldId id="268" r:id="rId16"/>
+    <p:sldId id="286" r:id="rId17"/>
+    <p:sldId id="269" r:id="rId18"/>
+    <p:sldId id="270" r:id="rId19"/>
+    <p:sldId id="271" r:id="rId20"/>
+    <p:sldId id="272" r:id="rId21"/>
+    <p:sldId id="284" r:id="rId22"/>
   </p:sldIdLst>
   <p:sldSz cx="9144000" cy="5143500" type="screen16x9"/>
   <p:notesSz cx="6858000" cy="9144000"/>
@@ -1037,6 +1038,110 @@
   <p:cSld>
     <p:spTree>
       <p:nvGrpSpPr>
+        <p:cNvPr id="1" name="Shape 101"/>
+        <p:cNvGrpSpPr/>
+        <p:nvPr/>
+      </p:nvGrpSpPr>
+      <p:grpSpPr>
+        <a:xfrm>
+          <a:off x="0" y="0"/>
+          <a:ext cx="0" cy="0"/>
+          <a:chOff x="0" y="0"/>
+          <a:chExt cx="0" cy="0"/>
+        </a:xfrm>
+      </p:grpSpPr>
+      <p:sp>
+        <p:nvSpPr>
+          <p:cNvPr id="102" name="Google Shape;102;g2f33106c262_0_29:notes"/>
+          <p:cNvSpPr>
+            <a:spLocks noGrp="1" noRot="1" noChangeAspect="1"/>
+          </p:cNvSpPr>
+          <p:nvPr>
+            <p:ph type="sldImg" idx="2"/>
+          </p:nvPr>
+        </p:nvSpPr>
+        <p:spPr>
+          <a:xfrm>
+            <a:off x="381000" y="685800"/>
+            <a:ext cx="6096000" cy="3429000"/>
+          </a:xfrm>
+          <a:custGeom>
+            <a:avLst/>
+            <a:gdLst/>
+            <a:ahLst/>
+            <a:cxnLst/>
+            <a:rect l="l" t="t" r="r" b="b"/>
+            <a:pathLst>
+              <a:path w="120000" h="120000" extrusionOk="0">
+                <a:moveTo>
+                  <a:pt x="0" y="0"/>
+                </a:moveTo>
+                <a:lnTo>
+                  <a:pt x="120000" y="0"/>
+                </a:lnTo>
+                <a:lnTo>
+                  <a:pt x="120000" y="120000"/>
+                </a:lnTo>
+                <a:lnTo>
+                  <a:pt x="0" y="120000"/>
+                </a:lnTo>
+                <a:close/>
+              </a:path>
+            </a:pathLst>
+          </a:custGeom>
+        </p:spPr>
+      </p:sp>
+      <p:sp>
+        <p:nvSpPr>
+          <p:cNvPr id="103" name="Google Shape;103;g2f33106c262_0_29:notes"/>
+          <p:cNvSpPr txBox="1">
+            <a:spLocks noGrp="1"/>
+          </p:cNvSpPr>
+          <p:nvPr>
+            <p:ph type="body" idx="1"/>
+          </p:nvPr>
+        </p:nvSpPr>
+        <p:spPr>
+          <a:xfrm>
+            <a:off x="685800" y="4343400"/>
+            <a:ext cx="5486400" cy="4114800"/>
+          </a:xfrm>
+          <a:prstGeom prst="rect">
+            <a:avLst/>
+          </a:prstGeom>
+        </p:spPr>
+        <p:txBody>
+          <a:bodyPr spcFirstLastPara="1" wrap="square" lIns="91425" tIns="91425" rIns="91425" bIns="91425" anchor="t" anchorCtr="0">
+            <a:noAutofit/>
+          </a:bodyPr>
+          <a:lstStyle/>
+          <a:p>
+            <a:pPr marL="0" lvl="0" indent="0" algn="l" rtl="0">
+              <a:spcBef>
+                <a:spcPts val="0"/>
+              </a:spcBef>
+              <a:spcAft>
+                <a:spcPts val="0"/>
+              </a:spcAft>
+              <a:buNone/>
+            </a:pPr>
+            <a:endParaRPr/>
+          </a:p>
+        </p:txBody>
+      </p:sp>
+    </p:spTree>
+  </p:cSld>
+  <p:clrMapOvr>
+    <a:masterClrMapping/>
+  </p:clrMapOvr>
+</p:notes>
+</file>
+
+<file path=ppt/notesSlides/notesSlide13.xml><?xml version="1.0" encoding="utf-8"?>
+<p:notes xmlns:a="http://schemas.openxmlformats.org/drawingml/2006/main" xmlns:r="http://schemas.openxmlformats.org/officeDocument/2006/relationships" xmlns:p="http://schemas.openxmlformats.org/presentationml/2006/main" showMasterSp="0" showMasterPhAnim="0">
+  <p:cSld>
+    <p:spTree>
+      <p:nvGrpSpPr>
         <p:cNvPr id="1" name="Shape 120"/>
         <p:cNvGrpSpPr/>
         <p:nvPr/>
@@ -1136,7 +1241,7 @@
 </p:notes>
 </file>
 
-<file path=ppt/notesSlides/notesSlide13.xml><?xml version="1.0" encoding="utf-8"?>
+<file path=ppt/notesSlides/notesSlide14.xml><?xml version="1.0" encoding="utf-8"?>
 <p:notes xmlns:a="http://schemas.openxmlformats.org/drawingml/2006/main" xmlns:r="http://schemas.openxmlformats.org/officeDocument/2006/relationships" xmlns:p="http://schemas.openxmlformats.org/presentationml/2006/main" showMasterSp="0" showMasterPhAnim="0">
   <p:cSld>
     <p:spTree>
@@ -1165,7 +1270,7 @@
         </p:nvSpPr>
         <p:spPr>
           <a:xfrm>
-            <a:off x="381300" y="685800"/>
+            <a:off x="381000" y="685800"/>
             <a:ext cx="6096000" cy="3429000"/>
           </a:xfrm>
           <a:custGeom>
@@ -1240,7 +1345,7 @@
 </p:notes>
 </file>
 
-<file path=ppt/notesSlides/notesSlide14.xml><?xml version="1.0" encoding="utf-8"?>
+<file path=ppt/notesSlides/notesSlide15.xml><?xml version="1.0" encoding="utf-8"?>
 <p:notes xmlns:a="http://schemas.openxmlformats.org/drawingml/2006/main" xmlns:r="http://schemas.openxmlformats.org/officeDocument/2006/relationships" xmlns:p="http://schemas.openxmlformats.org/presentationml/2006/main" showMasterSp="0" showMasterPhAnim="0">
   <p:cSld>
     <p:spTree>
@@ -1344,7 +1449,7 @@
 </p:notes>
 </file>
 
-<file path=ppt/notesSlides/notesSlide15.xml><?xml version="1.0" encoding="utf-8"?>
+<file path=ppt/notesSlides/notesSlide16.xml><?xml version="1.0" encoding="utf-8"?>
 <p:notes xmlns:a="http://schemas.openxmlformats.org/drawingml/2006/main" xmlns:r="http://schemas.openxmlformats.org/officeDocument/2006/relationships" xmlns:p="http://schemas.openxmlformats.org/presentationml/2006/main" showMasterSp="0" showMasterPhAnim="0">
   <p:cSld>
     <p:spTree>
@@ -1448,7 +1553,7 @@
 </p:notes>
 </file>
 
-<file path=ppt/notesSlides/notesSlide16.xml><?xml version="1.0" encoding="utf-8"?>
+<file path=ppt/notesSlides/notesSlide17.xml><?xml version="1.0" encoding="utf-8"?>
 <p:notes xmlns:a="http://schemas.openxmlformats.org/drawingml/2006/main" xmlns:r="http://schemas.openxmlformats.org/officeDocument/2006/relationships" xmlns:p="http://schemas.openxmlformats.org/presentationml/2006/main" showMasterSp="0" showMasterPhAnim="0">
   <p:cSld>
     <p:spTree>
@@ -1552,7 +1657,7 @@
 </p:notes>
 </file>
 
-<file path=ppt/notesSlides/notesSlide17.xml><?xml version="1.0" encoding="utf-8"?>
+<file path=ppt/notesSlides/notesSlide18.xml><?xml version="1.0" encoding="utf-8"?>
 <p:notes xmlns:a="http://schemas.openxmlformats.org/drawingml/2006/main" xmlns:r="http://schemas.openxmlformats.org/officeDocument/2006/relationships" xmlns:p="http://schemas.openxmlformats.org/presentationml/2006/main" showMasterSp="0" showMasterPhAnim="0">
   <p:cSld>
     <p:spTree>
@@ -2077,7 +2182,13 @@
   <p:cSld>
     <p:spTree>
       <p:nvGrpSpPr>
-        <p:cNvPr id="1" name="Shape 82"/>
+        <p:cNvPr id="1" name="Shape 82">
+          <a:extLst>
+            <a:ext uri="{FF2B5EF4-FFF2-40B4-BE49-F238E27FC236}">
+              <a16:creationId xmlns:a16="http://schemas.microsoft.com/office/drawing/2014/main" id="{F6F4AA8E-AA6C-018B-94DA-DA8D8D1374EF}"/>
+            </a:ext>
+          </a:extLst>
+        </p:cNvPr>
         <p:cNvGrpSpPr/>
         <p:nvPr/>
       </p:nvGrpSpPr>
@@ -2091,7 +2202,13 @@
       </p:grpSpPr>
       <p:sp>
         <p:nvSpPr>
-          <p:cNvPr id="83" name="Google Shape;83;g2f33106c262_0_23:notes"/>
+          <p:cNvPr id="83" name="Google Shape;83;g2f33106c262_0_23:notes">
+            <a:extLst>
+              <a:ext uri="{FF2B5EF4-FFF2-40B4-BE49-F238E27FC236}">
+                <a16:creationId xmlns:a16="http://schemas.microsoft.com/office/drawing/2014/main" id="{1722353A-11C8-2F70-E88E-4EA7AD225ECA}"/>
+              </a:ext>
+            </a:extLst>
+          </p:cNvPr>
           <p:cNvSpPr>
             <a:spLocks noGrp="1" noRot="1" noChangeAspect="1"/>
           </p:cNvSpPr>
@@ -2101,7 +2218,7 @@
         </p:nvSpPr>
         <p:spPr>
           <a:xfrm>
-            <a:off x="381300" y="685800"/>
+            <a:off x="381000" y="685800"/>
             <a:ext cx="6096000" cy="3429000"/>
           </a:xfrm>
           <a:custGeom>
@@ -2132,7 +2249,13 @@
       </p:sp>
       <p:sp>
         <p:nvSpPr>
-          <p:cNvPr id="84" name="Google Shape;84;g2f33106c262_0_23:notes"/>
+          <p:cNvPr id="84" name="Google Shape;84;g2f33106c262_0_23:notes">
+            <a:extLst>
+              <a:ext uri="{FF2B5EF4-FFF2-40B4-BE49-F238E27FC236}">
+                <a16:creationId xmlns:a16="http://schemas.microsoft.com/office/drawing/2014/main" id="{0E124677-5CD9-5F25-CBFD-D0217FFF3503}"/>
+              </a:ext>
+            </a:extLst>
+          </p:cNvPr>
           <p:cNvSpPr txBox="1">
             <a:spLocks noGrp="1"/>
           </p:cNvSpPr>
@@ -2169,6 +2292,11 @@
         </p:txBody>
       </p:sp>
     </p:spTree>
+    <p:extLst>
+      <p:ext uri="{BB962C8B-B14F-4D97-AF65-F5344CB8AC3E}">
+        <p14:creationId xmlns:p14="http://schemas.microsoft.com/office/powerpoint/2010/main" val="685236258"/>
+      </p:ext>
+    </p:extLst>
   </p:cSld>
   <p:clrMapOvr>
     <a:masterClrMapping/>
@@ -2177,6 +2305,133 @@
 </file>
 
 <file path=ppt/notesSlides/notesSlide7.xml><?xml version="1.0" encoding="utf-8"?>
+<p:notes xmlns:a="http://schemas.openxmlformats.org/drawingml/2006/main" xmlns:r="http://schemas.openxmlformats.org/officeDocument/2006/relationships" xmlns:p="http://schemas.openxmlformats.org/presentationml/2006/main" showMasterSp="0" showMasterPhAnim="0">
+  <p:cSld>
+    <p:spTree>
+      <p:nvGrpSpPr>
+        <p:cNvPr id="1" name="Shape 82">
+          <a:extLst>
+            <a:ext uri="{FF2B5EF4-FFF2-40B4-BE49-F238E27FC236}">
+              <a16:creationId xmlns:a16="http://schemas.microsoft.com/office/drawing/2014/main" id="{52C92800-6142-DF87-553C-17C4AF49D797}"/>
+            </a:ext>
+          </a:extLst>
+        </p:cNvPr>
+        <p:cNvGrpSpPr/>
+        <p:nvPr/>
+      </p:nvGrpSpPr>
+      <p:grpSpPr>
+        <a:xfrm>
+          <a:off x="0" y="0"/>
+          <a:ext cx="0" cy="0"/>
+          <a:chOff x="0" y="0"/>
+          <a:chExt cx="0" cy="0"/>
+        </a:xfrm>
+      </p:grpSpPr>
+      <p:sp>
+        <p:nvSpPr>
+          <p:cNvPr id="83" name="Google Shape;83;g2f33106c262_0_23:notes">
+            <a:extLst>
+              <a:ext uri="{FF2B5EF4-FFF2-40B4-BE49-F238E27FC236}">
+                <a16:creationId xmlns:a16="http://schemas.microsoft.com/office/drawing/2014/main" id="{03271AD7-2C77-104F-2E65-640DC733F7ED}"/>
+              </a:ext>
+            </a:extLst>
+          </p:cNvPr>
+          <p:cNvSpPr>
+            <a:spLocks noGrp="1" noRot="1" noChangeAspect="1"/>
+          </p:cNvSpPr>
+          <p:nvPr>
+            <p:ph type="sldImg" idx="2"/>
+          </p:nvPr>
+        </p:nvSpPr>
+        <p:spPr>
+          <a:xfrm>
+            <a:off x="381000" y="685800"/>
+            <a:ext cx="6096000" cy="3429000"/>
+          </a:xfrm>
+          <a:custGeom>
+            <a:avLst/>
+            <a:gdLst/>
+            <a:ahLst/>
+            <a:cxnLst/>
+            <a:rect l="l" t="t" r="r" b="b"/>
+            <a:pathLst>
+              <a:path w="120000" h="120000" extrusionOk="0">
+                <a:moveTo>
+                  <a:pt x="0" y="0"/>
+                </a:moveTo>
+                <a:lnTo>
+                  <a:pt x="120000" y="0"/>
+                </a:lnTo>
+                <a:lnTo>
+                  <a:pt x="120000" y="120000"/>
+                </a:lnTo>
+                <a:lnTo>
+                  <a:pt x="0" y="120000"/>
+                </a:lnTo>
+                <a:close/>
+              </a:path>
+            </a:pathLst>
+          </a:custGeom>
+        </p:spPr>
+      </p:sp>
+      <p:sp>
+        <p:nvSpPr>
+          <p:cNvPr id="84" name="Google Shape;84;g2f33106c262_0_23:notes">
+            <a:extLst>
+              <a:ext uri="{FF2B5EF4-FFF2-40B4-BE49-F238E27FC236}">
+                <a16:creationId xmlns:a16="http://schemas.microsoft.com/office/drawing/2014/main" id="{CCFC4F36-CF78-0EFF-ABDB-9F339BFD8EA3}"/>
+              </a:ext>
+            </a:extLst>
+          </p:cNvPr>
+          <p:cNvSpPr txBox="1">
+            <a:spLocks noGrp="1"/>
+          </p:cNvSpPr>
+          <p:nvPr>
+            <p:ph type="body" idx="1"/>
+          </p:nvPr>
+        </p:nvSpPr>
+        <p:spPr>
+          <a:xfrm>
+            <a:off x="685800" y="4343400"/>
+            <a:ext cx="5486400" cy="4114800"/>
+          </a:xfrm>
+          <a:prstGeom prst="rect">
+            <a:avLst/>
+          </a:prstGeom>
+        </p:spPr>
+        <p:txBody>
+          <a:bodyPr spcFirstLastPara="1" wrap="square" lIns="91425" tIns="91425" rIns="91425" bIns="91425" anchor="t" anchorCtr="0">
+            <a:noAutofit/>
+          </a:bodyPr>
+          <a:lstStyle/>
+          <a:p>
+            <a:pPr marL="0" lvl="0" indent="0" algn="l" rtl="0">
+              <a:spcBef>
+                <a:spcPts val="0"/>
+              </a:spcBef>
+              <a:spcAft>
+                <a:spcPts val="0"/>
+              </a:spcAft>
+              <a:buNone/>
+            </a:pPr>
+            <a:endParaRPr/>
+          </a:p>
+        </p:txBody>
+      </p:sp>
+    </p:spTree>
+    <p:extLst>
+      <p:ext uri="{BB962C8B-B14F-4D97-AF65-F5344CB8AC3E}">
+        <p14:creationId xmlns:p14="http://schemas.microsoft.com/office/powerpoint/2010/main" val="931229575"/>
+      </p:ext>
+    </p:extLst>
+  </p:cSld>
+  <p:clrMapOvr>
+    <a:masterClrMapping/>
+  </p:clrMapOvr>
+</p:notes>
+</file>
+
+<file path=ppt/notesSlides/notesSlide8.xml><?xml version="1.0" encoding="utf-8"?>
 <p:notes xmlns:a="http://schemas.openxmlformats.org/drawingml/2006/main" xmlns:r="http://schemas.openxmlformats.org/officeDocument/2006/relationships" xmlns:p="http://schemas.openxmlformats.org/presentationml/2006/main" showMasterSp="0" showMasterPhAnim="0">
   <p:cSld>
     <p:spTree>
@@ -2205,7 +2460,7 @@
         </p:nvSpPr>
         <p:spPr>
           <a:xfrm>
-            <a:off x="381300" y="685800"/>
+            <a:off x="381000" y="685800"/>
             <a:ext cx="6096000" cy="3429000"/>
           </a:xfrm>
           <a:custGeom>
@@ -2280,7 +2535,7 @@
 </p:notes>
 </file>
 
-<file path=ppt/notesSlides/notesSlide8.xml><?xml version="1.0" encoding="utf-8"?>
+<file path=ppt/notesSlides/notesSlide9.xml><?xml version="1.0" encoding="utf-8"?>
 <p:notes xmlns:a="http://schemas.openxmlformats.org/drawingml/2006/main" xmlns:r="http://schemas.openxmlformats.org/officeDocument/2006/relationships" xmlns:p="http://schemas.openxmlformats.org/presentationml/2006/main" showMasterSp="0" showMasterPhAnim="0">
   <p:cSld>
     <p:spTree>
@@ -2341,110 +2596,6 @@
       <p:sp>
         <p:nvSpPr>
           <p:cNvPr id="96" name="Google Shape;96;g2f18d520e3b_0_6:notes"/>
-          <p:cNvSpPr txBox="1">
-            <a:spLocks noGrp="1"/>
-          </p:cNvSpPr>
-          <p:nvPr>
-            <p:ph type="body" idx="1"/>
-          </p:nvPr>
-        </p:nvSpPr>
-        <p:spPr>
-          <a:xfrm>
-            <a:off x="685800" y="4343400"/>
-            <a:ext cx="5486400" cy="4114800"/>
-          </a:xfrm>
-          <a:prstGeom prst="rect">
-            <a:avLst/>
-          </a:prstGeom>
-        </p:spPr>
-        <p:txBody>
-          <a:bodyPr spcFirstLastPara="1" wrap="square" lIns="91425" tIns="91425" rIns="91425" bIns="91425" anchor="t" anchorCtr="0">
-            <a:noAutofit/>
-          </a:bodyPr>
-          <a:lstStyle/>
-          <a:p>
-            <a:pPr marL="0" lvl="0" indent="0" algn="l" rtl="0">
-              <a:spcBef>
-                <a:spcPts val="0"/>
-              </a:spcBef>
-              <a:spcAft>
-                <a:spcPts val="0"/>
-              </a:spcAft>
-              <a:buNone/>
-            </a:pPr>
-            <a:endParaRPr/>
-          </a:p>
-        </p:txBody>
-      </p:sp>
-    </p:spTree>
-  </p:cSld>
-  <p:clrMapOvr>
-    <a:masterClrMapping/>
-  </p:clrMapOvr>
-</p:notes>
-</file>
-
-<file path=ppt/notesSlides/notesSlide9.xml><?xml version="1.0" encoding="utf-8"?>
-<p:notes xmlns:a="http://schemas.openxmlformats.org/drawingml/2006/main" xmlns:r="http://schemas.openxmlformats.org/officeDocument/2006/relationships" xmlns:p="http://schemas.openxmlformats.org/presentationml/2006/main" showMasterSp="0" showMasterPhAnim="0">
-  <p:cSld>
-    <p:spTree>
-      <p:nvGrpSpPr>
-        <p:cNvPr id="1" name="Shape 101"/>
-        <p:cNvGrpSpPr/>
-        <p:nvPr/>
-      </p:nvGrpSpPr>
-      <p:grpSpPr>
-        <a:xfrm>
-          <a:off x="0" y="0"/>
-          <a:ext cx="0" cy="0"/>
-          <a:chOff x="0" y="0"/>
-          <a:chExt cx="0" cy="0"/>
-        </a:xfrm>
-      </p:grpSpPr>
-      <p:sp>
-        <p:nvSpPr>
-          <p:cNvPr id="102" name="Google Shape;102;g2f33106c262_0_29:notes"/>
-          <p:cNvSpPr>
-            <a:spLocks noGrp="1" noRot="1" noChangeAspect="1"/>
-          </p:cNvSpPr>
-          <p:nvPr>
-            <p:ph type="sldImg" idx="2"/>
-          </p:nvPr>
-        </p:nvSpPr>
-        <p:spPr>
-          <a:xfrm>
-            <a:off x="381300" y="685800"/>
-            <a:ext cx="6096000" cy="3429000"/>
-          </a:xfrm>
-          <a:custGeom>
-            <a:avLst/>
-            <a:gdLst/>
-            <a:ahLst/>
-            <a:cxnLst/>
-            <a:rect l="l" t="t" r="r" b="b"/>
-            <a:pathLst>
-              <a:path w="120000" h="120000" extrusionOk="0">
-                <a:moveTo>
-                  <a:pt x="0" y="0"/>
-                </a:moveTo>
-                <a:lnTo>
-                  <a:pt x="120000" y="0"/>
-                </a:lnTo>
-                <a:lnTo>
-                  <a:pt x="120000" y="120000"/>
-                </a:lnTo>
-                <a:lnTo>
-                  <a:pt x="0" y="120000"/>
-                </a:lnTo>
-                <a:close/>
-              </a:path>
-            </a:pathLst>
-          </a:custGeom>
-        </p:spPr>
-      </p:sp>
-      <p:sp>
-        <p:nvSpPr>
-          <p:cNvPr id="103" name="Google Shape;103;g2f33106c262_0_29:notes"/>
           <p:cNvSpPr txBox="1">
             <a:spLocks noGrp="1"/>
           </p:cNvSpPr>
@@ -7555,6 +7706,181 @@
   <p:cSld>
     <p:spTree>
       <p:nvGrpSpPr>
+        <p:cNvPr id="1" name="Shape 104"/>
+        <p:cNvGrpSpPr/>
+        <p:nvPr/>
+      </p:nvGrpSpPr>
+      <p:grpSpPr>
+        <a:xfrm>
+          <a:off x="0" y="0"/>
+          <a:ext cx="0" cy="0"/>
+          <a:chOff x="0" y="0"/>
+          <a:chExt cx="0" cy="0"/>
+        </a:xfrm>
+      </p:grpSpPr>
+      <p:sp>
+        <p:nvSpPr>
+          <p:cNvPr id="105" name="Google Shape;105;p21"/>
+          <p:cNvSpPr txBox="1">
+            <a:spLocks noGrp="1"/>
+          </p:cNvSpPr>
+          <p:nvPr>
+            <p:ph type="title"/>
+          </p:nvPr>
+        </p:nvSpPr>
+        <p:spPr>
+          <a:xfrm>
+            <a:off x="311700" y="445025"/>
+            <a:ext cx="8520600" cy="572700"/>
+          </a:xfrm>
+          <a:prstGeom prst="rect">
+            <a:avLst/>
+          </a:prstGeom>
+        </p:spPr>
+        <p:txBody>
+          <a:bodyPr spcFirstLastPara="1" wrap="square" lIns="91425" tIns="91425" rIns="91425" bIns="91425" anchor="t" anchorCtr="0">
+            <a:normAutofit fontScale="90000"/>
+          </a:bodyPr>
+          <a:lstStyle/>
+          <a:p>
+            <a:pPr marL="0" lvl="0" indent="0" algn="l" rtl="0">
+              <a:spcBef>
+                <a:spcPts val="0"/>
+              </a:spcBef>
+              <a:spcAft>
+                <a:spcPts val="0"/>
+              </a:spcAft>
+              <a:buNone/>
+            </a:pPr>
+            <a:r>
+              <a:rPr lang="en"/>
+              <a:t>Tonality</a:t>
+            </a:r>
+            <a:endParaRPr/>
+          </a:p>
+        </p:txBody>
+      </p:sp>
+      <p:sp>
+        <p:nvSpPr>
+          <p:cNvPr id="106" name="Google Shape;106;p21"/>
+          <p:cNvSpPr txBox="1">
+            <a:spLocks noGrp="1"/>
+          </p:cNvSpPr>
+          <p:nvPr>
+            <p:ph type="body" idx="1"/>
+          </p:nvPr>
+        </p:nvSpPr>
+        <p:spPr>
+          <a:xfrm>
+            <a:off x="311700" y="1152475"/>
+            <a:ext cx="8520600" cy="3416400"/>
+          </a:xfrm>
+          <a:prstGeom prst="rect">
+            <a:avLst/>
+          </a:prstGeom>
+        </p:spPr>
+        <p:txBody>
+          <a:bodyPr spcFirstLastPara="1" wrap="square" lIns="91425" tIns="91425" rIns="91425" bIns="91425" anchor="t" anchorCtr="0">
+            <a:normAutofit/>
+          </a:bodyPr>
+          <a:lstStyle/>
+          <a:p>
+            <a:pPr marL="0" lvl="0" indent="0" algn="l" rtl="0">
+              <a:spcBef>
+                <a:spcPts val="0"/>
+              </a:spcBef>
+              <a:spcAft>
+                <a:spcPts val="0"/>
+              </a:spcAft>
+              <a:buNone/>
+            </a:pPr>
+            <a:r>
+              <a:rPr lang="en"/>
+              <a:t>Tonality index 𝞪:</a:t>
+            </a:r>
+            <a:endParaRPr/>
+          </a:p>
+          <a:p>
+            <a:pPr marL="457200" lvl="0" indent="-342900" algn="l" rtl="0">
+              <a:spcBef>
+                <a:spcPts val="1200"/>
+              </a:spcBef>
+              <a:spcAft>
+                <a:spcPts val="0"/>
+              </a:spcAft>
+              <a:buSzPts val="1800"/>
+              <a:buChar char="●"/>
+            </a:pPr>
+            <a:r>
+              <a:rPr lang="en"/>
+              <a:t>Noisy signal: 𝞪 = 0</a:t>
+            </a:r>
+            <a:endParaRPr/>
+          </a:p>
+          <a:p>
+            <a:pPr marL="457200" lvl="0" indent="-342900" algn="l" rtl="0">
+              <a:spcBef>
+                <a:spcPts val="0"/>
+              </a:spcBef>
+              <a:spcAft>
+                <a:spcPts val="0"/>
+              </a:spcAft>
+              <a:buSzPts val="1800"/>
+              <a:buChar char="●"/>
+            </a:pPr>
+            <a:r>
+              <a:rPr lang="en"/>
+              <a:t>Tonal signal: 𝞪 = 1</a:t>
+            </a:r>
+            <a:endParaRPr/>
+          </a:p>
+          <a:p>
+            <a:pPr marL="0" lvl="0" indent="0" algn="l" rtl="0">
+              <a:spcBef>
+                <a:spcPts val="1200"/>
+              </a:spcBef>
+              <a:spcAft>
+                <a:spcPts val="0"/>
+              </a:spcAft>
+              <a:buNone/>
+            </a:pPr>
+            <a:r>
+              <a:rPr lang="en"/>
+              <a:t>Sharp spectral lines -&gt; signal is periodic -&gt; signal is predictable</a:t>
+            </a:r>
+            <a:endParaRPr/>
+          </a:p>
+          <a:p>
+            <a:pPr marL="0" lvl="0" indent="0" algn="l" rtl="0">
+              <a:spcBef>
+                <a:spcPts val="1200"/>
+              </a:spcBef>
+              <a:spcAft>
+                <a:spcPts val="1200"/>
+              </a:spcAft>
+              <a:buNone/>
+            </a:pPr>
+            <a:r>
+              <a:rPr lang="en"/>
+              <a:t>We can use prediction to approximate if a signal is tonal (by periodicity)</a:t>
+            </a:r>
+            <a:endParaRPr/>
+          </a:p>
+        </p:txBody>
+      </p:sp>
+    </p:spTree>
+  </p:cSld>
+  <p:clrMapOvr>
+    <a:masterClrMapping/>
+  </p:clrMapOvr>
+</p:sld>
+</file>
+
+<file path=ppt/slides/slide13.xml><?xml version="1.0" encoding="utf-8"?>
+<p:sld xmlns:a="http://schemas.openxmlformats.org/drawingml/2006/main" xmlns:r="http://schemas.openxmlformats.org/officeDocument/2006/relationships" xmlns:p="http://schemas.openxmlformats.org/presentationml/2006/main">
+  <p:cSld>
+    <p:spTree>
+      <p:nvGrpSpPr>
         <p:cNvPr id="1" name=""/>
         <p:cNvGrpSpPr/>
         <p:nvPr/>
@@ -7597,6 +7923,41 @@
           </a:prstGeom>
         </p:spPr>
       </p:pic>
+      <p:sp>
+        <p:nvSpPr>
+          <p:cNvPr id="2" name="Title 1">
+            <a:extLst>
+              <a:ext uri="{FF2B5EF4-FFF2-40B4-BE49-F238E27FC236}">
+                <a16:creationId xmlns:a16="http://schemas.microsoft.com/office/drawing/2014/main" id="{9215739E-7D28-1E82-774E-2063E0F5260D}"/>
+              </a:ext>
+            </a:extLst>
+          </p:cNvPr>
+          <p:cNvSpPr>
+            <a:spLocks noGrp="1"/>
+          </p:cNvSpPr>
+          <p:nvPr>
+            <p:ph type="title"/>
+          </p:nvPr>
+        </p:nvSpPr>
+        <p:spPr>
+          <a:xfrm>
+            <a:off x="311700" y="262730"/>
+            <a:ext cx="8520600" cy="572700"/>
+          </a:xfrm>
+        </p:spPr>
+        <p:txBody>
+          <a:bodyPr>
+            <a:normAutofit fontScale="90000"/>
+          </a:bodyPr>
+          <a:lstStyle/>
+          <a:p>
+            <a:r>
+              <a:rPr lang="en-US" dirty="0"/>
+              <a:t>Simultaneous masking</a:t>
+            </a:r>
+          </a:p>
+        </p:txBody>
+      </p:sp>
     </p:spTree>
     <p:extLst>
       <p:ext uri="{BB962C8B-B14F-4D97-AF65-F5344CB8AC3E}">
@@ -7610,7 +7971,7 @@
 </p:sld>
 </file>
 
-<file path=ppt/slides/slide13.xml><?xml version="1.0" encoding="utf-8"?>
+<file path=ppt/slides/slide14.xml><?xml version="1.0" encoding="utf-8"?>
 <p:sld xmlns:a="http://schemas.openxmlformats.org/drawingml/2006/main" xmlns:r="http://schemas.openxmlformats.org/officeDocument/2006/relationships" xmlns:p="http://schemas.openxmlformats.org/presentationml/2006/main">
   <p:cSld>
     <p:spTree>
@@ -7663,7 +8024,7 @@
 </p:sld>
 </file>
 
-<file path=ppt/slides/slide14.xml><?xml version="1.0" encoding="utf-8"?>
+<file path=ppt/slides/slide15.xml><?xml version="1.0" encoding="utf-8"?>
 <p:sld xmlns:a="http://schemas.openxmlformats.org/drawingml/2006/main" xmlns:r="http://schemas.openxmlformats.org/officeDocument/2006/relationships" xmlns:p="http://schemas.openxmlformats.org/presentationml/2006/main">
   <p:cSld>
     <p:spTree>
@@ -7696,8 +8057,8 @@
         </p:blipFill>
         <p:spPr>
           <a:xfrm>
-            <a:off x="1073028" y="720100"/>
-            <a:ext cx="6499994" cy="3891000"/>
+            <a:off x="1503236" y="998483"/>
+            <a:ext cx="5704872" cy="3548420"/>
           </a:xfrm>
           <a:prstGeom prst="rect">
             <a:avLst/>
@@ -7706,6 +8067,71 @@
           <a:ln>
             <a:noFill/>
           </a:ln>
+        </p:spPr>
+      </p:pic>
+      <p:sp>
+        <p:nvSpPr>
+          <p:cNvPr id="2" name="Title 1">
+            <a:extLst>
+              <a:ext uri="{FF2B5EF4-FFF2-40B4-BE49-F238E27FC236}">
+                <a16:creationId xmlns:a16="http://schemas.microsoft.com/office/drawing/2014/main" id="{30A046F4-E3D7-114B-DE7C-6398A93D385B}"/>
+              </a:ext>
+            </a:extLst>
+          </p:cNvPr>
+          <p:cNvSpPr>
+            <a:spLocks noGrp="1"/>
+          </p:cNvSpPr>
+          <p:nvPr>
+            <p:ph type="title"/>
+          </p:nvPr>
+        </p:nvSpPr>
+        <p:spPr>
+          <a:xfrm>
+            <a:off x="311700" y="262730"/>
+            <a:ext cx="8520600" cy="572700"/>
+          </a:xfrm>
+        </p:spPr>
+        <p:txBody>
+          <a:bodyPr>
+            <a:normAutofit fontScale="90000"/>
+          </a:bodyPr>
+          <a:lstStyle/>
+          <a:p>
+            <a:r>
+              <a:rPr lang="en-US" dirty="0"/>
+              <a:t>Global masking threshold</a:t>
+            </a:r>
+          </a:p>
+        </p:txBody>
+      </p:sp>
+      <p:pic>
+        <p:nvPicPr>
+          <p:cNvPr id="4" name="Picture 3" descr="A black and white math symbol&#10;&#10;AI-generated content may be incorrect.">
+            <a:extLst>
+              <a:ext uri="{FF2B5EF4-FFF2-40B4-BE49-F238E27FC236}">
+                <a16:creationId xmlns:a16="http://schemas.microsoft.com/office/drawing/2014/main" id="{1957F67A-F52D-7F78-15A3-61D5FD801CD4}"/>
+              </a:ext>
+            </a:extLst>
+          </p:cNvPr>
+          <p:cNvPicPr>
+            <a:picLocks noChangeAspect="1"/>
+          </p:cNvPicPr>
+          <p:nvPr/>
+        </p:nvPicPr>
+        <p:blipFill>
+          <a:blip r:embed="rId4"/>
+          <a:stretch>
+            <a:fillRect/>
+          </a:stretch>
+        </p:blipFill>
+        <p:spPr>
+          <a:xfrm>
+            <a:off x="2590886" y="4588093"/>
+            <a:ext cx="3962228" cy="518786"/>
+          </a:xfrm>
+          <a:prstGeom prst="rect">
+            <a:avLst/>
+          </a:prstGeom>
         </p:spPr>
       </p:pic>
     </p:spTree>
@@ -7716,7 +8142,7 @@
 </p:sld>
 </file>
 
-<file path=ppt/slides/slide15.xml><?xml version="1.0" encoding="utf-8"?>
+<file path=ppt/slides/slide16.xml><?xml version="1.0" encoding="utf-8"?>
 <p:sld xmlns:a="http://schemas.openxmlformats.org/drawingml/2006/main" xmlns:r="http://schemas.openxmlformats.org/officeDocument/2006/relationships" xmlns:p="http://schemas.openxmlformats.org/presentationml/2006/main">
   <p:cSld>
     <p:spTree>
@@ -7758,7 +8184,7 @@
           <a:p>
             <a:r>
               <a:rPr lang="en-US" dirty="0"/>
-              <a:t>Temporal masking</a:t>
+              <a:t>Non-simultaneous masking</a:t>
             </a:r>
           </a:p>
         </p:txBody>
@@ -7806,7 +8232,7 @@
 </p:sld>
 </file>
 
-<file path=ppt/slides/slide16.xml><?xml version="1.0" encoding="utf-8"?>
+<file path=ppt/slides/slide17.xml><?xml version="1.0" encoding="utf-8"?>
 <p:sld xmlns:a="http://schemas.openxmlformats.org/drawingml/2006/main" xmlns:r="http://schemas.openxmlformats.org/officeDocument/2006/relationships" xmlns:p="http://schemas.openxmlformats.org/presentationml/2006/main">
   <p:cSld>
     <p:spTree>
@@ -7961,7 +8387,7 @@
 </p:sld>
 </file>
 
-<file path=ppt/slides/slide17.xml><?xml version="1.0" encoding="utf-8"?>
+<file path=ppt/slides/slide18.xml><?xml version="1.0" encoding="utf-8"?>
 <p:sld xmlns:a="http://schemas.openxmlformats.org/drawingml/2006/main" xmlns:r="http://schemas.openxmlformats.org/officeDocument/2006/relationships" xmlns:p="http://schemas.openxmlformats.org/presentationml/2006/main">
   <p:cSld>
     <p:spTree>
@@ -8365,7 +8791,7 @@
 </p:sld>
 </file>
 
-<file path=ppt/slides/slide18.xml><?xml version="1.0" encoding="utf-8"?>
+<file path=ppt/slides/slide19.xml><?xml version="1.0" encoding="utf-8"?>
 <p:sld xmlns:a="http://schemas.openxmlformats.org/drawingml/2006/main" xmlns:r="http://schemas.openxmlformats.org/officeDocument/2006/relationships" xmlns:p="http://schemas.openxmlformats.org/presentationml/2006/main">
   <p:cSld>
     <p:spTree>
@@ -8578,246 +9004,7 @@
             </a:pPr>
             <a:r>
               <a:rPr lang="en" dirty="0"/>
-              <a:t>If sub-band gets allocated more code bits than  appropriate, look up new estimate of SNR and repeat step 1.</a:t>
-            </a:r>
-            <a:endParaRPr dirty="0"/>
-          </a:p>
-          <a:p>
-            <a:pPr marL="0" lvl="0" indent="0" algn="l" rtl="0">
-              <a:spcBef>
-                <a:spcPts val="1200"/>
-              </a:spcBef>
-              <a:spcAft>
-                <a:spcPts val="1200"/>
-              </a:spcAft>
-              <a:buNone/>
-            </a:pPr>
-            <a:endParaRPr dirty="0"/>
-          </a:p>
-        </p:txBody>
-      </p:sp>
-    </p:spTree>
-  </p:cSld>
-  <p:clrMapOvr>
-    <a:masterClrMapping/>
-  </p:clrMapOvr>
-</p:sld>
-</file>
-
-<file path=ppt/slides/slide19.xml><?xml version="1.0" encoding="utf-8"?>
-<p:sld xmlns:a="http://schemas.openxmlformats.org/drawingml/2006/main" xmlns:r="http://schemas.openxmlformats.org/officeDocument/2006/relationships" xmlns:p="http://schemas.openxmlformats.org/presentationml/2006/main">
-  <p:cSld>
-    <p:spTree>
-      <p:nvGrpSpPr>
-        <p:cNvPr id="1" name="Shape 152"/>
-        <p:cNvGrpSpPr/>
-        <p:nvPr/>
-      </p:nvGrpSpPr>
-      <p:grpSpPr>
-        <a:xfrm>
-          <a:off x="0" y="0"/>
-          <a:ext cx="0" cy="0"/>
-          <a:chOff x="0" y="0"/>
-          <a:chExt cx="0" cy="0"/>
-        </a:xfrm>
-      </p:grpSpPr>
-      <p:sp>
-        <p:nvSpPr>
-          <p:cNvPr id="153" name="Google Shape;153;p29"/>
-          <p:cNvSpPr txBox="1">
-            <a:spLocks noGrp="1"/>
-          </p:cNvSpPr>
-          <p:nvPr>
-            <p:ph type="title"/>
-          </p:nvPr>
-        </p:nvSpPr>
-        <p:spPr>
-          <a:xfrm>
-            <a:off x="311700" y="399305"/>
-            <a:ext cx="8520600" cy="572700"/>
-          </a:xfrm>
-          <a:prstGeom prst="rect">
-            <a:avLst/>
-          </a:prstGeom>
-        </p:spPr>
-        <p:txBody>
-          <a:bodyPr spcFirstLastPara="1" wrap="square" lIns="91425" tIns="91425" rIns="91425" bIns="91425" anchor="t" anchorCtr="0">
-            <a:normAutofit fontScale="90000"/>
-          </a:bodyPr>
-          <a:lstStyle/>
-          <a:p>
-            <a:pPr marL="0" lvl="0" indent="0" algn="l" rtl="0">
-              <a:spcBef>
-                <a:spcPts val="0"/>
-              </a:spcBef>
-              <a:spcAft>
-                <a:spcPts val="0"/>
-              </a:spcAft>
-              <a:buNone/>
-            </a:pPr>
-            <a:r>
-              <a:rPr lang="en" dirty="0"/>
-              <a:t>Audio Quality</a:t>
-            </a:r>
-            <a:endParaRPr dirty="0"/>
-          </a:p>
-        </p:txBody>
-      </p:sp>
-      <p:sp>
-        <p:nvSpPr>
-          <p:cNvPr id="154" name="Google Shape;154;p29"/>
-          <p:cNvSpPr txBox="1">
-            <a:spLocks noGrp="1"/>
-          </p:cNvSpPr>
-          <p:nvPr>
-            <p:ph type="body" idx="1"/>
-          </p:nvPr>
-        </p:nvSpPr>
-        <p:spPr>
-          <a:xfrm>
-            <a:off x="311700" y="1152475"/>
-            <a:ext cx="8520600" cy="3416400"/>
-          </a:xfrm>
-          <a:prstGeom prst="rect">
-            <a:avLst/>
-          </a:prstGeom>
-        </p:spPr>
-        <p:txBody>
-          <a:bodyPr spcFirstLastPara="1" wrap="square" lIns="91425" tIns="91425" rIns="91425" bIns="91425" anchor="t" anchorCtr="0">
-            <a:normAutofit/>
-          </a:bodyPr>
-          <a:lstStyle/>
-          <a:p>
-            <a:pPr marL="0" lvl="0" indent="0" algn="l" rtl="0">
-              <a:spcBef>
-                <a:spcPts val="0"/>
-              </a:spcBef>
-              <a:spcAft>
-                <a:spcPts val="0"/>
-              </a:spcAft>
-              <a:buNone/>
-            </a:pPr>
-            <a:r>
-              <a:rPr lang="en" dirty="0"/>
-              <a:t>Bitrate </a:t>
-            </a:r>
-            <a:endParaRPr dirty="0"/>
-          </a:p>
-          <a:p>
-            <a:pPr marL="457200" lvl="0" indent="-342900" algn="l" rtl="0">
-              <a:spcBef>
-                <a:spcPts val="1200"/>
-              </a:spcBef>
-              <a:spcAft>
-                <a:spcPts val="0"/>
-              </a:spcAft>
-              <a:buSzPts val="1800"/>
-              <a:buChar char="●"/>
-            </a:pPr>
-            <a:r>
-              <a:rPr lang="en" dirty="0"/>
-              <a:t>With too low bit rate, we get compression artifacts </a:t>
-            </a:r>
-            <a:endParaRPr dirty="0"/>
-          </a:p>
-          <a:p>
-            <a:pPr marL="914400" lvl="1" indent="-317500" algn="l" rtl="0">
-              <a:spcBef>
-                <a:spcPts val="0"/>
-              </a:spcBef>
-              <a:spcAft>
-                <a:spcPts val="0"/>
-              </a:spcAft>
-              <a:buSzPts val="1400"/>
-              <a:buChar char="○"/>
-            </a:pPr>
-            <a:r>
-              <a:rPr lang="en" dirty="0"/>
-              <a:t>Ringing.</a:t>
-            </a:r>
-            <a:endParaRPr dirty="0"/>
-          </a:p>
-          <a:p>
-            <a:pPr marL="914400" lvl="1" indent="-317500" algn="l" rtl="0">
-              <a:spcBef>
-                <a:spcPts val="0"/>
-              </a:spcBef>
-              <a:spcAft>
-                <a:spcPts val="0"/>
-              </a:spcAft>
-              <a:buSzPts val="1400"/>
-              <a:buChar char="○"/>
-            </a:pPr>
-            <a:r>
-              <a:rPr lang="en" dirty="0"/>
-              <a:t>Pre-echo – sound is heard before it occurs. It is most noticeable in impulsive sounds from percussion instruments such as cymbals.</a:t>
-            </a:r>
-            <a:endParaRPr dirty="0"/>
-          </a:p>
-          <a:p>
-            <a:pPr marL="1371600" lvl="2" indent="-317500" algn="l" rtl="0">
-              <a:spcBef>
-                <a:spcPts val="0"/>
-              </a:spcBef>
-              <a:spcAft>
-                <a:spcPts val="0"/>
-              </a:spcAft>
-              <a:buSzPts val="1400"/>
-              <a:buChar char="■"/>
-            </a:pPr>
-            <a:r>
-              <a:rPr lang="en" dirty="0"/>
-              <a:t>Occurs in transform-based audio compression algorithms.</a:t>
-            </a:r>
-            <a:endParaRPr dirty="0"/>
-          </a:p>
-          <a:p>
-            <a:pPr marL="0" lvl="0" indent="0" algn="l" rtl="0">
-              <a:spcBef>
-                <a:spcPts val="1200"/>
-              </a:spcBef>
-              <a:spcAft>
-                <a:spcPts val="0"/>
-              </a:spcAft>
-              <a:buNone/>
-            </a:pPr>
-            <a:r>
-              <a:rPr lang="en" dirty="0"/>
-              <a:t>Quality of encoder and encoding parameters</a:t>
-            </a:r>
-            <a:endParaRPr dirty="0"/>
-          </a:p>
-          <a:p>
-            <a:pPr marL="457200" lvl="0" indent="-342900" algn="l" rtl="0">
-              <a:spcBef>
-                <a:spcPts val="1200"/>
-              </a:spcBef>
-              <a:spcAft>
-                <a:spcPts val="0"/>
-              </a:spcAft>
-              <a:buSzPts val="1800"/>
-              <a:buChar char="●"/>
-            </a:pPr>
-            <a:r>
-              <a:rPr lang="en" dirty="0"/>
-              <a:t>Constant Bit rate encoding </a:t>
-            </a:r>
-            <a:endParaRPr dirty="0"/>
-          </a:p>
-          <a:p>
-            <a:pPr marL="457200" lvl="0" indent="-342900" algn="l" rtl="0">
-              <a:spcBef>
-                <a:spcPts val="0"/>
-              </a:spcBef>
-              <a:spcAft>
-                <a:spcPts val="0"/>
-              </a:spcAft>
-              <a:buSzPts val="1800"/>
-              <a:buChar char="●"/>
-            </a:pPr>
-            <a:r>
-              <a:rPr lang="en" dirty="0"/>
-              <a:t>Variable Bit rate encoding </a:t>
+              <a:t>If sub-band gets allocated more code bits than appropriate, look up new estimate of SNR and repeat step 1.</a:t>
             </a:r>
             <a:endParaRPr dirty="0"/>
           </a:p>
@@ -9073,6 +9260,245 @@
 </file>
 
 <file path=ppt/slides/slide20.xml><?xml version="1.0" encoding="utf-8"?>
+<p:sld xmlns:a="http://schemas.openxmlformats.org/drawingml/2006/main" xmlns:r="http://schemas.openxmlformats.org/officeDocument/2006/relationships" xmlns:p="http://schemas.openxmlformats.org/presentationml/2006/main">
+  <p:cSld>
+    <p:spTree>
+      <p:nvGrpSpPr>
+        <p:cNvPr id="1" name="Shape 152"/>
+        <p:cNvGrpSpPr/>
+        <p:nvPr/>
+      </p:nvGrpSpPr>
+      <p:grpSpPr>
+        <a:xfrm>
+          <a:off x="0" y="0"/>
+          <a:ext cx="0" cy="0"/>
+          <a:chOff x="0" y="0"/>
+          <a:chExt cx="0" cy="0"/>
+        </a:xfrm>
+      </p:grpSpPr>
+      <p:sp>
+        <p:nvSpPr>
+          <p:cNvPr id="153" name="Google Shape;153;p29"/>
+          <p:cNvSpPr txBox="1">
+            <a:spLocks noGrp="1"/>
+          </p:cNvSpPr>
+          <p:nvPr>
+            <p:ph type="title"/>
+          </p:nvPr>
+        </p:nvSpPr>
+        <p:spPr>
+          <a:xfrm>
+            <a:off x="311700" y="399305"/>
+            <a:ext cx="8520600" cy="572700"/>
+          </a:xfrm>
+          <a:prstGeom prst="rect">
+            <a:avLst/>
+          </a:prstGeom>
+        </p:spPr>
+        <p:txBody>
+          <a:bodyPr spcFirstLastPara="1" wrap="square" lIns="91425" tIns="91425" rIns="91425" bIns="91425" anchor="t" anchorCtr="0">
+            <a:normAutofit fontScale="90000"/>
+          </a:bodyPr>
+          <a:lstStyle/>
+          <a:p>
+            <a:pPr marL="0" lvl="0" indent="0" algn="l" rtl="0">
+              <a:spcBef>
+                <a:spcPts val="0"/>
+              </a:spcBef>
+              <a:spcAft>
+                <a:spcPts val="0"/>
+              </a:spcAft>
+              <a:buNone/>
+            </a:pPr>
+            <a:r>
+              <a:rPr lang="en" dirty="0"/>
+              <a:t>Audio Quality</a:t>
+            </a:r>
+            <a:endParaRPr dirty="0"/>
+          </a:p>
+        </p:txBody>
+      </p:sp>
+      <p:sp>
+        <p:nvSpPr>
+          <p:cNvPr id="154" name="Google Shape;154;p29"/>
+          <p:cNvSpPr txBox="1">
+            <a:spLocks noGrp="1"/>
+          </p:cNvSpPr>
+          <p:nvPr>
+            <p:ph type="body" idx="1"/>
+          </p:nvPr>
+        </p:nvSpPr>
+        <p:spPr>
+          <a:xfrm>
+            <a:off x="311700" y="1152475"/>
+            <a:ext cx="8520600" cy="3416400"/>
+          </a:xfrm>
+          <a:prstGeom prst="rect">
+            <a:avLst/>
+          </a:prstGeom>
+        </p:spPr>
+        <p:txBody>
+          <a:bodyPr spcFirstLastPara="1" wrap="square" lIns="91425" tIns="91425" rIns="91425" bIns="91425" anchor="t" anchorCtr="0">
+            <a:normAutofit/>
+          </a:bodyPr>
+          <a:lstStyle/>
+          <a:p>
+            <a:pPr marL="0" lvl="0" indent="0" algn="l" rtl="0">
+              <a:spcBef>
+                <a:spcPts val="0"/>
+              </a:spcBef>
+              <a:spcAft>
+                <a:spcPts val="0"/>
+              </a:spcAft>
+              <a:buNone/>
+            </a:pPr>
+            <a:r>
+              <a:rPr lang="en" dirty="0"/>
+              <a:t>Bitrate </a:t>
+            </a:r>
+            <a:endParaRPr dirty="0"/>
+          </a:p>
+          <a:p>
+            <a:pPr marL="457200" lvl="0" indent="-342900" algn="l" rtl="0">
+              <a:spcBef>
+                <a:spcPts val="1200"/>
+              </a:spcBef>
+              <a:spcAft>
+                <a:spcPts val="0"/>
+              </a:spcAft>
+              <a:buSzPts val="1800"/>
+              <a:buChar char="●"/>
+            </a:pPr>
+            <a:r>
+              <a:rPr lang="en" dirty="0"/>
+              <a:t>With too low bit rate, we get compression artifacts </a:t>
+            </a:r>
+            <a:endParaRPr dirty="0"/>
+          </a:p>
+          <a:p>
+            <a:pPr marL="914400" lvl="1" indent="-317500" algn="l" rtl="0">
+              <a:spcBef>
+                <a:spcPts val="0"/>
+              </a:spcBef>
+              <a:spcAft>
+                <a:spcPts val="0"/>
+              </a:spcAft>
+              <a:buSzPts val="1400"/>
+              <a:buChar char="○"/>
+            </a:pPr>
+            <a:r>
+              <a:rPr lang="en" dirty="0"/>
+              <a:t>Ringing.</a:t>
+            </a:r>
+            <a:endParaRPr dirty="0"/>
+          </a:p>
+          <a:p>
+            <a:pPr marL="914400" lvl="1" indent="-317500" algn="l" rtl="0">
+              <a:spcBef>
+                <a:spcPts val="0"/>
+              </a:spcBef>
+              <a:spcAft>
+                <a:spcPts val="0"/>
+              </a:spcAft>
+              <a:buSzPts val="1400"/>
+              <a:buChar char="○"/>
+            </a:pPr>
+            <a:r>
+              <a:rPr lang="en" dirty="0"/>
+              <a:t>Pre-echo – sound is heard before it occurs. It is most noticeable in impulsive sounds from percussion instruments such as cymbals.</a:t>
+            </a:r>
+            <a:endParaRPr dirty="0"/>
+          </a:p>
+          <a:p>
+            <a:pPr marL="1371600" lvl="2" indent="-317500" algn="l" rtl="0">
+              <a:spcBef>
+                <a:spcPts val="0"/>
+              </a:spcBef>
+              <a:spcAft>
+                <a:spcPts val="0"/>
+              </a:spcAft>
+              <a:buSzPts val="1400"/>
+              <a:buChar char="■"/>
+            </a:pPr>
+            <a:r>
+              <a:rPr lang="en" dirty="0"/>
+              <a:t>Occurs in transform-based audio compression algorithms.</a:t>
+            </a:r>
+            <a:endParaRPr dirty="0"/>
+          </a:p>
+          <a:p>
+            <a:pPr marL="0" lvl="0" indent="0" algn="l" rtl="0">
+              <a:spcBef>
+                <a:spcPts val="1200"/>
+              </a:spcBef>
+              <a:spcAft>
+                <a:spcPts val="0"/>
+              </a:spcAft>
+              <a:buNone/>
+            </a:pPr>
+            <a:r>
+              <a:rPr lang="en" dirty="0"/>
+              <a:t>Quality of encoder and encoding parameters</a:t>
+            </a:r>
+            <a:endParaRPr dirty="0"/>
+          </a:p>
+          <a:p>
+            <a:pPr marL="457200" lvl="0" indent="-342900" algn="l" rtl="0">
+              <a:spcBef>
+                <a:spcPts val="1200"/>
+              </a:spcBef>
+              <a:spcAft>
+                <a:spcPts val="0"/>
+              </a:spcAft>
+              <a:buSzPts val="1800"/>
+              <a:buChar char="●"/>
+            </a:pPr>
+            <a:r>
+              <a:rPr lang="en" dirty="0"/>
+              <a:t>Constant Bit rate encoding </a:t>
+            </a:r>
+            <a:endParaRPr dirty="0"/>
+          </a:p>
+          <a:p>
+            <a:pPr marL="457200" lvl="0" indent="-342900" algn="l" rtl="0">
+              <a:spcBef>
+                <a:spcPts val="0"/>
+              </a:spcBef>
+              <a:spcAft>
+                <a:spcPts val="0"/>
+              </a:spcAft>
+              <a:buSzPts val="1800"/>
+              <a:buChar char="●"/>
+            </a:pPr>
+            <a:r>
+              <a:rPr lang="en" dirty="0"/>
+              <a:t>Variable Bit rate encoding </a:t>
+            </a:r>
+            <a:endParaRPr dirty="0"/>
+          </a:p>
+          <a:p>
+            <a:pPr marL="0" lvl="0" indent="0" algn="l" rtl="0">
+              <a:spcBef>
+                <a:spcPts val="1200"/>
+              </a:spcBef>
+              <a:spcAft>
+                <a:spcPts val="1200"/>
+              </a:spcAft>
+              <a:buNone/>
+            </a:pPr>
+            <a:endParaRPr dirty="0"/>
+          </a:p>
+        </p:txBody>
+      </p:sp>
+    </p:spTree>
+  </p:cSld>
+  <p:clrMapOvr>
+    <a:masterClrMapping/>
+  </p:clrMapOvr>
+</p:sld>
+</file>
+
+<file path=ppt/slides/slide21.xml><?xml version="1.0" encoding="utf-8"?>
 <p:sld xmlns:a="http://schemas.openxmlformats.org/drawingml/2006/main" xmlns:r="http://schemas.openxmlformats.org/officeDocument/2006/relationships" xmlns:p="http://schemas.openxmlformats.org/presentationml/2006/main">
   <p:cSld>
     <p:spTree>
@@ -9162,9 +9588,36 @@
             </a:r>
           </a:p>
           <a:p>
-            <a:pPr marL="114300" indent="0">
-              <a:buNone/>
-            </a:pPr>
+            <a:r>
+              <a:rPr lang="en-US" dirty="0">
+                <a:hlinkClick r:id="rId2"/>
+              </a:rPr>
+              <a:t>https://github.com/xserra/audio-coding-materials/</a:t>
+            </a:r>
+            <a:endParaRPr lang="en-US" dirty="0"/>
+          </a:p>
+          <a:p>
+            <a:pPr lvl="1"/>
+            <a:r>
+              <a:rPr lang="en-US" dirty="0"/>
+              <a:t>examples/frequency-</a:t>
+            </a:r>
+            <a:r>
+              <a:rPr lang="en-US" dirty="0" err="1"/>
+              <a:t>masking.ipynb</a:t>
+            </a:r>
+            <a:endParaRPr lang="en-US" dirty="0"/>
+          </a:p>
+          <a:p>
+            <a:pPr lvl="1"/>
+            <a:r>
+              <a:rPr lang="en-US" dirty="0"/>
+              <a:t>examples/threshold-</a:t>
+            </a:r>
+            <a:r>
+              <a:rPr lang="en-US" dirty="0" err="1"/>
+              <a:t>quiet.ipynb</a:t>
+            </a:r>
             <a:endParaRPr lang="en-US" dirty="0"/>
           </a:p>
         </p:txBody>
@@ -9724,7 +10177,13 @@
   <p:cSld>
     <p:spTree>
       <p:nvGrpSpPr>
-        <p:cNvPr id="1" name="Shape 85"/>
+        <p:cNvPr id="1" name="Shape 85">
+          <a:extLst>
+            <a:ext uri="{FF2B5EF4-FFF2-40B4-BE49-F238E27FC236}">
+              <a16:creationId xmlns:a16="http://schemas.microsoft.com/office/drawing/2014/main" id="{0A8AC5AD-A9F0-565F-ED62-8E28089D62C8}"/>
+            </a:ext>
+          </a:extLst>
+        </p:cNvPr>
         <p:cNvGrpSpPr/>
         <p:nvPr/>
       </p:nvGrpSpPr>
@@ -9738,7 +10197,13 @@
       </p:grpSpPr>
       <p:sp>
         <p:nvSpPr>
-          <p:cNvPr id="86" name="Google Shape;86;p18"/>
+          <p:cNvPr id="86" name="Google Shape;86;p18">
+            <a:extLst>
+              <a:ext uri="{FF2B5EF4-FFF2-40B4-BE49-F238E27FC236}">
+                <a16:creationId xmlns:a16="http://schemas.microsoft.com/office/drawing/2014/main" id="{F339E9F1-A52B-5D3E-BEB4-4732286DF61D}"/>
+              </a:ext>
+            </a:extLst>
+          </p:cNvPr>
           <p:cNvSpPr txBox="1">
             <a:spLocks noGrp="1"/>
           </p:cNvSpPr>
@@ -9780,33 +10245,201 @@
       </p:sp>
       <p:pic>
         <p:nvPicPr>
-          <p:cNvPr id="87" name="Google Shape;87;p18"/>
-          <p:cNvPicPr preferRelativeResize="0"/>
+          <p:cNvPr id="3" name="Picture 2" descr="A graph of a function&#10;&#10;AI-generated content may be incorrect.">
+            <a:extLst>
+              <a:ext uri="{FF2B5EF4-FFF2-40B4-BE49-F238E27FC236}">
+                <a16:creationId xmlns:a16="http://schemas.microsoft.com/office/drawing/2014/main" id="{A982A153-15F4-CD58-E3A5-40E8945FD3DA}"/>
+              </a:ext>
+            </a:extLst>
+          </p:cNvPr>
+          <p:cNvPicPr>
+            <a:picLocks noChangeAspect="1"/>
+          </p:cNvPicPr>
           <p:nvPr/>
         </p:nvPicPr>
         <p:blipFill>
-          <a:blip r:embed="rId3">
-            <a:alphaModFix/>
-          </a:blip>
+          <a:blip r:embed="rId3"/>
           <a:stretch>
             <a:fillRect/>
           </a:stretch>
         </p:blipFill>
         <p:spPr>
           <a:xfrm>
-            <a:off x="1274300" y="1179725"/>
-            <a:ext cx="6238875" cy="3771900"/>
+            <a:off x="635100" y="842904"/>
+            <a:ext cx="3606628" cy="2881034"/>
+          </a:xfrm>
+          <a:prstGeom prst="rect">
+            <a:avLst/>
+          </a:prstGeom>
+        </p:spPr>
+      </p:pic>
+      <p:pic>
+        <p:nvPicPr>
+          <p:cNvPr id="5" name="Picture 4" descr="A graph of a function&#10;&#10;AI-generated content may be incorrect.">
+            <a:extLst>
+              <a:ext uri="{FF2B5EF4-FFF2-40B4-BE49-F238E27FC236}">
+                <a16:creationId xmlns:a16="http://schemas.microsoft.com/office/drawing/2014/main" id="{71541D72-B279-2D6E-57A3-ACBD5AC82D22}"/>
+              </a:ext>
+            </a:extLst>
+          </p:cNvPr>
+          <p:cNvPicPr>
+            <a:picLocks noChangeAspect="1"/>
+          </p:cNvPicPr>
+          <p:nvPr/>
+        </p:nvPicPr>
+        <p:blipFill>
+          <a:blip r:embed="rId4"/>
+          <a:stretch>
+            <a:fillRect/>
+          </a:stretch>
+        </p:blipFill>
+        <p:spPr>
+          <a:xfrm>
+            <a:off x="4819108" y="842904"/>
+            <a:ext cx="3771412" cy="3022556"/>
+          </a:xfrm>
+          <a:prstGeom prst="rect">
+            <a:avLst/>
+          </a:prstGeom>
+        </p:spPr>
+      </p:pic>
+      <p:sp>
+        <p:nvSpPr>
+          <p:cNvPr id="7" name="TextBox 6">
+            <a:extLst>
+              <a:ext uri="{FF2B5EF4-FFF2-40B4-BE49-F238E27FC236}">
+                <a16:creationId xmlns:a16="http://schemas.microsoft.com/office/drawing/2014/main" id="{3B288A06-2EBF-9E4C-B9F9-E97266D18AEA}"/>
+              </a:ext>
+            </a:extLst>
+          </p:cNvPr>
+          <p:cNvSpPr txBox="1"/>
+          <p:nvPr/>
+        </p:nvSpPr>
+        <p:spPr>
+          <a:xfrm>
+            <a:off x="996020" y="3821539"/>
+            <a:ext cx="3245708" cy="307777"/>
           </a:xfrm>
           <a:prstGeom prst="rect">
             <a:avLst/>
           </a:prstGeom>
           <a:noFill/>
-          <a:ln>
-            <a:noFill/>
-          </a:ln>
+        </p:spPr>
+        <p:txBody>
+          <a:bodyPr wrap="square" rtlCol="0">
+            <a:spAutoFit/>
+          </a:bodyPr>
+          <a:lstStyle/>
+          <a:p>
+            <a:r>
+              <a:rPr lang="en-US" dirty="0"/>
+              <a:t>Critical band mapping from Hz to Bark  </a:t>
+            </a:r>
+          </a:p>
+        </p:txBody>
+      </p:sp>
+      <p:sp>
+        <p:nvSpPr>
+          <p:cNvPr id="8" name="TextBox 7">
+            <a:extLst>
+              <a:ext uri="{FF2B5EF4-FFF2-40B4-BE49-F238E27FC236}">
+                <a16:creationId xmlns:a16="http://schemas.microsoft.com/office/drawing/2014/main" id="{AC4D3351-7B47-03A4-6192-FDA4B0C11123}"/>
+              </a:ext>
+            </a:extLst>
+          </p:cNvPr>
+          <p:cNvSpPr txBox="1"/>
+          <p:nvPr/>
+        </p:nvSpPr>
+        <p:spPr>
+          <a:xfrm>
+            <a:off x="5263192" y="3883857"/>
+            <a:ext cx="3245708" cy="523220"/>
+          </a:xfrm>
+          <a:prstGeom prst="rect">
+            <a:avLst/>
+          </a:prstGeom>
+          <a:noFill/>
+        </p:spPr>
+        <p:txBody>
+          <a:bodyPr wrap="square" rtlCol="0">
+            <a:spAutoFit/>
+          </a:bodyPr>
+          <a:lstStyle/>
+          <a:p>
+            <a:pPr algn="ctr"/>
+            <a:r>
+              <a:rPr lang="en-US" dirty="0"/>
+              <a:t>Critical bandwidth as a function of center frequency</a:t>
+            </a:r>
+          </a:p>
+        </p:txBody>
+      </p:sp>
+      <p:pic>
+        <p:nvPicPr>
+          <p:cNvPr id="10" name="Picture 9" descr="A black numbers on a white background&#10;&#10;AI-generated content may be incorrect.">
+            <a:extLst>
+              <a:ext uri="{FF2B5EF4-FFF2-40B4-BE49-F238E27FC236}">
+                <a16:creationId xmlns:a16="http://schemas.microsoft.com/office/drawing/2014/main" id="{91C44F94-6E15-41CC-CE0B-3C584566DCA9}"/>
+              </a:ext>
+            </a:extLst>
+          </p:cNvPr>
+          <p:cNvPicPr>
+            <a:picLocks noChangeAspect="1"/>
+          </p:cNvPicPr>
+          <p:nvPr/>
+        </p:nvPicPr>
+        <p:blipFill>
+          <a:blip r:embed="rId5"/>
+          <a:stretch>
+            <a:fillRect/>
+          </a:stretch>
+        </p:blipFill>
+        <p:spPr>
+          <a:xfrm>
+            <a:off x="524318" y="4218449"/>
+            <a:ext cx="4047682" cy="559554"/>
+          </a:xfrm>
+          <a:prstGeom prst="rect">
+            <a:avLst/>
+          </a:prstGeom>
+        </p:spPr>
+      </p:pic>
+      <p:pic>
+        <p:nvPicPr>
+          <p:cNvPr id="12" name="Picture 11">
+            <a:extLst>
+              <a:ext uri="{FF2B5EF4-FFF2-40B4-BE49-F238E27FC236}">
+                <a16:creationId xmlns:a16="http://schemas.microsoft.com/office/drawing/2014/main" id="{65059FE0-B0D2-147A-9A96-25EE0AB8C8EE}"/>
+              </a:ext>
+            </a:extLst>
+          </p:cNvPr>
+          <p:cNvPicPr>
+            <a:picLocks noChangeAspect="1"/>
+          </p:cNvPicPr>
+          <p:nvPr/>
+        </p:nvPicPr>
+        <p:blipFill>
+          <a:blip r:embed="rId6"/>
+          <a:stretch>
+            <a:fillRect/>
+          </a:stretch>
+        </p:blipFill>
+        <p:spPr>
+          <a:xfrm>
+            <a:off x="5631215" y="4448267"/>
+            <a:ext cx="2877685" cy="247467"/>
+          </a:xfrm>
+          <a:prstGeom prst="rect">
+            <a:avLst/>
+          </a:prstGeom>
         </p:spPr>
       </p:pic>
     </p:spTree>
+    <p:extLst>
+      <p:ext uri="{BB962C8B-B14F-4D97-AF65-F5344CB8AC3E}">
+        <p14:creationId xmlns:p14="http://schemas.microsoft.com/office/powerpoint/2010/main" val="1069035357"/>
+      </p:ext>
+    </p:extLst>
   </p:cSld>
   <p:clrMapOvr>
     <a:masterClrMapping/>
@@ -9815,6 +10448,120 @@
 </file>
 
 <file path=ppt/slides/slide7.xml><?xml version="1.0" encoding="utf-8"?>
+<p:sld xmlns:a="http://schemas.openxmlformats.org/drawingml/2006/main" xmlns:r="http://schemas.openxmlformats.org/officeDocument/2006/relationships" xmlns:p="http://schemas.openxmlformats.org/presentationml/2006/main">
+  <p:cSld>
+    <p:spTree>
+      <p:nvGrpSpPr>
+        <p:cNvPr id="1" name="Shape 85">
+          <a:extLst>
+            <a:ext uri="{FF2B5EF4-FFF2-40B4-BE49-F238E27FC236}">
+              <a16:creationId xmlns:a16="http://schemas.microsoft.com/office/drawing/2014/main" id="{A6812BC5-1601-F6B3-8721-3B5B25308C24}"/>
+            </a:ext>
+          </a:extLst>
+        </p:cNvPr>
+        <p:cNvGrpSpPr/>
+        <p:nvPr/>
+      </p:nvGrpSpPr>
+      <p:grpSpPr>
+        <a:xfrm>
+          <a:off x="0" y="0"/>
+          <a:ext cx="0" cy="0"/>
+          <a:chOff x="0" y="0"/>
+          <a:chExt cx="0" cy="0"/>
+        </a:xfrm>
+      </p:grpSpPr>
+      <p:sp>
+        <p:nvSpPr>
+          <p:cNvPr id="86" name="Google Shape;86;p18">
+            <a:extLst>
+              <a:ext uri="{FF2B5EF4-FFF2-40B4-BE49-F238E27FC236}">
+                <a16:creationId xmlns:a16="http://schemas.microsoft.com/office/drawing/2014/main" id="{3F555BE6-6594-F7D3-F4C7-6C8BBB9AA0A1}"/>
+              </a:ext>
+            </a:extLst>
+          </p:cNvPr>
+          <p:cNvSpPr txBox="1">
+            <a:spLocks noGrp="1"/>
+          </p:cNvSpPr>
+          <p:nvPr>
+            <p:ph type="title"/>
+          </p:nvPr>
+        </p:nvSpPr>
+        <p:spPr>
+          <a:xfrm>
+            <a:off x="311700" y="216425"/>
+            <a:ext cx="3024624" cy="961586"/>
+          </a:xfrm>
+          <a:prstGeom prst="rect">
+            <a:avLst/>
+          </a:prstGeom>
+        </p:spPr>
+        <p:txBody>
+          <a:bodyPr spcFirstLastPara="1" wrap="square" lIns="91425" tIns="91425" rIns="91425" bIns="91425" anchor="t" anchorCtr="0">
+            <a:normAutofit fontScale="90000"/>
+          </a:bodyPr>
+          <a:lstStyle/>
+          <a:p>
+            <a:pPr marL="0" lvl="0" indent="0" algn="l" rtl="0">
+              <a:spcBef>
+                <a:spcPts val="0"/>
+              </a:spcBef>
+              <a:spcAft>
+                <a:spcPts val="0"/>
+              </a:spcAft>
+              <a:buNone/>
+            </a:pPr>
+            <a:r>
+              <a:rPr lang="en" dirty="0"/>
+              <a:t>Critical band filter bank</a:t>
+            </a:r>
+            <a:endParaRPr dirty="0"/>
+          </a:p>
+        </p:txBody>
+      </p:sp>
+      <p:pic>
+        <p:nvPicPr>
+          <p:cNvPr id="4" name="Picture 3" descr="A table of numbers and a band&#10;&#10;AI-generated content may be incorrect.">
+            <a:extLst>
+              <a:ext uri="{FF2B5EF4-FFF2-40B4-BE49-F238E27FC236}">
+                <a16:creationId xmlns:a16="http://schemas.microsoft.com/office/drawing/2014/main" id="{63D21149-801D-104F-5D42-E2F89E23024F}"/>
+              </a:ext>
+            </a:extLst>
+          </p:cNvPr>
+          <p:cNvPicPr>
+            <a:picLocks noChangeAspect="1"/>
+          </p:cNvPicPr>
+          <p:nvPr/>
+        </p:nvPicPr>
+        <p:blipFill>
+          <a:blip r:embed="rId3"/>
+          <a:stretch>
+            <a:fillRect/>
+          </a:stretch>
+        </p:blipFill>
+        <p:spPr>
+          <a:xfrm>
+            <a:off x="3402227" y="16218"/>
+            <a:ext cx="5648162" cy="5066527"/>
+          </a:xfrm>
+          <a:prstGeom prst="rect">
+            <a:avLst/>
+          </a:prstGeom>
+        </p:spPr>
+      </p:pic>
+    </p:spTree>
+    <p:extLst>
+      <p:ext uri="{BB962C8B-B14F-4D97-AF65-F5344CB8AC3E}">
+        <p14:creationId xmlns:p14="http://schemas.microsoft.com/office/powerpoint/2010/main" val="1633147376"/>
+      </p:ext>
+    </p:extLst>
+  </p:cSld>
+  <p:clrMapOvr>
+    <a:masterClrMapping/>
+  </p:clrMapOvr>
+</p:sld>
+</file>
+
+<file path=ppt/slides/slide8.xml><?xml version="1.0" encoding="utf-8"?>
 <p:sld xmlns:a="http://schemas.openxmlformats.org/drawingml/2006/main" xmlns:r="http://schemas.openxmlformats.org/officeDocument/2006/relationships" xmlns:p="http://schemas.openxmlformats.org/presentationml/2006/main">
   <p:cSld>
     <p:spTree>
@@ -9843,7 +10590,7 @@
         </p:nvSpPr>
         <p:spPr>
           <a:xfrm>
-            <a:off x="311700" y="445025"/>
+            <a:off x="245798" y="263789"/>
             <a:ext cx="8520600" cy="572700"/>
           </a:xfrm>
           <a:prstGeom prst="rect">
@@ -9856,20 +10603,12 @@
           </a:bodyPr>
           <a:lstStyle/>
           <a:p>
-            <a:pPr marL="0" lvl="0" indent="0" algn="l" rtl="0">
-              <a:spcBef>
-                <a:spcPts val="0"/>
-              </a:spcBef>
-              <a:spcAft>
-                <a:spcPts val="0"/>
-              </a:spcAft>
-              <a:buNone/>
-            </a:pPr>
+            <a:pPr lvl="0"/>
             <a:r>
-              <a:rPr lang="en"/>
-              <a:t>Hearing threshold</a:t>
+              <a:rPr lang="en" dirty="0"/>
+              <a:t>Absolute threshold of hearing</a:t>
             </a:r>
-            <a:endParaRPr/>
+            <a:endParaRPr dirty="0"/>
           </a:p>
         </p:txBody>
       </p:sp>
@@ -9889,8 +10628,8 @@
         </p:blipFill>
         <p:spPr>
           <a:xfrm>
-            <a:off x="1257725" y="1100050"/>
-            <a:ext cx="6258336" cy="3820975"/>
+            <a:off x="1507524" y="972065"/>
+            <a:ext cx="6002596" cy="3492843"/>
           </a:xfrm>
           <a:prstGeom prst="rect">
             <a:avLst/>
@@ -9899,6 +10638,36 @@
           <a:ln>
             <a:noFill/>
           </a:ln>
+        </p:spPr>
+      </p:pic>
+      <p:pic>
+        <p:nvPicPr>
+          <p:cNvPr id="3" name="Picture 2">
+            <a:extLst>
+              <a:ext uri="{FF2B5EF4-FFF2-40B4-BE49-F238E27FC236}">
+                <a16:creationId xmlns:a16="http://schemas.microsoft.com/office/drawing/2014/main" id="{C29E2E9C-7109-3236-C1C6-2952C6501F10}"/>
+              </a:ext>
+            </a:extLst>
+          </p:cNvPr>
+          <p:cNvPicPr>
+            <a:picLocks noChangeAspect="1"/>
+          </p:cNvPicPr>
+          <p:nvPr/>
+        </p:nvPicPr>
+        <p:blipFill>
+          <a:blip r:embed="rId4"/>
+          <a:stretch>
+            <a:fillRect/>
+          </a:stretch>
+        </p:blipFill>
+        <p:spPr>
+          <a:xfrm>
+            <a:off x="1324082" y="4567533"/>
+            <a:ext cx="6495836" cy="434237"/>
+          </a:xfrm>
+          <a:prstGeom prst="rect">
+            <a:avLst/>
+          </a:prstGeom>
         </p:spPr>
       </p:pic>
     </p:spTree>
@@ -9909,7 +10678,7 @@
 </p:sld>
 </file>
 
-<file path=ppt/slides/slide8.xml><?xml version="1.0" encoding="utf-8"?>
+<file path=ppt/slides/slide9.xml><?xml version="1.0" encoding="utf-8"?>
 <p:sld xmlns:a="http://schemas.openxmlformats.org/drawingml/2006/main" xmlns:r="http://schemas.openxmlformats.org/officeDocument/2006/relationships" xmlns:p="http://schemas.openxmlformats.org/presentationml/2006/main">
   <p:cSld>
     <p:spTree>
@@ -10038,181 +10807,6 @@
           </a:ln>
         </p:spPr>
       </p:pic>
-    </p:spTree>
-  </p:cSld>
-  <p:clrMapOvr>
-    <a:masterClrMapping/>
-  </p:clrMapOvr>
-</p:sld>
-</file>
-
-<file path=ppt/slides/slide9.xml><?xml version="1.0" encoding="utf-8"?>
-<p:sld xmlns:a="http://schemas.openxmlformats.org/drawingml/2006/main" xmlns:r="http://schemas.openxmlformats.org/officeDocument/2006/relationships" xmlns:p="http://schemas.openxmlformats.org/presentationml/2006/main">
-  <p:cSld>
-    <p:spTree>
-      <p:nvGrpSpPr>
-        <p:cNvPr id="1" name="Shape 104"/>
-        <p:cNvGrpSpPr/>
-        <p:nvPr/>
-      </p:nvGrpSpPr>
-      <p:grpSpPr>
-        <a:xfrm>
-          <a:off x="0" y="0"/>
-          <a:ext cx="0" cy="0"/>
-          <a:chOff x="0" y="0"/>
-          <a:chExt cx="0" cy="0"/>
-        </a:xfrm>
-      </p:grpSpPr>
-      <p:sp>
-        <p:nvSpPr>
-          <p:cNvPr id="105" name="Google Shape;105;p21"/>
-          <p:cNvSpPr txBox="1">
-            <a:spLocks noGrp="1"/>
-          </p:cNvSpPr>
-          <p:nvPr>
-            <p:ph type="title"/>
-          </p:nvPr>
-        </p:nvSpPr>
-        <p:spPr>
-          <a:xfrm>
-            <a:off x="311700" y="445025"/>
-            <a:ext cx="8520600" cy="572700"/>
-          </a:xfrm>
-          <a:prstGeom prst="rect">
-            <a:avLst/>
-          </a:prstGeom>
-        </p:spPr>
-        <p:txBody>
-          <a:bodyPr spcFirstLastPara="1" wrap="square" lIns="91425" tIns="91425" rIns="91425" bIns="91425" anchor="t" anchorCtr="0">
-            <a:normAutofit fontScale="90000"/>
-          </a:bodyPr>
-          <a:lstStyle/>
-          <a:p>
-            <a:pPr marL="0" lvl="0" indent="0" algn="l" rtl="0">
-              <a:spcBef>
-                <a:spcPts val="0"/>
-              </a:spcBef>
-              <a:spcAft>
-                <a:spcPts val="0"/>
-              </a:spcAft>
-              <a:buNone/>
-            </a:pPr>
-            <a:r>
-              <a:rPr lang="en"/>
-              <a:t>Tonality</a:t>
-            </a:r>
-            <a:endParaRPr/>
-          </a:p>
-        </p:txBody>
-      </p:sp>
-      <p:sp>
-        <p:nvSpPr>
-          <p:cNvPr id="106" name="Google Shape;106;p21"/>
-          <p:cNvSpPr txBox="1">
-            <a:spLocks noGrp="1"/>
-          </p:cNvSpPr>
-          <p:nvPr>
-            <p:ph type="body" idx="1"/>
-          </p:nvPr>
-        </p:nvSpPr>
-        <p:spPr>
-          <a:xfrm>
-            <a:off x="311700" y="1152475"/>
-            <a:ext cx="8520600" cy="3416400"/>
-          </a:xfrm>
-          <a:prstGeom prst="rect">
-            <a:avLst/>
-          </a:prstGeom>
-        </p:spPr>
-        <p:txBody>
-          <a:bodyPr spcFirstLastPara="1" wrap="square" lIns="91425" tIns="91425" rIns="91425" bIns="91425" anchor="t" anchorCtr="0">
-            <a:normAutofit/>
-          </a:bodyPr>
-          <a:lstStyle/>
-          <a:p>
-            <a:pPr marL="0" lvl="0" indent="0" algn="l" rtl="0">
-              <a:spcBef>
-                <a:spcPts val="0"/>
-              </a:spcBef>
-              <a:spcAft>
-                <a:spcPts val="0"/>
-              </a:spcAft>
-              <a:buNone/>
-            </a:pPr>
-            <a:r>
-              <a:rPr lang="en"/>
-              <a:t>Tonality index 𝞪:</a:t>
-            </a:r>
-            <a:endParaRPr/>
-          </a:p>
-          <a:p>
-            <a:pPr marL="457200" lvl="0" indent="-342900" algn="l" rtl="0">
-              <a:spcBef>
-                <a:spcPts val="1200"/>
-              </a:spcBef>
-              <a:spcAft>
-                <a:spcPts val="0"/>
-              </a:spcAft>
-              <a:buSzPts val="1800"/>
-              <a:buChar char="●"/>
-            </a:pPr>
-            <a:r>
-              <a:rPr lang="en"/>
-              <a:t>Noisy signal: 𝞪 = 0</a:t>
-            </a:r>
-            <a:endParaRPr/>
-          </a:p>
-          <a:p>
-            <a:pPr marL="457200" lvl="0" indent="-342900" algn="l" rtl="0">
-              <a:spcBef>
-                <a:spcPts val="0"/>
-              </a:spcBef>
-              <a:spcAft>
-                <a:spcPts val="0"/>
-              </a:spcAft>
-              <a:buSzPts val="1800"/>
-              <a:buChar char="●"/>
-            </a:pPr>
-            <a:r>
-              <a:rPr lang="en"/>
-              <a:t>Tonal signal: 𝞪 = 1</a:t>
-            </a:r>
-            <a:endParaRPr/>
-          </a:p>
-          <a:p>
-            <a:pPr marL="0" lvl="0" indent="0" algn="l" rtl="0">
-              <a:spcBef>
-                <a:spcPts val="1200"/>
-              </a:spcBef>
-              <a:spcAft>
-                <a:spcPts val="0"/>
-              </a:spcAft>
-              <a:buNone/>
-            </a:pPr>
-            <a:r>
-              <a:rPr lang="en"/>
-              <a:t>Sharp spectral lines -&gt; signal is periodic -&gt; signal is predictable</a:t>
-            </a:r>
-            <a:endParaRPr/>
-          </a:p>
-          <a:p>
-            <a:pPr marL="0" lvl="0" indent="0" algn="l" rtl="0">
-              <a:spcBef>
-                <a:spcPts val="1200"/>
-              </a:spcBef>
-              <a:spcAft>
-                <a:spcPts val="1200"/>
-              </a:spcAft>
-              <a:buNone/>
-            </a:pPr>
-            <a:r>
-              <a:rPr lang="en"/>
-              <a:t>We can use prediction to approximate if a signal is tonal (by periodicity)</a:t>
-            </a:r>
-            <a:endParaRPr/>
-          </a:p>
-        </p:txBody>
-      </p:sp>
     </p:spTree>
   </p:cSld>
   <p:clrMapOvr>

--- a/lectures/4. Psychoacoustic principles.pptx
+++ b/lectures/4. Psychoacoustic principles.pptx
@@ -9600,23 +9600,35 @@
             <a:pPr lvl="1"/>
             <a:r>
               <a:rPr lang="en-US" dirty="0"/>
+              <a:t>examples/threshold-</a:t>
+            </a:r>
+            <a:r>
+              <a:rPr lang="en-US" dirty="0" err="1"/>
+              <a:t>quiet.ipynb</a:t>
+            </a:r>
+            <a:endParaRPr lang="en-US" dirty="0"/>
+          </a:p>
+          <a:p>
+            <a:pPr lvl="1"/>
+            <a:r>
+              <a:rPr lang="en-US" dirty="0"/>
+              <a:t>examples/bark-</a:t>
+            </a:r>
+            <a:r>
+              <a:rPr lang="en-US" dirty="0" err="1"/>
+              <a:t>scale.ipynb</a:t>
+            </a:r>
+            <a:endParaRPr lang="en-US" dirty="0"/>
+          </a:p>
+          <a:p>
+            <a:pPr lvl="1"/>
+            <a:r>
+              <a:rPr lang="en-US" dirty="0"/>
               <a:t>examples/frequency-</a:t>
             </a:r>
             <a:r>
               <a:rPr lang="en-US" dirty="0" err="1"/>
               <a:t>masking.ipynb</a:t>
-            </a:r>
-            <a:endParaRPr lang="en-US" dirty="0"/>
-          </a:p>
-          <a:p>
-            <a:pPr lvl="1"/>
-            <a:r>
-              <a:rPr lang="en-US" dirty="0"/>
-              <a:t>examples/threshold-</a:t>
-            </a:r>
-            <a:r>
-              <a:rPr lang="en-US" dirty="0" err="1"/>
-              <a:t>quiet.ipynb</a:t>
             </a:r>
             <a:endParaRPr lang="en-US" dirty="0"/>
           </a:p>

--- a/lectures/4. Psychoacoustic principles.pptx
+++ b/lectures/4. Psychoacoustic principles.pptx
@@ -10668,6 +10668,7 @@
         </p:nvPicPr>
         <p:blipFill>
           <a:blip r:embed="rId4"/>
+          <a:srcRect b="12136"/>
           <a:stretch>
             <a:fillRect/>
           </a:stretch>
@@ -10675,7 +10676,7 @@
         <p:spPr>
           <a:xfrm>
             <a:off x="1324082" y="4567533"/>
-            <a:ext cx="6495836" cy="434237"/>
+            <a:ext cx="6495836" cy="381539"/>
           </a:xfrm>
           <a:prstGeom prst="rect">
             <a:avLst/>
